--- a/Capstone project proposal presentation.pptx
+++ b/Capstone project proposal presentation.pptx
@@ -5,10 +5,10 @@
     <p:sldMasterId id="2147483924" r:id="rId2"/>
   </p:sldMasterIdLst>
   <p:notesMasterIdLst>
-    <p:notesMasterId r:id="rId11"/>
+    <p:notesMasterId r:id="rId14"/>
   </p:notesMasterIdLst>
   <p:handoutMasterIdLst>
-    <p:handoutMasterId r:id="rId12"/>
+    <p:handoutMasterId r:id="rId15"/>
   </p:handoutMasterIdLst>
   <p:sldIdLst>
     <p:sldId id="268" r:id="rId3"/>
@@ -16,9 +16,12 @@
     <p:sldId id="273" r:id="rId5"/>
     <p:sldId id="274" r:id="rId6"/>
     <p:sldId id="275" r:id="rId7"/>
-    <p:sldId id="276" r:id="rId8"/>
-    <p:sldId id="277" r:id="rId9"/>
-    <p:sldId id="278" r:id="rId10"/>
+    <p:sldId id="281" r:id="rId8"/>
+    <p:sldId id="280" r:id="rId9"/>
+    <p:sldId id="282" r:id="rId10"/>
+    <p:sldId id="276" r:id="rId11"/>
+    <p:sldId id="277" r:id="rId12"/>
+    <p:sldId id="278" r:id="rId13"/>
   </p:sldIdLst>
   <p:sldSz cx="12188825" cy="6858000"/>
   <p:notesSz cx="6858000" cy="9144000"/>
@@ -165,6 +168,35 @@
 </p:presentation>
 </file>
 
+<file path=ppt/commentAuthors.xml><?xml version="1.0" encoding="utf-8"?>
+<p:cmAuthorLst xmlns:a="http://schemas.openxmlformats.org/drawingml/2006/main" xmlns:r="http://schemas.openxmlformats.org/officeDocument/2006/relationships" xmlns:p="http://schemas.openxmlformats.org/presentationml/2006/main">
+  <p:cmAuthor id="2" name="Author" initials="A" lastIdx="2" clrIdx="1"/>
+</p:cmAuthorLst>
+</file>
+
+<file path=ppt/comments/comment1.xml><?xml version="1.0" encoding="utf-8"?>
+<p:cmLst xmlns:a="http://schemas.openxmlformats.org/drawingml/2006/main" xmlns:r="http://schemas.openxmlformats.org/officeDocument/2006/relationships" xmlns:p="http://schemas.openxmlformats.org/presentationml/2006/main">
+  <p:cm authorId="2" dt="2017-02-05T19:11:46.729" idx="1">
+    <p:pos x="10" y="10"/>
+    <p:text>Missing detail on timeline (number of weeks, starting date, ...)</p:text>
+    <p:extLst>
+      <p:ext uri="{C676402C-5697-4E1C-873F-D02D1690AC5C}">
+        <p15:threadingInfo xmlns:p15="http://schemas.microsoft.com/office/powerpoint/2012/main" timeZoneBias="480"/>
+      </p:ext>
+    </p:extLst>
+  </p:cm>
+  <p:cm authorId="2" dt="2017-02-05T19:12:20.435" idx="2">
+    <p:pos x="106" y="106"/>
+    <p:text>Do we need to include what we do in each step in the ppt, or we can do it verbally</p:text>
+    <p:extLst>
+      <p:ext uri="{C676402C-5697-4E1C-873F-D02D1690AC5C}">
+        <p15:threadingInfo xmlns:p15="http://schemas.microsoft.com/office/powerpoint/2012/main" timeZoneBias="480"/>
+      </p:ext>
+    </p:extLst>
+  </p:cm>
+</p:cmLst>
+</file>
+
 <file path=ppt/handoutMasters/handoutMaster1.xml><?xml version="1.0" encoding="utf-8"?>
 <p:handoutMaster xmlns:a="http://schemas.openxmlformats.org/drawingml/2006/main" xmlns:r="http://schemas.openxmlformats.org/officeDocument/2006/relationships" xmlns:p="http://schemas.openxmlformats.org/presentationml/2006/main">
   <p:cSld>
@@ -247,7 +279,7 @@
           <a:p>
             <a:fld id="{BEA74EB7-856E-45FD-83F0-5F7C6F3E4372}" type="datetimeFigureOut">
               <a:rPr lang="en-US"/>
-              <a:t>2/1/2017</a:t>
+              <a:t>2/5/2017</a:t>
             </a:fld>
             <a:endParaRPr dirty="0"/>
           </a:p>
@@ -412,7 +444,7 @@
           <a:p>
             <a:fld id="{C61B0E40-8125-41F8-BB6C-139D8D531A4F}" type="datetimeFigureOut">
               <a:rPr lang="en-US"/>
-              <a:t>2/1/2017</a:t>
+              <a:t>2/5/2017</a:t>
             </a:fld>
             <a:endParaRPr dirty="0"/>
           </a:p>
@@ -828,7 +860,7 @@
           <a:p>
             <a:fld id="{BF105DB2-FD3E-441D-8B7E-7AE83ECE27B3}" type="slidenum">
               <a:rPr lang="en-US" smtClean="0"/>
-              <a:t>6</a:t>
+              <a:t>9</a:t>
             </a:fld>
             <a:endParaRPr lang="en-US" dirty="0"/>
           </a:p>
@@ -912,7 +944,7 @@
           <a:p>
             <a:fld id="{BF105DB2-FD3E-441D-8B7E-7AE83ECE27B3}" type="slidenum">
               <a:rPr lang="en-US" smtClean="0"/>
-              <a:t>8</a:t>
+              <a:t>11</a:t>
             </a:fld>
             <a:endParaRPr lang="en-US" dirty="0"/>
           </a:p>
@@ -1311,7 +1343,7 @@
           <a:p>
             <a:fld id="{333B76B7-5811-4114-8A95-998148FFD529}" type="datetime1">
               <a:rPr lang="en-US" smtClean="0"/>
-              <a:t>2/1/2017</a:t>
+              <a:t>2/5/2017</a:t>
             </a:fld>
             <a:endParaRPr lang="en-US" dirty="0"/>
           </a:p>
@@ -1590,7 +1622,7 @@
           <a:p>
             <a:fld id="{175C077A-EF7A-41AA-8976-110EB7416C60}" type="datetime1">
               <a:rPr lang="en-US" smtClean="0"/>
-              <a:t>2/1/2017</a:t>
+              <a:t>2/5/2017</a:t>
             </a:fld>
             <a:endParaRPr lang="en-US" dirty="0"/>
           </a:p>
@@ -1789,7 +1821,7 @@
           <a:p>
             <a:fld id="{CFF5912B-6681-4BDF-AE10-F59636249FF3}" type="datetime1">
               <a:rPr lang="en-US" smtClean="0"/>
-              <a:t>2/1/2017</a:t>
+              <a:t>2/5/2017</a:t>
             </a:fld>
             <a:endParaRPr lang="en-US" dirty="0"/>
           </a:p>
@@ -1998,7 +2030,7 @@
           <a:p>
             <a:fld id="{905C8E22-D0BA-4CB4-9C32-B27533199514}" type="datetime1">
               <a:rPr lang="en-US" smtClean="0"/>
-              <a:t>2/1/2017</a:t>
+              <a:t>2/5/2017</a:t>
             </a:fld>
             <a:endParaRPr dirty="0"/>
           </a:p>
@@ -2187,7 +2219,7 @@
           <a:p>
             <a:fld id="{FC2180A9-7A83-412D-A8AC-5AF60A8AA507}" type="datetime1">
               <a:rPr lang="en-US" smtClean="0"/>
-              <a:t>2/1/2017</a:t>
+              <a:t>2/5/2017</a:t>
             </a:fld>
             <a:endParaRPr lang="en-US" dirty="0"/>
           </a:p>
@@ -2384,7 +2416,7 @@
           <a:p>
             <a:fld id="{6A563DF0-FDDF-4143-9D8C-6AF41892E174}" type="datetime1">
               <a:rPr lang="en-US" smtClean="0"/>
-              <a:t>2/1/2017</a:t>
+              <a:t>2/5/2017</a:t>
             </a:fld>
             <a:endParaRPr lang="en-US" dirty="0"/>
           </a:p>
@@ -2664,7 +2696,7 @@
           <a:p>
             <a:fld id="{38BB83F9-4677-4C31-8407-7919061A580B}" type="datetime1">
               <a:rPr lang="en-US" smtClean="0"/>
-              <a:t>2/1/2017</a:t>
+              <a:t>2/5/2017</a:t>
             </a:fld>
             <a:endParaRPr lang="en-US" dirty="0"/>
           </a:p>
@@ -2969,7 +3001,7 @@
           <a:p>
             <a:fld id="{C33939A6-3450-434F-A872-BEE63F7EB093}" type="datetime1">
               <a:rPr lang="en-US" smtClean="0"/>
-              <a:t>2/1/2017</a:t>
+              <a:t>2/5/2017</a:t>
             </a:fld>
             <a:endParaRPr lang="en-US" dirty="0"/>
           </a:p>
@@ -3418,7 +3450,7 @@
           <a:p>
             <a:fld id="{E3BABB1C-FA00-4171-BA31-4C5E719472F3}" type="datetime1">
               <a:rPr lang="en-US" smtClean="0"/>
-              <a:t>2/1/2017</a:t>
+              <a:t>2/5/2017</a:t>
             </a:fld>
             <a:endParaRPr lang="en-US" dirty="0"/>
           </a:p>
@@ -3699,7 +3731,7 @@
           <a:p>
             <a:fld id="{D76C8610-5B57-4C6B-BF9F-F5397A1F60B8}" type="datetime1">
               <a:rPr lang="en-US" smtClean="0"/>
-              <a:t>2/1/2017</a:t>
+              <a:t>2/5/2017</a:t>
             </a:fld>
             <a:endParaRPr lang="en-US" dirty="0"/>
           </a:p>
@@ -3854,7 +3886,7 @@
           <a:p>
             <a:fld id="{BADBF3DD-8B6D-46AA-BCA9-242D4EF63DDF}" type="datetime1">
               <a:rPr lang="en-US" smtClean="0"/>
-              <a:t>2/1/2017</a:t>
+              <a:t>2/5/2017</a:t>
             </a:fld>
             <a:endParaRPr lang="en-US" dirty="0"/>
           </a:p>
@@ -4200,7 +4232,7 @@
           <a:p>
             <a:fld id="{23C41AE9-3D4A-4A08-B03D-DC6D2ADF5464}" type="datetime1">
               <a:rPr lang="en-US" smtClean="0"/>
-              <a:t>2/1/2017</a:t>
+              <a:t>2/5/2017</a:t>
             </a:fld>
             <a:endParaRPr lang="en-US" dirty="0"/>
           </a:p>
@@ -4873,7 +4905,7 @@
           <a:p>
             <a:fld id="{5C6E67D0-0200-42BE-A0B2-78C70FBBB312}" type="datetime1">
               <a:rPr lang="en-US" smtClean="0"/>
-              <a:t>2/1/2017</a:t>
+              <a:t>2/5/2017</a:t>
             </a:fld>
             <a:endParaRPr lang="en-US" dirty="0"/>
           </a:p>
@@ -5436,7 +5468,12 @@
             <p:ph type="subTitle" idx="1"/>
           </p:nvPr>
         </p:nvSpPr>
-        <p:spPr/>
+        <p:spPr>
+          <a:xfrm>
+            <a:off x="1522413" y="5029200"/>
+            <a:ext cx="8229598" cy="838200"/>
+          </a:xfrm>
+        </p:spPr>
         <p:txBody>
           <a:bodyPr>
             <a:normAutofit fontScale="92500" lnSpcReduction="20000"/>
@@ -5445,19 +5482,39 @@
           <a:p>
             <a:r>
               <a:rPr lang="en-US" dirty="0"/>
-              <a:t>Students:</a:t>
+              <a:t>Students: Ha Tran, Thanh Le, Jeffrey Brown</a:t>
             </a:r>
           </a:p>
           <a:p>
             <a:r>
               <a:rPr lang="en-US" dirty="0"/>
-              <a:t>Advisor:</a:t>
-            </a:r>
-          </a:p>
-          <a:p>
+              <a:t>Advisor: </a:t>
+            </a:r>
+            <a:r>
+              <a:rPr lang="en-US" dirty="0" err="1"/>
+              <a:t>Branjmir</a:t>
+            </a:r>
             <a:r>
               <a:rPr lang="en-US" dirty="0"/>
-              <a:t>Sponsor:</a:t>
+              <a:t> </a:t>
+            </a:r>
+            <a:r>
+              <a:rPr lang="en-US" dirty="0"/>
+              <a:t>Pejcinovic</a:t>
+            </a:r>
+          </a:p>
+          <a:p>
+            <a:r>
+              <a:rPr lang="en-US" dirty="0"/>
+              <a:t>Sponsor: </a:t>
+            </a:r>
+            <a:r>
+              <a:rPr lang="en-US" dirty="0" err="1"/>
+              <a:t>Tangitek</a:t>
+            </a:r>
+            <a:r>
+              <a:rPr lang="en-US" dirty="0"/>
+              <a:t> LLC</a:t>
             </a:r>
           </a:p>
         </p:txBody>
@@ -5488,6 +5545,224 @@
     <p:extLst>
       <p:ext uri="{BB962C8B-B14F-4D97-AF65-F5344CB8AC3E}">
         <p14:creationId xmlns:p14="http://schemas.microsoft.com/office/powerpoint/2010/main" val="2957189582"/>
+      </p:ext>
+    </p:extLst>
+  </p:cSld>
+  <p:clrMapOvr>
+    <a:masterClrMapping/>
+  </p:clrMapOvr>
+  <mc:AlternateContent xmlns:mc="http://schemas.openxmlformats.org/markup-compatibility/2006" xmlns:p14="http://schemas.microsoft.com/office/powerpoint/2010/main">
+    <mc:Choice Requires="p14">
+      <p:transition spd="med" p14:dur="700">
+        <p:fade/>
+      </p:transition>
+    </mc:Choice>
+    <mc:Fallback xmlns="">
+      <p:transition spd="med">
+        <p:fade/>
+      </p:transition>
+    </mc:Fallback>
+  </mc:AlternateContent>
+</p:sld>
+</file>
+
+<file path=ppt/slides/slide10.xml><?xml version="1.0" encoding="utf-8"?>
+<p:sld xmlns:a="http://schemas.openxmlformats.org/drawingml/2006/main" xmlns:r="http://schemas.openxmlformats.org/officeDocument/2006/relationships" xmlns:p="http://schemas.openxmlformats.org/presentationml/2006/main">
+  <p:cSld>
+    <p:spTree>
+      <p:nvGrpSpPr>
+        <p:cNvPr id="1" name=""/>
+        <p:cNvGrpSpPr/>
+        <p:nvPr/>
+      </p:nvGrpSpPr>
+      <p:grpSpPr>
+        <a:xfrm>
+          <a:off x="0" y="0"/>
+          <a:ext cx="0" cy="0"/>
+          <a:chOff x="0" y="0"/>
+          <a:chExt cx="0" cy="0"/>
+        </a:xfrm>
+      </p:grpSpPr>
+      <p:sp>
+        <p:nvSpPr>
+          <p:cNvPr id="2" name="Content Placeholder 1"/>
+          <p:cNvSpPr>
+            <a:spLocks noGrp="1"/>
+          </p:cNvSpPr>
+          <p:nvPr>
+            <p:ph idx="1"/>
+          </p:nvPr>
+        </p:nvSpPr>
+        <p:spPr/>
+        <p:txBody>
+          <a:bodyPr/>
+          <a:lstStyle/>
+          <a:p>
+            <a:r>
+              <a:rPr lang="en-US" dirty="0"/>
+              <a:t>Finish gathering parts avaialble at PSU. We need detailed information about sample size and antenna/waveguide printing capability</a:t>
+            </a:r>
+          </a:p>
+          <a:p>
+            <a:r>
+              <a:rPr lang="en-US" dirty="0"/>
+              <a:t>Equations and measurement setup for prototype of NRL arch and waveguide are avaialble.</a:t>
+            </a:r>
+          </a:p>
+          <a:p>
+            <a:endParaRPr lang="en-US" dirty="0"/>
+          </a:p>
+        </p:txBody>
+      </p:sp>
+      <p:sp>
+        <p:nvSpPr>
+          <p:cNvPr id="3" name="Title 2"/>
+          <p:cNvSpPr>
+            <a:spLocks noGrp="1"/>
+          </p:cNvSpPr>
+          <p:nvPr>
+            <p:ph type="title"/>
+          </p:nvPr>
+        </p:nvSpPr>
+        <p:spPr/>
+        <p:txBody>
+          <a:bodyPr/>
+          <a:lstStyle/>
+          <a:p>
+            <a:r>
+              <a:rPr lang="en-US" dirty="0"/>
+              <a:t>Current Status</a:t>
+            </a:r>
+          </a:p>
+        </p:txBody>
+      </p:sp>
+    </p:spTree>
+    <p:extLst>
+      <p:ext uri="{BB962C8B-B14F-4D97-AF65-F5344CB8AC3E}">
+        <p14:creationId xmlns:p14="http://schemas.microsoft.com/office/powerpoint/2010/main" val="1200217142"/>
+      </p:ext>
+    </p:extLst>
+  </p:cSld>
+  <p:clrMapOvr>
+    <a:masterClrMapping/>
+  </p:clrMapOvr>
+  <mc:AlternateContent xmlns:mc="http://schemas.openxmlformats.org/markup-compatibility/2006" xmlns:p14="http://schemas.microsoft.com/office/powerpoint/2010/main">
+    <mc:Choice Requires="p14">
+      <p:transition spd="med" p14:dur="700">
+        <p:fade/>
+      </p:transition>
+    </mc:Choice>
+    <mc:Fallback xmlns="">
+      <p:transition spd="med">
+        <p:fade/>
+      </p:transition>
+    </mc:Fallback>
+  </mc:AlternateContent>
+</p:sld>
+</file>
+
+<file path=ppt/slides/slide11.xml><?xml version="1.0" encoding="utf-8"?>
+<p:sld xmlns:a="http://schemas.openxmlformats.org/drawingml/2006/main" xmlns:r="http://schemas.openxmlformats.org/officeDocument/2006/relationships" xmlns:p="http://schemas.openxmlformats.org/presentationml/2006/main">
+  <p:cSld>
+    <p:spTree>
+      <p:nvGrpSpPr>
+        <p:cNvPr id="1" name=""/>
+        <p:cNvGrpSpPr/>
+        <p:nvPr/>
+      </p:nvGrpSpPr>
+      <p:grpSpPr>
+        <a:xfrm>
+          <a:off x="0" y="0"/>
+          <a:ext cx="0" cy="0"/>
+          <a:chOff x="0" y="0"/>
+          <a:chExt cx="0" cy="0"/>
+        </a:xfrm>
+      </p:grpSpPr>
+      <p:sp>
+        <p:nvSpPr>
+          <p:cNvPr id="2" name="Content Placeholder 1"/>
+          <p:cNvSpPr>
+            <a:spLocks noGrp="1"/>
+          </p:cNvSpPr>
+          <p:nvPr>
+            <p:ph idx="1"/>
+          </p:nvPr>
+        </p:nvSpPr>
+        <p:spPr/>
+        <p:txBody>
+          <a:bodyPr>
+            <a:normAutofit/>
+          </a:bodyPr>
+          <a:lstStyle/>
+          <a:p>
+            <a:r>
+              <a:rPr lang="en-US" dirty="0"/>
+              <a:t>GitHub: </a:t>
+            </a:r>
+            <a:r>
+              <a:rPr lang="en-US" dirty="0">
+                <a:hlinkClick r:id="rId3"/>
+              </a:rPr>
+              <a:t>https://github.com/trankhiemha/ECE412-413-Capstone-Project-N3</a:t>
+            </a:r>
+            <a:endParaRPr lang="en-US" dirty="0"/>
+          </a:p>
+          <a:p>
+            <a:r>
+              <a:rPr lang="en-US" dirty="0"/>
+              <a:t>Trello page: </a:t>
+            </a:r>
+            <a:r>
+              <a:rPr lang="en-US" dirty="0">
+                <a:hlinkClick r:id="rId4"/>
+              </a:rPr>
+              <a:t>https://trello.com/b/Ov0bqGiB/initial-cf-planning</a:t>
+            </a:r>
+            <a:endParaRPr lang="en-US" dirty="0"/>
+          </a:p>
+          <a:p>
+            <a:r>
+              <a:rPr lang="en-US" dirty="0"/>
+              <a:t>All related documents are available in GitHub</a:t>
+            </a:r>
+          </a:p>
+          <a:p>
+            <a:r>
+              <a:rPr lang="en-US" dirty="0"/>
+              <a:t>Project progression tracking is available in Trello</a:t>
+            </a:r>
+          </a:p>
+          <a:p>
+            <a:endParaRPr lang="en-US" dirty="0"/>
+          </a:p>
+        </p:txBody>
+      </p:sp>
+      <p:sp>
+        <p:nvSpPr>
+          <p:cNvPr id="3" name="Title 2"/>
+          <p:cNvSpPr>
+            <a:spLocks noGrp="1"/>
+          </p:cNvSpPr>
+          <p:nvPr>
+            <p:ph type="title"/>
+          </p:nvPr>
+        </p:nvSpPr>
+        <p:spPr/>
+        <p:txBody>
+          <a:bodyPr/>
+          <a:lstStyle/>
+          <a:p>
+            <a:r>
+              <a:rPr lang="en-US" dirty="0"/>
+              <a:t>Related Documents and References</a:t>
+            </a:r>
+          </a:p>
+        </p:txBody>
+      </p:sp>
+    </p:spTree>
+    <p:extLst>
+      <p:ext uri="{BB962C8B-B14F-4D97-AF65-F5344CB8AC3E}">
+        <p14:creationId xmlns:p14="http://schemas.microsoft.com/office/powerpoint/2010/main" val="897847061"/>
       </p:ext>
     </p:extLst>
   </p:cSld>
@@ -5651,7 +5926,7 @@
             </a:pPr>
             <a:r>
               <a:rPr lang="en-US" dirty="0"/>
-              <a:t>Introduction of Trello, where we update our weekly progress</a:t>
+              <a:t>Trello, GitHub, Giant Chart</a:t>
             </a:r>
           </a:p>
           <a:p>
@@ -5661,17 +5936,47 @@
             </a:pPr>
             <a:r>
               <a:rPr lang="en-US" dirty="0"/>
-              <a:t>Introduction of GitHub, where we keep all the documents with revision control</a:t>
-            </a:r>
-          </a:p>
-          <a:p>
-            <a:pPr>
+              <a:t>Project main phase</a:t>
+            </a:r>
+          </a:p>
+          <a:p>
+            <a:pPr lvl="1">
               <a:buFontTx/>
               <a:buChar char="-"/>
             </a:pPr>
             <a:r>
               <a:rPr lang="en-US" dirty="0"/>
-              <a:t>Show Gantt Chart here</a:t>
+              <a:t>Project Initialization: Research for approaches of material characterization</a:t>
+            </a:r>
+          </a:p>
+          <a:p>
+            <a:pPr lvl="1">
+              <a:buFontTx/>
+              <a:buChar char="-"/>
+            </a:pPr>
+            <a:r>
+              <a:rPr lang="en-US" dirty="0"/>
+              <a:t>Prototype: NRL arch and waveguide with current part availability. Absorption coeffect of control sample (PVC) is calculated and compared with previous result</a:t>
+            </a:r>
+          </a:p>
+          <a:p>
+            <a:pPr lvl="1">
+              <a:buFontTx/>
+              <a:buChar char="-"/>
+            </a:pPr>
+            <a:r>
+              <a:rPr lang="en-US" dirty="0"/>
+              <a:t>Optimization: cover all frequency ranges, arch for antenna, antenna chamber.</a:t>
+            </a:r>
+          </a:p>
+          <a:p>
+            <a:pPr lvl="1">
+              <a:buFontTx/>
+              <a:buChar char="-"/>
+            </a:pPr>
+            <a:r>
+              <a:rPr lang="en-US" dirty="0"/>
+              <a:t>Presentation: PSU capstone presentation</a:t>
             </a:r>
           </a:p>
         </p:txBody>
@@ -5764,14 +6069,14 @@
             <a:pPr lvl="1"/>
             <a:r>
               <a:rPr lang="en-US" dirty="0"/>
-              <a:t>Advantage:</a:t>
+              <a:t>Advantage: Industrial standards, different incident/reflection angles</a:t>
             </a:r>
           </a:p>
           <a:p>
             <a:pPr lvl="1"/>
             <a:r>
               <a:rPr lang="en-US" dirty="0"/>
-              <a:t>Disadvantage:</a:t>
+              <a:t>Disadvantage: Big sample size (greater than 5 lambda), antenna alignment</a:t>
             </a:r>
           </a:p>
           <a:p>
@@ -5784,14 +6089,14 @@
             <a:pPr lvl="1"/>
             <a:r>
               <a:rPr lang="en-US" dirty="0"/>
-              <a:t>Advantage:</a:t>
+              <a:t>Advantage: Higher dynamic range, small sample</a:t>
             </a:r>
           </a:p>
           <a:p>
             <a:pPr lvl="1"/>
             <a:r>
               <a:rPr lang="en-US" dirty="0"/>
-              <a:t>Disadvantage:</a:t>
+              <a:t>Disadvantage: sample preparation (require perfect contact between sample and waveguides)</a:t>
             </a:r>
           </a:p>
         </p:txBody>
@@ -6089,14 +6394,256 @@
           </a:p>
         </p:txBody>
       </p:sp>
-      <p:sp>
-        <p:nvSpPr>
-          <p:cNvPr id="2" name="Content Placeholder 1"/>
-          <p:cNvSpPr>
-            <a:spLocks noGrp="1"/>
-          </p:cNvSpPr>
-          <p:nvPr>
-            <p:ph idx="1"/>
+      <mc:AlternateContent xmlns:mc="http://schemas.openxmlformats.org/markup-compatibility/2006">
+        <mc:Choice xmlns:a14="http://schemas.microsoft.com/office/drawing/2010/main" Requires="a14">
+          <p:sp>
+            <p:nvSpPr>
+              <p:cNvPr id="2" name="Content Placeholder 1"/>
+              <p:cNvSpPr>
+                <a:spLocks noGrp="1"/>
+              </p:cNvSpPr>
+              <p:nvPr>
+                <p:ph idx="1"/>
+              </p:nvPr>
+            </p:nvSpPr>
+            <p:spPr/>
+            <p:txBody>
+              <a:bodyPr/>
+              <a:lstStyle/>
+              <a:p>
+                <a:r>
+                  <a:rPr lang="en-US" dirty="0"/>
+                  <a:t>SAS-510-4 </a:t>
+                </a:r>
+                <a:r>
+                  <a:rPr lang="en-US" dirty="0"/>
+                  <a:t>Log Periodic Antennas</a:t>
+                </a:r>
+              </a:p>
+              <a:p>
+                <a:r>
+                  <a:rPr lang="en-US" dirty="0"/>
+                  <a:t>Frequency Range: 290 MHz to 4 GHz</a:t>
+                </a:r>
+              </a:p>
+              <a:p>
+                <a:r>
+                  <a:rPr lang="en-US" dirty="0"/>
+                  <a:t>Physical dimension: 60.4 cm x 51.1 cm</a:t>
+                </a:r>
+              </a:p>
+              <a:p>
+                <a14:m>
+                  <m:oMath xmlns:m="http://schemas.openxmlformats.org/officeDocument/2006/math">
+                    <m:r>
+                      <m:rPr>
+                        <m:sty m:val="p"/>
+                      </m:rPr>
+                      <a:rPr lang="en-US" b="0" i="0" smtClean="0">
+                        <a:latin typeface="Cambria Math" panose="02040503050406030204" pitchFamily="18" charset="0"/>
+                      </a:rPr>
+                      <m:t>Fai</m:t>
+                    </m:r>
+                    <m:r>
+                      <a:rPr lang="en-US" b="0" i="1" smtClean="0">
+                        <a:latin typeface="Cambria Math" panose="02040503050406030204" pitchFamily="18" charset="0"/>
+                      </a:rPr>
+                      <m:t>𝑟</m:t>
+                    </m:r>
+                    <m:r>
+                      <a:rPr lang="en-US" b="0" i="1" smtClean="0">
+                        <a:latin typeface="Cambria Math" panose="02040503050406030204" pitchFamily="18" charset="0"/>
+                      </a:rPr>
+                      <m:t> </m:t>
+                    </m:r>
+                    <m:r>
+                      <a:rPr lang="en-US" b="0" i="1" smtClean="0">
+                        <a:latin typeface="Cambria Math" panose="02040503050406030204" pitchFamily="18" charset="0"/>
+                      </a:rPr>
+                      <m:t>𝐹𝑖𝑒𝑙𝑑</m:t>
+                    </m:r>
+                    <m:r>
+                      <a:rPr lang="en-US" b="0" i="1" smtClean="0">
+                        <a:latin typeface="Cambria Math" panose="02040503050406030204" pitchFamily="18" charset="0"/>
+                      </a:rPr>
+                      <m:t>&gt;</m:t>
+                    </m:r>
+                    <m:f>
+                      <m:fPr>
+                        <m:ctrlPr>
+                          <a:rPr lang="en-US" b="0" i="1" smtClean="0">
+                            <a:latin typeface="Cambria Math" panose="02040503050406030204" pitchFamily="18" charset="0"/>
+                          </a:rPr>
+                        </m:ctrlPr>
+                      </m:fPr>
+                      <m:num>
+                        <m:r>
+                          <a:rPr lang="en-US" b="0" i="1" smtClean="0">
+                            <a:latin typeface="Cambria Math" panose="02040503050406030204" pitchFamily="18" charset="0"/>
+                          </a:rPr>
+                          <m:t>2∗</m:t>
+                        </m:r>
+                        <m:sSup>
+                          <m:sSupPr>
+                            <m:ctrlPr>
+                              <a:rPr lang="en-US" b="0" i="1" smtClean="0">
+                                <a:latin typeface="Cambria Math" panose="02040503050406030204" pitchFamily="18" charset="0"/>
+                              </a:rPr>
+                            </m:ctrlPr>
+                          </m:sSupPr>
+                          <m:e>
+                            <m:sSub>
+                              <m:sSubPr>
+                                <m:ctrlPr>
+                                  <a:rPr lang="en-US" i="1">
+                                    <a:latin typeface="Cambria Math" panose="02040503050406030204" pitchFamily="18" charset="0"/>
+                                  </a:rPr>
+                                </m:ctrlPr>
+                              </m:sSubPr>
+                              <m:e>
+                                <m:r>
+                                  <a:rPr lang="en-US" i="1">
+                                    <a:latin typeface="Cambria Math" panose="02040503050406030204" pitchFamily="18" charset="0"/>
+                                  </a:rPr>
+                                  <m:t>𝐷</m:t>
+                                </m:r>
+                              </m:e>
+                              <m:sub>
+                                <m:r>
+                                  <a:rPr lang="en-US" i="1">
+                                    <a:latin typeface="Cambria Math" panose="02040503050406030204" pitchFamily="18" charset="0"/>
+                                  </a:rPr>
+                                  <m:t>𝑚𝑎𝑥</m:t>
+                                </m:r>
+                              </m:sub>
+                            </m:sSub>
+                          </m:e>
+                          <m:sup>
+                            <m:r>
+                              <a:rPr lang="en-US" b="0" i="1" smtClean="0">
+                                <a:latin typeface="Cambria Math" panose="02040503050406030204" pitchFamily="18" charset="0"/>
+                              </a:rPr>
+                              <m:t>2</m:t>
+                            </m:r>
+                          </m:sup>
+                        </m:sSup>
+                        <m:r>
+                          <a:rPr lang="en-US" b="0" i="1" smtClean="0">
+                            <a:latin typeface="Cambria Math" panose="02040503050406030204" pitchFamily="18" charset="0"/>
+                          </a:rPr>
+                          <m:t>∗</m:t>
+                        </m:r>
+                        <m:r>
+                          <a:rPr lang="en-US" b="0" i="1" smtClean="0">
+                            <a:latin typeface="Cambria Math" panose="02040503050406030204" pitchFamily="18" charset="0"/>
+                          </a:rPr>
+                          <m:t>𝑓</m:t>
+                        </m:r>
+                      </m:num>
+                      <m:den>
+                        <m:r>
+                          <a:rPr lang="en-US" b="0" i="1" smtClean="0">
+                            <a:latin typeface="Cambria Math" panose="02040503050406030204" pitchFamily="18" charset="0"/>
+                            <a:ea typeface="Cambria Math" panose="02040503050406030204" pitchFamily="18" charset="0"/>
+                          </a:rPr>
+                          <m:t>𝑐</m:t>
+                        </m:r>
+                      </m:den>
+                    </m:f>
+                    <m:r>
+                      <a:rPr lang="en-US" b="0" i="0" smtClean="0">
+                        <a:latin typeface="Cambria Math" panose="02040503050406030204" pitchFamily="18" charset="0"/>
+                      </a:rPr>
+                      <m:t>=10 </m:t>
+                    </m:r>
+                    <m:r>
+                      <m:rPr>
+                        <m:sty m:val="p"/>
+                      </m:rPr>
+                      <a:rPr lang="en-US" b="0" i="0" smtClean="0">
+                        <a:latin typeface="Cambria Math" panose="02040503050406030204" pitchFamily="18" charset="0"/>
+                      </a:rPr>
+                      <m:t>m</m:t>
+                    </m:r>
+                    <m:r>
+                      <a:rPr lang="en-US" b="0" i="0" smtClean="0">
+                        <a:latin typeface="Cambria Math" panose="02040503050406030204" pitchFamily="18" charset="0"/>
+                      </a:rPr>
+                      <m:t> </m:t>
+                    </m:r>
+                  </m:oMath>
+                </a14:m>
+                <a:endParaRPr lang="en-US" b="0" dirty="0"/>
+              </a:p>
+              <a:p>
+                <a:r>
+                  <a:rPr lang="en-US" dirty="0"/>
+                  <a:t>Adjustable Dipole (400 MHz to 1 GHz),</a:t>
+                </a:r>
+              </a:p>
+              <a:p>
+                <a:pPr marL="0" indent="0">
+                  <a:buNone/>
+                </a:pPr>
+                <a:r>
+                  <a:rPr lang="en-US" dirty="0"/>
+                  <a:t>and horn antenna in X-band is also avaialble at PSU </a:t>
+                </a:r>
+              </a:p>
+              <a:p>
+                <a:endParaRPr lang="en-US" dirty="0"/>
+              </a:p>
+              <a:p>
+                <a:pPr marL="0" indent="0">
+                  <a:buNone/>
+                </a:pPr>
+                <a:endParaRPr lang="en-US" dirty="0"/>
+              </a:p>
+            </p:txBody>
+          </p:sp>
+        </mc:Choice>
+        <mc:Fallback>
+          <p:sp>
+            <p:nvSpPr>
+              <p:cNvPr id="2" name="Content Placeholder 1"/>
+              <p:cNvSpPr>
+                <a:spLocks noGrp="1" noRot="1" noChangeAspect="1" noMove="1" noResize="1" noEditPoints="1" noAdjustHandles="1" noChangeArrowheads="1" noChangeShapeType="1" noTextEdit="1"/>
+              </p:cNvSpPr>
+              <p:nvPr>
+                <p:ph idx="1"/>
+              </p:nvPr>
+            </p:nvSpPr>
+            <p:spPr>
+              <a:blipFill>
+                <a:blip r:embed="rId2"/>
+                <a:stretch>
+                  <a:fillRect l="-1067" t="-2310"/>
+                </a:stretch>
+              </a:blipFill>
+            </p:spPr>
+            <p:txBody>
+              <a:bodyPr/>
+              <a:lstStyle/>
+              <a:p>
+                <a:r>
+                  <a:rPr lang="en-US">
+                    <a:noFill/>
+                  </a:rPr>
+                  <a:t> </a:t>
+                </a:r>
+              </a:p>
+            </p:txBody>
+          </p:sp>
+        </mc:Fallback>
+      </mc:AlternateContent>
+      <p:sp>
+        <p:nvSpPr>
+          <p:cNvPr id="3" name="Title 2"/>
+          <p:cNvSpPr>
+            <a:spLocks noGrp="1"/>
+          </p:cNvSpPr>
+          <p:nvPr>
+            <p:ph type="title"/>
           </p:nvPr>
         </p:nvSpPr>
         <p:spPr/>
@@ -6106,73 +6653,52 @@
           <a:p>
             <a:r>
               <a:rPr lang="en-US" dirty="0"/>
-              <a:t>Measurement setup</a:t>
-            </a:r>
-          </a:p>
-          <a:p>
-            <a:pPr lvl="1"/>
-            <a:r>
-              <a:rPr lang="en-US" dirty="0"/>
-              <a:t>Where an reflective measurement with two antenna (picture) and waveguide (picture). Need detail on frequency range, sample sizes.</a:t>
-            </a:r>
-          </a:p>
-          <a:p>
-            <a:pPr lvl="1"/>
-            <a:r>
-              <a:rPr lang="en-US" dirty="0"/>
-              <a:t>Benefit: can take advantages of parts available at PSU for fast results before committing to buy/build some components.</a:t>
-            </a:r>
-          </a:p>
-          <a:p>
-            <a:r>
-              <a:rPr lang="en-US" dirty="0"/>
-              <a:t>Software</a:t>
-            </a:r>
-          </a:p>
-          <a:p>
-            <a:pPr lvl="1"/>
-            <a:r>
-              <a:rPr lang="en-US" dirty="0"/>
-              <a:t>MATLAB: extract data. Available for students at PSU</a:t>
-            </a:r>
-          </a:p>
-          <a:p>
-            <a:pPr lvl="1"/>
-            <a:r>
-              <a:rPr lang="en-US" dirty="0"/>
-              <a:t>EM Pro: simulation. Available for students at PSU</a:t>
-            </a:r>
-          </a:p>
-          <a:p>
-            <a:pPr marL="0" indent="0">
-              <a:buNone/>
-            </a:pPr>
-            <a:endParaRPr lang="en-US" dirty="0"/>
-          </a:p>
-        </p:txBody>
-      </p:sp>
-      <p:sp>
-        <p:nvSpPr>
-          <p:cNvPr id="3" name="Title 2"/>
-          <p:cNvSpPr>
-            <a:spLocks noGrp="1"/>
-          </p:cNvSpPr>
-          <p:nvPr>
-            <p:ph type="title"/>
-          </p:nvPr>
-        </p:nvSpPr>
-        <p:spPr/>
-        <p:txBody>
-          <a:bodyPr/>
-          <a:lstStyle/>
-          <a:p>
-            <a:r>
-              <a:rPr lang="en-US" dirty="0"/>
-              <a:t>Procedures: Prototype</a:t>
-            </a:r>
-          </a:p>
-        </p:txBody>
-      </p:sp>
+              <a:t>NRL arch prototype: Antennas</a:t>
+            </a:r>
+          </a:p>
+        </p:txBody>
+      </p:sp>
+      <p:pic>
+        <p:nvPicPr>
+          <p:cNvPr id="1028" name="Picture 4" descr="No automatic alt text available."/>
+          <p:cNvPicPr>
+            <a:picLocks noChangeAspect="1" noChangeArrowheads="1"/>
+          </p:cNvPicPr>
+          <p:nvPr/>
+        </p:nvPicPr>
+        <p:blipFill>
+          <a:blip r:embed="rId3">
+            <a:extLst>
+              <a:ext uri="{28A0092B-C50C-407E-A947-70E740481C1C}">
+                <a14:useLocalDpi xmlns:a14="http://schemas.microsoft.com/office/drawing/2010/main" val="0"/>
+              </a:ext>
+            </a:extLst>
+          </a:blip>
+          <a:srcRect/>
+          <a:stretch>
+            <a:fillRect/>
+          </a:stretch>
+        </p:blipFill>
+        <p:spPr bwMode="auto">
+          <a:xfrm>
+            <a:off x="6856412" y="1905000"/>
+            <a:ext cx="4842933" cy="2724150"/>
+          </a:xfrm>
+          <a:prstGeom prst="rect">
+            <a:avLst/>
+          </a:prstGeom>
+          <a:noFill/>
+          <a:extLst>
+            <a:ext uri="{909E8E84-426E-40DD-AFC4-6F175D3DCCD1}">
+              <a14:hiddenFill xmlns:a14="http://schemas.microsoft.com/office/drawing/2010/main">
+                <a:solidFill>
+                  <a:srgbClr val="FFFFFF"/>
+                </a:solidFill>
+              </a14:hiddenFill>
+            </a:ext>
+          </a:extLst>
+        </p:spPr>
+      </p:pic>
     </p:spTree>
     <p:extLst>
       <p:ext uri="{BB962C8B-B14F-4D97-AF65-F5344CB8AC3E}">
@@ -6199,6 +6725,491 @@
 </file>
 
 <file path=ppt/slides/slide6.xml><?xml version="1.0" encoding="utf-8"?>
+<p:sld xmlns:a="http://schemas.openxmlformats.org/drawingml/2006/main" xmlns:r="http://schemas.openxmlformats.org/officeDocument/2006/relationships" xmlns:p="http://schemas.openxmlformats.org/presentationml/2006/main">
+  <p:cSld>
+    <p:spTree>
+      <p:nvGrpSpPr>
+        <p:cNvPr id="1" name=""/>
+        <p:cNvGrpSpPr/>
+        <p:nvPr/>
+      </p:nvGrpSpPr>
+      <p:grpSpPr>
+        <a:xfrm>
+          <a:off x="0" y="0"/>
+          <a:ext cx="0" cy="0"/>
+          <a:chOff x="0" y="0"/>
+          <a:chExt cx="0" cy="0"/>
+        </a:xfrm>
+      </p:grpSpPr>
+      <p:sp>
+        <p:nvSpPr>
+          <p:cNvPr id="2" name="Content Placeholder 1"/>
+          <p:cNvSpPr>
+            <a:spLocks noGrp="1"/>
+          </p:cNvSpPr>
+          <p:nvPr>
+            <p:ph idx="1"/>
+          </p:nvPr>
+        </p:nvSpPr>
+        <p:spPr>
+          <a:xfrm>
+            <a:off x="836612" y="1981200"/>
+            <a:ext cx="5486400" cy="3843654"/>
+          </a:xfrm>
+        </p:spPr>
+        <p:txBody>
+          <a:bodyPr/>
+          <a:lstStyle/>
+          <a:p>
+            <a:r>
+              <a:rPr lang="en-US" dirty="0"/>
+              <a:t>VNA is used as both the stimulus and detector of microwave signals</a:t>
+            </a:r>
+          </a:p>
+          <a:p>
+            <a:r>
+              <a:rPr lang="en-US" dirty="0"/>
+              <a:t>Signal from the reflective plate (without the sample) provides a reference signal for calibration</a:t>
+            </a:r>
+          </a:p>
+          <a:p>
+            <a:r>
+              <a:rPr lang="en-US" dirty="0"/>
+              <a:t>Reflectivity in dB = 10*log10 (P1/P0)</a:t>
+            </a:r>
+          </a:p>
+          <a:p>
+            <a:r>
+              <a:rPr lang="en-US" dirty="0"/>
+              <a:t>Absorption coefficient of PVC is calculated and compared.</a:t>
+            </a:r>
+          </a:p>
+        </p:txBody>
+      </p:sp>
+      <p:sp>
+        <p:nvSpPr>
+          <p:cNvPr id="3" name="Title 2"/>
+          <p:cNvSpPr>
+            <a:spLocks noGrp="1"/>
+          </p:cNvSpPr>
+          <p:nvPr>
+            <p:ph type="title"/>
+          </p:nvPr>
+        </p:nvSpPr>
+        <p:spPr/>
+        <p:txBody>
+          <a:bodyPr/>
+          <a:lstStyle/>
+          <a:p>
+            <a:r>
+              <a:rPr lang="en-US" dirty="0"/>
+              <a:t>NRL arch prototype: Measurement setup</a:t>
+            </a:r>
+            <a:endParaRPr lang="en-US" dirty="0"/>
+          </a:p>
+        </p:txBody>
+      </p:sp>
+      <p:pic>
+        <p:nvPicPr>
+          <p:cNvPr id="6" name="Picture 5"/>
+          <p:cNvPicPr>
+            <a:picLocks noChangeAspect="1"/>
+          </p:cNvPicPr>
+          <p:nvPr/>
+        </p:nvPicPr>
+        <p:blipFill>
+          <a:blip r:embed="rId2"/>
+          <a:stretch>
+            <a:fillRect/>
+          </a:stretch>
+        </p:blipFill>
+        <p:spPr>
+          <a:xfrm>
+            <a:off x="6780214" y="1758810"/>
+            <a:ext cx="3886200" cy="4066044"/>
+          </a:xfrm>
+          <a:prstGeom prst="rect">
+            <a:avLst/>
+          </a:prstGeom>
+        </p:spPr>
+      </p:pic>
+    </p:spTree>
+    <p:extLst>
+      <p:ext uri="{BB962C8B-B14F-4D97-AF65-F5344CB8AC3E}">
+        <p14:creationId xmlns:p14="http://schemas.microsoft.com/office/powerpoint/2010/main" val="115972418"/>
+      </p:ext>
+    </p:extLst>
+  </p:cSld>
+  <p:clrMapOvr>
+    <a:masterClrMapping/>
+  </p:clrMapOvr>
+  <mc:AlternateContent xmlns:mc="http://schemas.openxmlformats.org/markup-compatibility/2006" xmlns:p14="http://schemas.microsoft.com/office/powerpoint/2010/main">
+    <mc:Choice Requires="p14">
+      <p:transition spd="med" p14:dur="700">
+        <p:fade/>
+      </p:transition>
+    </mc:Choice>
+    <mc:Fallback xmlns="">
+      <p:transition spd="med">
+        <p:fade/>
+      </p:transition>
+    </mc:Fallback>
+  </mc:AlternateContent>
+</p:sld>
+</file>
+
+<file path=ppt/slides/slide7.xml><?xml version="1.0" encoding="utf-8"?>
+<p:sld xmlns:a="http://schemas.openxmlformats.org/drawingml/2006/main" xmlns:r="http://schemas.openxmlformats.org/officeDocument/2006/relationships" xmlns:p="http://schemas.openxmlformats.org/presentationml/2006/main">
+  <p:cSld>
+    <p:spTree>
+      <p:nvGrpSpPr>
+        <p:cNvPr id="1" name=""/>
+        <p:cNvGrpSpPr/>
+        <p:nvPr/>
+      </p:nvGrpSpPr>
+      <p:grpSpPr>
+        <a:xfrm>
+          <a:off x="0" y="0"/>
+          <a:ext cx="0" cy="0"/>
+          <a:chOff x="0" y="0"/>
+          <a:chExt cx="0" cy="0"/>
+        </a:xfrm>
+      </p:grpSpPr>
+      <p:sp>
+        <p:nvSpPr>
+          <p:cNvPr id="2" name="Content Placeholder 1"/>
+          <p:cNvSpPr>
+            <a:spLocks noGrp="1"/>
+          </p:cNvSpPr>
+          <p:nvPr>
+            <p:ph idx="1"/>
+          </p:nvPr>
+        </p:nvSpPr>
+        <p:spPr>
+          <a:xfrm>
+            <a:off x="836612" y="1981200"/>
+            <a:ext cx="5486400" cy="3843654"/>
+          </a:xfrm>
+        </p:spPr>
+        <p:txBody>
+          <a:bodyPr>
+            <a:normAutofit lnSpcReduction="10000"/>
+          </a:bodyPr>
+          <a:lstStyle/>
+          <a:p>
+            <a:r>
+              <a:rPr lang="en-US" dirty="0"/>
+              <a:t>L: a segment of rectangular waveguide where a sample has been placed</a:t>
+            </a:r>
+          </a:p>
+          <a:p>
+            <a:r>
+              <a:rPr lang="en-US" dirty="0"/>
+              <a:t>L1, L2: hollow rectangular waveguide</a:t>
+            </a:r>
+          </a:p>
+          <a:p>
+            <a:r>
+              <a:rPr lang="en-US" dirty="0"/>
+              <a:t>Port 1 and Port 2 are connected to VNA </a:t>
+            </a:r>
+          </a:p>
+          <a:p>
+            <a:pPr marL="0" indent="0">
+              <a:buNone/>
+            </a:pPr>
+            <a:r>
+              <a:rPr lang="en-US" dirty="0"/>
+              <a:t>using adapters.</a:t>
+            </a:r>
+          </a:p>
+          <a:p>
+            <a:r>
+              <a:rPr lang="en-US" dirty="0"/>
+              <a:t>Equations for complex epsilon and mu are provided in Microwave Electronics: Measurement and Materials Characterization</a:t>
+            </a:r>
+          </a:p>
+        </p:txBody>
+      </p:sp>
+      <p:sp>
+        <p:nvSpPr>
+          <p:cNvPr id="3" name="Title 2"/>
+          <p:cNvSpPr>
+            <a:spLocks noGrp="1"/>
+          </p:cNvSpPr>
+          <p:nvPr>
+            <p:ph type="title"/>
+          </p:nvPr>
+        </p:nvSpPr>
+        <p:spPr/>
+        <p:txBody>
+          <a:bodyPr/>
+          <a:lstStyle/>
+          <a:p>
+            <a:r>
+              <a:rPr lang="en-US" dirty="0"/>
+              <a:t>Waveguide prototype: measurement setup</a:t>
+            </a:r>
+            <a:endParaRPr lang="en-US" dirty="0"/>
+          </a:p>
+        </p:txBody>
+      </p:sp>
+      <p:pic>
+        <p:nvPicPr>
+          <p:cNvPr id="7" name="Picture 6"/>
+          <p:cNvPicPr>
+            <a:picLocks noChangeAspect="1"/>
+          </p:cNvPicPr>
+          <p:nvPr/>
+        </p:nvPicPr>
+        <p:blipFill>
+          <a:blip r:embed="rId2"/>
+          <a:stretch>
+            <a:fillRect/>
+          </a:stretch>
+        </p:blipFill>
+        <p:spPr>
+          <a:xfrm>
+            <a:off x="6704012" y="2209800"/>
+            <a:ext cx="5358724" cy="2152650"/>
+          </a:xfrm>
+          <a:prstGeom prst="rect">
+            <a:avLst/>
+          </a:prstGeom>
+        </p:spPr>
+      </p:pic>
+      <p:sp>
+        <p:nvSpPr>
+          <p:cNvPr id="8" name="TextBox 7"/>
+          <p:cNvSpPr txBox="1"/>
+          <p:nvPr/>
+        </p:nvSpPr>
+        <p:spPr>
+          <a:xfrm>
+            <a:off x="7389812" y="4495800"/>
+            <a:ext cx="4184479" cy="1200329"/>
+          </a:xfrm>
+          <a:prstGeom prst="rect">
+            <a:avLst/>
+          </a:prstGeom>
+          <a:noFill/>
+          <a:ln>
+            <a:solidFill>
+              <a:schemeClr val="accent1">
+                <a:lumMod val="20000"/>
+                <a:lumOff val="80000"/>
+              </a:schemeClr>
+            </a:solidFill>
+          </a:ln>
+        </p:spPr>
+        <p:txBody>
+          <a:bodyPr wrap="none" rtlCol="0" anchor="ctr" anchorCtr="1">
+            <a:spAutoFit/>
+          </a:bodyPr>
+          <a:lstStyle/>
+          <a:p>
+            <a:r>
+              <a:rPr lang="en-US" dirty="0"/>
+              <a:t>L.F. Chen et al 2004, </a:t>
+            </a:r>
+          </a:p>
+          <a:p>
+            <a:r>
+              <a:rPr lang="en-US" dirty="0"/>
+              <a:t>Microwave Electronics: Measurement and </a:t>
+            </a:r>
+          </a:p>
+          <a:p>
+            <a:r>
+              <a:rPr lang="en-US" dirty="0"/>
+              <a:t>Materials Characterization</a:t>
+            </a:r>
+          </a:p>
+          <a:p>
+            <a:endParaRPr lang="en-US" dirty="0"/>
+          </a:p>
+        </p:txBody>
+      </p:sp>
+    </p:spTree>
+    <p:extLst>
+      <p:ext uri="{BB962C8B-B14F-4D97-AF65-F5344CB8AC3E}">
+        <p14:creationId xmlns:p14="http://schemas.microsoft.com/office/powerpoint/2010/main" val="4267753713"/>
+      </p:ext>
+    </p:extLst>
+  </p:cSld>
+  <p:clrMapOvr>
+    <a:masterClrMapping/>
+  </p:clrMapOvr>
+  <mc:AlternateContent xmlns:mc="http://schemas.openxmlformats.org/markup-compatibility/2006" xmlns:p14="http://schemas.microsoft.com/office/powerpoint/2010/main">
+    <mc:Choice Requires="p14">
+      <p:transition spd="med" p14:dur="700">
+        <p:fade/>
+      </p:transition>
+    </mc:Choice>
+    <mc:Fallback xmlns="">
+      <p:transition spd="med">
+        <p:fade/>
+      </p:transition>
+    </mc:Fallback>
+  </mc:AlternateContent>
+</p:sld>
+</file>
+
+<file path=ppt/slides/slide8.xml><?xml version="1.0" encoding="utf-8"?>
+<p:sld xmlns:a="http://schemas.openxmlformats.org/drawingml/2006/main" xmlns:r="http://schemas.openxmlformats.org/officeDocument/2006/relationships" xmlns:p="http://schemas.openxmlformats.org/presentationml/2006/main">
+  <p:cSld>
+    <p:spTree>
+      <p:nvGrpSpPr>
+        <p:cNvPr id="1" name=""/>
+        <p:cNvGrpSpPr/>
+        <p:nvPr/>
+      </p:nvGrpSpPr>
+      <p:grpSpPr>
+        <a:xfrm>
+          <a:off x="0" y="0"/>
+          <a:ext cx="0" cy="0"/>
+          <a:chOff x="0" y="0"/>
+          <a:chExt cx="0" cy="0"/>
+        </a:xfrm>
+      </p:grpSpPr>
+      <p:sp>
+        <p:nvSpPr>
+          <p:cNvPr id="2" name="Content Placeholder 1"/>
+          <p:cNvSpPr>
+            <a:spLocks noGrp="1"/>
+          </p:cNvSpPr>
+          <p:nvPr>
+            <p:ph idx="1"/>
+          </p:nvPr>
+        </p:nvSpPr>
+        <p:spPr>
+          <a:xfrm>
+            <a:off x="1522876" y="1752600"/>
+            <a:ext cx="5333536" cy="3849865"/>
+          </a:xfrm>
+        </p:spPr>
+        <p:txBody>
+          <a:bodyPr>
+            <a:normAutofit lnSpcReduction="10000"/>
+          </a:bodyPr>
+          <a:lstStyle/>
+          <a:p>
+            <a:r>
+              <a:rPr lang="en-US" dirty="0"/>
+              <a:t>PSU has waveguide and adapter in X-band (figure)</a:t>
+            </a:r>
+          </a:p>
+          <a:p>
+            <a:r>
+              <a:rPr lang="en-US" dirty="0"/>
+              <a:t>We still need to find a sample holder (a segment of X-band waveguide that has suitable size for the sample) and a TRL calibration kits</a:t>
+            </a:r>
+          </a:p>
+          <a:p>
+            <a:pPr lvl="1"/>
+            <a:r>
+              <a:rPr lang="en-US" dirty="0"/>
+              <a:t>Reflect standards: A X-band waveguide short termination</a:t>
+            </a:r>
+          </a:p>
+          <a:p>
+            <a:pPr lvl="1"/>
+            <a:r>
+              <a:rPr lang="en-US" dirty="0"/>
+              <a:t>Line standards: A X-band waveguide segment (90 degree long line at center frequency)</a:t>
+            </a:r>
+          </a:p>
+        </p:txBody>
+      </p:sp>
+      <p:sp>
+        <p:nvSpPr>
+          <p:cNvPr id="3" name="Title 2"/>
+          <p:cNvSpPr>
+            <a:spLocks noGrp="1"/>
+          </p:cNvSpPr>
+          <p:nvPr>
+            <p:ph type="title"/>
+          </p:nvPr>
+        </p:nvSpPr>
+        <p:spPr/>
+        <p:txBody>
+          <a:bodyPr/>
+          <a:lstStyle/>
+          <a:p>
+            <a:r>
+              <a:rPr lang="en-US" dirty="0"/>
+              <a:t>Waveguide prototype: parts</a:t>
+            </a:r>
+          </a:p>
+        </p:txBody>
+      </p:sp>
+      <p:pic>
+        <p:nvPicPr>
+          <p:cNvPr id="2054" name="Picture 6" descr="No automatic alt text available."/>
+          <p:cNvPicPr>
+            <a:picLocks noChangeAspect="1" noChangeArrowheads="1"/>
+          </p:cNvPicPr>
+          <p:nvPr/>
+        </p:nvPicPr>
+        <p:blipFill>
+          <a:blip r:embed="rId2">
+            <a:extLst>
+              <a:ext uri="{28A0092B-C50C-407E-A947-70E740481C1C}">
+                <a14:useLocalDpi xmlns:a14="http://schemas.microsoft.com/office/drawing/2010/main" val="0"/>
+              </a:ext>
+            </a:extLst>
+          </a:blip>
+          <a:srcRect/>
+          <a:stretch>
+            <a:fillRect/>
+          </a:stretch>
+        </p:blipFill>
+        <p:spPr bwMode="auto">
+          <a:xfrm>
+            <a:off x="7008812" y="2057400"/>
+            <a:ext cx="4707467" cy="2647950"/>
+          </a:xfrm>
+          <a:prstGeom prst="rect">
+            <a:avLst/>
+          </a:prstGeom>
+          <a:noFill/>
+          <a:extLst>
+            <a:ext uri="{909E8E84-426E-40DD-AFC4-6F175D3DCCD1}">
+              <a14:hiddenFill xmlns:a14="http://schemas.microsoft.com/office/drawing/2010/main">
+                <a:solidFill>
+                  <a:srgbClr val="FFFFFF"/>
+                </a:solidFill>
+              </a14:hiddenFill>
+            </a:ext>
+          </a:extLst>
+        </p:spPr>
+      </p:pic>
+    </p:spTree>
+    <p:extLst>
+      <p:ext uri="{BB962C8B-B14F-4D97-AF65-F5344CB8AC3E}">
+        <p14:creationId xmlns:p14="http://schemas.microsoft.com/office/powerpoint/2010/main" val="3586850602"/>
+      </p:ext>
+    </p:extLst>
+  </p:cSld>
+  <p:clrMapOvr>
+    <a:masterClrMapping/>
+  </p:clrMapOvr>
+  <mc:AlternateContent xmlns:mc="http://schemas.openxmlformats.org/markup-compatibility/2006" xmlns:p14="http://schemas.microsoft.com/office/powerpoint/2010/main">
+    <mc:Choice Requires="p14">
+      <p:transition spd="med" p14:dur="700">
+        <p:fade/>
+      </p:transition>
+    </mc:Choice>
+    <mc:Fallback xmlns="">
+      <p:transition spd="med">
+        <p:fade/>
+      </p:transition>
+    </mc:Fallback>
+  </mc:AlternateContent>
+</p:sld>
+</file>
+
+<file path=ppt/slides/slide9.xml><?xml version="1.0" encoding="utf-8"?>
 <p:sld xmlns:a="http://schemas.openxmlformats.org/drawingml/2006/main" xmlns:r="http://schemas.openxmlformats.org/officeDocument/2006/relationships" xmlns:p="http://schemas.openxmlformats.org/presentationml/2006/main">
   <p:cSld>
     <p:spTree>
@@ -6461,20 +7472,35 @@
           <a:p>
             <a:r>
               <a:rPr lang="en-US" dirty="0"/>
-              <a:t>User interface software</a:t>
+              <a:t>Interactive Solver: Solving both material thickness and material properties at the same time. Provide higher accuracy</a:t>
             </a:r>
           </a:p>
           <a:p>
             <a:r>
               <a:rPr lang="en-US" dirty="0"/>
-              <a:t>Interactive process (measure thickness also)</a:t>
+              <a:t>Arch for antenna:</a:t>
             </a:r>
           </a:p>
           <a:p>
             <a:r>
               <a:rPr lang="en-US" dirty="0"/>
-              <a:t>NRL arch in RF chamber</a:t>
-            </a:r>
+              <a:t>Partially filled waveguide:</a:t>
+            </a:r>
+          </a:p>
+          <a:p>
+            <a:r>
+              <a:rPr lang="en-US" dirty="0"/>
+              <a:t>EM simulation: EM Pro, avaialble for students at PSU</a:t>
+            </a:r>
+          </a:p>
+          <a:p>
+            <a:r>
+              <a:rPr lang="en-US" dirty="0"/>
+              <a:t>Modeling:</a:t>
+            </a:r>
+          </a:p>
+          <a:p>
+            <a:endParaRPr lang="en-US" dirty="0"/>
           </a:p>
         </p:txBody>
       </p:sp>
@@ -6504,177 +7530,6 @@
     <p:extLst>
       <p:ext uri="{BB962C8B-B14F-4D97-AF65-F5344CB8AC3E}">
         <p14:creationId xmlns:p14="http://schemas.microsoft.com/office/powerpoint/2010/main" val="2585531345"/>
-      </p:ext>
-    </p:extLst>
-  </p:cSld>
-  <p:clrMapOvr>
-    <a:masterClrMapping/>
-  </p:clrMapOvr>
-  <mc:AlternateContent xmlns:mc="http://schemas.openxmlformats.org/markup-compatibility/2006" xmlns:p14="http://schemas.microsoft.com/office/powerpoint/2010/main">
-    <mc:Choice Requires="p14">
-      <p:transition spd="med" p14:dur="700">
-        <p:fade/>
-      </p:transition>
-    </mc:Choice>
-    <mc:Fallback xmlns="">
-      <p:transition spd="med">
-        <p:fade/>
-      </p:transition>
-    </mc:Fallback>
-  </mc:AlternateContent>
-</p:sld>
-</file>
-
-<file path=ppt/slides/slide7.xml><?xml version="1.0" encoding="utf-8"?>
-<p:sld xmlns:a="http://schemas.openxmlformats.org/drawingml/2006/main" xmlns:r="http://schemas.openxmlformats.org/officeDocument/2006/relationships" xmlns:p="http://schemas.openxmlformats.org/presentationml/2006/main">
-  <p:cSld>
-    <p:spTree>
-      <p:nvGrpSpPr>
-        <p:cNvPr id="1" name=""/>
-        <p:cNvGrpSpPr/>
-        <p:nvPr/>
-      </p:nvGrpSpPr>
-      <p:grpSpPr>
-        <a:xfrm>
-          <a:off x="0" y="0"/>
-          <a:ext cx="0" cy="0"/>
-          <a:chOff x="0" y="0"/>
-          <a:chExt cx="0" cy="0"/>
-        </a:xfrm>
-      </p:grpSpPr>
-      <p:sp>
-        <p:nvSpPr>
-          <p:cNvPr id="2" name="Content Placeholder 1"/>
-          <p:cNvSpPr>
-            <a:spLocks noGrp="1"/>
-          </p:cNvSpPr>
-          <p:nvPr>
-            <p:ph idx="1"/>
-          </p:nvPr>
-        </p:nvSpPr>
-        <p:spPr/>
-        <p:txBody>
-          <a:bodyPr/>
-          <a:lstStyle/>
-          <a:p>
-            <a:r>
-              <a:rPr lang="en-US" dirty="0"/>
-              <a:t>Finish gathering parts for prototyping</a:t>
-            </a:r>
-          </a:p>
-        </p:txBody>
-      </p:sp>
-      <p:sp>
-        <p:nvSpPr>
-          <p:cNvPr id="3" name="Title 2"/>
-          <p:cNvSpPr>
-            <a:spLocks noGrp="1"/>
-          </p:cNvSpPr>
-          <p:nvPr>
-            <p:ph type="title"/>
-          </p:nvPr>
-        </p:nvSpPr>
-        <p:spPr/>
-        <p:txBody>
-          <a:bodyPr/>
-          <a:lstStyle/>
-          <a:p>
-            <a:r>
-              <a:rPr lang="en-US" dirty="0"/>
-              <a:t>Current Status</a:t>
-            </a:r>
-          </a:p>
-        </p:txBody>
-      </p:sp>
-    </p:spTree>
-    <p:extLst>
-      <p:ext uri="{BB962C8B-B14F-4D97-AF65-F5344CB8AC3E}">
-        <p14:creationId xmlns:p14="http://schemas.microsoft.com/office/powerpoint/2010/main" val="1200217142"/>
-      </p:ext>
-    </p:extLst>
-  </p:cSld>
-  <p:clrMapOvr>
-    <a:masterClrMapping/>
-  </p:clrMapOvr>
-  <mc:AlternateContent xmlns:mc="http://schemas.openxmlformats.org/markup-compatibility/2006" xmlns:p14="http://schemas.microsoft.com/office/powerpoint/2010/main">
-    <mc:Choice Requires="p14">
-      <p:transition spd="med" p14:dur="700">
-        <p:fade/>
-      </p:transition>
-    </mc:Choice>
-    <mc:Fallback xmlns="">
-      <p:transition spd="med">
-        <p:fade/>
-      </p:transition>
-    </mc:Fallback>
-  </mc:AlternateContent>
-</p:sld>
-</file>
-
-<file path=ppt/slides/slide8.xml><?xml version="1.0" encoding="utf-8"?>
-<p:sld xmlns:a="http://schemas.openxmlformats.org/drawingml/2006/main" xmlns:r="http://schemas.openxmlformats.org/officeDocument/2006/relationships" xmlns:p="http://schemas.openxmlformats.org/presentationml/2006/main">
-  <p:cSld>
-    <p:spTree>
-      <p:nvGrpSpPr>
-        <p:cNvPr id="1" name=""/>
-        <p:cNvGrpSpPr/>
-        <p:nvPr/>
-      </p:nvGrpSpPr>
-      <p:grpSpPr>
-        <a:xfrm>
-          <a:off x="0" y="0"/>
-          <a:ext cx="0" cy="0"/>
-          <a:chOff x="0" y="0"/>
-          <a:chExt cx="0" cy="0"/>
-        </a:xfrm>
-      </p:grpSpPr>
-      <p:sp>
-        <p:nvSpPr>
-          <p:cNvPr id="2" name="Content Placeholder 1"/>
-          <p:cNvSpPr>
-            <a:spLocks noGrp="1"/>
-          </p:cNvSpPr>
-          <p:nvPr>
-            <p:ph idx="1"/>
-          </p:nvPr>
-        </p:nvSpPr>
-        <p:spPr/>
-        <p:txBody>
-          <a:bodyPr>
-            <a:normAutofit/>
-          </a:bodyPr>
-          <a:lstStyle/>
-          <a:p>
-            <a:endParaRPr lang="en-US" dirty="0"/>
-          </a:p>
-        </p:txBody>
-      </p:sp>
-      <p:sp>
-        <p:nvSpPr>
-          <p:cNvPr id="3" name="Title 2"/>
-          <p:cNvSpPr>
-            <a:spLocks noGrp="1"/>
-          </p:cNvSpPr>
-          <p:nvPr>
-            <p:ph type="title"/>
-          </p:nvPr>
-        </p:nvSpPr>
-        <p:spPr/>
-        <p:txBody>
-          <a:bodyPr/>
-          <a:lstStyle/>
-          <a:p>
-            <a:r>
-              <a:rPr lang="en-US" dirty="0"/>
-              <a:t>Related Documents and References</a:t>
-            </a:r>
-          </a:p>
-        </p:txBody>
-      </p:sp>
-    </p:spTree>
-    <p:extLst>
-      <p:ext uri="{BB962C8B-B14F-4D97-AF65-F5344CB8AC3E}">
-        <p14:creationId xmlns:p14="http://schemas.microsoft.com/office/powerpoint/2010/main" val="897847061"/>
       </p:ext>
     </p:extLst>
   </p:cSld>

--- a/Capstone project proposal presentation.pptx
+++ b/Capstone project proposal presentation.pptx
@@ -5,23 +5,24 @@
     <p:sldMasterId id="2147483924" r:id="rId2"/>
   </p:sldMasterIdLst>
   <p:notesMasterIdLst>
-    <p:notesMasterId r:id="rId14"/>
+    <p:notesMasterId r:id="rId15"/>
   </p:notesMasterIdLst>
   <p:handoutMasterIdLst>
-    <p:handoutMasterId r:id="rId15"/>
+    <p:handoutMasterId r:id="rId16"/>
   </p:handoutMasterIdLst>
   <p:sldIdLst>
     <p:sldId id="268" r:id="rId3"/>
     <p:sldId id="269" r:id="rId4"/>
     <p:sldId id="273" r:id="rId5"/>
     <p:sldId id="274" r:id="rId6"/>
-    <p:sldId id="275" r:id="rId7"/>
-    <p:sldId id="281" r:id="rId8"/>
-    <p:sldId id="280" r:id="rId9"/>
-    <p:sldId id="282" r:id="rId10"/>
-    <p:sldId id="276" r:id="rId11"/>
-    <p:sldId id="277" r:id="rId12"/>
-    <p:sldId id="278" r:id="rId13"/>
+    <p:sldId id="281" r:id="rId7"/>
+    <p:sldId id="280" r:id="rId8"/>
+    <p:sldId id="276" r:id="rId9"/>
+    <p:sldId id="275" r:id="rId10"/>
+    <p:sldId id="282" r:id="rId11"/>
+    <p:sldId id="283" r:id="rId12"/>
+    <p:sldId id="277" r:id="rId13"/>
+    <p:sldId id="278" r:id="rId14"/>
   </p:sldIdLst>
   <p:sldSz cx="12188825" cy="6858000"/>
   <p:notesSz cx="6858000" cy="9144000"/>
@@ -177,18 +178,18 @@
 <file path=ppt/comments/comment1.xml><?xml version="1.0" encoding="utf-8"?>
 <p:cmLst xmlns:a="http://schemas.openxmlformats.org/drawingml/2006/main" xmlns:r="http://schemas.openxmlformats.org/officeDocument/2006/relationships" xmlns:p="http://schemas.openxmlformats.org/presentationml/2006/main">
   <p:cm authorId="2" dt="2017-02-05T19:11:46.729" idx="1">
-    <p:pos x="10" y="10"/>
+    <p:pos x="6513" y="-315"/>
     <p:text>Missing detail on timeline (number of weeks, starting date, ...)</p:text>
-    <p:extLst>
+    <p:extLst mod="1">
       <p:ext uri="{C676402C-5697-4E1C-873F-D02D1690AC5C}">
         <p15:threadingInfo xmlns:p15="http://schemas.microsoft.com/office/powerpoint/2012/main" timeZoneBias="480"/>
       </p:ext>
     </p:extLst>
   </p:cm>
   <p:cm authorId="2" dt="2017-02-05T19:12:20.435" idx="2">
-    <p:pos x="106" y="106"/>
+    <p:pos x="-572" y="779"/>
     <p:text>Do we need to include what we do in each step in the ppt, or we can do it verbally</p:text>
-    <p:extLst>
+    <p:extLst mod="1">
       <p:ext uri="{C676402C-5697-4E1C-873F-D02D1690AC5C}">
         <p15:threadingInfo xmlns:p15="http://schemas.microsoft.com/office/powerpoint/2012/main" timeZoneBias="480"/>
       </p:ext>
@@ -279,7 +280,7 @@
           <a:p>
             <a:fld id="{BEA74EB7-856E-45FD-83F0-5F7C6F3E4372}" type="datetimeFigureOut">
               <a:rPr lang="en-US"/>
-              <a:t>2/5/2017</a:t>
+              <a:t>2/5/17</a:t>
             </a:fld>
             <a:endParaRPr dirty="0"/>
           </a:p>
@@ -444,7 +445,7 @@
           <a:p>
             <a:fld id="{C61B0E40-8125-41F8-BB6C-139D8D531A4F}" type="datetimeFigureOut">
               <a:rPr lang="en-US"/>
-              <a:t>2/5/2017</a:t>
+              <a:t>2/5/17</a:t>
             </a:fld>
             <a:endParaRPr dirty="0"/>
           </a:p>
@@ -860,7 +861,7 @@
           <a:p>
             <a:fld id="{BF105DB2-FD3E-441D-8B7E-7AE83ECE27B3}" type="slidenum">
               <a:rPr lang="en-US" smtClean="0"/>
-              <a:t>9</a:t>
+              <a:t>7</a:t>
             </a:fld>
             <a:endParaRPr lang="en-US" dirty="0"/>
           </a:p>
@@ -944,7 +945,7 @@
           <a:p>
             <a:fld id="{BF105DB2-FD3E-441D-8B7E-7AE83ECE27B3}" type="slidenum">
               <a:rPr lang="en-US" smtClean="0"/>
-              <a:t>11</a:t>
+              <a:t>12</a:t>
             </a:fld>
             <a:endParaRPr lang="en-US" dirty="0"/>
           </a:p>
@@ -1343,7 +1344,7 @@
           <a:p>
             <a:fld id="{333B76B7-5811-4114-8A95-998148FFD529}" type="datetime1">
               <a:rPr lang="en-US" smtClean="0"/>
-              <a:t>2/5/2017</a:t>
+              <a:t>2/5/17</a:t>
             </a:fld>
             <a:endParaRPr lang="en-US" dirty="0"/>
           </a:p>
@@ -1622,7 +1623,7 @@
           <a:p>
             <a:fld id="{175C077A-EF7A-41AA-8976-110EB7416C60}" type="datetime1">
               <a:rPr lang="en-US" smtClean="0"/>
-              <a:t>2/5/2017</a:t>
+              <a:t>2/5/17</a:t>
             </a:fld>
             <a:endParaRPr lang="en-US" dirty="0"/>
           </a:p>
@@ -1821,7 +1822,7 @@
           <a:p>
             <a:fld id="{CFF5912B-6681-4BDF-AE10-F59636249FF3}" type="datetime1">
               <a:rPr lang="en-US" smtClean="0"/>
-              <a:t>2/5/2017</a:t>
+              <a:t>2/5/17</a:t>
             </a:fld>
             <a:endParaRPr lang="en-US" dirty="0"/>
           </a:p>
@@ -2030,7 +2031,7 @@
           <a:p>
             <a:fld id="{905C8E22-D0BA-4CB4-9C32-B27533199514}" type="datetime1">
               <a:rPr lang="en-US" smtClean="0"/>
-              <a:t>2/5/2017</a:t>
+              <a:t>2/5/17</a:t>
             </a:fld>
             <a:endParaRPr dirty="0"/>
           </a:p>
@@ -2219,7 +2220,7 @@
           <a:p>
             <a:fld id="{FC2180A9-7A83-412D-A8AC-5AF60A8AA507}" type="datetime1">
               <a:rPr lang="en-US" smtClean="0"/>
-              <a:t>2/5/2017</a:t>
+              <a:t>2/5/17</a:t>
             </a:fld>
             <a:endParaRPr lang="en-US" dirty="0"/>
           </a:p>
@@ -2416,7 +2417,7 @@
           <a:p>
             <a:fld id="{6A563DF0-FDDF-4143-9D8C-6AF41892E174}" type="datetime1">
               <a:rPr lang="en-US" smtClean="0"/>
-              <a:t>2/5/2017</a:t>
+              <a:t>2/5/17</a:t>
             </a:fld>
             <a:endParaRPr lang="en-US" dirty="0"/>
           </a:p>
@@ -2696,7 +2697,7 @@
           <a:p>
             <a:fld id="{38BB83F9-4677-4C31-8407-7919061A580B}" type="datetime1">
               <a:rPr lang="en-US" smtClean="0"/>
-              <a:t>2/5/2017</a:t>
+              <a:t>2/5/17</a:t>
             </a:fld>
             <a:endParaRPr lang="en-US" dirty="0"/>
           </a:p>
@@ -3001,7 +3002,7 @@
           <a:p>
             <a:fld id="{C33939A6-3450-434F-A872-BEE63F7EB093}" type="datetime1">
               <a:rPr lang="en-US" smtClean="0"/>
-              <a:t>2/5/2017</a:t>
+              <a:t>2/5/17</a:t>
             </a:fld>
             <a:endParaRPr lang="en-US" dirty="0"/>
           </a:p>
@@ -3450,7 +3451,7 @@
           <a:p>
             <a:fld id="{E3BABB1C-FA00-4171-BA31-4C5E719472F3}" type="datetime1">
               <a:rPr lang="en-US" smtClean="0"/>
-              <a:t>2/5/2017</a:t>
+              <a:t>2/5/17</a:t>
             </a:fld>
             <a:endParaRPr lang="en-US" dirty="0"/>
           </a:p>
@@ -3731,7 +3732,7 @@
           <a:p>
             <a:fld id="{D76C8610-5B57-4C6B-BF9F-F5397A1F60B8}" type="datetime1">
               <a:rPr lang="en-US" smtClean="0"/>
-              <a:t>2/5/2017</a:t>
+              <a:t>2/5/17</a:t>
             </a:fld>
             <a:endParaRPr lang="en-US" dirty="0"/>
           </a:p>
@@ -3886,7 +3887,7 @@
           <a:p>
             <a:fld id="{BADBF3DD-8B6D-46AA-BCA9-242D4EF63DDF}" type="datetime1">
               <a:rPr lang="en-US" smtClean="0"/>
-              <a:t>2/5/2017</a:t>
+              <a:t>2/5/17</a:t>
             </a:fld>
             <a:endParaRPr lang="en-US" dirty="0"/>
           </a:p>
@@ -4232,7 +4233,7 @@
           <a:p>
             <a:fld id="{23C41AE9-3D4A-4A08-B03D-DC6D2ADF5464}" type="datetime1">
               <a:rPr lang="en-US" smtClean="0"/>
-              <a:t>2/5/2017</a:t>
+              <a:t>2/5/17</a:t>
             </a:fld>
             <a:endParaRPr lang="en-US" dirty="0"/>
           </a:p>
@@ -4905,7 +4906,7 @@
           <a:p>
             <a:fld id="{5C6E67D0-0200-42BE-A0B2-78C70FBBB312}" type="datetime1">
               <a:rPr lang="en-US" smtClean="0"/>
-              <a:t>2/5/2017</a:t>
+              <a:t>2/5/17</a:t>
             </a:fld>
             <a:endParaRPr lang="en-US" dirty="0"/>
           </a:p>
@@ -5470,52 +5471,93 @@
         </p:nvSpPr>
         <p:spPr>
           <a:xfrm>
-            <a:off x="1522413" y="5029200"/>
-            <a:ext cx="8229598" cy="838200"/>
+            <a:off x="1370012" y="3581400"/>
+            <a:ext cx="6172200" cy="1524000"/>
           </a:xfrm>
         </p:spPr>
         <p:txBody>
           <a:bodyPr>
-            <a:normAutofit fontScale="92500" lnSpcReduction="20000"/>
+            <a:normAutofit/>
           </a:bodyPr>
           <a:lstStyle/>
           <a:p>
+            <a:pPr>
+              <a:spcAft>
+                <a:spcPts val="600"/>
+              </a:spcAft>
+            </a:pPr>
+            <a:r>
+              <a:rPr lang="en-US" dirty="0" smtClean="0"/>
+              <a:t>Sponsor</a:t>
+            </a:r>
             <a:r>
               <a:rPr lang="en-US" dirty="0"/>
-              <a:t>Students: Ha Tran, Thanh Le, Jeffrey Brown</a:t>
-            </a:r>
-          </a:p>
-          <a:p>
+              <a:t>: </a:t>
+            </a:r>
+            <a:r>
+              <a:rPr lang="en-US" dirty="0" smtClean="0"/>
+              <a:t>	</a:t>
+            </a:r>
+            <a:r>
+              <a:rPr lang="en-US" dirty="0" err="1" smtClean="0"/>
+              <a:t>Tangitek</a:t>
+            </a:r>
+            <a:r>
+              <a:rPr lang="en-US" dirty="0" smtClean="0"/>
+              <a:t> LLC</a:t>
+            </a:r>
+            <a:endParaRPr lang="en-US" dirty="0" smtClean="0"/>
+          </a:p>
+          <a:p>
+            <a:pPr>
+              <a:spcAft>
+                <a:spcPts val="600"/>
+              </a:spcAft>
+            </a:pPr>
+            <a:r>
+              <a:rPr lang="en-US" dirty="0" smtClean="0"/>
+              <a:t>Advisor</a:t>
+            </a:r>
             <a:r>
               <a:rPr lang="en-US" dirty="0"/>
-              <a:t>Advisor: </a:t>
+              <a:t>: </a:t>
+            </a:r>
+            <a:r>
+              <a:rPr lang="en-US" dirty="0" smtClean="0"/>
+              <a:t>	</a:t>
+            </a:r>
+            <a:r>
+              <a:rPr lang="en-US" dirty="0" err="1" smtClean="0"/>
+              <a:t>Branjmir</a:t>
+            </a:r>
+            <a:r>
+              <a:rPr lang="en-US" dirty="0" smtClean="0"/>
+              <a:t> </a:t>
             </a:r>
             <a:r>
               <a:rPr lang="en-US" dirty="0" err="1"/>
-              <a:t>Branjmir</a:t>
-            </a:r>
+              <a:t>Pejcinovic</a:t>
+            </a:r>
+            <a:endParaRPr lang="en-US" dirty="0"/>
+          </a:p>
+          <a:p>
+            <a:pPr>
+              <a:spcAft>
+                <a:spcPts val="600"/>
+              </a:spcAft>
+            </a:pPr>
             <a:r>
               <a:rPr lang="en-US" dirty="0"/>
-              <a:t> </a:t>
-            </a:r>
-            <a:r>
-              <a:rPr lang="en-US" dirty="0"/>
-              <a:t>Pejcinovic</a:t>
-            </a:r>
-          </a:p>
-          <a:p>
-            <a:r>
-              <a:rPr lang="en-US" dirty="0"/>
-              <a:t>Sponsor: </a:t>
-            </a:r>
-            <a:r>
-              <a:rPr lang="en-US" dirty="0" err="1"/>
-              <a:t>Tangitek</a:t>
-            </a:r>
-            <a:r>
-              <a:rPr lang="en-US" dirty="0"/>
-              <a:t> LLC</a:t>
-            </a:r>
+              <a:t>Students: 	Ha Tran, Thanh Le, Jeffrey Brown</a:t>
+            </a:r>
+          </a:p>
+          <a:p>
+            <a:pPr>
+              <a:spcAft>
+                <a:spcPts val="600"/>
+              </a:spcAft>
+            </a:pPr>
+            <a:endParaRPr lang="en-US" dirty="0"/>
           </a:p>
         </p:txBody>
       </p:sp>
@@ -5529,15 +5571,34 @@
             <p:ph type="ctrTitle"/>
           </p:nvPr>
         </p:nvSpPr>
-        <p:spPr/>
-        <p:txBody>
-          <a:bodyPr/>
+        <p:spPr>
+          <a:xfrm>
+            <a:off x="1217612" y="1447800"/>
+            <a:ext cx="11429998" cy="1828800"/>
+          </a:xfrm>
+        </p:spPr>
+        <p:txBody>
+          <a:bodyPr>
+            <a:normAutofit/>
+          </a:bodyPr>
           <a:lstStyle/>
           <a:p>
             <a:r>
-              <a:rPr lang="en-US" dirty="0"/>
-              <a:t>Capstone project proposal presentation: EM parameterization of CF</a:t>
-            </a:r>
+              <a:rPr lang="en-US" sz="5500" dirty="0"/>
+              <a:t>Capstone project </a:t>
+            </a:r>
+            <a:r>
+              <a:rPr lang="en-US" sz="5500" dirty="0" smtClean="0"/>
+              <a:t>proposal: </a:t>
+            </a:r>
+            <a:br>
+              <a:rPr lang="en-US" sz="5500" dirty="0" smtClean="0"/>
+            </a:br>
+            <a:r>
+              <a:rPr lang="en-US" sz="5500" dirty="0"/>
+              <a:t>EM parameterization of CF composite</a:t>
+            </a:r>
+            <a:endParaRPr lang="en-US" sz="5500" dirty="0"/>
           </a:p>
         </p:txBody>
       </p:sp>
@@ -5563,6 +5624,13 @@
       </p:transition>
     </mc:Fallback>
   </mc:AlternateContent>
+  <p:timing>
+    <p:tnLst>
+      <p:par>
+        <p:cTn id="1" dur="indefinite" restart="never" nodeType="tmRoot"/>
+      </p:par>
+    </p:tnLst>
+  </p:timing>
 </p:sld>
 </file>
 
@@ -5593,25 +5661,106 @@
             <p:ph idx="1"/>
           </p:nvPr>
         </p:nvSpPr>
-        <p:spPr/>
+        <p:spPr>
+          <a:xfrm>
+            <a:off x="1522876" y="1905000"/>
+            <a:ext cx="9143538" cy="4343400"/>
+          </a:xfrm>
+        </p:spPr>
         <p:txBody>
           <a:bodyPr/>
           <a:lstStyle/>
           <a:p>
             <a:r>
+              <a:rPr lang="en-US" dirty="0" smtClean="0"/>
+              <a:t>Potential problems:</a:t>
+            </a:r>
+          </a:p>
+          <a:p>
+            <a:pPr lvl="1"/>
+            <a:r>
+              <a:rPr lang="en-US" dirty="0" smtClean="0"/>
+              <a:t>Required sample size for NRL arch measurement in low frequency will be too large.</a:t>
+            </a:r>
+          </a:p>
+          <a:p>
+            <a:pPr lvl="1"/>
+            <a:r>
               <a:rPr lang="en-US" dirty="0"/>
-              <a:t>Finish gathering parts avaialble at PSU. We need detailed information about sample size and antenna/waveguide printing capability</a:t>
-            </a:r>
-          </a:p>
-          <a:p>
+              <a:t>S</a:t>
+            </a:r>
+            <a:r>
+              <a:rPr lang="en-US" dirty="0" smtClean="0"/>
+              <a:t>urrounding environment may affect the measurement for both setups</a:t>
+            </a:r>
+          </a:p>
+          <a:p>
+            <a:pPr lvl="1"/>
+            <a:r>
+              <a:rPr lang="en-US" dirty="0" smtClean="0"/>
+              <a:t>Sample preparation for waveguide measurement is not perfect and hard to detect.</a:t>
+            </a:r>
+          </a:p>
+          <a:p>
+            <a:r>
+              <a:rPr lang="en-US" dirty="0" smtClean="0"/>
+              <a:t>Needs:</a:t>
+            </a:r>
+          </a:p>
+          <a:p>
+            <a:pPr lvl="1"/>
+            <a:r>
+              <a:rPr lang="en-US" dirty="0" smtClean="0"/>
+              <a:t>Sample with various sizes for different frequency range</a:t>
+            </a:r>
+          </a:p>
+          <a:p>
+            <a:pPr lvl="1"/>
+            <a:r>
+              <a:rPr lang="en-US" dirty="0" smtClean="0"/>
+              <a:t>Antennas for frequency range 4 – 8 </a:t>
+            </a:r>
+            <a:r>
+              <a:rPr lang="en-US" dirty="0" err="1" smtClean="0"/>
+              <a:t>Ghz</a:t>
+            </a:r>
             <a:r>
               <a:rPr lang="en-US" dirty="0"/>
-              <a:t>Equations and measurement setup for prototype of NRL arch and waveguide are avaialble.</a:t>
-            </a:r>
-          </a:p>
-          <a:p>
+              <a:t> </a:t>
+            </a:r>
+            <a:r>
+              <a:rPr lang="en-US" dirty="0" smtClean="0"/>
+              <a:t>and above 12 </a:t>
+            </a:r>
+            <a:r>
+              <a:rPr lang="en-US" dirty="0" err="1" smtClean="0"/>
+              <a:t>Ghz</a:t>
+            </a:r>
+            <a:endParaRPr lang="en-US" dirty="0" smtClean="0"/>
+          </a:p>
+          <a:p>
+            <a:pPr lvl="1"/>
+            <a:r>
+              <a:rPr lang="en-US" dirty="0" smtClean="0"/>
+              <a:t>Waveguide sample holders</a:t>
+            </a:r>
+          </a:p>
+          <a:p>
+            <a:pPr lvl="1"/>
+            <a:r>
+              <a:rPr lang="en-US" dirty="0" smtClean="0"/>
+              <a:t>Waveguide for other frequency range (except X-band)</a:t>
+            </a:r>
             <a:endParaRPr lang="en-US" dirty="0"/>
           </a:p>
+          <a:p>
+            <a:pPr lvl="1"/>
+            <a:endParaRPr lang="en-US" dirty="0" smtClean="0"/>
+          </a:p>
+          <a:p>
+            <a:pPr lvl="1"/>
+            <a:endParaRPr lang="en-US" dirty="0" smtClean="0"/>
+          </a:p>
         </p:txBody>
       </p:sp>
       <p:sp>
@@ -5622,6 +5771,80 @@
           </p:cNvSpPr>
           <p:nvPr>
             <p:ph type="title"/>
+          </p:nvPr>
+        </p:nvSpPr>
+        <p:spPr/>
+        <p:txBody>
+          <a:bodyPr>
+            <a:normAutofit/>
+          </a:bodyPr>
+          <a:lstStyle/>
+          <a:p>
+            <a:r>
+              <a:rPr lang="en-US" sz="4000" dirty="0" smtClean="0"/>
+              <a:t>Potential Problems and Needs</a:t>
+            </a:r>
+            <a:endParaRPr lang="en-US" sz="4000" dirty="0"/>
+          </a:p>
+        </p:txBody>
+      </p:sp>
+    </p:spTree>
+    <p:extLst>
+      <p:ext uri="{BB962C8B-B14F-4D97-AF65-F5344CB8AC3E}">
+        <p14:creationId xmlns:p14="http://schemas.microsoft.com/office/powerpoint/2010/main" val="1208442614"/>
+      </p:ext>
+    </p:extLst>
+  </p:cSld>
+  <p:clrMapOvr>
+    <a:masterClrMapping/>
+  </p:clrMapOvr>
+  <mc:AlternateContent xmlns:mc="http://schemas.openxmlformats.org/markup-compatibility/2006" xmlns:p14="http://schemas.microsoft.com/office/powerpoint/2010/main">
+    <mc:Choice Requires="p14">
+      <p:transition spd="med" p14:dur="700">
+        <p:fade/>
+      </p:transition>
+    </mc:Choice>
+    <mc:Fallback xmlns="">
+      <p:transition spd="med">
+        <p:fade/>
+      </p:transition>
+    </mc:Fallback>
+  </mc:AlternateContent>
+  <p:timing>
+    <p:tnLst>
+      <p:par>
+        <p:cTn id="1" dur="indefinite" restart="never" nodeType="tmRoot"/>
+      </p:par>
+    </p:tnLst>
+  </p:timing>
+</p:sld>
+</file>
+
+<file path=ppt/slides/slide11.xml><?xml version="1.0" encoding="utf-8"?>
+<p:sld xmlns:a="http://schemas.openxmlformats.org/drawingml/2006/main" xmlns:r="http://schemas.openxmlformats.org/officeDocument/2006/relationships" xmlns:p="http://schemas.openxmlformats.org/presentationml/2006/main">
+  <p:cSld>
+    <p:spTree>
+      <p:nvGrpSpPr>
+        <p:cNvPr id="1" name=""/>
+        <p:cNvGrpSpPr/>
+        <p:nvPr/>
+      </p:nvGrpSpPr>
+      <p:grpSpPr>
+        <a:xfrm>
+          <a:off x="0" y="0"/>
+          <a:ext cx="0" cy="0"/>
+          <a:chOff x="0" y="0"/>
+          <a:chExt cx="0" cy="0"/>
+        </a:xfrm>
+      </p:grpSpPr>
+      <p:sp>
+        <p:nvSpPr>
+          <p:cNvPr id="2" name="Content Placeholder 1"/>
+          <p:cNvSpPr>
+            <a:spLocks noGrp="1"/>
+          </p:cNvSpPr>
+          <p:nvPr>
+            <p:ph idx="1"/>
           </p:nvPr>
         </p:nvSpPr>
         <p:spPr/>
@@ -5630,7 +5853,66 @@
           <a:lstStyle/>
           <a:p>
             <a:r>
+              <a:rPr lang="en-US" dirty="0" smtClean="0"/>
+              <a:t>Finish detail time plan (using Gantt chart).</a:t>
+            </a:r>
+          </a:p>
+          <a:p>
+            <a:r>
+              <a:rPr lang="en-US" dirty="0" smtClean="0"/>
+              <a:t>Finish researching and literature review.</a:t>
+            </a:r>
+          </a:p>
+          <a:p>
+            <a:r>
+              <a:rPr lang="en-US" dirty="0" smtClean="0"/>
+              <a:t>Finish </a:t>
+            </a:r>
+            <a:r>
               <a:rPr lang="en-US" dirty="0"/>
+              <a:t>gathering parts avaialble at PSU. We need detailed information about sample size and antenna/waveguide printing </a:t>
+            </a:r>
+            <a:r>
+              <a:rPr lang="en-US" dirty="0" smtClean="0"/>
+              <a:t>capability.</a:t>
+            </a:r>
+            <a:endParaRPr lang="en-US" dirty="0"/>
+          </a:p>
+          <a:p>
+            <a:r>
+              <a:rPr lang="en-US" dirty="0"/>
+              <a:t>Equations and measurement setup for prototype of NRL arch and waveguide are </a:t>
+            </a:r>
+            <a:r>
+              <a:rPr lang="en-US" dirty="0" smtClean="0"/>
+              <a:t>available.</a:t>
+            </a:r>
+            <a:endParaRPr lang="en-US" dirty="0"/>
+          </a:p>
+          <a:p>
+            <a:endParaRPr lang="en-US" dirty="0"/>
+          </a:p>
+        </p:txBody>
+      </p:sp>
+      <p:sp>
+        <p:nvSpPr>
+          <p:cNvPr id="3" name="Title 2"/>
+          <p:cNvSpPr>
+            <a:spLocks noGrp="1"/>
+          </p:cNvSpPr>
+          <p:nvPr>
+            <p:ph type="title"/>
+          </p:nvPr>
+        </p:nvSpPr>
+        <p:spPr/>
+        <p:txBody>
+          <a:bodyPr>
+            <a:normAutofit/>
+          </a:bodyPr>
+          <a:lstStyle/>
+          <a:p>
+            <a:r>
+              <a:rPr lang="en-US" sz="4000" dirty="0"/>
               <a:t>Current Status</a:t>
             </a:r>
           </a:p>
@@ -5658,10 +5940,17 @@
       </p:transition>
     </mc:Fallback>
   </mc:AlternateContent>
+  <p:timing>
+    <p:tnLst>
+      <p:par>
+        <p:cTn id="1" dur="indefinite" restart="never" nodeType="tmRoot"/>
+      </p:par>
+    </p:tnLst>
+  </p:timing>
 </p:sld>
 </file>
 
-<file path=ppt/slides/slide11.xml><?xml version="1.0" encoding="utf-8"?>
+<file path=ppt/slides/slide12.xml><?xml version="1.0" encoding="utf-8"?>
 <p:sld xmlns:a="http://schemas.openxmlformats.org/drawingml/2006/main" xmlns:r="http://schemas.openxmlformats.org/officeDocument/2006/relationships" xmlns:p="http://schemas.openxmlformats.org/presentationml/2006/main">
   <p:cSld>
     <p:spTree>
@@ -5695,42 +5984,87 @@
           </a:bodyPr>
           <a:lstStyle/>
           <a:p>
+            <a:endParaRPr lang="en-US" dirty="0"/>
+          </a:p>
+          <a:p>
+            <a:r>
+              <a:rPr lang="en-US" dirty="0" smtClean="0"/>
+              <a:t>All </a:t>
+            </a:r>
             <a:r>
               <a:rPr lang="en-US" dirty="0"/>
-              <a:t>GitHub: </a:t>
+              <a:t>related documents are available </a:t>
+            </a:r>
+            <a:r>
+              <a:rPr lang="en-US" dirty="0" smtClean="0"/>
+              <a:t>on GitHub</a:t>
             </a:r>
             <a:r>
               <a:rPr lang="en-US" dirty="0">
                 <a:hlinkClick r:id="rId3"/>
               </a:rPr>
-              <a:t>https://github.com/trankhiemha/ECE412-413-Capstone-Project-N3</a:t>
+              <a:t> https://github.com/trankhiemha/ECE412-413-Capstone-Project-N3</a:t>
             </a:r>
             <a:endParaRPr lang="en-US" dirty="0"/>
           </a:p>
           <a:p>
             <a:r>
               <a:rPr lang="en-US" dirty="0"/>
-              <a:t>Trello page: </a:t>
+              <a:t>Project progression tracking is available </a:t>
+            </a:r>
+            <a:r>
+              <a:rPr lang="en-US" dirty="0" smtClean="0"/>
+              <a:t>on Trello </a:t>
+            </a:r>
+            <a:r>
+              <a:rPr lang="en-US" dirty="0" smtClean="0">
+                <a:hlinkClick r:id="rId4"/>
+              </a:rPr>
+              <a:t>https</a:t>
             </a:r>
             <a:r>
               <a:rPr lang="en-US" dirty="0">
                 <a:hlinkClick r:id="rId4"/>
               </a:rPr>
-              <a:t>https://trello.com/b/Ov0bqGiB/initial-cf-planning</a:t>
-            </a:r>
+              <a:t>://</a:t>
+            </a:r>
+            <a:r>
+              <a:rPr lang="en-US" dirty="0" smtClean="0">
+                <a:hlinkClick r:id="rId4"/>
+              </a:rPr>
+              <a:t>trello.com/b/Ov0bqGiB/initial-cf-planning</a:t>
+            </a:r>
+            <a:endParaRPr lang="en-US" dirty="0" smtClean="0"/>
+          </a:p>
+          <a:p>
+            <a:r>
+              <a:rPr lang="en-US" dirty="0" smtClean="0"/>
+              <a:t>Research papers are on </a:t>
+            </a:r>
+            <a:r>
+              <a:rPr lang="en-US" dirty="0" err="1" smtClean="0"/>
+              <a:t>Zotero</a:t>
+            </a:r>
+            <a:r>
+              <a:rPr lang="en-US" dirty="0"/>
+              <a:t> page: </a:t>
+            </a:r>
+            <a:r>
+              <a:rPr lang="en-US" dirty="0">
+                <a:hlinkClick r:id="rId5"/>
+              </a:rPr>
+              <a:t>https://</a:t>
+            </a:r>
+            <a:r>
+              <a:rPr lang="en-US" dirty="0" smtClean="0">
+                <a:hlinkClick r:id="rId5"/>
+              </a:rPr>
+              <a:t>www.zotero.org/groups/957151/items</a:t>
+            </a:r>
+            <a:endParaRPr lang="en-US" dirty="0" smtClean="0"/>
+          </a:p>
+          <a:p>
             <a:endParaRPr lang="en-US" dirty="0"/>
-          </a:p>
-          <a:p>
-            <a:r>
-              <a:rPr lang="en-US" dirty="0"/>
-              <a:t>All related documents are available in GitHub</a:t>
-            </a:r>
-          </a:p>
-          <a:p>
-            <a:r>
-              <a:rPr lang="en-US" dirty="0"/>
-              <a:t>Project progression tracking is available in Trello</a:t>
-            </a:r>
           </a:p>
           <a:p>
             <a:endParaRPr lang="en-US" dirty="0"/>
@@ -5781,6 +6115,13 @@
       </p:transition>
     </mc:Fallback>
   </mc:AlternateContent>
+  <p:timing>
+    <p:tnLst>
+      <p:par>
+        <p:cTn id="1" dur="indefinite" restart="never" nodeType="tmRoot"/>
+      </p:par>
+    </p:tnLst>
+  </p:timing>
 </p:sld>
 </file>
 
@@ -5811,9 +6152,16 @@
             <p:ph idx="1"/>
           </p:nvPr>
         </p:nvSpPr>
-        <p:spPr/>
-        <p:txBody>
-          <a:bodyPr/>
+        <p:spPr>
+          <a:xfrm>
+            <a:off x="1522876" y="1905000"/>
+            <a:ext cx="9143538" cy="4419600"/>
+          </a:xfrm>
+        </p:spPr>
+        <p:txBody>
+          <a:bodyPr>
+            <a:normAutofit/>
+          </a:bodyPr>
           <a:lstStyle/>
           <a:p>
             <a:r>
@@ -5823,8 +6171,69 @@
           </a:p>
           <a:p>
             <a:r>
+              <a:rPr lang="en-US" dirty="0" smtClean="0"/>
+              <a:t>EM parameter extraction:</a:t>
+            </a:r>
+          </a:p>
+          <a:p>
+            <a:pPr lvl="1"/>
+            <a:r>
+              <a:rPr lang="en-US" dirty="0" smtClean="0"/>
+              <a:t>Dielectric constant</a:t>
+            </a:r>
+          </a:p>
+          <a:p>
+            <a:pPr lvl="1"/>
+            <a:r>
               <a:rPr lang="en-US" dirty="0"/>
-              <a:t>Dielectric constant, complex electric permittivity, magnetic permeability, loss tangent and layer thickness</a:t>
+              <a:t>C</a:t>
+            </a:r>
+            <a:r>
+              <a:rPr lang="en-US" dirty="0" smtClean="0"/>
+              <a:t>omplex electric permittivity</a:t>
+            </a:r>
+            <a:endParaRPr lang="en-US" dirty="0"/>
+          </a:p>
+          <a:p>
+            <a:pPr lvl="1"/>
+            <a:r>
+              <a:rPr lang="en-US" dirty="0" smtClean="0"/>
+              <a:t>Complex </a:t>
+            </a:r>
+            <a:r>
+              <a:rPr lang="en-US" dirty="0" smtClean="0"/>
+              <a:t>magnetic permeability</a:t>
+            </a:r>
+          </a:p>
+          <a:p>
+            <a:pPr lvl="1"/>
+            <a:r>
+              <a:rPr lang="en-US" dirty="0"/>
+              <a:t>L</a:t>
+            </a:r>
+            <a:r>
+              <a:rPr lang="en-US" dirty="0" smtClean="0"/>
+              <a:t>oss </a:t>
+            </a:r>
+            <a:r>
+              <a:rPr lang="en-US" dirty="0"/>
+              <a:t>tangent </a:t>
+            </a:r>
+            <a:endParaRPr lang="en-US" dirty="0" smtClean="0"/>
+          </a:p>
+          <a:p>
+            <a:pPr lvl="1"/>
+            <a:r>
+              <a:rPr lang="en-US" dirty="0"/>
+              <a:t>L</a:t>
+            </a:r>
+            <a:r>
+              <a:rPr lang="en-US" dirty="0" smtClean="0"/>
+              <a:t>ayer </a:t>
+            </a:r>
+            <a:r>
+              <a:rPr lang="en-US" dirty="0"/>
+              <a:t>thickness</a:t>
             </a:r>
           </a:p>
           <a:p>
@@ -5836,8 +6245,13 @@
           <a:p>
             <a:r>
               <a:rPr lang="en-US" dirty="0"/>
-              <a:t>NRL arch</a:t>
-            </a:r>
+              <a:t>NRL </a:t>
+            </a:r>
+            <a:r>
+              <a:rPr lang="en-US" dirty="0" smtClean="0"/>
+              <a:t>arch measurement</a:t>
+            </a:r>
+            <a:endParaRPr lang="en-US" dirty="0"/>
           </a:p>
         </p:txBody>
       </p:sp>
@@ -5853,13 +6267,16 @@
         </p:nvSpPr>
         <p:spPr/>
         <p:txBody>
-          <a:bodyPr/>
+          <a:bodyPr>
+            <a:normAutofit/>
+          </a:bodyPr>
           <a:lstStyle/>
           <a:p>
             <a:r>
-              <a:rPr lang="en-US" dirty="0"/>
-              <a:t>Requirements from project description</a:t>
-            </a:r>
+              <a:rPr lang="en-US" sz="4000" dirty="0" smtClean="0"/>
+              <a:t>Requirements From Project Description</a:t>
+            </a:r>
+            <a:endParaRPr lang="en-US" sz="4000" dirty="0"/>
           </a:p>
         </p:txBody>
       </p:sp>
@@ -5885,6 +6302,13 @@
       </p:transition>
     </mc:Fallback>
   </mc:AlternateContent>
+  <p:timing>
+    <p:tnLst>
+      <p:par>
+        <p:cTn id="1" dur="indefinite" restart="never" nodeType="tmRoot"/>
+      </p:par>
+    </p:tnLst>
+  </p:timing>
 </p:sld>
 </file>
 
@@ -5915,32 +6339,50 @@
             <p:ph idx="1"/>
           </p:nvPr>
         </p:nvSpPr>
-        <p:spPr/>
+        <p:spPr>
+          <a:xfrm>
+            <a:off x="1522876" y="1905000"/>
+            <a:ext cx="9143538" cy="4495800"/>
+          </a:xfrm>
+        </p:spPr>
         <p:txBody>
           <a:bodyPr/>
           <a:lstStyle/>
           <a:p>
-            <a:pPr>
+            <a:pPr algn="just">
               <a:buFontTx/>
               <a:buChar char="-"/>
             </a:pPr>
             <a:r>
               <a:rPr lang="en-US" dirty="0"/>
-              <a:t>Trello, GitHub, Giant Chart</a:t>
-            </a:r>
-          </a:p>
-          <a:p>
-            <a:pPr>
+              <a:t>Trello, GitHub, </a:t>
+            </a:r>
+            <a:r>
+              <a:rPr lang="en-US" dirty="0" smtClean="0"/>
+              <a:t>Gantt </a:t>
+            </a:r>
+            <a:r>
+              <a:rPr lang="en-US" dirty="0"/>
+              <a:t>Chart</a:t>
+            </a:r>
+          </a:p>
+          <a:p>
+            <a:pPr algn="just">
               <a:buFontTx/>
               <a:buChar char="-"/>
             </a:pPr>
             <a:r>
               <a:rPr lang="en-US" dirty="0"/>
-              <a:t>Project main phase</a:t>
-            </a:r>
-          </a:p>
-          <a:p>
-            <a:pPr lvl="1">
+              <a:t>Project main </a:t>
+            </a:r>
+            <a:r>
+              <a:rPr lang="en-US" dirty="0" smtClean="0"/>
+              <a:t>phases:</a:t>
+            </a:r>
+            <a:endParaRPr lang="en-US" dirty="0"/>
+          </a:p>
+          <a:p>
+            <a:pPr lvl="1" algn="just">
               <a:buFontTx/>
               <a:buChar char="-"/>
             </a:pPr>
@@ -5950,7 +6392,7 @@
             </a:r>
           </a:p>
           <a:p>
-            <a:pPr lvl="1">
+            <a:pPr lvl="1" algn="just">
               <a:buFontTx/>
               <a:buChar char="-"/>
             </a:pPr>
@@ -5960,17 +6402,25 @@
             </a:r>
           </a:p>
           <a:p>
-            <a:pPr lvl="1">
+            <a:pPr lvl="1" algn="just">
               <a:buFontTx/>
               <a:buChar char="-"/>
             </a:pPr>
             <a:r>
               <a:rPr lang="en-US" dirty="0"/>
-              <a:t>Optimization: cover all frequency ranges, arch for antenna, antenna chamber.</a:t>
-            </a:r>
-          </a:p>
-          <a:p>
-            <a:pPr lvl="1">
+              <a:t>Optimization: </a:t>
+            </a:r>
+            <a:r>
+              <a:rPr lang="en-US" dirty="0" smtClean="0"/>
+              <a:t>Cover </a:t>
+            </a:r>
+            <a:r>
+              <a:rPr lang="en-US" dirty="0"/>
+              <a:t>all frequency ranges, arch for antenna, antenna chamber.</a:t>
+            </a:r>
+          </a:p>
+          <a:p>
+            <a:pPr lvl="1" algn="just">
               <a:buFontTx/>
               <a:buChar char="-"/>
             </a:pPr>
@@ -5993,13 +6443,16 @@
         </p:nvSpPr>
         <p:spPr/>
         <p:txBody>
-          <a:bodyPr/>
+          <a:bodyPr>
+            <a:normAutofit/>
+          </a:bodyPr>
           <a:lstStyle/>
           <a:p>
             <a:r>
-              <a:rPr lang="en-US" dirty="0"/>
-              <a:t>Project management</a:t>
-            </a:r>
+              <a:rPr lang="en-US" sz="4000" dirty="0" smtClean="0"/>
+              <a:t>Project Management</a:t>
+            </a:r>
+            <a:endParaRPr lang="en-US" sz="4000" dirty="0"/>
           </a:p>
         </p:txBody>
       </p:sp>
@@ -6025,6 +6478,13 @@
       </p:transition>
     </mc:Fallback>
   </mc:AlternateContent>
+  <p:timing>
+    <p:tnLst>
+      <p:par>
+        <p:cTn id="1" dur="indefinite" restart="never" nodeType="tmRoot"/>
+      </p:par>
+    </p:tnLst>
+  </p:timing>
 </p:sld>
 </file>
 
@@ -6055,7 +6515,12 @@
             <p:ph idx="1"/>
           </p:nvPr>
         </p:nvSpPr>
-        <p:spPr/>
+        <p:spPr>
+          <a:xfrm>
+            <a:off x="1522876" y="1905000"/>
+            <a:ext cx="9143538" cy="4267200"/>
+          </a:xfrm>
+        </p:spPr>
         <p:txBody>
           <a:bodyPr/>
           <a:lstStyle/>
@@ -6075,22 +6540,31 @@
           <a:p>
             <a:pPr lvl="1"/>
             <a:r>
+              <a:rPr lang="en-US" dirty="0" smtClean="0"/>
+              <a:t>Disadvantage: Big sample size (greater than 5 lambda), antenna alignment</a:t>
+            </a:r>
+          </a:p>
+          <a:p>
+            <a:r>
+              <a:rPr lang="en-US" dirty="0" smtClean="0"/>
+              <a:t>Waveguide</a:t>
+            </a:r>
+          </a:p>
+          <a:p>
+            <a:pPr lvl="1"/>
+            <a:r>
+              <a:rPr lang="en-US" dirty="0" smtClean="0"/>
+              <a:t>Advantage</a:t>
+            </a:r>
+            <a:r>
               <a:rPr lang="en-US" dirty="0"/>
-              <a:t>Disadvantage: Big sample size (greater than 5 lambda), antenna alignment</a:t>
-            </a:r>
-          </a:p>
-          <a:p>
-            <a:r>
-              <a:rPr lang="en-US" dirty="0"/>
-              <a:t>Waveguide</a:t>
-            </a:r>
-          </a:p>
-          <a:p>
-            <a:pPr lvl="1"/>
-            <a:r>
-              <a:rPr lang="en-US" dirty="0"/>
-              <a:t>Advantage: Higher dynamic range, small sample</a:t>
-            </a:r>
+              <a:t>: Higher dynamic range, small </a:t>
+            </a:r>
+            <a:r>
+              <a:rPr lang="en-US" dirty="0" smtClean="0"/>
+              <a:t>sample size</a:t>
+            </a:r>
+            <a:endParaRPr lang="en-US" dirty="0"/>
           </a:p>
           <a:p>
             <a:pPr lvl="1"/>
@@ -6111,15 +6585,23 @@
             <p:ph type="title"/>
           </p:nvPr>
         </p:nvSpPr>
-        <p:spPr/>
-        <p:txBody>
-          <a:bodyPr/>
+        <p:spPr>
+          <a:xfrm>
+            <a:off x="1522876" y="609600"/>
+            <a:ext cx="10210336" cy="1066800"/>
+          </a:xfrm>
+        </p:spPr>
+        <p:txBody>
+          <a:bodyPr>
+            <a:noAutofit/>
+          </a:bodyPr>
           <a:lstStyle/>
           <a:p>
             <a:r>
-              <a:rPr lang="en-US" dirty="0"/>
-              <a:t>Technical approach: NRL Arch and waveguide</a:t>
-            </a:r>
+              <a:rPr lang="en-US" sz="4000" dirty="0" smtClean="0"/>
+              <a:t>Technical Approach: NRL Arch and Waveguide</a:t>
+            </a:r>
+            <a:endParaRPr lang="en-US" sz="4000" dirty="0"/>
           </a:p>
         </p:txBody>
       </p:sp>
@@ -6145,6 +6627,13 @@
       </p:transition>
     </mc:Fallback>
   </mc:AlternateContent>
+  <p:timing>
+    <p:tnLst>
+      <p:par>
+        <p:cTn id="1" dur="indefinite" restart="never" nodeType="tmRoot"/>
+      </p:par>
+    </p:tnLst>
+  </p:timing>
 </p:sld>
 </file>
 
@@ -6167,233 +6656,510 @@
       </p:grpSpPr>
       <p:sp>
         <p:nvSpPr>
-          <p:cNvPr id="4" name="Text Placeholder 7"/>
-          <p:cNvSpPr txBox="1">
-            <a:spLocks/>
-          </p:cNvSpPr>
-          <p:nvPr/>
+          <p:cNvPr id="2" name="Content Placeholder 1"/>
+          <p:cNvSpPr>
+            <a:spLocks noGrp="1"/>
+          </p:cNvSpPr>
+          <p:nvPr>
+            <p:ph idx="1"/>
+          </p:nvPr>
         </p:nvSpPr>
         <p:spPr>
           <a:xfrm>
-            <a:off x="1539575" y="5715000"/>
-            <a:ext cx="9126838" cy="533400"/>
+            <a:off x="836612" y="1758810"/>
+            <a:ext cx="5181600" cy="4337190"/>
+          </a:xfrm>
+        </p:spPr>
+        <p:txBody>
+          <a:bodyPr>
+            <a:normAutofit lnSpcReduction="10000"/>
+          </a:bodyPr>
+          <a:lstStyle/>
+          <a:p>
+            <a:pPr algn="just"/>
+            <a:r>
+              <a:rPr lang="en-US" dirty="0"/>
+              <a:t>VNA is used as both the stimulus and detector of microwave signals</a:t>
+            </a:r>
+          </a:p>
+          <a:p>
+            <a:pPr algn="just"/>
+            <a:r>
+              <a:rPr lang="en-US" dirty="0"/>
+              <a:t>Signal from the reflective plate (without the sample) provides a reference signal for calibration</a:t>
+            </a:r>
+          </a:p>
+          <a:p>
+            <a:pPr algn="just"/>
+            <a:r>
+              <a:rPr lang="en-US" dirty="0"/>
+              <a:t>Reflectivity in dB = 10*log10 (P1/P0)</a:t>
+            </a:r>
+          </a:p>
+          <a:p>
+            <a:pPr algn="just"/>
+            <a:r>
+              <a:rPr lang="en-US" dirty="0"/>
+              <a:t>Absorption coefficient of PVC is calculated and compared</a:t>
+            </a:r>
+            <a:r>
+              <a:rPr lang="en-US" dirty="0" smtClean="0"/>
+              <a:t>.</a:t>
+            </a:r>
+          </a:p>
+          <a:p>
+            <a:pPr algn="just"/>
+            <a:r>
+              <a:rPr lang="en-US" dirty="0" smtClean="0"/>
+              <a:t>An arch with positioners will be built to measure reflection for different incident angles</a:t>
+            </a:r>
+            <a:endParaRPr lang="en-US" dirty="0"/>
+          </a:p>
+        </p:txBody>
+      </p:sp>
+      <p:sp>
+        <p:nvSpPr>
+          <p:cNvPr id="3" name="Title 2"/>
+          <p:cNvSpPr>
+            <a:spLocks noGrp="1"/>
+          </p:cNvSpPr>
+          <p:nvPr>
+            <p:ph type="title"/>
+          </p:nvPr>
+        </p:nvSpPr>
+        <p:spPr/>
+        <p:txBody>
+          <a:bodyPr>
+            <a:normAutofit/>
+          </a:bodyPr>
+          <a:lstStyle/>
+          <a:p>
+            <a:r>
+              <a:rPr lang="en-US" sz="4000" dirty="0" smtClean="0"/>
+              <a:t>NRL Arch Prototype: Measurement Setup</a:t>
+            </a:r>
+            <a:endParaRPr lang="en-US" sz="4000" dirty="0"/>
+          </a:p>
+        </p:txBody>
+      </p:sp>
+      <p:pic>
+        <p:nvPicPr>
+          <p:cNvPr id="6" name="Picture 5"/>
+          <p:cNvPicPr>
+            <a:picLocks noChangeAspect="1"/>
+          </p:cNvPicPr>
+          <p:nvPr/>
+        </p:nvPicPr>
+        <p:blipFill>
+          <a:blip r:embed="rId2"/>
+          <a:stretch>
+            <a:fillRect/>
+          </a:stretch>
+        </p:blipFill>
+        <p:spPr>
+          <a:xfrm>
+            <a:off x="6780214" y="1758810"/>
+            <a:ext cx="3886200" cy="4066044"/>
           </a:xfrm>
           <a:prstGeom prst="rect">
             <a:avLst/>
           </a:prstGeom>
         </p:spPr>
-        <p:txBody>
-          <a:bodyPr anchor="b">
+      </p:pic>
+    </p:spTree>
+    <p:extLst>
+      <p:ext uri="{BB962C8B-B14F-4D97-AF65-F5344CB8AC3E}">
+        <p14:creationId xmlns:p14="http://schemas.microsoft.com/office/powerpoint/2010/main" val="115972418"/>
+      </p:ext>
+    </p:extLst>
+  </p:cSld>
+  <p:clrMapOvr>
+    <a:masterClrMapping/>
+  </p:clrMapOvr>
+  <mc:AlternateContent xmlns:mc="http://schemas.openxmlformats.org/markup-compatibility/2006" xmlns:p14="http://schemas.microsoft.com/office/powerpoint/2010/main">
+    <mc:Choice Requires="p14">
+      <p:transition spd="med" p14:dur="700">
+        <p:fade/>
+      </p:transition>
+    </mc:Choice>
+    <mc:Fallback xmlns="">
+      <p:transition spd="med">
+        <p:fade/>
+      </p:transition>
+    </mc:Fallback>
+  </mc:AlternateContent>
+  <p:timing>
+    <p:tnLst>
+      <p:par>
+        <p:cTn id="1" dur="indefinite" restart="never" nodeType="tmRoot"/>
+      </p:par>
+    </p:tnLst>
+  </p:timing>
+</p:sld>
+</file>
+
+<file path=ppt/slides/slide6.xml><?xml version="1.0" encoding="utf-8"?>
+<p:sld xmlns:a="http://schemas.openxmlformats.org/drawingml/2006/main" xmlns:r="http://schemas.openxmlformats.org/officeDocument/2006/relationships" xmlns:p="http://schemas.openxmlformats.org/presentationml/2006/main">
+  <p:cSld>
+    <p:spTree>
+      <p:nvGrpSpPr>
+        <p:cNvPr id="1" name=""/>
+        <p:cNvGrpSpPr/>
+        <p:nvPr/>
+      </p:nvGrpSpPr>
+      <p:grpSpPr>
+        <a:xfrm>
+          <a:off x="0" y="0"/>
+          <a:ext cx="0" cy="0"/>
+          <a:chOff x="0" y="0"/>
+          <a:chExt cx="0" cy="0"/>
+        </a:xfrm>
+      </p:grpSpPr>
+      <p:sp>
+        <p:nvSpPr>
+          <p:cNvPr id="2" name="Content Placeholder 1"/>
+          <p:cNvSpPr>
+            <a:spLocks noGrp="1"/>
+          </p:cNvSpPr>
+          <p:nvPr>
+            <p:ph idx="1"/>
+          </p:nvPr>
+        </p:nvSpPr>
+        <p:spPr>
+          <a:xfrm>
+            <a:off x="836612" y="1981200"/>
+            <a:ext cx="5486400" cy="3843654"/>
+          </a:xfrm>
+        </p:spPr>
+        <p:txBody>
+          <a:bodyPr>
+            <a:normAutofit lnSpcReduction="10000"/>
+          </a:bodyPr>
+          <a:lstStyle/>
+          <a:p>
+            <a:r>
+              <a:rPr lang="en-US" dirty="0"/>
+              <a:t>L: a segment of rectangular waveguide where a sample has been placed</a:t>
+            </a:r>
+          </a:p>
+          <a:p>
+            <a:r>
+              <a:rPr lang="en-US" dirty="0"/>
+              <a:t>L1, L2: hollow rectangular waveguide</a:t>
+            </a:r>
+          </a:p>
+          <a:p>
+            <a:r>
+              <a:rPr lang="en-US" dirty="0"/>
+              <a:t>Port 1 and Port 2 are connected to VNA </a:t>
+            </a:r>
+          </a:p>
+          <a:p>
+            <a:pPr marL="0" indent="0">
+              <a:buNone/>
+            </a:pPr>
+            <a:r>
+              <a:rPr lang="en-US" dirty="0"/>
+              <a:t>using adapters.</a:t>
+            </a:r>
+          </a:p>
+          <a:p>
+            <a:r>
+              <a:rPr lang="en-US" dirty="0"/>
+              <a:t>Equations for complex epsilon and mu are provided in Microwave Electronics: Measurement and Materials Characterization</a:t>
+            </a:r>
+          </a:p>
+        </p:txBody>
+      </p:sp>
+      <p:sp>
+        <p:nvSpPr>
+          <p:cNvPr id="3" name="Title 2"/>
+          <p:cNvSpPr>
+            <a:spLocks noGrp="1"/>
+          </p:cNvSpPr>
+          <p:nvPr>
+            <p:ph type="title"/>
+          </p:nvPr>
+        </p:nvSpPr>
+        <p:spPr/>
+        <p:txBody>
+          <a:bodyPr>
             <a:normAutofit/>
           </a:bodyPr>
-          <a:lstStyle>
-            <a:lvl1pPr marL="0" indent="0" algn="l" defTabSz="914400" rtl="0" eaLnBrk="1" latinLnBrk="0" hangingPunct="1">
-              <a:lnSpc>
-                <a:spcPct val="90000"/>
-              </a:lnSpc>
-              <a:spcBef>
-                <a:spcPts val="1800"/>
-              </a:spcBef>
-              <a:buClr>
-                <a:schemeClr val="tx1"/>
-              </a:buClr>
-              <a:buSzPct val="80000"/>
-              <a:buFont typeface="Wingdings" pitchFamily="2" charset="2"/>
-              <a:buNone/>
-              <a:defRPr sz="1800" kern="1200">
-                <a:solidFill>
-                  <a:schemeClr val="tx1"/>
-                </a:solidFill>
-                <a:latin typeface="+mn-lt"/>
-                <a:ea typeface="+mn-ea"/>
-                <a:cs typeface="+mn-cs"/>
-              </a:defRPr>
-            </a:lvl1pPr>
-            <a:lvl2pPr marL="320040" indent="0" algn="l" defTabSz="914400" rtl="0" eaLnBrk="1" latinLnBrk="0" hangingPunct="1">
-              <a:lnSpc>
-                <a:spcPct val="90000"/>
-              </a:lnSpc>
-              <a:spcBef>
-                <a:spcPts val="1000"/>
-              </a:spcBef>
-              <a:buClr>
-                <a:schemeClr val="tx1"/>
-              </a:buClr>
-              <a:buSzPct val="100000"/>
-              <a:buFont typeface="Arial" pitchFamily="34" charset="0"/>
-              <a:buNone/>
-              <a:defRPr sz="2000" kern="1200">
-                <a:solidFill>
-                  <a:schemeClr val="tx1"/>
-                </a:solidFill>
-                <a:latin typeface="+mn-lt"/>
-                <a:ea typeface="+mn-ea"/>
-                <a:cs typeface="+mn-cs"/>
-              </a:defRPr>
-            </a:lvl2pPr>
-            <a:lvl3pPr marL="594360" indent="0" algn="l" defTabSz="914400" rtl="0" eaLnBrk="1" latinLnBrk="0" hangingPunct="1">
-              <a:lnSpc>
-                <a:spcPct val="90000"/>
-              </a:lnSpc>
-              <a:spcBef>
-                <a:spcPts val="800"/>
-              </a:spcBef>
-              <a:buClr>
-                <a:schemeClr val="tx1"/>
-              </a:buClr>
-              <a:buSzPct val="80000"/>
-              <a:buFont typeface="Wingdings" pitchFamily="2" charset="2"/>
-              <a:buNone/>
-              <a:defRPr sz="1800" kern="1200">
-                <a:solidFill>
-                  <a:schemeClr val="tx1"/>
-                </a:solidFill>
-                <a:latin typeface="+mn-lt"/>
-                <a:ea typeface="+mn-ea"/>
-                <a:cs typeface="+mn-cs"/>
-              </a:defRPr>
-            </a:lvl3pPr>
-            <a:lvl4pPr marL="868680" indent="0" algn="l" defTabSz="914400" rtl="0" eaLnBrk="1" latinLnBrk="0" hangingPunct="1">
-              <a:lnSpc>
-                <a:spcPct val="90000"/>
-              </a:lnSpc>
-              <a:spcBef>
-                <a:spcPts val="800"/>
-              </a:spcBef>
-              <a:buClr>
-                <a:schemeClr val="tx1"/>
-              </a:buClr>
-              <a:buSzPct val="100000"/>
-              <a:buFont typeface="Arial" pitchFamily="34" charset="0"/>
-              <a:buNone/>
-              <a:defRPr sz="1600" kern="1200">
-                <a:solidFill>
-                  <a:schemeClr val="tx1"/>
-                </a:solidFill>
-                <a:latin typeface="+mn-lt"/>
-                <a:ea typeface="+mn-ea"/>
-                <a:cs typeface="+mn-cs"/>
-              </a:defRPr>
-            </a:lvl4pPr>
-            <a:lvl5pPr marL="1097280" indent="0" algn="l" defTabSz="914400" rtl="0" eaLnBrk="1" latinLnBrk="0" hangingPunct="1">
-              <a:lnSpc>
-                <a:spcPct val="90000"/>
-              </a:lnSpc>
-              <a:spcBef>
-                <a:spcPts val="800"/>
-              </a:spcBef>
-              <a:buClr>
-                <a:schemeClr val="tx1"/>
-              </a:buClr>
-              <a:buSzPct val="80000"/>
-              <a:buFont typeface="Wingdings" pitchFamily="2" charset="2"/>
-              <a:buNone/>
-              <a:defRPr sz="1600" kern="1200">
-                <a:solidFill>
-                  <a:schemeClr val="tx1"/>
-                </a:solidFill>
-                <a:latin typeface="+mn-lt"/>
-                <a:ea typeface="+mn-ea"/>
-                <a:cs typeface="+mn-cs"/>
-              </a:defRPr>
-            </a:lvl5pPr>
-            <a:lvl6pPr marL="1554480" indent="-228600" algn="l" defTabSz="914400" rtl="0" eaLnBrk="1" latinLnBrk="0" hangingPunct="1">
-              <a:lnSpc>
-                <a:spcPct val="90000"/>
-              </a:lnSpc>
-              <a:spcBef>
-                <a:spcPts val="800"/>
-              </a:spcBef>
-              <a:buClr>
-                <a:schemeClr val="tx1"/>
-              </a:buClr>
-              <a:buSzPct val="100000"/>
-              <a:buFont typeface="Arial" pitchFamily="34" charset="0"/>
-              <a:buChar char="–"/>
-              <a:defRPr sz="1600" kern="1200">
-                <a:solidFill>
-                  <a:schemeClr val="tx1"/>
-                </a:solidFill>
-                <a:latin typeface="+mn-lt"/>
-                <a:ea typeface="+mn-ea"/>
-                <a:cs typeface="+mn-cs"/>
-              </a:defRPr>
-            </a:lvl6pPr>
-            <a:lvl7pPr marL="1783080" indent="-228600" algn="l" defTabSz="914400" rtl="0" eaLnBrk="1" latinLnBrk="0" hangingPunct="1">
-              <a:lnSpc>
-                <a:spcPct val="90000"/>
-              </a:lnSpc>
-              <a:spcBef>
-                <a:spcPts val="800"/>
-              </a:spcBef>
-              <a:buClr>
-                <a:schemeClr val="tx1"/>
-              </a:buClr>
-              <a:buSzPct val="80000"/>
-              <a:buFont typeface="Wingdings" pitchFamily="2" charset="2"/>
-              <a:buChar char="§"/>
-              <a:defRPr sz="1600" kern="1200">
-                <a:solidFill>
-                  <a:schemeClr val="tx1"/>
-                </a:solidFill>
-                <a:latin typeface="+mn-lt"/>
-                <a:ea typeface="+mn-ea"/>
-                <a:cs typeface="+mn-cs"/>
-              </a:defRPr>
-            </a:lvl7pPr>
-            <a:lvl8pPr marL="2011680" indent="-228600" algn="l" defTabSz="914400" rtl="0" eaLnBrk="1" latinLnBrk="0" hangingPunct="1">
-              <a:lnSpc>
-                <a:spcPct val="90000"/>
-              </a:lnSpc>
-              <a:spcBef>
-                <a:spcPts val="800"/>
-              </a:spcBef>
-              <a:buClr>
-                <a:schemeClr val="tx1"/>
-              </a:buClr>
-              <a:buSzPct val="100000"/>
-              <a:buFont typeface="Arial" pitchFamily="34" charset="0"/>
-              <a:buChar char="–"/>
-              <a:defRPr sz="1600" kern="1200">
-                <a:solidFill>
-                  <a:schemeClr val="tx1"/>
-                </a:solidFill>
-                <a:latin typeface="+mn-lt"/>
-                <a:ea typeface="+mn-ea"/>
-                <a:cs typeface="+mn-cs"/>
-              </a:defRPr>
-            </a:lvl8pPr>
-            <a:lvl9pPr marL="2240280" indent="-228600" algn="l" defTabSz="914400" rtl="0" eaLnBrk="1" latinLnBrk="0" hangingPunct="1">
-              <a:lnSpc>
-                <a:spcPct val="90000"/>
-              </a:lnSpc>
-              <a:spcBef>
-                <a:spcPts val="800"/>
-              </a:spcBef>
-              <a:buClr>
-                <a:schemeClr val="tx1"/>
-              </a:buClr>
-              <a:buSzPct val="80000"/>
-              <a:buFont typeface="Wingdings" pitchFamily="2" charset="2"/>
-              <a:buChar char="§"/>
-              <a:defRPr sz="1600" kern="1200">
-                <a:solidFill>
-                  <a:schemeClr val="tx1"/>
-                </a:solidFill>
-                <a:latin typeface="+mn-lt"/>
-                <a:ea typeface="+mn-ea"/>
-                <a:cs typeface="+mn-cs"/>
-              </a:defRPr>
-            </a:lvl9pPr>
-          </a:lstStyle>
-          <a:p>
-            <a:r>
-              <a:rPr lang="en-US" sz="1600" dirty="0"/>
-              <a:t>-for more info…List location or contact for specification (or other related documents)</a:t>
-            </a:r>
-          </a:p>
-        </p:txBody>
-      </p:sp>
+          <a:lstStyle/>
+          <a:p>
+            <a:r>
+              <a:rPr lang="en-US" sz="4000" dirty="0" smtClean="0"/>
+              <a:t>Waveguide Prototype: Measurement Setup</a:t>
+            </a:r>
+            <a:endParaRPr lang="en-US" sz="4000" dirty="0"/>
+          </a:p>
+        </p:txBody>
+      </p:sp>
+      <p:pic>
+        <p:nvPicPr>
+          <p:cNvPr id="7" name="Picture 6"/>
+          <p:cNvPicPr>
+            <a:picLocks noChangeAspect="1"/>
+          </p:cNvPicPr>
+          <p:nvPr/>
+        </p:nvPicPr>
+        <p:blipFill>
+          <a:blip r:embed="rId2"/>
+          <a:stretch>
+            <a:fillRect/>
+          </a:stretch>
+        </p:blipFill>
+        <p:spPr>
+          <a:xfrm>
+            <a:off x="6704012" y="2209800"/>
+            <a:ext cx="5358724" cy="2152650"/>
+          </a:xfrm>
+          <a:prstGeom prst="rect">
+            <a:avLst/>
+          </a:prstGeom>
+        </p:spPr>
+      </p:pic>
+      <p:sp>
+        <p:nvSpPr>
+          <p:cNvPr id="8" name="TextBox 7"/>
+          <p:cNvSpPr txBox="1"/>
+          <p:nvPr/>
+        </p:nvSpPr>
+        <p:spPr>
+          <a:xfrm>
+            <a:off x="7389812" y="4495800"/>
+            <a:ext cx="4184479" cy="1200329"/>
+          </a:xfrm>
+          <a:prstGeom prst="rect">
+            <a:avLst/>
+          </a:prstGeom>
+          <a:noFill/>
+          <a:ln>
+            <a:solidFill>
+              <a:schemeClr val="accent1">
+                <a:lumMod val="20000"/>
+                <a:lumOff val="80000"/>
+              </a:schemeClr>
+            </a:solidFill>
+          </a:ln>
+        </p:spPr>
+        <p:txBody>
+          <a:bodyPr wrap="none" rtlCol="0" anchor="ctr" anchorCtr="1">
+            <a:spAutoFit/>
+          </a:bodyPr>
+          <a:lstStyle/>
+          <a:p>
+            <a:r>
+              <a:rPr lang="en-US" dirty="0"/>
+              <a:t>L.F. Chen et al 2004, </a:t>
+            </a:r>
+          </a:p>
+          <a:p>
+            <a:r>
+              <a:rPr lang="en-US" dirty="0"/>
+              <a:t>Microwave Electronics: Measurement and </a:t>
+            </a:r>
+          </a:p>
+          <a:p>
+            <a:r>
+              <a:rPr lang="en-US" dirty="0"/>
+              <a:t>Materials Characterization</a:t>
+            </a:r>
+          </a:p>
+          <a:p>
+            <a:endParaRPr lang="en-US" dirty="0"/>
+          </a:p>
+        </p:txBody>
+      </p:sp>
+    </p:spTree>
+    <p:extLst>
+      <p:ext uri="{BB962C8B-B14F-4D97-AF65-F5344CB8AC3E}">
+        <p14:creationId xmlns:p14="http://schemas.microsoft.com/office/powerpoint/2010/main" val="4267753713"/>
+      </p:ext>
+    </p:extLst>
+  </p:cSld>
+  <p:clrMapOvr>
+    <a:masterClrMapping/>
+  </p:clrMapOvr>
+  <mc:AlternateContent xmlns:mc="http://schemas.openxmlformats.org/markup-compatibility/2006" xmlns:p14="http://schemas.microsoft.com/office/powerpoint/2010/main">
+    <mc:Choice Requires="p14">
+      <p:transition spd="med" p14:dur="700">
+        <p:fade/>
+      </p:transition>
+    </mc:Choice>
+    <mc:Fallback xmlns="">
+      <p:transition spd="med">
+        <p:fade/>
+      </p:transition>
+    </mc:Fallback>
+  </mc:AlternateContent>
+  <p:timing>
+    <p:tnLst>
+      <p:par>
+        <p:cTn id="1" dur="indefinite" restart="never" nodeType="tmRoot"/>
+      </p:par>
+    </p:tnLst>
+  </p:timing>
+</p:sld>
+</file>
+
+<file path=ppt/slides/slide7.xml><?xml version="1.0" encoding="utf-8"?>
+<p:sld xmlns:a="http://schemas.openxmlformats.org/drawingml/2006/main" xmlns:r="http://schemas.openxmlformats.org/officeDocument/2006/relationships" xmlns:p="http://schemas.openxmlformats.org/presentationml/2006/main">
+  <p:cSld>
+    <p:spTree>
+      <p:nvGrpSpPr>
+        <p:cNvPr id="1" name=""/>
+        <p:cNvGrpSpPr/>
+        <p:nvPr/>
+      </p:nvGrpSpPr>
+      <p:grpSpPr>
+        <a:xfrm>
+          <a:off x="0" y="0"/>
+          <a:ext cx="0" cy="0"/>
+          <a:chOff x="0" y="0"/>
+          <a:chExt cx="0" cy="0"/>
+        </a:xfrm>
+      </p:grpSpPr>
+      <p:sp>
+        <p:nvSpPr>
+          <p:cNvPr id="2" name="Content Placeholder 1"/>
+          <p:cNvSpPr>
+            <a:spLocks noGrp="1"/>
+          </p:cNvSpPr>
+          <p:nvPr>
+            <p:ph idx="1"/>
+          </p:nvPr>
+        </p:nvSpPr>
+        <p:spPr/>
+        <p:txBody>
+          <a:bodyPr/>
+          <a:lstStyle/>
+          <a:p>
+            <a:r>
+              <a:rPr lang="en-US" dirty="0"/>
+              <a:t>Interactive Solver: Solving both material thickness and material properties at the same time. Provide higher </a:t>
+            </a:r>
+            <a:r>
+              <a:rPr lang="en-US" dirty="0" smtClean="0"/>
+              <a:t>accuracy.</a:t>
+            </a:r>
+            <a:endParaRPr lang="en-US" dirty="0"/>
+          </a:p>
+          <a:p>
+            <a:r>
+              <a:rPr lang="en-US" dirty="0" smtClean="0"/>
+              <a:t>NRL Arch measurement in RF chamber</a:t>
+            </a:r>
+            <a:endParaRPr lang="en-US" dirty="0"/>
+          </a:p>
+          <a:p>
+            <a:r>
+              <a:rPr lang="en-US" dirty="0"/>
+              <a:t>Partially filled </a:t>
+            </a:r>
+            <a:r>
+              <a:rPr lang="en-US" dirty="0" smtClean="0"/>
+              <a:t>waveguide</a:t>
+            </a:r>
+            <a:endParaRPr lang="en-US" dirty="0"/>
+          </a:p>
+          <a:p>
+            <a:r>
+              <a:rPr lang="en-US" dirty="0"/>
+              <a:t>EM simulation: EM Pro, avaialble for students at PSU</a:t>
+            </a:r>
+          </a:p>
+          <a:p>
+            <a:r>
+              <a:rPr lang="en-US" dirty="0" smtClean="0"/>
+              <a:t>Modeling</a:t>
+            </a:r>
+            <a:endParaRPr lang="en-US" dirty="0"/>
+          </a:p>
+          <a:p>
+            <a:endParaRPr lang="en-US" dirty="0"/>
+          </a:p>
+        </p:txBody>
+      </p:sp>
+      <p:sp>
+        <p:nvSpPr>
+          <p:cNvPr id="3" name="Title 2"/>
+          <p:cNvSpPr>
+            <a:spLocks noGrp="1"/>
+          </p:cNvSpPr>
+          <p:nvPr>
+            <p:ph type="title"/>
+          </p:nvPr>
+        </p:nvSpPr>
+        <p:spPr/>
+        <p:txBody>
+          <a:bodyPr>
+            <a:normAutofit/>
+          </a:bodyPr>
+          <a:lstStyle/>
+          <a:p>
+            <a:r>
+              <a:rPr lang="en-US" sz="4000" dirty="0"/>
+              <a:t>Procedures: </a:t>
+            </a:r>
+            <a:r>
+              <a:rPr lang="en-US" sz="4000" dirty="0" smtClean="0"/>
+              <a:t>Optimization</a:t>
+            </a:r>
+            <a:endParaRPr lang="en-US" sz="4000" dirty="0"/>
+          </a:p>
+        </p:txBody>
+      </p:sp>
+    </p:spTree>
+    <p:extLst>
+      <p:ext uri="{BB962C8B-B14F-4D97-AF65-F5344CB8AC3E}">
+        <p14:creationId xmlns:p14="http://schemas.microsoft.com/office/powerpoint/2010/main" val="2585531345"/>
+      </p:ext>
+    </p:extLst>
+  </p:cSld>
+  <p:clrMapOvr>
+    <a:masterClrMapping/>
+  </p:clrMapOvr>
+  <mc:AlternateContent xmlns:mc="http://schemas.openxmlformats.org/markup-compatibility/2006" xmlns:p14="http://schemas.microsoft.com/office/powerpoint/2010/main">
+    <mc:Choice Requires="p14">
+      <p:transition spd="med" p14:dur="700">
+        <p:fade/>
+      </p:transition>
+    </mc:Choice>
+    <mc:Fallback xmlns="">
+      <p:transition spd="med">
+        <p:fade/>
+      </p:transition>
+    </mc:Fallback>
+  </mc:AlternateContent>
+  <p:timing>
+    <p:tnLst>
+      <p:par>
+        <p:cTn id="1" dur="indefinite" restart="never" nodeType="tmRoot"/>
+      </p:par>
+    </p:tnLst>
+  </p:timing>
+</p:sld>
+</file>
+
+<file path=ppt/slides/slide8.xml><?xml version="1.0" encoding="utf-8"?>
+<p:sld xmlns:a="http://schemas.openxmlformats.org/drawingml/2006/main" xmlns:r="http://schemas.openxmlformats.org/officeDocument/2006/relationships" xmlns:p="http://schemas.openxmlformats.org/presentationml/2006/main">
+  <p:cSld>
+    <p:spTree>
+      <p:nvGrpSpPr>
+        <p:cNvPr id="1" name=""/>
+        <p:cNvGrpSpPr/>
+        <p:nvPr/>
+      </p:nvGrpSpPr>
+      <p:grpSpPr>
+        <a:xfrm>
+          <a:off x="0" y="0"/>
+          <a:ext cx="0" cy="0"/>
+          <a:chOff x="0" y="0"/>
+          <a:chExt cx="0" cy="0"/>
+        </a:xfrm>
+      </p:grpSpPr>
       <mc:AlternateContent xmlns:mc="http://schemas.openxmlformats.org/markup-compatibility/2006">
         <mc:Choice xmlns:a14="http://schemas.microsoft.com/office/drawing/2010/main" Requires="a14">
           <p:sp>
@@ -6406,18 +7172,21 @@
                 <p:ph idx="1"/>
               </p:nvPr>
             </p:nvSpPr>
-            <p:spPr/>
+            <p:spPr>
+              <a:xfrm>
+                <a:off x="1522876" y="1905000"/>
+                <a:ext cx="9981736" cy="4267200"/>
+              </a:xfrm>
+            </p:spPr>
             <p:txBody>
-              <a:bodyPr/>
+              <a:bodyPr>
+                <a:normAutofit/>
+              </a:bodyPr>
               <a:lstStyle/>
               <a:p>
                 <a:r>
                   <a:rPr lang="en-US" dirty="0"/>
-                  <a:t>SAS-510-4 </a:t>
-                </a:r>
-                <a:r>
-                  <a:rPr lang="en-US" dirty="0"/>
-                  <a:t>Log Periodic Antennas</a:t>
+                  <a:t>SAS-510-4 Log Periodic Antennas</a:t>
                 </a:r>
               </a:p>
               <a:p>
@@ -6472,7 +7241,7 @@
                       <m:fPr>
                         <m:ctrlPr>
                           <a:rPr lang="en-US" b="0" i="1" smtClean="0">
-                            <a:latin typeface="Cambria Math" panose="02040503050406030204" pitchFamily="18" charset="0"/>
+                            <a:latin typeface="Cambria Math" charset="0"/>
                           </a:rPr>
                         </m:ctrlPr>
                       </m:fPr>
@@ -6487,7 +7256,7 @@
                           <m:sSupPr>
                             <m:ctrlPr>
                               <a:rPr lang="en-US" b="0" i="1" smtClean="0">
-                                <a:latin typeface="Cambria Math" panose="02040503050406030204" pitchFamily="18" charset="0"/>
+                                <a:latin typeface="Cambria Math" charset="0"/>
                               </a:rPr>
                             </m:ctrlPr>
                           </m:sSupPr>
@@ -6496,7 +7265,7 @@
                               <m:sSubPr>
                                 <m:ctrlPr>
                                   <a:rPr lang="en-US" i="1">
-                                    <a:latin typeface="Cambria Math" panose="02040503050406030204" pitchFamily="18" charset="0"/>
+                                    <a:latin typeface="Cambria Math" charset="0"/>
                                   </a:rPr>
                                 </m:ctrlPr>
                               </m:sSubPr>
@@ -6576,27 +7345,27 @@
                 <a:endParaRPr lang="en-US" b="0" dirty="0"/>
               </a:p>
               <a:p>
+                <a:endParaRPr lang="en-US" dirty="0" smtClean="0"/>
+              </a:p>
+              <a:p>
+                <a:r>
+                  <a:rPr lang="en-US" dirty="0" smtClean="0"/>
+                  <a:t>Adjustable </a:t>
+                </a:r>
                 <a:r>
                   <a:rPr lang="en-US" dirty="0"/>
-                  <a:t>Adjustable Dipole (400 MHz to 1 GHz),</a:t>
+                  <a:t>Dipole (400 MHz to 1 GHz</a:t>
+                </a:r>
+                <a:r>
+                  <a:rPr lang="en-US" dirty="0" smtClean="0"/>
+                  <a:t>), and </a:t>
+                </a:r>
+                <a:r>
+                  <a:rPr lang="en-US" dirty="0"/>
+                  <a:t>horn antenna in X-band is also avaialble at PSU </a:t>
                 </a:r>
               </a:p>
               <a:p>
-                <a:pPr marL="0" indent="0">
-                  <a:buNone/>
-                </a:pPr>
-                <a:r>
-                  <a:rPr lang="en-US" dirty="0"/>
-                  <a:t>and horn antenna in X-band is also avaialble at PSU </a:t>
-                </a:r>
-              </a:p>
-              <a:p>
-                <a:endParaRPr lang="en-US" dirty="0"/>
-              </a:p>
-              <a:p>
-                <a:pPr marL="0" indent="0">
-                  <a:buNone/>
-                </a:pPr>
                 <a:endParaRPr lang="en-US" dirty="0"/>
               </a:p>
             </p:txBody>
@@ -6614,10 +7383,14 @@
               </p:nvPr>
             </p:nvSpPr>
             <p:spPr>
-              <a:blipFill>
+              <a:xfrm>
+                <a:off x="1522876" y="1905000"/>
+                <a:ext cx="9981736" cy="4267200"/>
+              </a:xfrm>
+              <a:blipFill rotWithShape="0">
                 <a:blip r:embed="rId2"/>
                 <a:stretch>
-                  <a:fillRect l="-1067" t="-2310"/>
+                  <a:fillRect l="-489" t="-2000"/>
                 </a:stretch>
               </a:blipFill>
             </p:spPr>
@@ -6648,13 +7421,16 @@
         </p:nvSpPr>
         <p:spPr/>
         <p:txBody>
-          <a:bodyPr/>
+          <a:bodyPr>
+            <a:normAutofit/>
+          </a:bodyPr>
           <a:lstStyle/>
           <a:p>
             <a:r>
-              <a:rPr lang="en-US" dirty="0"/>
-              <a:t>NRL arch prototype: Antennas</a:t>
-            </a:r>
+              <a:rPr lang="en-US" sz="4000" dirty="0" smtClean="0"/>
+              <a:t>Available Parts: Antennas</a:t>
+            </a:r>
+            <a:endParaRPr lang="en-US" sz="4000" dirty="0"/>
           </a:p>
         </p:txBody>
       </p:sp>
@@ -6721,10 +7497,17 @@
       </p:transition>
     </mc:Fallback>
   </mc:AlternateContent>
+  <p:timing>
+    <p:tnLst>
+      <p:par>
+        <p:cTn id="1" dur="indefinite" restart="never" nodeType="tmRoot"/>
+      </p:par>
+    </p:tnLst>
+  </p:timing>
 </p:sld>
 </file>
 
-<file path=ppt/slides/slide6.xml><?xml version="1.0" encoding="utf-8"?>
+<file path=ppt/slides/slide9.xml><?xml version="1.0" encoding="utf-8"?>
 <p:sld xmlns:a="http://schemas.openxmlformats.org/drawingml/2006/main" xmlns:r="http://schemas.openxmlformats.org/officeDocument/2006/relationships" xmlns:p="http://schemas.openxmlformats.org/presentationml/2006/main">
   <p:cSld>
     <p:spTree>
@@ -6753,142 +7536,8 @@
         </p:nvSpPr>
         <p:spPr>
           <a:xfrm>
-            <a:off x="836612" y="1981200"/>
-            <a:ext cx="5486400" cy="3843654"/>
-          </a:xfrm>
-        </p:spPr>
-        <p:txBody>
-          <a:bodyPr/>
-          <a:lstStyle/>
-          <a:p>
-            <a:r>
-              <a:rPr lang="en-US" dirty="0"/>
-              <a:t>VNA is used as both the stimulus and detector of microwave signals</a:t>
-            </a:r>
-          </a:p>
-          <a:p>
-            <a:r>
-              <a:rPr lang="en-US" dirty="0"/>
-              <a:t>Signal from the reflective plate (without the sample) provides a reference signal for calibration</a:t>
-            </a:r>
-          </a:p>
-          <a:p>
-            <a:r>
-              <a:rPr lang="en-US" dirty="0"/>
-              <a:t>Reflectivity in dB = 10*log10 (P1/P0)</a:t>
-            </a:r>
-          </a:p>
-          <a:p>
-            <a:r>
-              <a:rPr lang="en-US" dirty="0"/>
-              <a:t>Absorption coefficient of PVC is calculated and compared.</a:t>
-            </a:r>
-          </a:p>
-        </p:txBody>
-      </p:sp>
-      <p:sp>
-        <p:nvSpPr>
-          <p:cNvPr id="3" name="Title 2"/>
-          <p:cNvSpPr>
-            <a:spLocks noGrp="1"/>
-          </p:cNvSpPr>
-          <p:nvPr>
-            <p:ph type="title"/>
-          </p:nvPr>
-        </p:nvSpPr>
-        <p:spPr/>
-        <p:txBody>
-          <a:bodyPr/>
-          <a:lstStyle/>
-          <a:p>
-            <a:r>
-              <a:rPr lang="en-US" dirty="0"/>
-              <a:t>NRL arch prototype: Measurement setup</a:t>
-            </a:r>
-            <a:endParaRPr lang="en-US" dirty="0"/>
-          </a:p>
-        </p:txBody>
-      </p:sp>
-      <p:pic>
-        <p:nvPicPr>
-          <p:cNvPr id="6" name="Picture 5"/>
-          <p:cNvPicPr>
-            <a:picLocks noChangeAspect="1"/>
-          </p:cNvPicPr>
-          <p:nvPr/>
-        </p:nvPicPr>
-        <p:blipFill>
-          <a:blip r:embed="rId2"/>
-          <a:stretch>
-            <a:fillRect/>
-          </a:stretch>
-        </p:blipFill>
-        <p:spPr>
-          <a:xfrm>
-            <a:off x="6780214" y="1758810"/>
-            <a:ext cx="3886200" cy="4066044"/>
-          </a:xfrm>
-          <a:prstGeom prst="rect">
-            <a:avLst/>
-          </a:prstGeom>
-        </p:spPr>
-      </p:pic>
-    </p:spTree>
-    <p:extLst>
-      <p:ext uri="{BB962C8B-B14F-4D97-AF65-F5344CB8AC3E}">
-        <p14:creationId xmlns:p14="http://schemas.microsoft.com/office/powerpoint/2010/main" val="115972418"/>
-      </p:ext>
-    </p:extLst>
-  </p:cSld>
-  <p:clrMapOvr>
-    <a:masterClrMapping/>
-  </p:clrMapOvr>
-  <mc:AlternateContent xmlns:mc="http://schemas.openxmlformats.org/markup-compatibility/2006" xmlns:p14="http://schemas.microsoft.com/office/powerpoint/2010/main">
-    <mc:Choice Requires="p14">
-      <p:transition spd="med" p14:dur="700">
-        <p:fade/>
-      </p:transition>
-    </mc:Choice>
-    <mc:Fallback xmlns="">
-      <p:transition spd="med">
-        <p:fade/>
-      </p:transition>
-    </mc:Fallback>
-  </mc:AlternateContent>
-</p:sld>
-</file>
-
-<file path=ppt/slides/slide7.xml><?xml version="1.0" encoding="utf-8"?>
-<p:sld xmlns:a="http://schemas.openxmlformats.org/drawingml/2006/main" xmlns:r="http://schemas.openxmlformats.org/officeDocument/2006/relationships" xmlns:p="http://schemas.openxmlformats.org/presentationml/2006/main">
-  <p:cSld>
-    <p:spTree>
-      <p:nvGrpSpPr>
-        <p:cNvPr id="1" name=""/>
-        <p:cNvGrpSpPr/>
-        <p:nvPr/>
-      </p:nvGrpSpPr>
-      <p:grpSpPr>
-        <a:xfrm>
-          <a:off x="0" y="0"/>
-          <a:ext cx="0" cy="0"/>
-          <a:chOff x="0" y="0"/>
-          <a:chExt cx="0" cy="0"/>
-        </a:xfrm>
-      </p:grpSpPr>
-      <p:sp>
-        <p:nvSpPr>
-          <p:cNvPr id="2" name="Content Placeholder 1"/>
-          <p:cNvSpPr>
-            <a:spLocks noGrp="1"/>
-          </p:cNvSpPr>
-          <p:nvPr>
-            <p:ph idx="1"/>
-          </p:nvPr>
-        </p:nvSpPr>
-        <p:spPr>
-          <a:xfrm>
-            <a:off x="836612" y="1981200"/>
-            <a:ext cx="5486400" cy="3843654"/>
+            <a:off x="1522876" y="1752600"/>
+            <a:ext cx="5333536" cy="3849865"/>
           </a:xfrm>
         </p:spPr>
         <p:txBody>
@@ -6899,34 +7548,27 @@
           <a:p>
             <a:r>
               <a:rPr lang="en-US" dirty="0"/>
-              <a:t>L: a segment of rectangular waveguide where a sample has been placed</a:t>
+              <a:t>PSU has waveguide and adapter in X-band (figure)</a:t>
             </a:r>
           </a:p>
           <a:p>
             <a:r>
               <a:rPr lang="en-US" dirty="0"/>
-              <a:t>L1, L2: hollow rectangular waveguide</a:t>
-            </a:r>
-          </a:p>
-          <a:p>
+              <a:t>We still need to find a sample holder (a segment of X-band waveguide that has suitable size for the sample) and a TRL calibration kits</a:t>
+            </a:r>
+          </a:p>
+          <a:p>
+            <a:pPr lvl="1"/>
             <a:r>
               <a:rPr lang="en-US" dirty="0"/>
-              <a:t>Port 1 and Port 2 are connected to VNA </a:t>
-            </a:r>
-          </a:p>
-          <a:p>
-            <a:pPr marL="0" indent="0">
-              <a:buNone/>
-            </a:pPr>
+              <a:t>Reflect standards: A X-band waveguide short termination</a:t>
+            </a:r>
+          </a:p>
+          <a:p>
+            <a:pPr lvl="1"/>
             <a:r>
               <a:rPr lang="en-US" dirty="0"/>
-              <a:t>using adapters.</a:t>
-            </a:r>
-          </a:p>
-          <a:p>
-            <a:r>
-              <a:rPr lang="en-US" dirty="0"/>
-              <a:t>Equations for complex epsilon and mu are provided in Microwave Electronics: Measurement and Materials Characterization</a:t>
+              <a:t>Line standards: A X-band waveguide segment (90 degree long line at center frequency)</a:t>
             </a:r>
           </a:p>
         </p:txBody>
@@ -6943,203 +7585,24 @@
         </p:nvSpPr>
         <p:spPr/>
         <p:txBody>
-          <a:bodyPr/>
-          <a:lstStyle/>
-          <a:p>
-            <a:r>
-              <a:rPr lang="en-US" dirty="0"/>
-              <a:t>Waveguide prototype: measurement setup</a:t>
-            </a:r>
-            <a:endParaRPr lang="en-US" dirty="0"/>
-          </a:p>
-        </p:txBody>
-      </p:sp>
-      <p:pic>
-        <p:nvPicPr>
-          <p:cNvPr id="7" name="Picture 6"/>
-          <p:cNvPicPr>
-            <a:picLocks noChangeAspect="1"/>
-          </p:cNvPicPr>
-          <p:nvPr/>
-        </p:nvPicPr>
-        <p:blipFill>
-          <a:blip r:embed="rId2"/>
-          <a:stretch>
-            <a:fillRect/>
-          </a:stretch>
-        </p:blipFill>
-        <p:spPr>
-          <a:xfrm>
-            <a:off x="6704012" y="2209800"/>
-            <a:ext cx="5358724" cy="2152650"/>
-          </a:xfrm>
-          <a:prstGeom prst="rect">
-            <a:avLst/>
-          </a:prstGeom>
-        </p:spPr>
-      </p:pic>
-      <p:sp>
-        <p:nvSpPr>
-          <p:cNvPr id="8" name="TextBox 7"/>
-          <p:cNvSpPr txBox="1"/>
-          <p:nvPr/>
-        </p:nvSpPr>
-        <p:spPr>
-          <a:xfrm>
-            <a:off x="7389812" y="4495800"/>
-            <a:ext cx="4184479" cy="1200329"/>
-          </a:xfrm>
-          <a:prstGeom prst="rect">
-            <a:avLst/>
-          </a:prstGeom>
-          <a:noFill/>
-          <a:ln>
-            <a:solidFill>
-              <a:schemeClr val="accent1">
-                <a:lumMod val="20000"/>
-                <a:lumOff val="80000"/>
-              </a:schemeClr>
-            </a:solidFill>
-          </a:ln>
-        </p:spPr>
-        <p:txBody>
-          <a:bodyPr wrap="none" rtlCol="0" anchor="ctr" anchorCtr="1">
-            <a:spAutoFit/>
+          <a:bodyPr>
+            <a:normAutofit/>
           </a:bodyPr>
           <a:lstStyle/>
           <a:p>
             <a:r>
-              <a:rPr lang="en-US" dirty="0"/>
-              <a:t>L.F. Chen et al 2004, </a:t>
-            </a:r>
-          </a:p>
-          <a:p>
-            <a:r>
-              <a:rPr lang="en-US" dirty="0"/>
-              <a:t>Microwave Electronics: Measurement and </a:t>
-            </a:r>
-          </a:p>
-          <a:p>
-            <a:r>
-              <a:rPr lang="en-US" dirty="0"/>
-              <a:t>Materials Characterization</a:t>
-            </a:r>
-          </a:p>
-          <a:p>
-            <a:endParaRPr lang="en-US" dirty="0"/>
-          </a:p>
-        </p:txBody>
-      </p:sp>
-    </p:spTree>
-    <p:extLst>
-      <p:ext uri="{BB962C8B-B14F-4D97-AF65-F5344CB8AC3E}">
-        <p14:creationId xmlns:p14="http://schemas.microsoft.com/office/powerpoint/2010/main" val="4267753713"/>
-      </p:ext>
-    </p:extLst>
-  </p:cSld>
-  <p:clrMapOvr>
-    <a:masterClrMapping/>
-  </p:clrMapOvr>
-  <mc:AlternateContent xmlns:mc="http://schemas.openxmlformats.org/markup-compatibility/2006" xmlns:p14="http://schemas.microsoft.com/office/powerpoint/2010/main">
-    <mc:Choice Requires="p14">
-      <p:transition spd="med" p14:dur="700">
-        <p:fade/>
-      </p:transition>
-    </mc:Choice>
-    <mc:Fallback xmlns="">
-      <p:transition spd="med">
-        <p:fade/>
-      </p:transition>
-    </mc:Fallback>
-  </mc:AlternateContent>
-</p:sld>
-</file>
-
-<file path=ppt/slides/slide8.xml><?xml version="1.0" encoding="utf-8"?>
-<p:sld xmlns:a="http://schemas.openxmlformats.org/drawingml/2006/main" xmlns:r="http://schemas.openxmlformats.org/officeDocument/2006/relationships" xmlns:p="http://schemas.openxmlformats.org/presentationml/2006/main">
-  <p:cSld>
-    <p:spTree>
-      <p:nvGrpSpPr>
-        <p:cNvPr id="1" name=""/>
-        <p:cNvGrpSpPr/>
-        <p:nvPr/>
-      </p:nvGrpSpPr>
-      <p:grpSpPr>
-        <a:xfrm>
-          <a:off x="0" y="0"/>
-          <a:ext cx="0" cy="0"/>
-          <a:chOff x="0" y="0"/>
-          <a:chExt cx="0" cy="0"/>
-        </a:xfrm>
-      </p:grpSpPr>
-      <p:sp>
-        <p:nvSpPr>
-          <p:cNvPr id="2" name="Content Placeholder 1"/>
-          <p:cNvSpPr>
-            <a:spLocks noGrp="1"/>
-          </p:cNvSpPr>
-          <p:nvPr>
-            <p:ph idx="1"/>
-          </p:nvPr>
-        </p:nvSpPr>
-        <p:spPr>
-          <a:xfrm>
-            <a:off x="1522876" y="1752600"/>
-            <a:ext cx="5333536" cy="3849865"/>
-          </a:xfrm>
-        </p:spPr>
-        <p:txBody>
-          <a:bodyPr>
-            <a:normAutofit lnSpcReduction="10000"/>
-          </a:bodyPr>
-          <a:lstStyle/>
-          <a:p>
-            <a:r>
-              <a:rPr lang="en-US" dirty="0"/>
-              <a:t>PSU has waveguide and adapter in X-band (figure)</a:t>
-            </a:r>
-          </a:p>
-          <a:p>
-            <a:r>
-              <a:rPr lang="en-US" dirty="0"/>
-              <a:t>We still need to find a sample holder (a segment of X-band waveguide that has suitable size for the sample) and a TRL calibration kits</a:t>
-            </a:r>
-          </a:p>
-          <a:p>
-            <a:pPr lvl="1"/>
-            <a:r>
-              <a:rPr lang="en-US" dirty="0"/>
-              <a:t>Reflect standards: A X-band waveguide short termination</a:t>
-            </a:r>
-          </a:p>
-          <a:p>
-            <a:pPr lvl="1"/>
-            <a:r>
-              <a:rPr lang="en-US" dirty="0"/>
-              <a:t>Line standards: A X-band waveguide segment (90 degree long line at center frequency)</a:t>
-            </a:r>
-          </a:p>
-        </p:txBody>
-      </p:sp>
-      <p:sp>
-        <p:nvSpPr>
-          <p:cNvPr id="3" name="Title 2"/>
-          <p:cNvSpPr>
-            <a:spLocks noGrp="1"/>
-          </p:cNvSpPr>
-          <p:nvPr>
-            <p:ph type="title"/>
-          </p:nvPr>
-        </p:nvSpPr>
-        <p:spPr/>
-        <p:txBody>
-          <a:bodyPr/>
-          <a:lstStyle/>
-          <a:p>
-            <a:r>
-              <a:rPr lang="en-US" dirty="0"/>
-              <a:t>Waveguide prototype: parts</a:t>
-            </a:r>
+              <a:rPr lang="en-US" sz="4000" dirty="0" smtClean="0"/>
+              <a:t>Available </a:t>
+            </a:r>
+            <a:r>
+              <a:rPr lang="en-US" sz="4000" dirty="0"/>
+              <a:t>p</a:t>
+            </a:r>
+            <a:r>
+              <a:rPr lang="en-US" sz="4000" dirty="0" smtClean="0"/>
+              <a:t>arts: Waveguides</a:t>
+            </a:r>
+            <a:endParaRPr lang="en-US" sz="4000" dirty="0"/>
           </a:p>
         </p:txBody>
       </p:sp>
@@ -7206,348 +7669,13 @@
       </p:transition>
     </mc:Fallback>
   </mc:AlternateContent>
-</p:sld>
-</file>
-
-<file path=ppt/slides/slide9.xml><?xml version="1.0" encoding="utf-8"?>
-<p:sld xmlns:a="http://schemas.openxmlformats.org/drawingml/2006/main" xmlns:r="http://schemas.openxmlformats.org/officeDocument/2006/relationships" xmlns:p="http://schemas.openxmlformats.org/presentationml/2006/main">
-  <p:cSld>
-    <p:spTree>
-      <p:nvGrpSpPr>
-        <p:cNvPr id="1" name=""/>
-        <p:cNvGrpSpPr/>
-        <p:nvPr/>
-      </p:nvGrpSpPr>
-      <p:grpSpPr>
-        <a:xfrm>
-          <a:off x="0" y="0"/>
-          <a:ext cx="0" cy="0"/>
-          <a:chOff x="0" y="0"/>
-          <a:chExt cx="0" cy="0"/>
-        </a:xfrm>
-      </p:grpSpPr>
-      <p:sp>
-        <p:nvSpPr>
-          <p:cNvPr id="4" name="Text Placeholder 7"/>
-          <p:cNvSpPr txBox="1">
-            <a:spLocks/>
-          </p:cNvSpPr>
-          <p:nvPr/>
-        </p:nvSpPr>
-        <p:spPr>
-          <a:xfrm>
-            <a:off x="1539575" y="5715000"/>
-            <a:ext cx="9126838" cy="533400"/>
-          </a:xfrm>
-          <a:prstGeom prst="rect">
-            <a:avLst/>
-          </a:prstGeom>
-        </p:spPr>
-        <p:txBody>
-          <a:bodyPr anchor="b">
-            <a:normAutofit/>
-          </a:bodyPr>
-          <a:lstStyle>
-            <a:lvl1pPr marL="0" indent="0" algn="l" defTabSz="914400" rtl="0" eaLnBrk="1" latinLnBrk="0" hangingPunct="1">
-              <a:lnSpc>
-                <a:spcPct val="90000"/>
-              </a:lnSpc>
-              <a:spcBef>
-                <a:spcPts val="1800"/>
-              </a:spcBef>
-              <a:buClr>
-                <a:schemeClr val="tx1"/>
-              </a:buClr>
-              <a:buSzPct val="80000"/>
-              <a:buFont typeface="Wingdings" pitchFamily="2" charset="2"/>
-              <a:buNone/>
-              <a:defRPr sz="1800" kern="1200">
-                <a:solidFill>
-                  <a:schemeClr val="tx1"/>
-                </a:solidFill>
-                <a:latin typeface="+mn-lt"/>
-                <a:ea typeface="+mn-ea"/>
-                <a:cs typeface="+mn-cs"/>
-              </a:defRPr>
-            </a:lvl1pPr>
-            <a:lvl2pPr marL="320040" indent="0" algn="l" defTabSz="914400" rtl="0" eaLnBrk="1" latinLnBrk="0" hangingPunct="1">
-              <a:lnSpc>
-                <a:spcPct val="90000"/>
-              </a:lnSpc>
-              <a:spcBef>
-                <a:spcPts val="1000"/>
-              </a:spcBef>
-              <a:buClr>
-                <a:schemeClr val="tx1"/>
-              </a:buClr>
-              <a:buSzPct val="100000"/>
-              <a:buFont typeface="Arial" pitchFamily="34" charset="0"/>
-              <a:buNone/>
-              <a:defRPr sz="2000" kern="1200">
-                <a:solidFill>
-                  <a:schemeClr val="tx1"/>
-                </a:solidFill>
-                <a:latin typeface="+mn-lt"/>
-                <a:ea typeface="+mn-ea"/>
-                <a:cs typeface="+mn-cs"/>
-              </a:defRPr>
-            </a:lvl2pPr>
-            <a:lvl3pPr marL="594360" indent="0" algn="l" defTabSz="914400" rtl="0" eaLnBrk="1" latinLnBrk="0" hangingPunct="1">
-              <a:lnSpc>
-                <a:spcPct val="90000"/>
-              </a:lnSpc>
-              <a:spcBef>
-                <a:spcPts val="800"/>
-              </a:spcBef>
-              <a:buClr>
-                <a:schemeClr val="tx1"/>
-              </a:buClr>
-              <a:buSzPct val="80000"/>
-              <a:buFont typeface="Wingdings" pitchFamily="2" charset="2"/>
-              <a:buNone/>
-              <a:defRPr sz="1800" kern="1200">
-                <a:solidFill>
-                  <a:schemeClr val="tx1"/>
-                </a:solidFill>
-                <a:latin typeface="+mn-lt"/>
-                <a:ea typeface="+mn-ea"/>
-                <a:cs typeface="+mn-cs"/>
-              </a:defRPr>
-            </a:lvl3pPr>
-            <a:lvl4pPr marL="868680" indent="0" algn="l" defTabSz="914400" rtl="0" eaLnBrk="1" latinLnBrk="0" hangingPunct="1">
-              <a:lnSpc>
-                <a:spcPct val="90000"/>
-              </a:lnSpc>
-              <a:spcBef>
-                <a:spcPts val="800"/>
-              </a:spcBef>
-              <a:buClr>
-                <a:schemeClr val="tx1"/>
-              </a:buClr>
-              <a:buSzPct val="100000"/>
-              <a:buFont typeface="Arial" pitchFamily="34" charset="0"/>
-              <a:buNone/>
-              <a:defRPr sz="1600" kern="1200">
-                <a:solidFill>
-                  <a:schemeClr val="tx1"/>
-                </a:solidFill>
-                <a:latin typeface="+mn-lt"/>
-                <a:ea typeface="+mn-ea"/>
-                <a:cs typeface="+mn-cs"/>
-              </a:defRPr>
-            </a:lvl4pPr>
-            <a:lvl5pPr marL="1097280" indent="0" algn="l" defTabSz="914400" rtl="0" eaLnBrk="1" latinLnBrk="0" hangingPunct="1">
-              <a:lnSpc>
-                <a:spcPct val="90000"/>
-              </a:lnSpc>
-              <a:spcBef>
-                <a:spcPts val="800"/>
-              </a:spcBef>
-              <a:buClr>
-                <a:schemeClr val="tx1"/>
-              </a:buClr>
-              <a:buSzPct val="80000"/>
-              <a:buFont typeface="Wingdings" pitchFamily="2" charset="2"/>
-              <a:buNone/>
-              <a:defRPr sz="1600" kern="1200">
-                <a:solidFill>
-                  <a:schemeClr val="tx1"/>
-                </a:solidFill>
-                <a:latin typeface="+mn-lt"/>
-                <a:ea typeface="+mn-ea"/>
-                <a:cs typeface="+mn-cs"/>
-              </a:defRPr>
-            </a:lvl5pPr>
-            <a:lvl6pPr marL="1554480" indent="-228600" algn="l" defTabSz="914400" rtl="0" eaLnBrk="1" latinLnBrk="0" hangingPunct="1">
-              <a:lnSpc>
-                <a:spcPct val="90000"/>
-              </a:lnSpc>
-              <a:spcBef>
-                <a:spcPts val="800"/>
-              </a:spcBef>
-              <a:buClr>
-                <a:schemeClr val="tx1"/>
-              </a:buClr>
-              <a:buSzPct val="100000"/>
-              <a:buFont typeface="Arial" pitchFamily="34" charset="0"/>
-              <a:buChar char="–"/>
-              <a:defRPr sz="1600" kern="1200">
-                <a:solidFill>
-                  <a:schemeClr val="tx1"/>
-                </a:solidFill>
-                <a:latin typeface="+mn-lt"/>
-                <a:ea typeface="+mn-ea"/>
-                <a:cs typeface="+mn-cs"/>
-              </a:defRPr>
-            </a:lvl6pPr>
-            <a:lvl7pPr marL="1783080" indent="-228600" algn="l" defTabSz="914400" rtl="0" eaLnBrk="1" latinLnBrk="0" hangingPunct="1">
-              <a:lnSpc>
-                <a:spcPct val="90000"/>
-              </a:lnSpc>
-              <a:spcBef>
-                <a:spcPts val="800"/>
-              </a:spcBef>
-              <a:buClr>
-                <a:schemeClr val="tx1"/>
-              </a:buClr>
-              <a:buSzPct val="80000"/>
-              <a:buFont typeface="Wingdings" pitchFamily="2" charset="2"/>
-              <a:buChar char="§"/>
-              <a:defRPr sz="1600" kern="1200">
-                <a:solidFill>
-                  <a:schemeClr val="tx1"/>
-                </a:solidFill>
-                <a:latin typeface="+mn-lt"/>
-                <a:ea typeface="+mn-ea"/>
-                <a:cs typeface="+mn-cs"/>
-              </a:defRPr>
-            </a:lvl7pPr>
-            <a:lvl8pPr marL="2011680" indent="-228600" algn="l" defTabSz="914400" rtl="0" eaLnBrk="1" latinLnBrk="0" hangingPunct="1">
-              <a:lnSpc>
-                <a:spcPct val="90000"/>
-              </a:lnSpc>
-              <a:spcBef>
-                <a:spcPts val="800"/>
-              </a:spcBef>
-              <a:buClr>
-                <a:schemeClr val="tx1"/>
-              </a:buClr>
-              <a:buSzPct val="100000"/>
-              <a:buFont typeface="Arial" pitchFamily="34" charset="0"/>
-              <a:buChar char="–"/>
-              <a:defRPr sz="1600" kern="1200">
-                <a:solidFill>
-                  <a:schemeClr val="tx1"/>
-                </a:solidFill>
-                <a:latin typeface="+mn-lt"/>
-                <a:ea typeface="+mn-ea"/>
-                <a:cs typeface="+mn-cs"/>
-              </a:defRPr>
-            </a:lvl8pPr>
-            <a:lvl9pPr marL="2240280" indent="-228600" algn="l" defTabSz="914400" rtl="0" eaLnBrk="1" latinLnBrk="0" hangingPunct="1">
-              <a:lnSpc>
-                <a:spcPct val="90000"/>
-              </a:lnSpc>
-              <a:spcBef>
-                <a:spcPts val="800"/>
-              </a:spcBef>
-              <a:buClr>
-                <a:schemeClr val="tx1"/>
-              </a:buClr>
-              <a:buSzPct val="80000"/>
-              <a:buFont typeface="Wingdings" pitchFamily="2" charset="2"/>
-              <a:buChar char="§"/>
-              <a:defRPr sz="1600" kern="1200">
-                <a:solidFill>
-                  <a:schemeClr val="tx1"/>
-                </a:solidFill>
-                <a:latin typeface="+mn-lt"/>
-                <a:ea typeface="+mn-ea"/>
-                <a:cs typeface="+mn-cs"/>
-              </a:defRPr>
-            </a:lvl9pPr>
-          </a:lstStyle>
-          <a:p>
-            <a:r>
-              <a:rPr lang="en-US" sz="1600" dirty="0"/>
-              <a:t>-for more info…List location or contact for specification (or other related documents)</a:t>
-            </a:r>
-          </a:p>
-        </p:txBody>
-      </p:sp>
-      <p:sp>
-        <p:nvSpPr>
-          <p:cNvPr id="2" name="Content Placeholder 1"/>
-          <p:cNvSpPr>
-            <a:spLocks noGrp="1"/>
-          </p:cNvSpPr>
-          <p:nvPr>
-            <p:ph idx="1"/>
-          </p:nvPr>
-        </p:nvSpPr>
-        <p:spPr/>
-        <p:txBody>
-          <a:bodyPr/>
-          <a:lstStyle/>
-          <a:p>
-            <a:r>
-              <a:rPr lang="en-US" dirty="0"/>
-              <a:t>Interactive Solver: Solving both material thickness and material properties at the same time. Provide higher accuracy</a:t>
-            </a:r>
-          </a:p>
-          <a:p>
-            <a:r>
-              <a:rPr lang="en-US" dirty="0"/>
-              <a:t>Arch for antenna:</a:t>
-            </a:r>
-          </a:p>
-          <a:p>
-            <a:r>
-              <a:rPr lang="en-US" dirty="0"/>
-              <a:t>Partially filled waveguide:</a:t>
-            </a:r>
-          </a:p>
-          <a:p>
-            <a:r>
-              <a:rPr lang="en-US" dirty="0"/>
-              <a:t>EM simulation: EM Pro, avaialble for students at PSU</a:t>
-            </a:r>
-          </a:p>
-          <a:p>
-            <a:r>
-              <a:rPr lang="en-US" dirty="0"/>
-              <a:t>Modeling:</a:t>
-            </a:r>
-          </a:p>
-          <a:p>
-            <a:endParaRPr lang="en-US" dirty="0"/>
-          </a:p>
-        </p:txBody>
-      </p:sp>
-      <p:sp>
-        <p:nvSpPr>
-          <p:cNvPr id="3" name="Title 2"/>
-          <p:cNvSpPr>
-            <a:spLocks noGrp="1"/>
-          </p:cNvSpPr>
-          <p:nvPr>
-            <p:ph type="title"/>
-          </p:nvPr>
-        </p:nvSpPr>
-        <p:spPr/>
-        <p:txBody>
-          <a:bodyPr/>
-          <a:lstStyle/>
-          <a:p>
-            <a:r>
-              <a:rPr lang="en-US" dirty="0"/>
-              <a:t>Procedures: optimization</a:t>
-            </a:r>
-          </a:p>
-        </p:txBody>
-      </p:sp>
-    </p:spTree>
-    <p:extLst>
-      <p:ext uri="{BB962C8B-B14F-4D97-AF65-F5344CB8AC3E}">
-        <p14:creationId xmlns:p14="http://schemas.microsoft.com/office/powerpoint/2010/main" val="2585531345"/>
-      </p:ext>
-    </p:extLst>
-  </p:cSld>
-  <p:clrMapOvr>
-    <a:masterClrMapping/>
-  </p:clrMapOvr>
-  <mc:AlternateContent xmlns:mc="http://schemas.openxmlformats.org/markup-compatibility/2006" xmlns:p14="http://schemas.microsoft.com/office/powerpoint/2010/main">
-    <mc:Choice Requires="p14">
-      <p:transition spd="med" p14:dur="700">
-        <p:fade/>
-      </p:transition>
-    </mc:Choice>
-    <mc:Fallback xmlns="">
-      <p:transition spd="med">
-        <p:fade/>
-      </p:transition>
-    </mc:Fallback>
-  </mc:AlternateContent>
+  <p:timing>
+    <p:tnLst>
+      <p:par>
+        <p:cTn id="1" dur="indefinite" restart="never" nodeType="tmRoot"/>
+      </p:par>
+    </p:tnLst>
+  </p:timing>
 </p:sld>
 </file>
 

--- a/Capstone project proposal presentation.pptx
+++ b/Capstone project proposal presentation.pptx
@@ -5,24 +5,27 @@
     <p:sldMasterId id="2147484128" r:id="rId2"/>
   </p:sldMasterIdLst>
   <p:notesMasterIdLst>
-    <p:notesMasterId r:id="rId15"/>
+    <p:notesMasterId r:id="rId18"/>
   </p:notesMasterIdLst>
   <p:handoutMasterIdLst>
-    <p:handoutMasterId r:id="rId16"/>
+    <p:handoutMasterId r:id="rId19"/>
   </p:handoutMasterIdLst>
   <p:sldIdLst>
     <p:sldId id="268" r:id="rId3"/>
     <p:sldId id="285" r:id="rId4"/>
     <p:sldId id="286" r:id="rId5"/>
     <p:sldId id="287" r:id="rId6"/>
-    <p:sldId id="281" r:id="rId7"/>
-    <p:sldId id="280" r:id="rId8"/>
+    <p:sldId id="293" r:id="rId7"/>
+    <p:sldId id="281" r:id="rId8"/>
     <p:sldId id="289" r:id="rId9"/>
-    <p:sldId id="290" r:id="rId10"/>
-    <p:sldId id="291" r:id="rId11"/>
-    <p:sldId id="292" r:id="rId12"/>
-    <p:sldId id="277" r:id="rId13"/>
-    <p:sldId id="278" r:id="rId14"/>
+    <p:sldId id="294" r:id="rId10"/>
+    <p:sldId id="280" r:id="rId11"/>
+    <p:sldId id="290" r:id="rId12"/>
+    <p:sldId id="295" r:id="rId13"/>
+    <p:sldId id="296" r:id="rId14"/>
+    <p:sldId id="291" r:id="rId15"/>
+    <p:sldId id="292" r:id="rId16"/>
+    <p:sldId id="277" r:id="rId17"/>
   </p:sldIdLst>
   <p:sldSz cx="9144000" cy="6858000" type="screen4x3"/>
   <p:notesSz cx="6858000" cy="9144000"/>
@@ -321,7 +324,7 @@
           <a:p>
             <a:fld id="{BEA74EB7-856E-45FD-83F0-5F7C6F3E4372}" type="datetimeFigureOut">
               <a:rPr lang="en-US"/>
-              <a:t>2/9/2017</a:t>
+              <a:t>2/9/17</a:t>
             </a:fld>
             <a:endParaRPr dirty="0"/>
           </a:p>
@@ -486,7 +489,7 @@
           <a:p>
             <a:fld id="{C61B0E40-8125-41F8-BB6C-139D8D531A4F}" type="datetimeFigureOut">
               <a:rPr lang="en-US"/>
-              <a:t>2/9/2017</a:t>
+              <a:t>2/9/17</a:t>
             </a:fld>
             <a:endParaRPr dirty="0"/>
           </a:p>
@@ -842,95 +845,6 @@
 </p:notes>
 </file>
 
-<file path=ppt/notesSlides/notesSlide2.xml><?xml version="1.0" encoding="utf-8"?>
-<p:notes xmlns:a="http://schemas.openxmlformats.org/drawingml/2006/main" xmlns:r="http://schemas.openxmlformats.org/officeDocument/2006/relationships" xmlns:p="http://schemas.openxmlformats.org/presentationml/2006/main">
-  <p:cSld>
-    <p:spTree>
-      <p:nvGrpSpPr>
-        <p:cNvPr id="1" name=""/>
-        <p:cNvGrpSpPr/>
-        <p:nvPr/>
-      </p:nvGrpSpPr>
-      <p:grpSpPr>
-        <a:xfrm>
-          <a:off x="0" y="0"/>
-          <a:ext cx="0" cy="0"/>
-          <a:chOff x="0" y="0"/>
-          <a:chExt cx="0" cy="0"/>
-        </a:xfrm>
-      </p:grpSpPr>
-      <p:sp>
-        <p:nvSpPr>
-          <p:cNvPr id="2" name="Slide Image Placeholder 1"/>
-          <p:cNvSpPr>
-            <a:spLocks noGrp="1" noRot="1" noChangeAspect="1"/>
-          </p:cNvSpPr>
-          <p:nvPr>
-            <p:ph type="sldImg"/>
-          </p:nvPr>
-        </p:nvSpPr>
-        <p:spPr>
-          <a:xfrm>
-            <a:off x="1143000" y="685800"/>
-            <a:ext cx="4572000" cy="3429000"/>
-          </a:xfrm>
-        </p:spPr>
-      </p:sp>
-      <p:sp>
-        <p:nvSpPr>
-          <p:cNvPr id="3" name="Notes Placeholder 2"/>
-          <p:cNvSpPr>
-            <a:spLocks noGrp="1"/>
-          </p:cNvSpPr>
-          <p:nvPr>
-            <p:ph type="body" idx="1"/>
-          </p:nvPr>
-        </p:nvSpPr>
-        <p:spPr/>
-        <p:txBody>
-          <a:bodyPr/>
-          <a:lstStyle/>
-          <a:p>
-            <a:endParaRPr lang="en-US" dirty="0"/>
-          </a:p>
-        </p:txBody>
-      </p:sp>
-      <p:sp>
-        <p:nvSpPr>
-          <p:cNvPr id="4" name="Slide Number Placeholder 3"/>
-          <p:cNvSpPr>
-            <a:spLocks noGrp="1"/>
-          </p:cNvSpPr>
-          <p:nvPr>
-            <p:ph type="sldNum" sz="quarter" idx="10"/>
-          </p:nvPr>
-        </p:nvSpPr>
-        <p:spPr/>
-        <p:txBody>
-          <a:bodyPr/>
-          <a:lstStyle/>
-          <a:p>
-            <a:fld id="{BF105DB2-FD3E-441D-8B7E-7AE83ECE27B3}" type="slidenum">
-              <a:rPr lang="en-US" smtClean="0"/>
-              <a:t>12</a:t>
-            </a:fld>
-            <a:endParaRPr lang="en-US" dirty="0"/>
-          </a:p>
-        </p:txBody>
-      </p:sp>
-    </p:spTree>
-    <p:extLst>
-      <p:ext uri="{BB962C8B-B14F-4D97-AF65-F5344CB8AC3E}">
-        <p14:creationId xmlns:p14="http://schemas.microsoft.com/office/powerpoint/2010/main" val="3272217826"/>
-      </p:ext>
-    </p:extLst>
-  </p:cSld>
-  <p:clrMapOvr>
-    <a:masterClrMapping/>
-  </p:clrMapOvr>
-</p:notes>
-</file>
-
 <file path=ppt/slideLayouts/slideLayout1.xml><?xml version="1.0" encoding="utf-8"?>
 <p:sldLayout xmlns:a="http://schemas.openxmlformats.org/drawingml/2006/main" xmlns:r="http://schemas.openxmlformats.org/officeDocument/2006/relationships" xmlns:p="http://schemas.openxmlformats.org/presentationml/2006/main" type="title" preserve="1">
   <p:cSld name="Title Slide">
@@ -1117,7 +1031,7 @@
           <a:p>
             <a:fld id="{333B76B7-5811-4114-8A95-998148FFD529}" type="datetime1">
               <a:rPr lang="en-US" smtClean="0"/>
-              <a:t>2/9/2017</a:t>
+              <a:t>2/9/17</a:t>
             </a:fld>
             <a:endParaRPr lang="en-US" dirty="0"/>
           </a:p>
@@ -1405,7 +1319,7 @@
           <a:p>
             <a:fld id="{5C6E67D0-0200-42BE-A0B2-78C70FBBB312}" type="datetime1">
               <a:rPr lang="en-US" smtClean="0"/>
-              <a:t>2/9/2017</a:t>
+              <a:t>2/9/17</a:t>
             </a:fld>
             <a:endParaRPr lang="en-US" dirty="0"/>
           </a:p>
@@ -1601,7 +1515,7 @@
           <a:p>
             <a:fld id="{5C6E67D0-0200-42BE-A0B2-78C70FBBB312}" type="datetime1">
               <a:rPr lang="en-US" smtClean="0"/>
-              <a:t>2/9/2017</a:t>
+              <a:t>2/9/17</a:t>
             </a:fld>
             <a:endParaRPr lang="en-US" dirty="0"/>
           </a:p>
@@ -1876,7 +1790,7 @@
           <a:p>
             <a:fld id="{5C6E67D0-0200-42BE-A0B2-78C70FBBB312}" type="datetime1">
               <a:rPr lang="en-US" smtClean="0"/>
-              <a:t>2/9/2017</a:t>
+              <a:t>2/9/17</a:t>
             </a:fld>
             <a:endParaRPr lang="en-US" dirty="0"/>
           </a:p>
@@ -2219,7 +2133,7 @@
           <a:p>
             <a:fld id="{5C6E67D0-0200-42BE-A0B2-78C70FBBB312}" type="datetime1">
               <a:rPr lang="en-US" smtClean="0"/>
-              <a:t>2/9/2017</a:t>
+              <a:t>2/9/17</a:t>
             </a:fld>
             <a:endParaRPr lang="en-US" dirty="0"/>
           </a:p>
@@ -2844,7 +2758,7 @@
           <a:p>
             <a:fld id="{5C6E67D0-0200-42BE-A0B2-78C70FBBB312}" type="datetime1">
               <a:rPr lang="en-US" smtClean="0"/>
-              <a:t>2/9/2017</a:t>
+              <a:t>2/9/17</a:t>
             </a:fld>
             <a:endParaRPr lang="en-US" dirty="0"/>
           </a:p>
@@ -3706,7 +3620,7 @@
           <a:p>
             <a:fld id="{5C6E67D0-0200-42BE-A0B2-78C70FBBB312}" type="datetime1">
               <a:rPr lang="en-US" smtClean="0"/>
-              <a:t>2/9/2017</a:t>
+              <a:t>2/9/17</a:t>
             </a:fld>
             <a:endParaRPr lang="en-US" dirty="0"/>
           </a:p>
@@ -3878,7 +3792,7 @@
           <a:p>
             <a:fld id="{175C077A-EF7A-41AA-8976-110EB7416C60}" type="datetime1">
               <a:rPr lang="en-US" smtClean="0"/>
-              <a:t>2/9/2017</a:t>
+              <a:t>2/9/17</a:t>
             </a:fld>
             <a:endParaRPr lang="en-US" dirty="0"/>
           </a:p>
@@ -4071,7 +3985,7 @@
           <a:p>
             <a:fld id="{CFF5912B-6681-4BDF-AE10-F59636249FF3}" type="datetime1">
               <a:rPr lang="en-US" smtClean="0"/>
-              <a:t>2/9/2017</a:t>
+              <a:t>2/9/17</a:t>
             </a:fld>
             <a:endParaRPr lang="en-US" dirty="0"/>
           </a:p>
@@ -4179,7 +4093,7 @@
           <a:p>
             <a:fld id="{905C8E22-D0BA-4CB4-9C32-B27533199514}" type="datetime1">
               <a:rPr lang="en-US" smtClean="0"/>
-              <a:t>2/9/2017</a:t>
+              <a:t>2/9/17</a:t>
             </a:fld>
             <a:endParaRPr dirty="0"/>
           </a:p>
@@ -4443,7 +4357,7 @@
           <a:p>
             <a:fld id="{FC2180A9-7A83-412D-A8AC-5AF60A8AA507}" type="datetime1">
               <a:rPr lang="en-US" smtClean="0"/>
-              <a:t>2/9/2017</a:t>
+              <a:t>2/9/17</a:t>
             </a:fld>
             <a:endParaRPr lang="en-US" dirty="0"/>
           </a:p>
@@ -4703,7 +4617,7 @@
           <a:p>
             <a:fld id="{6A563DF0-FDDF-4143-9D8C-6AF41892E174}" type="datetime1">
               <a:rPr lang="en-US" smtClean="0"/>
-              <a:t>2/9/2017</a:t>
+              <a:t>2/9/17</a:t>
             </a:fld>
             <a:endParaRPr lang="en-US" dirty="0"/>
           </a:p>
@@ -5008,7 +4922,7 @@
           <a:p>
             <a:fld id="{38BB83F9-4677-4C31-8407-7919061A580B}" type="datetime1">
               <a:rPr lang="en-US" smtClean="0"/>
-              <a:t>2/9/2017</a:t>
+              <a:t>2/9/17</a:t>
             </a:fld>
             <a:endParaRPr lang="en-US" dirty="0"/>
           </a:p>
@@ -5465,7 +5379,7 @@
           <a:p>
             <a:fld id="{C33939A6-3450-434F-A872-BEE63F7EB093}" type="datetime1">
               <a:rPr lang="en-US" smtClean="0"/>
-              <a:t>2/9/2017</a:t>
+              <a:t>2/9/17</a:t>
             </a:fld>
             <a:endParaRPr lang="en-US" dirty="0"/>
           </a:p>
@@ -5596,7 +5510,7 @@
           <a:p>
             <a:fld id="{E3BABB1C-FA00-4171-BA31-4C5E719472F3}" type="datetime1">
               <a:rPr lang="en-US" smtClean="0"/>
-              <a:t>2/9/2017</a:t>
+              <a:t>2/9/17</a:t>
             </a:fld>
             <a:endParaRPr lang="en-US" dirty="0"/>
           </a:p>
@@ -5704,7 +5618,7 @@
           <a:p>
             <a:fld id="{D76C8610-5B57-4C6B-BF9F-F5397A1F60B8}" type="datetime1">
               <a:rPr lang="en-US" smtClean="0"/>
-              <a:t>2/9/2017</a:t>
+              <a:t>2/9/17</a:t>
             </a:fld>
             <a:endParaRPr lang="en-US" dirty="0"/>
           </a:p>
@@ -5996,7 +5910,7 @@
           <a:p>
             <a:fld id="{BADBF3DD-8B6D-46AA-BCA9-242D4EF63DDF}" type="datetime1">
               <a:rPr lang="en-US" smtClean="0"/>
-              <a:t>2/9/2017</a:t>
+              <a:t>2/9/17</a:t>
             </a:fld>
             <a:endParaRPr lang="en-US" dirty="0"/>
           </a:p>
@@ -6284,7 +6198,7 @@
           <a:p>
             <a:fld id="{23C41AE9-3D4A-4A08-B03D-DC6D2ADF5464}" type="datetime1">
               <a:rPr lang="en-US" smtClean="0"/>
-              <a:t>2/9/2017</a:t>
+              <a:t>2/9/17</a:t>
             </a:fld>
             <a:endParaRPr lang="en-US" dirty="0"/>
           </a:p>
@@ -6862,7 +6776,7 @@
           <a:p>
             <a:fld id="{5C6E67D0-0200-42BE-A0B2-78C70FBBB312}" type="datetime1">
               <a:rPr lang="en-US" smtClean="0"/>
-              <a:t>2/9/2017</a:t>
+              <a:t>2/9/17</a:t>
             </a:fld>
             <a:endParaRPr lang="en-US" dirty="0"/>
           </a:p>
@@ -7605,10 +7519,9 @@
           <a:lstStyle/>
           <a:p>
             <a:r>
-              <a:rPr lang="en-US" sz="4400" dirty="0"/>
-              <a:t>Potential Problems and Needs</a:t>
-            </a:r>
-            <a:endParaRPr lang="en-US" dirty="0"/>
+              <a:rPr lang="en-US" sz="3600" dirty="0"/>
+              <a:t>Available parts: Waveguides</a:t>
+            </a:r>
           </a:p>
         </p:txBody>
       </p:sp>
@@ -7619,106 +7532,427 @@
             <a:spLocks noGrp="1"/>
           </p:cNvSpPr>
           <p:nvPr>
-            <p:ph idx="1"/>
-          </p:nvPr>
-        </p:nvSpPr>
-        <p:spPr/>
+            <p:ph sz="half" idx="1"/>
+          </p:nvPr>
+        </p:nvSpPr>
+        <p:spPr>
+          <a:xfrm>
+            <a:off x="762000" y="1473915"/>
+            <a:ext cx="4049100" cy="2336085"/>
+          </a:xfrm>
+        </p:spPr>
         <p:txBody>
           <a:bodyPr>
-            <a:normAutofit fontScale="92500" lnSpcReduction="20000"/>
+            <a:normAutofit/>
           </a:bodyPr>
           <a:lstStyle/>
           <a:p>
             <a:r>
               <a:rPr lang="en-US" dirty="0"/>
-              <a:t>Potential problems:</a:t>
-            </a:r>
-          </a:p>
-          <a:p>
-            <a:pPr lvl="1"/>
+              <a:t>PSU has </a:t>
+            </a:r>
+            <a:r>
+              <a:rPr lang="en-US" dirty="0" smtClean="0"/>
+              <a:t>1 </a:t>
+            </a:r>
+            <a:r>
+              <a:rPr lang="en-US" dirty="0" smtClean="0"/>
+              <a:t>waveguide </a:t>
+            </a:r>
             <a:r>
               <a:rPr lang="en-US" dirty="0"/>
-              <a:t>Required sample size for NRL arch measurement in low frequency will be too large.</a:t>
-            </a:r>
-          </a:p>
-          <a:p>
-            <a:pPr lvl="1"/>
+              <a:t>and </a:t>
+            </a:r>
+            <a:r>
+              <a:rPr lang="en-US" dirty="0" smtClean="0"/>
+              <a:t>adapters </a:t>
+            </a:r>
             <a:r>
               <a:rPr lang="en-US" dirty="0"/>
-              <a:t>Surrounding environment may affect the measurement for both setups</a:t>
-            </a:r>
-          </a:p>
-          <a:p>
-            <a:pPr lvl="1"/>
+              <a:t>in </a:t>
+            </a:r>
+            <a:r>
+              <a:rPr lang="en-US" dirty="0" smtClean="0"/>
+              <a:t>X-band (figure)</a:t>
+            </a:r>
+          </a:p>
+          <a:p>
+            <a:r>
+              <a:rPr lang="en-US" dirty="0" smtClean="0"/>
+              <a:t>Frequency: 8.20 - 12.40 GHz</a:t>
+            </a:r>
+            <a:endParaRPr lang="en-US" dirty="0" smtClean="0"/>
+          </a:p>
+          <a:p>
+            <a:r>
+              <a:rPr lang="en-US" dirty="0" smtClean="0"/>
+              <a:t>Dimension of aperture: </a:t>
+            </a:r>
+          </a:p>
+          <a:p>
+            <a:pPr marL="0" indent="0">
+              <a:buNone/>
+            </a:pPr>
             <a:r>
               <a:rPr lang="en-US" dirty="0"/>
-              <a:t>Sample preparation for waveguide measurement is not perfect and hard to detect.</a:t>
-            </a:r>
-          </a:p>
-          <a:p>
+              <a:t>	</a:t>
+            </a:r>
+            <a:r>
+              <a:rPr lang="en-US" dirty="0" smtClean="0"/>
+              <a:t>22.86 mm x 10.16 mm</a:t>
+            </a:r>
+            <a:endParaRPr lang="en-US" dirty="0"/>
+          </a:p>
+        </p:txBody>
+      </p:sp>
+      <p:pic>
+        <p:nvPicPr>
+          <p:cNvPr id="5" name="Picture 6" descr="No automatic alt text available."/>
+          <p:cNvPicPr>
+            <a:picLocks noGrp="1" noChangeAspect="1" noChangeArrowheads="1"/>
+          </p:cNvPicPr>
+          <p:nvPr>
+            <p:ph sz="half" idx="2"/>
+          </p:nvPr>
+        </p:nvPicPr>
+        <p:blipFill>
+          <a:blip r:embed="rId2" cstate="print">
+            <a:extLst>
+              <a:ext uri="{28A0092B-C50C-407E-A947-70E740481C1C}">
+                <a14:useLocalDpi xmlns:a14="http://schemas.microsoft.com/office/drawing/2010/main" val="0"/>
+              </a:ext>
+            </a:extLst>
+          </a:blip>
+          <a:srcRect/>
+          <a:stretch>
+            <a:fillRect/>
+          </a:stretch>
+        </p:blipFill>
+        <p:spPr bwMode="auto">
+          <a:xfrm>
+            <a:off x="4518555" y="1499315"/>
+            <a:ext cx="3298825" cy="1855589"/>
+          </a:xfrm>
+          <a:prstGeom prst="rect">
+            <a:avLst/>
+          </a:prstGeom>
+          <a:noFill/>
+          <a:extLst>
+            <a:ext uri="{909E8E84-426E-40DD-AFC4-6F175D3DCCD1}">
+              <a14:hiddenFill xmlns:a14="http://schemas.microsoft.com/office/drawing/2010/main">
+                <a:solidFill>
+                  <a:srgbClr val="FFFFFF"/>
+                </a:solidFill>
+              </a14:hiddenFill>
+            </a:ext>
+          </a:extLst>
+        </p:spPr>
+      </p:pic>
+      <p:sp>
+        <p:nvSpPr>
+          <p:cNvPr id="6" name="Content Placeholder 2"/>
+          <p:cNvSpPr txBox="1">
+            <a:spLocks/>
+          </p:cNvSpPr>
+          <p:nvPr/>
+        </p:nvSpPr>
+        <p:spPr>
+          <a:xfrm>
+            <a:off x="762000" y="3663154"/>
+            <a:ext cx="6790790" cy="2336085"/>
+          </a:xfrm>
+          <a:prstGeom prst="rect">
+            <a:avLst/>
+          </a:prstGeom>
+        </p:spPr>
+        <p:txBody>
+          <a:bodyPr vert="horz" lIns="91440" tIns="45720" rIns="91440" bIns="45720" rtlCol="0">
+            <a:normAutofit lnSpcReduction="10000"/>
+          </a:bodyPr>
+          <a:lstStyle>
+            <a:lvl1pPr marL="342906" indent="-342906" algn="l" defTabSz="457207" rtl="0" eaLnBrk="1" latinLnBrk="0" hangingPunct="1">
+              <a:spcBef>
+                <a:spcPts val="1000"/>
+              </a:spcBef>
+              <a:spcAft>
+                <a:spcPts val="0"/>
+              </a:spcAft>
+              <a:buClr>
+                <a:schemeClr val="bg2">
+                  <a:lumMod val="40000"/>
+                  <a:lumOff val="60000"/>
+                </a:schemeClr>
+              </a:buClr>
+              <a:buSzPct val="80000"/>
+              <a:buFont typeface="Wingdings 3" charset="2"/>
+              <a:buChar char=""/>
+              <a:defRPr sz="1800" b="0" i="0" kern="1200">
+                <a:solidFill>
+                  <a:schemeClr val="tx1"/>
+                </a:solidFill>
+                <a:latin typeface="+mj-lt"/>
+                <a:ea typeface="+mj-ea"/>
+                <a:cs typeface="+mj-cs"/>
+              </a:defRPr>
+            </a:lvl1pPr>
+            <a:lvl2pPr marL="742962" indent="-285755" algn="l" defTabSz="457207" rtl="0" eaLnBrk="1" latinLnBrk="0" hangingPunct="1">
+              <a:spcBef>
+                <a:spcPts val="1000"/>
+              </a:spcBef>
+              <a:spcAft>
+                <a:spcPts val="0"/>
+              </a:spcAft>
+              <a:buClr>
+                <a:schemeClr val="bg2">
+                  <a:lumMod val="40000"/>
+                  <a:lumOff val="60000"/>
+                </a:schemeClr>
+              </a:buClr>
+              <a:buSzPct val="80000"/>
+              <a:buFont typeface="Wingdings 3" charset="2"/>
+              <a:buChar char=""/>
+              <a:defRPr sz="1600" b="0" i="0" kern="1200">
+                <a:solidFill>
+                  <a:schemeClr val="tx1"/>
+                </a:solidFill>
+                <a:latin typeface="+mj-lt"/>
+                <a:ea typeface="+mj-ea"/>
+                <a:cs typeface="+mj-cs"/>
+              </a:defRPr>
+            </a:lvl2pPr>
+            <a:lvl3pPr marL="1143020" indent="-228604" algn="l" defTabSz="457207" rtl="0" eaLnBrk="1" latinLnBrk="0" hangingPunct="1">
+              <a:spcBef>
+                <a:spcPts val="1000"/>
+              </a:spcBef>
+              <a:spcAft>
+                <a:spcPts val="0"/>
+              </a:spcAft>
+              <a:buClr>
+                <a:schemeClr val="bg2">
+                  <a:lumMod val="40000"/>
+                  <a:lumOff val="60000"/>
+                </a:schemeClr>
+              </a:buClr>
+              <a:buSzPct val="80000"/>
+              <a:buFont typeface="Wingdings 3" charset="2"/>
+              <a:buChar char=""/>
+              <a:defRPr sz="1400" b="0" i="0" kern="1200">
+                <a:solidFill>
+                  <a:schemeClr val="tx1"/>
+                </a:solidFill>
+                <a:latin typeface="+mj-lt"/>
+                <a:ea typeface="+mj-ea"/>
+                <a:cs typeface="+mj-cs"/>
+              </a:defRPr>
+            </a:lvl3pPr>
+            <a:lvl4pPr marL="1600227" indent="-228604" algn="l" defTabSz="457207" rtl="0" eaLnBrk="1" latinLnBrk="0" hangingPunct="1">
+              <a:spcBef>
+                <a:spcPts val="1000"/>
+              </a:spcBef>
+              <a:spcAft>
+                <a:spcPts val="0"/>
+              </a:spcAft>
+              <a:buClr>
+                <a:schemeClr val="bg2">
+                  <a:lumMod val="40000"/>
+                  <a:lumOff val="60000"/>
+                </a:schemeClr>
+              </a:buClr>
+              <a:buSzPct val="80000"/>
+              <a:buFont typeface="Wingdings 3" charset="2"/>
+              <a:buChar char=""/>
+              <a:defRPr sz="1200" b="0" i="0" kern="1200">
+                <a:solidFill>
+                  <a:schemeClr val="tx1"/>
+                </a:solidFill>
+                <a:latin typeface="+mj-lt"/>
+                <a:ea typeface="+mj-ea"/>
+                <a:cs typeface="+mj-cs"/>
+              </a:defRPr>
+            </a:lvl4pPr>
+            <a:lvl5pPr marL="2057434" indent="-228604" algn="l" defTabSz="457207" rtl="0" eaLnBrk="1" latinLnBrk="0" hangingPunct="1">
+              <a:spcBef>
+                <a:spcPts val="1000"/>
+              </a:spcBef>
+              <a:spcAft>
+                <a:spcPts val="0"/>
+              </a:spcAft>
+              <a:buClr>
+                <a:schemeClr val="bg2">
+                  <a:lumMod val="40000"/>
+                  <a:lumOff val="60000"/>
+                </a:schemeClr>
+              </a:buClr>
+              <a:buSzPct val="80000"/>
+              <a:buFont typeface="Wingdings 3" charset="2"/>
+              <a:buChar char=""/>
+              <a:defRPr sz="1200" b="0" i="0" kern="1200">
+                <a:solidFill>
+                  <a:schemeClr val="tx1"/>
+                </a:solidFill>
+                <a:latin typeface="+mj-lt"/>
+                <a:ea typeface="+mj-ea"/>
+                <a:cs typeface="+mj-cs"/>
+              </a:defRPr>
+            </a:lvl5pPr>
+            <a:lvl6pPr marL="2514642" indent="-228604" algn="l" defTabSz="457207" rtl="0" eaLnBrk="1" latinLnBrk="0" hangingPunct="1">
+              <a:spcBef>
+                <a:spcPts val="1000"/>
+              </a:spcBef>
+              <a:spcAft>
+                <a:spcPts val="0"/>
+              </a:spcAft>
+              <a:buClr>
+                <a:schemeClr val="bg2">
+                  <a:lumMod val="40000"/>
+                  <a:lumOff val="60000"/>
+                </a:schemeClr>
+              </a:buClr>
+              <a:buSzPct val="80000"/>
+              <a:buFont typeface="Wingdings 3" charset="2"/>
+              <a:buChar char=""/>
+              <a:defRPr sz="1200" b="0" i="0" kern="1200">
+                <a:solidFill>
+                  <a:schemeClr val="tx1"/>
+                </a:solidFill>
+                <a:latin typeface="+mj-lt"/>
+                <a:ea typeface="+mj-ea"/>
+                <a:cs typeface="+mj-cs"/>
+              </a:defRPr>
+            </a:lvl6pPr>
+            <a:lvl7pPr marL="2971849" indent="-228604" algn="l" defTabSz="457207" rtl="0" eaLnBrk="1" latinLnBrk="0" hangingPunct="1">
+              <a:spcBef>
+                <a:spcPts val="1000"/>
+              </a:spcBef>
+              <a:spcAft>
+                <a:spcPts val="0"/>
+              </a:spcAft>
+              <a:buClr>
+                <a:schemeClr val="bg2">
+                  <a:lumMod val="40000"/>
+                  <a:lumOff val="60000"/>
+                </a:schemeClr>
+              </a:buClr>
+              <a:buSzPct val="80000"/>
+              <a:buFont typeface="Wingdings 3" charset="2"/>
+              <a:buChar char=""/>
+              <a:defRPr sz="1200" b="0" i="0" kern="1200">
+                <a:solidFill>
+                  <a:schemeClr val="tx1"/>
+                </a:solidFill>
+                <a:latin typeface="+mj-lt"/>
+                <a:ea typeface="+mj-ea"/>
+                <a:cs typeface="+mj-cs"/>
+              </a:defRPr>
+            </a:lvl7pPr>
+            <a:lvl8pPr marL="3429057" indent="-228604" algn="l" defTabSz="457207" rtl="0" eaLnBrk="1" latinLnBrk="0" hangingPunct="1">
+              <a:spcBef>
+                <a:spcPts val="1000"/>
+              </a:spcBef>
+              <a:spcAft>
+                <a:spcPts val="0"/>
+              </a:spcAft>
+              <a:buClr>
+                <a:schemeClr val="bg2">
+                  <a:lumMod val="40000"/>
+                  <a:lumOff val="60000"/>
+                </a:schemeClr>
+              </a:buClr>
+              <a:buSzPct val="80000"/>
+              <a:buFont typeface="Wingdings 3" charset="2"/>
+              <a:buChar char=""/>
+              <a:defRPr sz="1200" b="0" i="0" kern="1200">
+                <a:solidFill>
+                  <a:schemeClr val="tx1"/>
+                </a:solidFill>
+                <a:latin typeface="+mj-lt"/>
+                <a:ea typeface="+mj-ea"/>
+                <a:cs typeface="+mj-cs"/>
+              </a:defRPr>
+            </a:lvl8pPr>
+            <a:lvl9pPr marL="3886264" indent="-228604" algn="l" defTabSz="457207" rtl="0" eaLnBrk="1" latinLnBrk="0" hangingPunct="1">
+              <a:spcBef>
+                <a:spcPts val="1000"/>
+              </a:spcBef>
+              <a:spcAft>
+                <a:spcPts val="0"/>
+              </a:spcAft>
+              <a:buClr>
+                <a:schemeClr val="bg2">
+                  <a:lumMod val="40000"/>
+                  <a:lumOff val="60000"/>
+                </a:schemeClr>
+              </a:buClr>
+              <a:buSzPct val="80000"/>
+              <a:buFont typeface="Wingdings 3" charset="2"/>
+              <a:buChar char=""/>
+              <a:defRPr sz="1200" b="0" i="0" kern="1200">
+                <a:solidFill>
+                  <a:schemeClr val="tx1"/>
+                </a:solidFill>
+                <a:latin typeface="+mj-lt"/>
+                <a:ea typeface="+mj-ea"/>
+                <a:cs typeface="+mj-cs"/>
+              </a:defRPr>
+            </a:lvl9pPr>
+          </a:lstStyle>
+          <a:p>
+            <a:pPr marL="0" indent="0">
+              <a:buNone/>
+            </a:pPr>
             <a:r>
               <a:rPr lang="en-US" dirty="0"/>
-              <a:t>Needs:</a:t>
-            </a:r>
-          </a:p>
-          <a:p>
-            <a:pPr lvl="1"/>
+              <a:t>We still needs:</a:t>
+            </a:r>
+          </a:p>
+          <a:p>
+            <a:r>
+              <a:rPr lang="en-US" dirty="0" smtClean="0"/>
+              <a:t>A </a:t>
+            </a:r>
             <a:r>
               <a:rPr lang="en-US" dirty="0"/>
-              <a:t>Sample with various sizes for different frequency range</a:t>
-            </a:r>
-          </a:p>
-          <a:p>
-            <a:pPr lvl="1"/>
+              <a:t>sample holder (a segment of X-band waveguide that has suitable size for the sample) </a:t>
+            </a:r>
+            <a:endParaRPr lang="en-US" dirty="0" smtClean="0"/>
+          </a:p>
+          <a:p>
             <a:r>
               <a:rPr lang="en-US" dirty="0"/>
-              <a:t>Antennas for frequency range 4 – 8 </a:t>
-            </a:r>
-            <a:r>
-              <a:rPr lang="en-US" dirty="0" err="1"/>
-              <a:t>Ghz</a:t>
-            </a:r>
+              <a:t>TRL calibration kits </a:t>
+            </a:r>
+            <a:r>
+              <a:rPr lang="en-US" dirty="0" smtClean="0"/>
+              <a:t>: </a:t>
+            </a:r>
+          </a:p>
+          <a:p>
+            <a:pPr marL="742950" lvl="1" indent="-285750">
+              <a:buFont typeface="Wingdings" charset="2"/>
+              <a:buChar char="§"/>
+            </a:pPr>
             <a:r>
               <a:rPr lang="en-US" dirty="0"/>
-              <a:t> and above 12 </a:t>
-            </a:r>
-            <a:r>
-              <a:rPr lang="en-US" dirty="0" err="1"/>
-              <a:t>Ghz</a:t>
-            </a:r>
-            <a:endParaRPr lang="en-US" dirty="0"/>
-          </a:p>
-          <a:p>
-            <a:pPr lvl="1"/>
+              <a:t>Reflect standards: A X-band waveguide short termination</a:t>
+            </a:r>
+          </a:p>
+          <a:p>
+            <a:pPr marL="742950" lvl="1" indent="-285750">
+              <a:buFont typeface="Wingdings" charset="2"/>
+              <a:buChar char="§"/>
+            </a:pPr>
             <a:r>
               <a:rPr lang="en-US" dirty="0"/>
-              <a:t>Waveguide sample holders</a:t>
-            </a:r>
-          </a:p>
-          <a:p>
-            <a:pPr lvl="1"/>
-            <a:r>
-              <a:rPr lang="en-US" dirty="0"/>
-              <a:t>Waveguide for other frequency range (except X-band)</a:t>
-            </a:r>
-          </a:p>
-          <a:p>
-            <a:pPr lvl="1"/>
-            <a:endParaRPr lang="en-US" dirty="0"/>
-          </a:p>
-          <a:p>
-            <a:pPr lvl="1"/>
-            <a:endParaRPr lang="en-US" dirty="0"/>
-          </a:p>
-          <a:p>
-            <a:endParaRPr lang="en-US" dirty="0"/>
+              <a:t>Line standards: A X-band waveguide segment (90 degree long line at center frequency</a:t>
+            </a:r>
+            <a:endParaRPr lang="en-US" dirty="0" smtClean="0"/>
           </a:p>
         </p:txBody>
       </p:sp>
     </p:spTree>
     <p:extLst>
       <p:ext uri="{BB962C8B-B14F-4D97-AF65-F5344CB8AC3E}">
-        <p14:creationId xmlns:p14="http://schemas.microsoft.com/office/powerpoint/2010/main" val="893145684"/>
+        <p14:creationId xmlns:p14="http://schemas.microsoft.com/office/powerpoint/2010/main" val="3316724862"/>
       </p:ext>
     </p:extLst>
   </p:cSld>
@@ -7759,7 +7993,7 @@
       </p:grpSpPr>
       <p:sp>
         <p:nvSpPr>
-          <p:cNvPr id="3" name="Title 2"/>
+          <p:cNvPr id="2" name="Title 1"/>
           <p:cNvSpPr>
             <a:spLocks noGrp="1"/>
           </p:cNvSpPr>
@@ -7769,72 +8003,59 @@
         </p:nvSpPr>
         <p:spPr/>
         <p:txBody>
-          <a:bodyPr>
-            <a:normAutofit/>
-          </a:bodyPr>
+          <a:bodyPr/>
           <a:lstStyle/>
           <a:p>
             <a:r>
-              <a:rPr lang="en-US" sz="3000" dirty="0"/>
-              <a:t>Current Status</a:t>
-            </a:r>
-          </a:p>
-        </p:txBody>
-      </p:sp>
-      <p:sp>
-        <p:nvSpPr>
-          <p:cNvPr id="2" name="Content Placeholder 1"/>
-          <p:cNvSpPr>
-            <a:spLocks noGrp="1"/>
-          </p:cNvSpPr>
-          <p:nvPr>
-            <p:ph idx="1"/>
-          </p:nvPr>
-        </p:nvSpPr>
-        <p:spPr>
-          <a:xfrm>
-            <a:off x="828460" y="2396940"/>
-            <a:ext cx="5229440" cy="3146610"/>
-          </a:xfrm>
-        </p:spPr>
-        <p:txBody>
-          <a:bodyPr>
-            <a:normAutofit fontScale="92500" lnSpcReduction="10000"/>
-          </a:bodyPr>
+              <a:rPr lang="en-US" dirty="0" smtClean="0"/>
+              <a:t>Sample holder here</a:t>
+            </a:r>
+            <a:endParaRPr lang="en-US" dirty="0"/>
+          </a:p>
+        </p:txBody>
+      </p:sp>
+      <p:sp>
+        <p:nvSpPr>
+          <p:cNvPr id="3" name="Content Placeholder 2"/>
+          <p:cNvSpPr>
+            <a:spLocks noGrp="1"/>
+          </p:cNvSpPr>
+          <p:nvPr>
+            <p:ph sz="half" idx="1"/>
+          </p:nvPr>
+        </p:nvSpPr>
+        <p:spPr/>
+        <p:txBody>
+          <a:bodyPr/>
           <a:lstStyle/>
           <a:p>
-            <a:r>
-              <a:rPr lang="en-US" dirty="0"/>
-              <a:t>Finish detail time plan (using Gantt chart).</a:t>
-            </a:r>
-          </a:p>
-          <a:p>
-            <a:r>
-              <a:rPr lang="en-US" dirty="0"/>
-              <a:t>Finish researching and literature review.</a:t>
-            </a:r>
-          </a:p>
-          <a:p>
-            <a:r>
-              <a:rPr lang="en-US" dirty="0"/>
-              <a:t>Finish gathering parts avaialble at PSU. We need detailed information about sample size and antenna/waveguide printing capability.</a:t>
-            </a:r>
-          </a:p>
-          <a:p>
-            <a:r>
-              <a:rPr lang="en-US" dirty="0"/>
-              <a:t>Equations and measurement setup for prototype of NRL arch and waveguide are available.</a:t>
-            </a:r>
-          </a:p>
-          <a:p>
-            <a:endParaRPr lang="en-US" dirty="0"/>
+            <a:endParaRPr lang="en-US"/>
+          </a:p>
+        </p:txBody>
+      </p:sp>
+      <p:sp>
+        <p:nvSpPr>
+          <p:cNvPr id="4" name="Content Placeholder 3"/>
+          <p:cNvSpPr>
+            <a:spLocks noGrp="1"/>
+          </p:cNvSpPr>
+          <p:nvPr>
+            <p:ph sz="half" idx="2"/>
+          </p:nvPr>
+        </p:nvSpPr>
+        <p:spPr/>
+        <p:txBody>
+          <a:bodyPr/>
+          <a:lstStyle/>
+          <a:p>
+            <a:endParaRPr lang="en-US"/>
           </a:p>
         </p:txBody>
       </p:sp>
     </p:spTree>
     <p:extLst>
       <p:ext uri="{BB962C8B-B14F-4D97-AF65-F5344CB8AC3E}">
-        <p14:creationId xmlns:p14="http://schemas.microsoft.com/office/powerpoint/2010/main" val="1200217142"/>
+        <p14:creationId xmlns:p14="http://schemas.microsoft.com/office/powerpoint/2010/main" val="1396335123"/>
       </p:ext>
     </p:extLst>
   </p:cSld>
@@ -7875,7 +8096,7 @@
       </p:grpSpPr>
       <p:sp>
         <p:nvSpPr>
-          <p:cNvPr id="3" name="Title 2"/>
+          <p:cNvPr id="2" name="Title 1"/>
           <p:cNvSpPr>
             <a:spLocks noGrp="1"/>
           </p:cNvSpPr>
@@ -7883,21 +8104,27 @@
             <p:ph type="title"/>
           </p:nvPr>
         </p:nvSpPr>
-        <p:spPr/>
+        <p:spPr>
+          <a:xfrm>
+            <a:off x="484710" y="452718"/>
+            <a:ext cx="7055380" cy="995082"/>
+          </a:xfrm>
+        </p:spPr>
         <p:txBody>
           <a:bodyPr/>
           <a:lstStyle/>
           <a:p>
             <a:r>
-              <a:rPr lang="en-US" dirty="0"/>
-              <a:t>Related Documents and References</a:t>
-            </a:r>
-          </a:p>
-        </p:txBody>
-      </p:sp>
-      <p:sp>
-        <p:nvSpPr>
-          <p:cNvPr id="2" name="Content Placeholder 1"/>
+              <a:rPr lang="en-US" dirty="0" smtClean="0"/>
+              <a:t>Goals</a:t>
+            </a:r>
+            <a:endParaRPr lang="en-US" dirty="0"/>
+          </a:p>
+        </p:txBody>
+      </p:sp>
+      <p:sp>
+        <p:nvSpPr>
+          <p:cNvPr id="5" name="Content Placeholder 4"/>
           <p:cNvSpPr>
             <a:spLocks noGrp="1"/>
           </p:cNvSpPr>
@@ -7905,74 +8132,930 @@
             <p:ph idx="1"/>
           </p:nvPr>
         </p:nvSpPr>
-        <p:spPr/>
+        <p:spPr>
+          <a:xfrm>
+            <a:off x="656572" y="1435100"/>
+            <a:ext cx="6883517" cy="4195481"/>
+          </a:xfrm>
+        </p:spPr>
         <p:txBody>
           <a:bodyPr>
             <a:normAutofit/>
           </a:bodyPr>
           <a:lstStyle/>
           <a:p>
-            <a:endParaRPr lang="en-US" dirty="0"/>
-          </a:p>
-          <a:p>
-            <a:r>
-              <a:rPr lang="en-US" dirty="0"/>
-              <a:t>All related documents are available on GitHub</a:t>
-            </a:r>
-            <a:r>
-              <a:rPr lang="en-US" dirty="0">
-                <a:hlinkClick r:id="rId3"/>
-              </a:rPr>
-              <a:t> https://github.com/trankhiemha/ECE412-413-Capstone-Project-N3</a:t>
-            </a:r>
-            <a:endParaRPr lang="en-US" dirty="0"/>
-          </a:p>
-          <a:p>
-            <a:r>
-              <a:rPr lang="en-US" dirty="0"/>
-              <a:t>Project progression tracking is available on Trello </a:t>
-            </a:r>
-            <a:r>
-              <a:rPr lang="en-US" dirty="0">
-                <a:hlinkClick r:id="rId4"/>
-              </a:rPr>
-              <a:t>https://trello.com/b/Ov0bqGiB/initial-cf-planning</a:t>
-            </a:r>
-            <a:endParaRPr lang="en-US" dirty="0"/>
-          </a:p>
-          <a:p>
-            <a:r>
-              <a:rPr lang="en-US" dirty="0"/>
-              <a:t>Research papers are on </a:t>
-            </a:r>
-            <a:r>
-              <a:rPr lang="en-US" dirty="0" err="1"/>
-              <a:t>Zotero</a:t>
-            </a:r>
-            <a:r>
-              <a:rPr lang="en-US" dirty="0"/>
-              <a:t> page: </a:t>
-            </a:r>
-            <a:r>
-              <a:rPr lang="en-US" dirty="0">
-                <a:hlinkClick r:id="rId5"/>
-              </a:rPr>
-              <a:t>https://www.zotero.org/groups/957151/items</a:t>
-            </a:r>
-            <a:endParaRPr lang="en-US" dirty="0"/>
-          </a:p>
-          <a:p>
-            <a:endParaRPr lang="en-US" dirty="0"/>
-          </a:p>
-          <a:p>
-            <a:endParaRPr lang="en-US" dirty="0"/>
+            <a:r>
+              <a:rPr lang="en-US" dirty="0" smtClean="0"/>
+              <a:t>Measurement setup and characterization of material at frequency range of 8 – 12 GHz:</a:t>
+            </a:r>
+          </a:p>
+          <a:p>
+            <a:pPr lvl="1"/>
+            <a:r>
+              <a:rPr lang="en-US" dirty="0" smtClean="0"/>
+              <a:t>NRL measurement for absorbing coefficients</a:t>
+            </a:r>
+          </a:p>
+          <a:p>
+            <a:pPr lvl="1"/>
+            <a:r>
+              <a:rPr lang="en-US" dirty="0" smtClean="0"/>
+              <a:t>Waveguide measurement for S-parameters</a:t>
+            </a:r>
+          </a:p>
+          <a:p>
+            <a:pPr lvl="1"/>
+            <a:r>
+              <a:rPr lang="en-US" dirty="0" smtClean="0"/>
+              <a:t>Material EM parameters extractions</a:t>
+            </a:r>
+          </a:p>
+          <a:p>
+            <a:pPr lvl="1"/>
+            <a:r>
+              <a:rPr lang="en-US" dirty="0" smtClean="0"/>
+              <a:t>EM simulation</a:t>
+            </a:r>
+          </a:p>
+          <a:p>
+            <a:r>
+              <a:rPr lang="en-US" dirty="0" smtClean="0"/>
+              <a:t>Expansion with time availability:</a:t>
+            </a:r>
+            <a:endParaRPr lang="en-US" dirty="0"/>
+          </a:p>
+          <a:p>
+            <a:pPr lvl="1"/>
+            <a:r>
+              <a:rPr lang="en-US" dirty="0" smtClean="0"/>
+              <a:t>Expand the frequency of measurements and characterizations</a:t>
+            </a:r>
+          </a:p>
+          <a:p>
+            <a:pPr lvl="1"/>
+            <a:r>
+              <a:rPr lang="en-US" smtClean="0"/>
+              <a:t>Perform optimizations for measurements</a:t>
+            </a:r>
+            <a:endParaRPr lang="en-US" dirty="0" smtClean="0"/>
           </a:p>
         </p:txBody>
       </p:sp>
     </p:spTree>
     <p:extLst>
       <p:ext uri="{BB962C8B-B14F-4D97-AF65-F5344CB8AC3E}">
-        <p14:creationId xmlns:p14="http://schemas.microsoft.com/office/powerpoint/2010/main" val="897847061"/>
+        <p14:creationId xmlns:p14="http://schemas.microsoft.com/office/powerpoint/2010/main" val="1659033110"/>
+      </p:ext>
+    </p:extLst>
+  </p:cSld>
+  <p:clrMapOvr>
+    <a:masterClrMapping/>
+  </p:clrMapOvr>
+  <mc:AlternateContent xmlns:mc="http://schemas.openxmlformats.org/markup-compatibility/2006" xmlns:p14="http://schemas.microsoft.com/office/powerpoint/2010/main">
+    <mc:Choice Requires="p14">
+      <p:transition spd="med" p14:dur="700">
+        <p:fade/>
+      </p:transition>
+    </mc:Choice>
+    <mc:Fallback xmlns="">
+      <p:transition spd="med">
+        <p:fade/>
+      </p:transition>
+    </mc:Fallback>
+  </mc:AlternateContent>
+</p:sld>
+</file>
+
+<file path=ppt/slides/slide13.xml><?xml version="1.0" encoding="utf-8"?>
+<p:sld xmlns:a="http://schemas.openxmlformats.org/drawingml/2006/main" xmlns:r="http://schemas.openxmlformats.org/officeDocument/2006/relationships" xmlns:p="http://schemas.openxmlformats.org/presentationml/2006/main">
+  <p:cSld>
+    <p:spTree>
+      <p:nvGrpSpPr>
+        <p:cNvPr id="1" name=""/>
+        <p:cNvGrpSpPr/>
+        <p:nvPr/>
+      </p:nvGrpSpPr>
+      <p:grpSpPr>
+        <a:xfrm>
+          <a:off x="0" y="0"/>
+          <a:ext cx="0" cy="0"/>
+          <a:chOff x="0" y="0"/>
+          <a:chExt cx="0" cy="0"/>
+        </a:xfrm>
+      </p:grpSpPr>
+      <p:sp>
+        <p:nvSpPr>
+          <p:cNvPr id="2" name="Title 1"/>
+          <p:cNvSpPr>
+            <a:spLocks noGrp="1"/>
+          </p:cNvSpPr>
+          <p:nvPr>
+            <p:ph type="title"/>
+          </p:nvPr>
+        </p:nvSpPr>
+        <p:spPr/>
+        <p:txBody>
+          <a:bodyPr/>
+          <a:lstStyle/>
+          <a:p>
+            <a:r>
+              <a:rPr lang="en-US" sz="4400" dirty="0" smtClean="0"/>
+              <a:t>Potential Optimization</a:t>
+            </a:r>
+            <a:endParaRPr lang="en-US" dirty="0"/>
+          </a:p>
+        </p:txBody>
+      </p:sp>
+      <p:sp>
+        <p:nvSpPr>
+          <p:cNvPr id="3" name="Content Placeholder 2"/>
+          <p:cNvSpPr>
+            <a:spLocks noGrp="1"/>
+          </p:cNvSpPr>
+          <p:nvPr>
+            <p:ph idx="1"/>
+          </p:nvPr>
+        </p:nvSpPr>
+        <p:spPr>
+          <a:xfrm>
+            <a:off x="815736" y="1524000"/>
+            <a:ext cx="6194664" cy="4195481"/>
+          </a:xfrm>
+        </p:spPr>
+        <p:txBody>
+          <a:bodyPr/>
+          <a:lstStyle/>
+          <a:p>
+            <a:pPr algn="just"/>
+            <a:r>
+              <a:rPr lang="en-US" dirty="0"/>
+              <a:t>Interactive Solver: Solving both material thickness and material properties at the same time. Provide higher accuracy.</a:t>
+            </a:r>
+          </a:p>
+          <a:p>
+            <a:pPr algn="just"/>
+            <a:r>
+              <a:rPr lang="en-US" dirty="0" smtClean="0"/>
+              <a:t>Perform NRL </a:t>
+            </a:r>
+            <a:r>
+              <a:rPr lang="en-US" dirty="0"/>
+              <a:t>Arch measurement in RF </a:t>
+            </a:r>
+            <a:r>
+              <a:rPr lang="en-US" dirty="0" smtClean="0"/>
+              <a:t>chamber to eliminate surrounding affects.</a:t>
+            </a:r>
+          </a:p>
+          <a:p>
+            <a:pPr algn="just"/>
+            <a:r>
+              <a:rPr lang="en-US" dirty="0" smtClean="0"/>
+              <a:t>Perform free-space TRL calibration in NRL measurement</a:t>
+            </a:r>
+            <a:endParaRPr lang="en-US" dirty="0"/>
+          </a:p>
+          <a:p>
+            <a:pPr algn="just"/>
+            <a:r>
+              <a:rPr lang="en-US" dirty="0"/>
+              <a:t>Partially filled </a:t>
+            </a:r>
+            <a:r>
+              <a:rPr lang="en-US" dirty="0" smtClean="0"/>
+              <a:t>waveguide measurement to compare result with the fully filled waveguide method.</a:t>
+            </a:r>
+          </a:p>
+          <a:p>
+            <a:pPr algn="just"/>
+            <a:endParaRPr lang="en-US" dirty="0"/>
+          </a:p>
+        </p:txBody>
+      </p:sp>
+    </p:spTree>
+    <p:extLst>
+      <p:ext uri="{BB962C8B-B14F-4D97-AF65-F5344CB8AC3E}">
+        <p14:creationId xmlns:p14="http://schemas.microsoft.com/office/powerpoint/2010/main" val="1779803480"/>
+      </p:ext>
+    </p:extLst>
+  </p:cSld>
+  <p:clrMapOvr>
+    <a:masterClrMapping/>
+  </p:clrMapOvr>
+  <mc:AlternateContent xmlns:mc="http://schemas.openxmlformats.org/markup-compatibility/2006" xmlns:p14="http://schemas.microsoft.com/office/powerpoint/2010/main">
+    <mc:Choice Requires="p14">
+      <p:transition spd="med" p14:dur="700">
+        <p:fade/>
+      </p:transition>
+    </mc:Choice>
+    <mc:Fallback xmlns="">
+      <p:transition spd="med">
+        <p:fade/>
+      </p:transition>
+    </mc:Fallback>
+  </mc:AlternateContent>
+</p:sld>
+</file>
+
+<file path=ppt/slides/slide14.xml><?xml version="1.0" encoding="utf-8"?>
+<p:sld xmlns:a="http://schemas.openxmlformats.org/drawingml/2006/main" xmlns:r="http://schemas.openxmlformats.org/officeDocument/2006/relationships" xmlns:p="http://schemas.openxmlformats.org/presentationml/2006/main">
+  <p:cSld>
+    <p:spTree>
+      <p:nvGrpSpPr>
+        <p:cNvPr id="1" name=""/>
+        <p:cNvGrpSpPr/>
+        <p:nvPr/>
+      </p:nvGrpSpPr>
+      <p:grpSpPr>
+        <a:xfrm>
+          <a:off x="0" y="0"/>
+          <a:ext cx="0" cy="0"/>
+          <a:chOff x="0" y="0"/>
+          <a:chExt cx="0" cy="0"/>
+        </a:xfrm>
+      </p:grpSpPr>
+      <p:sp>
+        <p:nvSpPr>
+          <p:cNvPr id="2" name="Title 1"/>
+          <p:cNvSpPr>
+            <a:spLocks noGrp="1"/>
+          </p:cNvSpPr>
+          <p:nvPr>
+            <p:ph type="title"/>
+          </p:nvPr>
+        </p:nvSpPr>
+        <p:spPr/>
+        <p:txBody>
+          <a:bodyPr/>
+          <a:lstStyle/>
+          <a:p>
+            <a:r>
+              <a:rPr lang="en-US" sz="4400" dirty="0" smtClean="0"/>
+              <a:t>Initial Needs</a:t>
+            </a:r>
+            <a:endParaRPr lang="en-US" dirty="0"/>
+          </a:p>
+        </p:txBody>
+      </p:sp>
+      <p:sp>
+        <p:nvSpPr>
+          <p:cNvPr id="3" name="Content Placeholder 2"/>
+          <p:cNvSpPr>
+            <a:spLocks noGrp="1"/>
+          </p:cNvSpPr>
+          <p:nvPr>
+            <p:ph idx="1"/>
+          </p:nvPr>
+        </p:nvSpPr>
+        <p:spPr>
+          <a:xfrm>
+            <a:off x="609600" y="1600200"/>
+            <a:ext cx="7192027" cy="4195481"/>
+          </a:xfrm>
+        </p:spPr>
+        <p:txBody>
+          <a:bodyPr>
+            <a:normAutofit/>
+          </a:bodyPr>
+          <a:lstStyle/>
+          <a:p>
+            <a:r>
+              <a:rPr lang="en-US" dirty="0" smtClean="0"/>
+              <a:t>Sample with various size: (all with thickness of 2 mm)</a:t>
+            </a:r>
+          </a:p>
+          <a:p>
+            <a:pPr lvl="1"/>
+            <a:r>
+              <a:rPr lang="en-US" dirty="0"/>
+              <a:t>Waveguide (X-band</a:t>
+            </a:r>
+            <a:r>
+              <a:rPr lang="en-US" dirty="0" smtClean="0"/>
+              <a:t>):		22.86 </a:t>
+            </a:r>
+            <a:r>
+              <a:rPr lang="en-US" dirty="0"/>
+              <a:t>mm x 10.16 </a:t>
+            </a:r>
+            <a:r>
+              <a:rPr lang="en-US" dirty="0" smtClean="0"/>
+              <a:t>mm</a:t>
+            </a:r>
+          </a:p>
+          <a:p>
+            <a:pPr lvl="1"/>
+            <a:r>
+              <a:rPr lang="en-US" dirty="0"/>
+              <a:t>NRL Arch (up to 18 GHz): 	30 x 30 cm and 60 x 60 cm</a:t>
+            </a:r>
+          </a:p>
+          <a:p>
+            <a:pPr marL="342906" lvl="1" indent="-342906"/>
+            <a:r>
+              <a:rPr lang="en-US" sz="2000" dirty="0" smtClean="0"/>
+              <a:t>Antennas for </a:t>
+            </a:r>
+            <a:r>
+              <a:rPr lang="en-US" sz="2000" dirty="0"/>
+              <a:t>frequency range 4 – 8 GHz and above 12 </a:t>
+            </a:r>
+            <a:r>
+              <a:rPr lang="en-US" sz="2000" dirty="0" smtClean="0"/>
+              <a:t>GHz</a:t>
+            </a:r>
+          </a:p>
+          <a:p>
+            <a:pPr marL="742964" lvl="2" indent="-342906"/>
+            <a:r>
+              <a:rPr lang="en-US" sz="1800" dirty="0" smtClean="0"/>
+              <a:t>Since the available antenna for frequency below 4GHz requires a large space for measurement set up we may need to have the horn antennas for this band.</a:t>
+            </a:r>
+            <a:endParaRPr lang="en-US" sz="1800" dirty="0"/>
+          </a:p>
+          <a:p>
+            <a:r>
+              <a:rPr lang="en-US" dirty="0"/>
+              <a:t>Waveguide sample </a:t>
+            </a:r>
+            <a:r>
+              <a:rPr lang="en-US" dirty="0" smtClean="0"/>
+              <a:t>holder and one straight waveguide </a:t>
+            </a:r>
+            <a:r>
+              <a:rPr lang="en-US" dirty="0"/>
+              <a:t>for </a:t>
+            </a:r>
+            <a:r>
+              <a:rPr lang="en-US" dirty="0" smtClean="0"/>
+              <a:t>X-band.</a:t>
+            </a:r>
+          </a:p>
+          <a:p>
+            <a:endParaRPr lang="en-US" dirty="0" smtClean="0"/>
+          </a:p>
+          <a:p>
+            <a:pPr lvl="1">
+              <a:buSzPct val="100000"/>
+              <a:buFont typeface="Wingdings" charset="2"/>
+              <a:buChar char="§"/>
+            </a:pPr>
+            <a:endParaRPr lang="en-US" dirty="0" smtClean="0"/>
+          </a:p>
+          <a:p>
+            <a:endParaRPr lang="en-US" dirty="0"/>
+          </a:p>
+        </p:txBody>
+      </p:sp>
+    </p:spTree>
+    <p:extLst>
+      <p:ext uri="{BB962C8B-B14F-4D97-AF65-F5344CB8AC3E}">
+        <p14:creationId xmlns:p14="http://schemas.microsoft.com/office/powerpoint/2010/main" val="893145684"/>
+      </p:ext>
+    </p:extLst>
+  </p:cSld>
+  <p:clrMapOvr>
+    <a:masterClrMapping/>
+  </p:clrMapOvr>
+  <mc:AlternateContent xmlns:mc="http://schemas.openxmlformats.org/markup-compatibility/2006" xmlns:p14="http://schemas.microsoft.com/office/powerpoint/2010/main">
+    <mc:Choice Requires="p14">
+      <p:transition spd="med" p14:dur="700">
+        <p:fade/>
+      </p:transition>
+    </mc:Choice>
+    <mc:Fallback xmlns="">
+      <p:transition spd="med">
+        <p:fade/>
+      </p:transition>
+    </mc:Fallback>
+  </mc:AlternateContent>
+</p:sld>
+</file>
+
+<file path=ppt/slides/slide15.xml><?xml version="1.0" encoding="utf-8"?>
+<p:sld xmlns:a="http://schemas.openxmlformats.org/drawingml/2006/main" xmlns:r="http://schemas.openxmlformats.org/officeDocument/2006/relationships" xmlns:p="http://schemas.openxmlformats.org/presentationml/2006/main">
+  <p:cSld>
+    <p:spTree>
+      <p:nvGrpSpPr>
+        <p:cNvPr id="1" name=""/>
+        <p:cNvGrpSpPr/>
+        <p:nvPr/>
+      </p:nvGrpSpPr>
+      <p:grpSpPr>
+        <a:xfrm>
+          <a:off x="0" y="0"/>
+          <a:ext cx="0" cy="0"/>
+          <a:chOff x="0" y="0"/>
+          <a:chExt cx="0" cy="0"/>
+        </a:xfrm>
+      </p:grpSpPr>
+      <p:sp>
+        <p:nvSpPr>
+          <p:cNvPr id="3" name="Title 2"/>
+          <p:cNvSpPr>
+            <a:spLocks noGrp="1"/>
+          </p:cNvSpPr>
+          <p:nvPr>
+            <p:ph type="title"/>
+          </p:nvPr>
+        </p:nvSpPr>
+        <p:spPr/>
+        <p:txBody>
+          <a:bodyPr>
+            <a:normAutofit/>
+          </a:bodyPr>
+          <a:lstStyle/>
+          <a:p>
+            <a:r>
+              <a:rPr lang="en-US" sz="3000" dirty="0"/>
+              <a:t>Current Status</a:t>
+            </a:r>
+          </a:p>
+        </p:txBody>
+      </p:sp>
+      <p:sp>
+        <p:nvSpPr>
+          <p:cNvPr id="2" name="Content Placeholder 1"/>
+          <p:cNvSpPr>
+            <a:spLocks noGrp="1"/>
+          </p:cNvSpPr>
+          <p:nvPr>
+            <p:ph idx="1"/>
+          </p:nvPr>
+        </p:nvSpPr>
+        <p:spPr>
+          <a:xfrm>
+            <a:off x="643990" y="1152983"/>
+            <a:ext cx="6934200" cy="2047417"/>
+          </a:xfrm>
+        </p:spPr>
+        <p:txBody>
+          <a:bodyPr>
+            <a:normAutofit/>
+          </a:bodyPr>
+          <a:lstStyle/>
+          <a:p>
+            <a:r>
+              <a:rPr lang="en-US" sz="1800" dirty="0"/>
+              <a:t>Finish detail time </a:t>
+            </a:r>
+            <a:r>
+              <a:rPr lang="en-US" sz="1800" dirty="0" smtClean="0"/>
+              <a:t>plan (using Gantt chart).</a:t>
+            </a:r>
+            <a:endParaRPr lang="en-US" sz="1800" dirty="0"/>
+          </a:p>
+          <a:p>
+            <a:r>
+              <a:rPr lang="en-US" sz="1800" dirty="0"/>
+              <a:t>Finish </a:t>
+            </a:r>
+            <a:r>
+              <a:rPr lang="en-US" sz="1800" dirty="0" smtClean="0"/>
+              <a:t>research </a:t>
+            </a:r>
+            <a:r>
+              <a:rPr lang="en-US" sz="1800" dirty="0"/>
+              <a:t>literature review.</a:t>
+            </a:r>
+          </a:p>
+          <a:p>
+            <a:r>
+              <a:rPr lang="en-US" sz="1800" dirty="0"/>
+              <a:t>Finish gathering parts avaialble at PSU. </a:t>
+            </a:r>
+            <a:endParaRPr lang="en-US" sz="1800" dirty="0" smtClean="0"/>
+          </a:p>
+          <a:p>
+            <a:r>
+              <a:rPr lang="en-US" sz="1800" dirty="0" smtClean="0"/>
+              <a:t>Equations, extraction algorithm </a:t>
+            </a:r>
+            <a:r>
+              <a:rPr lang="en-US" sz="1800" dirty="0"/>
+              <a:t>and measurement setup for prototype of NRL arch and waveguide are available.</a:t>
+            </a:r>
+          </a:p>
+          <a:p>
+            <a:endParaRPr lang="en-US" sz="1800" dirty="0"/>
+          </a:p>
+        </p:txBody>
+      </p:sp>
+      <p:sp>
+        <p:nvSpPr>
+          <p:cNvPr id="4" name="Title 2"/>
+          <p:cNvSpPr txBox="1">
+            <a:spLocks/>
+          </p:cNvSpPr>
+          <p:nvPr/>
+        </p:nvSpPr>
+        <p:spPr>
+          <a:xfrm>
+            <a:off x="583400" y="3238500"/>
+            <a:ext cx="7055380" cy="1400530"/>
+          </a:xfrm>
+          <a:prstGeom prst="rect">
+            <a:avLst/>
+          </a:prstGeom>
+        </p:spPr>
+        <p:txBody>
+          <a:bodyPr vert="horz" lIns="91440" tIns="45720" rIns="91440" bIns="45720" rtlCol="0" anchor="t">
+            <a:noAutofit/>
+          </a:bodyPr>
+          <a:lstStyle>
+            <a:lvl1pPr algn="l" defTabSz="457207" rtl="0" eaLnBrk="1" latinLnBrk="0" hangingPunct="1">
+              <a:spcBef>
+                <a:spcPct val="0"/>
+              </a:spcBef>
+              <a:buNone/>
+              <a:defRPr sz="4200" b="0" i="0" kern="1200">
+                <a:solidFill>
+                  <a:schemeClr val="tx2"/>
+                </a:solidFill>
+                <a:latin typeface="+mj-lt"/>
+                <a:ea typeface="+mj-ea"/>
+                <a:cs typeface="+mj-cs"/>
+              </a:defRPr>
+            </a:lvl1pPr>
+            <a:lvl2pPr eaLnBrk="1" hangingPunct="1">
+              <a:defRPr>
+                <a:solidFill>
+                  <a:schemeClr val="tx2"/>
+                </a:solidFill>
+              </a:defRPr>
+            </a:lvl2pPr>
+            <a:lvl3pPr eaLnBrk="1" hangingPunct="1">
+              <a:defRPr>
+                <a:solidFill>
+                  <a:schemeClr val="tx2"/>
+                </a:solidFill>
+              </a:defRPr>
+            </a:lvl3pPr>
+            <a:lvl4pPr eaLnBrk="1" hangingPunct="1">
+              <a:defRPr>
+                <a:solidFill>
+                  <a:schemeClr val="tx2"/>
+                </a:solidFill>
+              </a:defRPr>
+            </a:lvl4pPr>
+            <a:lvl5pPr eaLnBrk="1" hangingPunct="1">
+              <a:defRPr>
+                <a:solidFill>
+                  <a:schemeClr val="tx2"/>
+                </a:solidFill>
+              </a:defRPr>
+            </a:lvl5pPr>
+            <a:lvl6pPr eaLnBrk="1" hangingPunct="1">
+              <a:defRPr>
+                <a:solidFill>
+                  <a:schemeClr val="tx2"/>
+                </a:solidFill>
+              </a:defRPr>
+            </a:lvl6pPr>
+            <a:lvl7pPr eaLnBrk="1" hangingPunct="1">
+              <a:defRPr>
+                <a:solidFill>
+                  <a:schemeClr val="tx2"/>
+                </a:solidFill>
+              </a:defRPr>
+            </a:lvl7pPr>
+            <a:lvl8pPr eaLnBrk="1" hangingPunct="1">
+              <a:defRPr>
+                <a:solidFill>
+                  <a:schemeClr val="tx2"/>
+                </a:solidFill>
+              </a:defRPr>
+            </a:lvl8pPr>
+            <a:lvl9pPr eaLnBrk="1" hangingPunct="1">
+              <a:defRPr>
+                <a:solidFill>
+                  <a:schemeClr val="tx2"/>
+                </a:solidFill>
+              </a:defRPr>
+            </a:lvl9pPr>
+          </a:lstStyle>
+          <a:p>
+            <a:r>
+              <a:rPr lang="en-US" sz="3000" dirty="0" smtClean="0"/>
+              <a:t>Related Documents and References</a:t>
+            </a:r>
+            <a:endParaRPr lang="en-US" sz="3000" dirty="0"/>
+          </a:p>
+        </p:txBody>
+      </p:sp>
+      <p:sp>
+        <p:nvSpPr>
+          <p:cNvPr id="5" name="Content Placeholder 1"/>
+          <p:cNvSpPr txBox="1">
+            <a:spLocks/>
+          </p:cNvSpPr>
+          <p:nvPr/>
+        </p:nvSpPr>
+        <p:spPr>
+          <a:xfrm>
+            <a:off x="643990" y="3762730"/>
+            <a:ext cx="6711654" cy="2261552"/>
+          </a:xfrm>
+          <a:prstGeom prst="rect">
+            <a:avLst/>
+          </a:prstGeom>
+        </p:spPr>
+        <p:txBody>
+          <a:bodyPr vert="horz" lIns="91440" tIns="45720" rIns="91440" bIns="45720" rtlCol="0">
+            <a:normAutofit/>
+          </a:bodyPr>
+          <a:lstStyle>
+            <a:lvl1pPr marL="342906" indent="-342906" algn="l" defTabSz="457207" rtl="0" eaLnBrk="1" latinLnBrk="0" hangingPunct="1">
+              <a:spcBef>
+                <a:spcPts val="1000"/>
+              </a:spcBef>
+              <a:spcAft>
+                <a:spcPts val="0"/>
+              </a:spcAft>
+              <a:buClr>
+                <a:schemeClr val="bg2">
+                  <a:lumMod val="40000"/>
+                  <a:lumOff val="60000"/>
+                </a:schemeClr>
+              </a:buClr>
+              <a:buSzPct val="80000"/>
+              <a:buFont typeface="Wingdings 3" charset="2"/>
+              <a:buChar char=""/>
+              <a:defRPr sz="2000" b="0" i="0" kern="1200">
+                <a:solidFill>
+                  <a:schemeClr val="tx1"/>
+                </a:solidFill>
+                <a:latin typeface="+mj-lt"/>
+                <a:ea typeface="+mj-ea"/>
+                <a:cs typeface="+mj-cs"/>
+              </a:defRPr>
+            </a:lvl1pPr>
+            <a:lvl2pPr marL="742962" indent="-285755" algn="l" defTabSz="457207" rtl="0" eaLnBrk="1" latinLnBrk="0" hangingPunct="1">
+              <a:spcBef>
+                <a:spcPts val="1000"/>
+              </a:spcBef>
+              <a:spcAft>
+                <a:spcPts val="0"/>
+              </a:spcAft>
+              <a:buClr>
+                <a:schemeClr val="bg2">
+                  <a:lumMod val="40000"/>
+                  <a:lumOff val="60000"/>
+                </a:schemeClr>
+              </a:buClr>
+              <a:buSzPct val="80000"/>
+              <a:buFont typeface="Wingdings 3" charset="2"/>
+              <a:buChar char=""/>
+              <a:defRPr sz="1800" b="0" i="0" kern="1200">
+                <a:solidFill>
+                  <a:schemeClr val="tx1"/>
+                </a:solidFill>
+                <a:latin typeface="+mj-lt"/>
+                <a:ea typeface="+mj-ea"/>
+                <a:cs typeface="+mj-cs"/>
+              </a:defRPr>
+            </a:lvl2pPr>
+            <a:lvl3pPr marL="1143020" indent="-228604" algn="l" defTabSz="457207" rtl="0" eaLnBrk="1" latinLnBrk="0" hangingPunct="1">
+              <a:spcBef>
+                <a:spcPts val="1000"/>
+              </a:spcBef>
+              <a:spcAft>
+                <a:spcPts val="0"/>
+              </a:spcAft>
+              <a:buClr>
+                <a:schemeClr val="bg2">
+                  <a:lumMod val="40000"/>
+                  <a:lumOff val="60000"/>
+                </a:schemeClr>
+              </a:buClr>
+              <a:buSzPct val="80000"/>
+              <a:buFont typeface="Wingdings 3" charset="2"/>
+              <a:buChar char=""/>
+              <a:defRPr sz="1600" b="0" i="0" kern="1200">
+                <a:solidFill>
+                  <a:schemeClr val="tx1"/>
+                </a:solidFill>
+                <a:latin typeface="+mj-lt"/>
+                <a:ea typeface="+mj-ea"/>
+                <a:cs typeface="+mj-cs"/>
+              </a:defRPr>
+            </a:lvl3pPr>
+            <a:lvl4pPr marL="1600227" indent="-228604" algn="l" defTabSz="457207" rtl="0" eaLnBrk="1" latinLnBrk="0" hangingPunct="1">
+              <a:spcBef>
+                <a:spcPts val="1000"/>
+              </a:spcBef>
+              <a:spcAft>
+                <a:spcPts val="0"/>
+              </a:spcAft>
+              <a:buClr>
+                <a:schemeClr val="bg2">
+                  <a:lumMod val="40000"/>
+                  <a:lumOff val="60000"/>
+                </a:schemeClr>
+              </a:buClr>
+              <a:buSzPct val="80000"/>
+              <a:buFont typeface="Wingdings 3" charset="2"/>
+              <a:buChar char=""/>
+              <a:defRPr sz="1400" b="0" i="0" kern="1200">
+                <a:solidFill>
+                  <a:schemeClr val="tx1"/>
+                </a:solidFill>
+                <a:latin typeface="+mj-lt"/>
+                <a:ea typeface="+mj-ea"/>
+                <a:cs typeface="+mj-cs"/>
+              </a:defRPr>
+            </a:lvl4pPr>
+            <a:lvl5pPr marL="2057434" indent="-228604" algn="l" defTabSz="457207" rtl="0" eaLnBrk="1" latinLnBrk="0" hangingPunct="1">
+              <a:spcBef>
+                <a:spcPts val="1000"/>
+              </a:spcBef>
+              <a:spcAft>
+                <a:spcPts val="0"/>
+              </a:spcAft>
+              <a:buClr>
+                <a:schemeClr val="bg2">
+                  <a:lumMod val="40000"/>
+                  <a:lumOff val="60000"/>
+                </a:schemeClr>
+              </a:buClr>
+              <a:buSzPct val="80000"/>
+              <a:buFont typeface="Wingdings 3" charset="2"/>
+              <a:buChar char=""/>
+              <a:defRPr sz="1400" b="0" i="0" kern="1200">
+                <a:solidFill>
+                  <a:schemeClr val="tx1"/>
+                </a:solidFill>
+                <a:latin typeface="+mj-lt"/>
+                <a:ea typeface="+mj-ea"/>
+                <a:cs typeface="+mj-cs"/>
+              </a:defRPr>
+            </a:lvl5pPr>
+            <a:lvl6pPr marL="2514642" indent="-228604" algn="l" defTabSz="457207" rtl="0" eaLnBrk="1" latinLnBrk="0" hangingPunct="1">
+              <a:spcBef>
+                <a:spcPts val="1000"/>
+              </a:spcBef>
+              <a:spcAft>
+                <a:spcPts val="0"/>
+              </a:spcAft>
+              <a:buClr>
+                <a:schemeClr val="bg2">
+                  <a:lumMod val="40000"/>
+                  <a:lumOff val="60000"/>
+                </a:schemeClr>
+              </a:buClr>
+              <a:buSzPct val="80000"/>
+              <a:buFont typeface="Wingdings 3" charset="2"/>
+              <a:buChar char=""/>
+              <a:defRPr sz="1400" b="0" i="0" kern="1200">
+                <a:solidFill>
+                  <a:schemeClr val="tx1"/>
+                </a:solidFill>
+                <a:latin typeface="+mj-lt"/>
+                <a:ea typeface="+mj-ea"/>
+                <a:cs typeface="+mj-cs"/>
+              </a:defRPr>
+            </a:lvl6pPr>
+            <a:lvl7pPr marL="2971849" indent="-228604" algn="l" defTabSz="457207" rtl="0" eaLnBrk="1" latinLnBrk="0" hangingPunct="1">
+              <a:spcBef>
+                <a:spcPts val="1000"/>
+              </a:spcBef>
+              <a:spcAft>
+                <a:spcPts val="0"/>
+              </a:spcAft>
+              <a:buClr>
+                <a:schemeClr val="bg2">
+                  <a:lumMod val="40000"/>
+                  <a:lumOff val="60000"/>
+                </a:schemeClr>
+              </a:buClr>
+              <a:buSzPct val="80000"/>
+              <a:buFont typeface="Wingdings 3" charset="2"/>
+              <a:buChar char=""/>
+              <a:defRPr sz="1400" b="0" i="0" kern="1200">
+                <a:solidFill>
+                  <a:schemeClr val="tx1"/>
+                </a:solidFill>
+                <a:latin typeface="+mj-lt"/>
+                <a:ea typeface="+mj-ea"/>
+                <a:cs typeface="+mj-cs"/>
+              </a:defRPr>
+            </a:lvl7pPr>
+            <a:lvl8pPr marL="3429057" indent="-228604" algn="l" defTabSz="457207" rtl="0" eaLnBrk="1" latinLnBrk="0" hangingPunct="1">
+              <a:spcBef>
+                <a:spcPts val="1000"/>
+              </a:spcBef>
+              <a:spcAft>
+                <a:spcPts val="0"/>
+              </a:spcAft>
+              <a:buClr>
+                <a:schemeClr val="bg2">
+                  <a:lumMod val="40000"/>
+                  <a:lumOff val="60000"/>
+                </a:schemeClr>
+              </a:buClr>
+              <a:buSzPct val="80000"/>
+              <a:buFont typeface="Wingdings 3" charset="2"/>
+              <a:buChar char=""/>
+              <a:defRPr sz="1400" b="0" i="0" kern="1200">
+                <a:solidFill>
+                  <a:schemeClr val="tx1"/>
+                </a:solidFill>
+                <a:latin typeface="+mj-lt"/>
+                <a:ea typeface="+mj-ea"/>
+                <a:cs typeface="+mj-cs"/>
+              </a:defRPr>
+            </a:lvl8pPr>
+            <a:lvl9pPr marL="3886264" indent="-228604" algn="l" defTabSz="457207" rtl="0" eaLnBrk="1" latinLnBrk="0" hangingPunct="1">
+              <a:spcBef>
+                <a:spcPts val="1000"/>
+              </a:spcBef>
+              <a:spcAft>
+                <a:spcPts val="0"/>
+              </a:spcAft>
+              <a:buClr>
+                <a:schemeClr val="bg2">
+                  <a:lumMod val="40000"/>
+                  <a:lumOff val="60000"/>
+                </a:schemeClr>
+              </a:buClr>
+              <a:buSzPct val="80000"/>
+              <a:buFont typeface="Wingdings 3" charset="2"/>
+              <a:buChar char=""/>
+              <a:defRPr sz="1400" b="0" i="0" kern="1200">
+                <a:solidFill>
+                  <a:schemeClr val="tx1"/>
+                </a:solidFill>
+                <a:latin typeface="+mj-lt"/>
+                <a:ea typeface="+mj-ea"/>
+                <a:cs typeface="+mj-cs"/>
+              </a:defRPr>
+            </a:lvl9pPr>
+          </a:lstStyle>
+          <a:p>
+            <a:r>
+              <a:rPr lang="en-US" sz="1600" smtClean="0"/>
+              <a:t>All related documents are available on GitHub</a:t>
+            </a:r>
+            <a:r>
+              <a:rPr lang="en-US" sz="1600" smtClean="0">
+                <a:hlinkClick r:id="rId2"/>
+              </a:rPr>
+              <a:t> https://</a:t>
+            </a:r>
+            <a:r>
+              <a:rPr lang="en-US" sz="1600" dirty="0" smtClean="0">
+                <a:hlinkClick r:id="rId2"/>
+              </a:rPr>
+              <a:t>github.com/trankhiemha/ECE412-413-Capstone-Project-N3</a:t>
+            </a:r>
+            <a:endParaRPr lang="en-US" sz="1600" dirty="0" smtClean="0"/>
+          </a:p>
+          <a:p>
+            <a:r>
+              <a:rPr lang="en-US" sz="1600" dirty="0" smtClean="0"/>
+              <a:t>Project progression tracking is available on Trello </a:t>
+            </a:r>
+            <a:r>
+              <a:rPr lang="en-US" sz="1600" dirty="0" smtClean="0">
+                <a:hlinkClick r:id="rId3"/>
+              </a:rPr>
+              <a:t>https://trello.com/b/Ov0bqGiB/initial-cf-planning</a:t>
+            </a:r>
+            <a:endParaRPr lang="en-US" sz="1600" dirty="0" smtClean="0"/>
+          </a:p>
+          <a:p>
+            <a:r>
+              <a:rPr lang="en-US" sz="1600" dirty="0" smtClean="0"/>
+              <a:t>Research papers are on </a:t>
+            </a:r>
+            <a:r>
+              <a:rPr lang="en-US" sz="1600" dirty="0" err="1" smtClean="0"/>
+              <a:t>Zotero</a:t>
+            </a:r>
+            <a:r>
+              <a:rPr lang="en-US" sz="1600" dirty="0" smtClean="0"/>
+              <a:t> page: </a:t>
+            </a:r>
+            <a:r>
+              <a:rPr lang="en-US" sz="1600" dirty="0" smtClean="0">
+                <a:hlinkClick r:id="rId4"/>
+              </a:rPr>
+              <a:t>https://www.zotero.org/groups/957151/items</a:t>
+            </a:r>
+            <a:endParaRPr lang="en-US" sz="1600" dirty="0" smtClean="0"/>
+          </a:p>
+          <a:p>
+            <a:endParaRPr lang="en-US" dirty="0" smtClean="0"/>
+          </a:p>
+          <a:p>
+            <a:endParaRPr lang="en-US" dirty="0"/>
+          </a:p>
+        </p:txBody>
+      </p:sp>
+    </p:spTree>
+    <p:extLst>
+      <p:ext uri="{BB962C8B-B14F-4D97-AF65-F5344CB8AC3E}">
+        <p14:creationId xmlns:p14="http://schemas.microsoft.com/office/powerpoint/2010/main" val="1200217142"/>
       </p:ext>
     </p:extLst>
   </p:cSld>
@@ -8187,9 +9270,16 @@
             <p:ph idx="1"/>
           </p:nvPr>
         </p:nvSpPr>
-        <p:spPr/>
-        <p:txBody>
-          <a:bodyPr/>
+        <p:spPr>
+          <a:xfrm>
+            <a:off x="827700" y="1524000"/>
+            <a:ext cx="7173300" cy="5029199"/>
+          </a:xfrm>
+        </p:spPr>
+        <p:txBody>
+          <a:bodyPr>
+            <a:normAutofit fontScale="92500" lnSpcReduction="10000"/>
+          </a:bodyPr>
           <a:lstStyle/>
           <a:p>
             <a:r>
@@ -8221,7 +9311,15 @@
           <a:p>
             <a:r>
               <a:rPr lang="en-US" dirty="0"/>
-              <a:t>Prototypes (8 weeks):</a:t>
+              <a:t>Prototypes </a:t>
+            </a:r>
+            <a:r>
+              <a:rPr lang="en-US" dirty="0" smtClean="0"/>
+              <a:t>(10 </a:t>
+            </a:r>
+            <a:r>
+              <a:rPr lang="en-US" dirty="0"/>
+              <a:t>weeks):</a:t>
             </a:r>
           </a:p>
           <a:p>
@@ -8241,22 +9339,69 @@
           <a:p>
             <a:pPr lvl="1"/>
             <a:r>
+              <a:rPr lang="en-US" dirty="0" smtClean="0"/>
+              <a:t>EM Parameters </a:t>
+            </a:r>
+            <a:r>
+              <a:rPr lang="en-US" dirty="0" smtClean="0"/>
+              <a:t>e</a:t>
+            </a:r>
+            <a:r>
+              <a:rPr lang="en-US" dirty="0" smtClean="0"/>
+              <a:t>xtraction: use NRW algorithm and MATLAB</a:t>
+            </a:r>
+          </a:p>
+          <a:p>
+            <a:pPr lvl="1"/>
+            <a:r>
               <a:rPr lang="en-US" dirty="0"/>
-              <a:t>Extraction</a:t>
-            </a:r>
+              <a:t>EM simulation: EM </a:t>
+            </a:r>
+            <a:r>
+              <a:rPr lang="en-US" dirty="0" smtClean="0"/>
+              <a:t>pro to simulate the material’s behavior</a:t>
+            </a:r>
+            <a:endParaRPr lang="en-US" dirty="0"/>
           </a:p>
           <a:p>
             <a:r>
               <a:rPr lang="en-US" dirty="0"/>
-              <a:t>Production (9 weeks):</a:t>
+              <a:t>Production </a:t>
+            </a:r>
+            <a:r>
+              <a:rPr lang="en-US" dirty="0" smtClean="0"/>
+              <a:t>(7 </a:t>
+            </a:r>
+            <a:r>
+              <a:rPr lang="en-US" dirty="0"/>
+              <a:t>weeks):</a:t>
             </a:r>
           </a:p>
           <a:p>
             <a:pPr lvl="1"/>
             <a:r>
-              <a:rPr lang="en-US" dirty="0"/>
-              <a:t>Cover required frequency (from 300Mhz to 30GHz)</a:t>
-            </a:r>
+              <a:rPr lang="en-US" dirty="0" smtClean="0"/>
+              <a:t> Expand frequency range</a:t>
+            </a:r>
+          </a:p>
+          <a:p>
+            <a:pPr lvl="1"/>
+            <a:r>
+              <a:rPr lang="en-US" dirty="0" smtClean="0"/>
+              <a:t>Optimization</a:t>
+            </a:r>
+          </a:p>
+          <a:p>
+            <a:pPr lvl="1"/>
+            <a:r>
+              <a:rPr lang="en-US" dirty="0" smtClean="0"/>
+              <a:t>Back-up and presentation</a:t>
+            </a:r>
+            <a:endParaRPr lang="en-US" dirty="0" smtClean="0"/>
+          </a:p>
+          <a:p>
+            <a:pPr lvl="1"/>
+            <a:endParaRPr lang="en-US" dirty="0"/>
           </a:p>
           <a:p>
             <a:pPr marL="0" indent="0">
@@ -8341,10 +9486,15 @@
             <p:ph idx="1"/>
           </p:nvPr>
         </p:nvSpPr>
-        <p:spPr/>
+        <p:spPr>
+          <a:xfrm>
+            <a:off x="827700" y="1371601"/>
+            <a:ext cx="7249500" cy="4876806"/>
+          </a:xfrm>
+        </p:spPr>
         <p:txBody>
           <a:bodyPr>
-            <a:normAutofit fontScale="92500" lnSpcReduction="10000"/>
+            <a:normAutofit/>
           </a:bodyPr>
           <a:lstStyle/>
           <a:p>
@@ -8364,7 +9514,15 @@
             <a:pPr lvl="1"/>
             <a:r>
               <a:rPr lang="en-US" dirty="0"/>
-              <a:t>Disadvantage: Big sample size (greater than 5 lambda), antenna alignment</a:t>
+              <a:t>Disadvantage: Big sample size (greater than 5 </a:t>
+            </a:r>
+            <a:r>
+              <a:rPr lang="en-US" dirty="0" smtClean="0"/>
+              <a:t>wavelength), </a:t>
+            </a:r>
+            <a:r>
+              <a:rPr lang="en-US" dirty="0"/>
+              <a:t>antenna alignment</a:t>
             </a:r>
           </a:p>
           <a:p>
@@ -8397,15 +9555,25 @@
             <a:pPr lvl="1"/>
             <a:r>
               <a:rPr lang="en-US" dirty="0"/>
-              <a:t>MATLAB for material extraction</a:t>
-            </a:r>
+              <a:t>MATLAB for material </a:t>
+            </a:r>
+            <a:r>
+              <a:rPr lang="en-US" dirty="0" smtClean="0"/>
+              <a:t>extraction based on NRW algorithm</a:t>
+            </a:r>
+            <a:endParaRPr lang="en-US" dirty="0"/>
           </a:p>
           <a:p>
             <a:pPr lvl="1"/>
             <a:r>
               <a:rPr lang="en-US" dirty="0"/>
-              <a:t>EMPro for EM simulation</a:t>
-            </a:r>
+              <a:t>EMPro for EM </a:t>
+            </a:r>
+            <a:r>
+              <a:rPr lang="en-US" dirty="0" smtClean="0"/>
+              <a:t>simulation</a:t>
+            </a:r>
+            <a:endParaRPr lang="en-US" dirty="0"/>
           </a:p>
           <a:p>
             <a:endParaRPr lang="en-US" dirty="0"/>
@@ -8456,7 +9624,7 @@
       </p:grpSpPr>
       <p:sp>
         <p:nvSpPr>
-          <p:cNvPr id="3" name="Title 2"/>
+          <p:cNvPr id="2" name="Title 1"/>
           <p:cNvSpPr>
             <a:spLocks noGrp="1"/>
           </p:cNvSpPr>
@@ -8465,105 +9633,278 @@
           </p:nvPr>
         </p:nvSpPr>
         <p:spPr/>
+        <p:txBody>
+          <a:bodyPr/>
+          <a:lstStyle/>
+          <a:p>
+            <a:r>
+              <a:rPr lang="en-US" sz="4400" dirty="0"/>
+              <a:t>Potential Problems and </a:t>
+            </a:r>
+            <a:r>
+              <a:rPr lang="en-US" sz="4400" dirty="0" smtClean="0"/>
+              <a:t>Solutions</a:t>
+            </a:r>
+            <a:endParaRPr lang="en-US" dirty="0"/>
+          </a:p>
+        </p:txBody>
+      </p:sp>
+      <p:sp>
+        <p:nvSpPr>
+          <p:cNvPr id="4" name="Text Placeholder 3"/>
+          <p:cNvSpPr>
+            <a:spLocks noGrp="1"/>
+          </p:cNvSpPr>
+          <p:nvPr>
+            <p:ph type="body" idx="1"/>
+          </p:nvPr>
+        </p:nvSpPr>
+        <p:spPr/>
+        <p:txBody>
+          <a:bodyPr/>
+          <a:lstStyle/>
+          <a:p>
+            <a:r>
+              <a:rPr lang="en-US" dirty="0"/>
+              <a:t>Potential problems</a:t>
+            </a:r>
+            <a:r>
+              <a:rPr lang="en-US" dirty="0" smtClean="0"/>
+              <a:t>:</a:t>
+            </a:r>
+            <a:endParaRPr lang="en-US" dirty="0"/>
+          </a:p>
+        </p:txBody>
+      </p:sp>
+      <p:sp>
+        <p:nvSpPr>
+          <p:cNvPr id="3" name="Content Placeholder 2"/>
+          <p:cNvSpPr>
+            <a:spLocks noGrp="1"/>
+          </p:cNvSpPr>
+          <p:nvPr>
+            <p:ph sz="half" idx="2"/>
+          </p:nvPr>
+        </p:nvSpPr>
+        <p:spPr>
+          <a:xfrm>
+            <a:off x="448266" y="2514600"/>
+            <a:ext cx="3793709" cy="3741738"/>
+          </a:xfrm>
+        </p:spPr>
         <p:txBody>
           <a:bodyPr>
             <a:normAutofit/>
           </a:bodyPr>
           <a:lstStyle/>
           <a:p>
-            <a:r>
-              <a:rPr lang="en-US" sz="3000" dirty="0"/>
-              <a:t>NRL Arch Prototype: Measurement Setup</a:t>
-            </a:r>
-          </a:p>
-        </p:txBody>
-      </p:sp>
-      <p:sp>
-        <p:nvSpPr>
-          <p:cNvPr id="2" name="Content Placeholder 1"/>
-          <p:cNvSpPr>
-            <a:spLocks noGrp="1"/>
-          </p:cNvSpPr>
-          <p:nvPr>
-            <p:ph idx="1"/>
+            <a:pPr marL="800107" lvl="1" indent="-342900" algn="just">
+              <a:lnSpc>
+                <a:spcPct val="110000"/>
+              </a:lnSpc>
+              <a:buFont typeface="+mj-lt"/>
+              <a:buAutoNum type="arabicPeriod"/>
+            </a:pPr>
+            <a:r>
+              <a:rPr lang="en-US" dirty="0" smtClean="0"/>
+              <a:t>Required </a:t>
+            </a:r>
+            <a:r>
+              <a:rPr lang="en-US" dirty="0"/>
+              <a:t>sample size for NRL arch measurement in low frequency will be too large.</a:t>
+            </a:r>
+          </a:p>
+          <a:p>
+            <a:pPr marL="800107" lvl="1" indent="-342900" algn="just">
+              <a:lnSpc>
+                <a:spcPct val="110000"/>
+              </a:lnSpc>
+              <a:buFont typeface="+mj-lt"/>
+              <a:buAutoNum type="arabicPeriod"/>
+            </a:pPr>
+            <a:r>
+              <a:rPr lang="en-US" dirty="0" smtClean="0"/>
+              <a:t>Antennas alignment </a:t>
+            </a:r>
+            <a:r>
+              <a:rPr lang="en-US" dirty="0" smtClean="0"/>
+              <a:t>is hard to be perfect.</a:t>
+            </a:r>
+            <a:endParaRPr lang="en-US" dirty="0" smtClean="0"/>
+          </a:p>
+          <a:p>
+            <a:pPr marL="800107" lvl="1" indent="-342900" algn="just">
+              <a:lnSpc>
+                <a:spcPct val="110000"/>
+              </a:lnSpc>
+              <a:buFont typeface="+mj-lt"/>
+              <a:buAutoNum type="arabicPeriod"/>
+            </a:pPr>
+            <a:r>
+              <a:rPr lang="en-US" dirty="0" smtClean="0"/>
+              <a:t>Surrounding </a:t>
+            </a:r>
+            <a:r>
+              <a:rPr lang="en-US" dirty="0"/>
+              <a:t>environment may </a:t>
+            </a:r>
+            <a:r>
+              <a:rPr lang="en-US" dirty="0" smtClean="0"/>
+              <a:t>affect measurements of the NRL measurement.</a:t>
+            </a:r>
+            <a:endParaRPr lang="en-US" dirty="0"/>
+          </a:p>
+          <a:p>
+            <a:pPr marL="800107" lvl="1" indent="-342900" algn="just">
+              <a:lnSpc>
+                <a:spcPct val="110000"/>
+              </a:lnSpc>
+              <a:buFont typeface="+mj-lt"/>
+              <a:buAutoNum type="arabicPeriod"/>
+            </a:pPr>
+            <a:r>
+              <a:rPr lang="en-US" dirty="0"/>
+              <a:t>Sample preparation for waveguide measurement is not perfect and hard to </a:t>
+            </a:r>
+            <a:r>
+              <a:rPr lang="en-US" dirty="0" smtClean="0"/>
+              <a:t>align</a:t>
+            </a:r>
+            <a:r>
+              <a:rPr lang="en-US" dirty="0" smtClean="0"/>
+              <a:t>.</a:t>
+            </a:r>
+            <a:endParaRPr lang="en-US" dirty="0"/>
+          </a:p>
+          <a:p>
+            <a:pPr lvl="1">
+              <a:lnSpc>
+                <a:spcPct val="110000"/>
+              </a:lnSpc>
+            </a:pPr>
+            <a:endParaRPr lang="en-US" dirty="0"/>
+          </a:p>
+          <a:p>
+            <a:pPr lvl="1"/>
+            <a:endParaRPr lang="en-US" dirty="0"/>
+          </a:p>
+          <a:p>
+            <a:endParaRPr lang="en-US" dirty="0"/>
+          </a:p>
+        </p:txBody>
+      </p:sp>
+      <p:sp>
+        <p:nvSpPr>
+          <p:cNvPr id="5" name="Text Placeholder 4"/>
+          <p:cNvSpPr>
+            <a:spLocks noGrp="1"/>
+          </p:cNvSpPr>
+          <p:nvPr>
+            <p:ph type="body" sz="quarter" idx="3"/>
           </p:nvPr>
         </p:nvSpPr>
         <p:spPr>
           <a:xfrm>
-            <a:off x="628650" y="2176357"/>
-            <a:ext cx="3886200" cy="3252893"/>
+            <a:off x="4419600" y="1909762"/>
+            <a:ext cx="3298113" cy="576262"/>
           </a:xfrm>
         </p:spPr>
         <p:txBody>
+          <a:bodyPr/>
+          <a:lstStyle/>
+          <a:p>
+            <a:r>
+              <a:rPr lang="en-US" dirty="0" smtClean="0"/>
+              <a:t>Solutions</a:t>
+            </a:r>
+            <a:endParaRPr lang="en-US" dirty="0"/>
+          </a:p>
+        </p:txBody>
+      </p:sp>
+      <p:sp>
+        <p:nvSpPr>
+          <p:cNvPr id="6" name="Content Placeholder 5"/>
+          <p:cNvSpPr>
+            <a:spLocks noGrp="1"/>
+          </p:cNvSpPr>
+          <p:nvPr>
+            <p:ph sz="quarter" idx="4"/>
+          </p:nvPr>
+        </p:nvSpPr>
+        <p:spPr>
+          <a:xfrm>
+            <a:off x="3998645" y="2528569"/>
+            <a:ext cx="4140024" cy="3741738"/>
+          </a:xfrm>
+        </p:spPr>
+        <p:txBody>
           <a:bodyPr>
-            <a:normAutofit fontScale="77500" lnSpcReduction="20000"/>
+            <a:normAutofit lnSpcReduction="10000"/>
           </a:bodyPr>
           <a:lstStyle/>
           <a:p>
-            <a:pPr algn="just"/>
+            <a:pPr marL="800107" lvl="1" indent="-342900" algn="just">
+              <a:buFont typeface="+mj-lt"/>
+              <a:buAutoNum type="arabicPeriod"/>
+            </a:pPr>
             <a:r>
               <a:rPr lang="en-US" dirty="0"/>
-              <a:t>VNA is used as both the stimulus and detector of microwave signals</a:t>
-            </a:r>
-          </a:p>
-          <a:p>
-            <a:pPr algn="just"/>
+              <a:t>Sample for frequencies below 3 </a:t>
+            </a:r>
+            <a:r>
+              <a:rPr lang="en-US" dirty="0" smtClean="0"/>
+              <a:t>GHz can be </a:t>
+            </a:r>
             <a:r>
               <a:rPr lang="en-US" dirty="0"/>
-              <a:t>Signal from the reflective plate (without the sample) provides a reference signal for calibration</a:t>
-            </a:r>
-          </a:p>
-          <a:p>
-            <a:pPr algn="just"/>
-            <a:r>
-              <a:rPr lang="en-US" dirty="0"/>
-              <a:t>Reflectivity in dB = 10*log10 (P1/P0)</a:t>
-            </a:r>
-          </a:p>
-          <a:p>
-            <a:pPr algn="just"/>
-            <a:r>
-              <a:rPr lang="en-US" dirty="0"/>
-              <a:t>Absorption coefficient of PVC is calculated and compared.</a:t>
-            </a:r>
-          </a:p>
-          <a:p>
-            <a:pPr algn="just"/>
-            <a:r>
-              <a:rPr lang="en-US" dirty="0"/>
-              <a:t>An arch with positioners will be built to measure reflection for different incident angles</a:t>
-            </a:r>
-          </a:p>
-        </p:txBody>
-      </p:sp>
-      <p:pic>
-        <p:nvPicPr>
-          <p:cNvPr id="6" name="Picture 5"/>
-          <p:cNvPicPr>
-            <a:picLocks noChangeAspect="1"/>
-          </p:cNvPicPr>
-          <p:nvPr/>
-        </p:nvPicPr>
-        <p:blipFill>
-          <a:blip r:embed="rId2"/>
-          <a:stretch>
-            <a:fillRect/>
-          </a:stretch>
-        </p:blipFill>
-        <p:spPr>
-          <a:xfrm>
-            <a:off x="5086352" y="2176358"/>
-            <a:ext cx="2914650" cy="3049533"/>
-          </a:xfrm>
-          <a:prstGeom prst="rect">
-            <a:avLst/>
-          </a:prstGeom>
-        </p:spPr>
-      </p:pic>
+              <a:t>60cm x 60 cm for practical measurement</a:t>
+            </a:r>
+          </a:p>
+          <a:p>
+            <a:pPr marL="800107" lvl="1" indent="-342900" algn="just">
+              <a:buFont typeface="+mj-lt"/>
+              <a:buAutoNum type="arabicPeriod"/>
+            </a:pPr>
+            <a:r>
+              <a:rPr lang="en-US" dirty="0" smtClean="0"/>
+              <a:t>Set up 1 simple measurement to get the most possible alignment to apply on the arch alignment.</a:t>
+            </a:r>
+            <a:endParaRPr lang="en-US" dirty="0"/>
+          </a:p>
+          <a:p>
+            <a:pPr marL="800107" lvl="1" indent="-342900" algn="just">
+              <a:buFont typeface="+mj-lt"/>
+              <a:buAutoNum type="arabicPeriod"/>
+            </a:pPr>
+            <a:r>
+              <a:rPr lang="en-US" dirty="0" smtClean="0"/>
+              <a:t>Use the RF chamber room at PSU with the foam absorber to take the measurements.</a:t>
+            </a:r>
+            <a:endParaRPr lang="en-US" dirty="0"/>
+          </a:p>
+          <a:p>
+            <a:pPr marL="800107" lvl="1" indent="-342900" algn="just">
+              <a:buFont typeface="+mj-lt"/>
+              <a:buAutoNum type="arabicPeriod"/>
+            </a:pPr>
+            <a:r>
+              <a:rPr lang="en-US" dirty="0" smtClean="0"/>
+              <a:t>Design the sample holder waveguide short to fix the sample in easier then connect with 2 extensional waveguides and 2 waveguide adapters.</a:t>
+            </a:r>
+          </a:p>
+          <a:p>
+            <a:pPr>
+              <a:buFont typeface="+mj-lt"/>
+              <a:buAutoNum type="arabicPeriod"/>
+            </a:pPr>
+            <a:endParaRPr lang="en-US" dirty="0"/>
+          </a:p>
+        </p:txBody>
+      </p:sp>
     </p:spTree>
     <p:extLst>
       <p:ext uri="{BB962C8B-B14F-4D97-AF65-F5344CB8AC3E}">
-        <p14:creationId xmlns:p14="http://schemas.microsoft.com/office/powerpoint/2010/main" val="115972418"/>
+        <p14:creationId xmlns:p14="http://schemas.microsoft.com/office/powerpoint/2010/main" val="1337951739"/>
       </p:ext>
     </p:extLst>
   </p:cSld>
@@ -8621,8 +9962,13 @@
           <a:p>
             <a:r>
               <a:rPr lang="en-US" sz="3000" dirty="0"/>
-              <a:t>Waveguide Prototype: Measurement Setup</a:t>
-            </a:r>
+              <a:t>NRL Arch Prototype</a:t>
+            </a:r>
+            <a:r>
+              <a:rPr lang="en-US" sz="3000" dirty="0" smtClean="0"/>
+              <a:t>:</a:t>
+            </a:r>
+            <a:endParaRPr lang="en-US" sz="3000" dirty="0"/>
           </a:p>
         </p:txBody>
       </p:sp>
@@ -8638,44 +9984,60 @@
         </p:nvSpPr>
         <p:spPr>
           <a:xfrm>
-            <a:off x="628650" y="2343153"/>
-            <a:ext cx="4114800" cy="2882740"/>
+            <a:off x="628650" y="2176357"/>
+            <a:ext cx="3886200" cy="3252893"/>
           </a:xfrm>
         </p:spPr>
         <p:txBody>
           <a:bodyPr>
-            <a:noAutofit/>
+            <a:normAutofit fontScale="77500" lnSpcReduction="20000"/>
           </a:bodyPr>
           <a:lstStyle/>
           <a:p>
-            <a:r>
-              <a:rPr lang="en-US" sz="1500" dirty="0"/>
-              <a:t>L: a segment of rectangular waveguide where a sample has been placed</a:t>
-            </a:r>
-          </a:p>
-          <a:p>
-            <a:r>
-              <a:rPr lang="en-US" sz="1500" dirty="0"/>
-              <a:t>L1, L2: hollow rectangular waveguide</a:t>
-            </a:r>
-          </a:p>
-          <a:p>
-            <a:r>
-              <a:rPr lang="en-US" sz="1500" dirty="0"/>
-              <a:t>Port 1 and Port 2 are connected to VNA using adapters.</a:t>
-            </a:r>
-          </a:p>
-          <a:p>
-            <a:r>
-              <a:rPr lang="en-US" sz="1500" dirty="0"/>
-              <a:t>Equations for complex epsilon and mu are provided in Microwave Electronics: Measurement and Materials Characterization</a:t>
+            <a:pPr algn="just"/>
+            <a:r>
+              <a:rPr lang="en-US" dirty="0"/>
+              <a:t>VNA is used as both the stimulus and detector of microwave </a:t>
+            </a:r>
+            <a:r>
+              <a:rPr lang="en-US" dirty="0" smtClean="0"/>
+              <a:t>signals.</a:t>
+            </a:r>
+            <a:endParaRPr lang="en-US" dirty="0"/>
+          </a:p>
+          <a:p>
+            <a:pPr algn="just"/>
+            <a:r>
+              <a:rPr lang="en-US" dirty="0"/>
+              <a:t>Signal from the reflective plate (without the sample) provides a reference signal for calibration</a:t>
+            </a:r>
+          </a:p>
+          <a:p>
+            <a:pPr algn="just"/>
+            <a:r>
+              <a:rPr lang="en-US" dirty="0"/>
+              <a:t>Reflectivity in dB = 10*log10 (P1/P0)</a:t>
+            </a:r>
+          </a:p>
+          <a:p>
+            <a:pPr algn="just"/>
+            <a:r>
+              <a:rPr lang="en-US" dirty="0"/>
+              <a:t>Absorption coefficient of PVC is calculated and compared.</a:t>
+            </a:r>
+          </a:p>
+          <a:p>
+            <a:pPr algn="just"/>
+            <a:r>
+              <a:rPr lang="en-US" dirty="0"/>
+              <a:t>An arch with positioners will be built to measure reflection for different incident angles</a:t>
             </a:r>
           </a:p>
         </p:txBody>
       </p:sp>
       <p:pic>
         <p:nvPicPr>
-          <p:cNvPr id="7" name="Picture 6"/>
+          <p:cNvPr id="6" name="Picture 5"/>
           <p:cNvPicPr>
             <a:picLocks noChangeAspect="1"/>
           </p:cNvPicPr>
@@ -8689,70 +10051,18 @@
         </p:blipFill>
         <p:spPr>
           <a:xfrm>
-            <a:off x="5029200" y="2514600"/>
-            <a:ext cx="4019043" cy="1614488"/>
+            <a:off x="4625440" y="2176357"/>
+            <a:ext cx="2914650" cy="3049533"/>
           </a:xfrm>
           <a:prstGeom prst="rect">
             <a:avLst/>
           </a:prstGeom>
         </p:spPr>
       </p:pic>
-      <p:sp>
-        <p:nvSpPr>
-          <p:cNvPr id="8" name="TextBox 7"/>
-          <p:cNvSpPr txBox="1"/>
-          <p:nvPr/>
-        </p:nvSpPr>
-        <p:spPr>
-          <a:xfrm>
-            <a:off x="5151826" y="4419600"/>
-            <a:ext cx="3773790" cy="923330"/>
-          </a:xfrm>
-          <a:prstGeom prst="rect">
-            <a:avLst/>
-          </a:prstGeom>
-          <a:noFill/>
-          <a:ln>
-            <a:solidFill>
-              <a:schemeClr val="accent1">
-                <a:lumMod val="20000"/>
-                <a:lumOff val="80000"/>
-              </a:schemeClr>
-            </a:solidFill>
-          </a:ln>
-        </p:spPr>
-        <p:txBody>
-          <a:bodyPr wrap="none" rtlCol="0" anchor="ctr" anchorCtr="1">
-            <a:spAutoFit/>
-          </a:bodyPr>
-          <a:lstStyle/>
-          <a:p>
-            <a:r>
-              <a:rPr lang="en-US" sz="1350" dirty="0"/>
-              <a:t>L.F. Chen et al 2004, </a:t>
-            </a:r>
-          </a:p>
-          <a:p>
-            <a:r>
-              <a:rPr lang="en-US" sz="1350" dirty="0"/>
-              <a:t>Microwave Electronics: Measurement and </a:t>
-            </a:r>
-          </a:p>
-          <a:p>
-            <a:r>
-              <a:rPr lang="en-US" sz="1350" dirty="0"/>
-              <a:t>Materials Characterization</a:t>
-            </a:r>
-          </a:p>
-          <a:p>
-            <a:endParaRPr lang="en-US" sz="1350" dirty="0"/>
-          </a:p>
-        </p:txBody>
-      </p:sp>
     </p:spTree>
     <p:extLst>
       <p:ext uri="{BB962C8B-B14F-4D97-AF65-F5344CB8AC3E}">
-        <p14:creationId xmlns:p14="http://schemas.microsoft.com/office/powerpoint/2010/main" val="4267753713"/>
+        <p14:creationId xmlns:p14="http://schemas.microsoft.com/office/powerpoint/2010/main" val="115972418"/>
       </p:ext>
     </p:extLst>
   </p:cSld>
@@ -8868,13 +10178,17 @@
               <a:rPr lang="en-US" sz="1200" dirty="0"/>
               <a:t>Dimensions: </a:t>
             </a:r>
-            <a:endParaRPr lang="en-US" sz="1200" dirty="0"/>
           </a:p>
           <a:p>
             <a:r>
               <a:rPr lang="en-US" sz="1400" dirty="0"/>
-              <a:t>Horn antennas in X-band</a:t>
-            </a:r>
+              <a:t>Horn antennas in </a:t>
+            </a:r>
+            <a:r>
+              <a:rPr lang="en-US" sz="1400" dirty="0" smtClean="0"/>
+              <a:t>X-band</a:t>
+            </a:r>
+            <a:endParaRPr lang="en-US" sz="1400" dirty="0"/>
           </a:p>
           <a:p>
             <a:pPr lvl="1"/>
@@ -8889,7 +10203,6 @@
               <a:rPr lang="en-US" sz="1200" dirty="0"/>
               <a:t>Dimensions:</a:t>
             </a:r>
-            <a:endParaRPr lang="en-US" sz="1200" dirty="0"/>
           </a:p>
         </p:txBody>
       </p:sp>
@@ -8918,8 +10231,8 @@
         </p:blipFill>
         <p:spPr bwMode="auto">
           <a:xfrm>
-            <a:off x="4241800" y="3228281"/>
-            <a:ext cx="3298825" cy="1855589"/>
+            <a:off x="3982583" y="2060576"/>
+            <a:ext cx="3749604" cy="2109152"/>
           </a:xfrm>
           <a:prstGeom prst="rect">
             <a:avLst/>
@@ -8994,10 +10307,10 @@
           <a:lstStyle/>
           <a:p>
             <a:r>
-              <a:rPr lang="en-US" sz="3600" dirty="0"/>
-              <a:t>Available parts: Waveguides</a:t>
-            </a:r>
-            <a:endParaRPr lang="en-US" sz="3600" dirty="0"/>
+              <a:rPr lang="en-US" dirty="0" smtClean="0"/>
+              <a:t>Arch drawing here</a:t>
+            </a:r>
+            <a:endParaRPr lang="en-US" dirty="0"/>
           </a:p>
         </p:txBody>
       </p:sp>
@@ -9011,95 +10324,38 @@
             <p:ph sz="half" idx="1"/>
           </p:nvPr>
         </p:nvSpPr>
-        <p:spPr>
-          <a:xfrm>
-            <a:off x="827700" y="2060576"/>
-            <a:ext cx="4049100" cy="4195763"/>
-          </a:xfrm>
-        </p:spPr>
-        <p:txBody>
-          <a:bodyPr>
-            <a:normAutofit/>
-          </a:bodyPr>
+        <p:spPr/>
+        <p:txBody>
+          <a:bodyPr/>
           <a:lstStyle/>
           <a:p>
-            <a:r>
-              <a:rPr lang="en-US" dirty="0"/>
-              <a:t>PSU has waveguide and adapter in X-band (figure)</a:t>
-            </a:r>
-          </a:p>
-          <a:p>
-            <a:r>
-              <a:rPr lang="en-US" dirty="0"/>
-              <a:t>We still need to find a sample holder (a segment of X-band waveguide that has suitable size for the sample) and a TRL calibration kits</a:t>
-            </a:r>
-          </a:p>
-          <a:p>
-            <a:pPr lvl="1"/>
-            <a:r>
-              <a:rPr lang="en-US" dirty="0"/>
-              <a:t>Reflect standards: A X-band waveguide short termination</a:t>
-            </a:r>
-          </a:p>
-          <a:p>
-            <a:pPr lvl="1"/>
-            <a:r>
-              <a:rPr lang="en-US" dirty="0"/>
-              <a:t>Line standards: A X-band waveguide segment (90 degree long line at center frequency)</a:t>
-            </a:r>
-          </a:p>
-          <a:p>
-            <a:endParaRPr lang="en-US" dirty="0"/>
-          </a:p>
-        </p:txBody>
-      </p:sp>
-      <p:pic>
-        <p:nvPicPr>
-          <p:cNvPr id="5" name="Picture 6" descr="No automatic alt text available."/>
-          <p:cNvPicPr>
-            <a:picLocks noGrp="1" noChangeAspect="1" noChangeArrowheads="1"/>
-          </p:cNvPicPr>
+            <a:endParaRPr lang="en-US"/>
+          </a:p>
+        </p:txBody>
+      </p:sp>
+      <p:sp>
+        <p:nvSpPr>
+          <p:cNvPr id="4" name="Content Placeholder 3"/>
+          <p:cNvSpPr>
+            <a:spLocks noGrp="1"/>
+          </p:cNvSpPr>
           <p:nvPr>
             <p:ph sz="half" idx="2"/>
           </p:nvPr>
-        </p:nvPicPr>
-        <p:blipFill>
-          <a:blip r:embed="rId2" cstate="print">
-            <a:extLst>
-              <a:ext uri="{28A0092B-C50C-407E-A947-70E740481C1C}">
-                <a14:useLocalDpi xmlns:a14="http://schemas.microsoft.com/office/drawing/2010/main" val="0"/>
-              </a:ext>
-            </a:extLst>
-          </a:blip>
-          <a:srcRect/>
-          <a:stretch>
-            <a:fillRect/>
-          </a:stretch>
-        </p:blipFill>
-        <p:spPr bwMode="auto">
-          <a:xfrm>
-            <a:off x="5029200" y="2895600"/>
-            <a:ext cx="3298825" cy="1855589"/>
-          </a:xfrm>
-          <a:prstGeom prst="rect">
-            <a:avLst/>
-          </a:prstGeom>
-          <a:noFill/>
-          <a:extLst>
-            <a:ext uri="{909E8E84-426E-40DD-AFC4-6F175D3DCCD1}">
-              <a14:hiddenFill xmlns:a14="http://schemas.microsoft.com/office/drawing/2010/main">
-                <a:solidFill>
-                  <a:srgbClr val="FFFFFF"/>
-                </a:solidFill>
-              </a14:hiddenFill>
-            </a:ext>
-          </a:extLst>
-        </p:spPr>
-      </p:pic>
+        </p:nvSpPr>
+        <p:spPr/>
+        <p:txBody>
+          <a:bodyPr/>
+          <a:lstStyle/>
+          <a:p>
+            <a:endParaRPr lang="en-US"/>
+          </a:p>
+        </p:txBody>
+      </p:sp>
     </p:spTree>
     <p:extLst>
       <p:ext uri="{BB962C8B-B14F-4D97-AF65-F5344CB8AC3E}">
-        <p14:creationId xmlns:p14="http://schemas.microsoft.com/office/powerpoint/2010/main" val="3316724862"/>
+        <p14:creationId xmlns:p14="http://schemas.microsoft.com/office/powerpoint/2010/main" val="1082746244"/>
       </p:ext>
     </p:extLst>
   </p:cSld>
@@ -9140,7 +10396,7 @@
       </p:grpSpPr>
       <p:sp>
         <p:nvSpPr>
-          <p:cNvPr id="2" name="Title 1"/>
+          <p:cNvPr id="3" name="Title 2"/>
           <p:cNvSpPr>
             <a:spLocks noGrp="1"/>
           </p:cNvSpPr>
@@ -9150,20 +10406,26 @@
         </p:nvSpPr>
         <p:spPr/>
         <p:txBody>
-          <a:bodyPr/>
+          <a:bodyPr>
+            <a:normAutofit/>
+          </a:bodyPr>
           <a:lstStyle/>
           <a:p>
             <a:r>
-              <a:rPr lang="en-US" sz="4400" dirty="0"/>
-              <a:t>Procedures: Optimization</a:t>
-            </a:r>
-            <a:endParaRPr lang="en-US" dirty="0"/>
-          </a:p>
-        </p:txBody>
-      </p:sp>
-      <p:sp>
-        <p:nvSpPr>
-          <p:cNvPr id="3" name="Content Placeholder 2"/>
+              <a:rPr lang="en-US" sz="3000" dirty="0"/>
+              <a:t>Waveguide Prototype</a:t>
+            </a:r>
+            <a:r>
+              <a:rPr lang="en-US" sz="3000" dirty="0" smtClean="0"/>
+              <a:t>:</a:t>
+            </a:r>
+            <a:endParaRPr lang="en-US" sz="3000" dirty="0"/>
+          </a:p>
+        </p:txBody>
+      </p:sp>
+      <p:sp>
+        <p:nvSpPr>
+          <p:cNvPr id="2" name="Content Placeholder 1"/>
           <p:cNvSpPr>
             <a:spLocks noGrp="1"/>
           </p:cNvSpPr>
@@ -9171,34 +10433,499 @@
             <p:ph idx="1"/>
           </p:nvPr>
         </p:nvSpPr>
-        <p:spPr/>
-        <p:txBody>
-          <a:bodyPr/>
+        <p:spPr>
+          <a:xfrm>
+            <a:off x="628650" y="1295401"/>
+            <a:ext cx="4095750" cy="2438400"/>
+          </a:xfrm>
+        </p:spPr>
+        <p:txBody>
+          <a:bodyPr>
+            <a:noAutofit/>
+          </a:bodyPr>
           <a:lstStyle/>
           <a:p>
             <a:r>
-              <a:rPr lang="en-US" dirty="0"/>
-              <a:t>Interactive Solver: Solving both material thickness and material properties at the same time. Provide higher accuracy.</a:t>
-            </a:r>
-          </a:p>
-          <a:p>
-            <a:r>
-              <a:rPr lang="en-US" dirty="0"/>
-              <a:t>NRL Arch measurement in RF chamber</a:t>
-            </a:r>
-          </a:p>
-          <a:p>
-            <a:r>
-              <a:rPr lang="en-US" dirty="0"/>
-              <a:t>Partially filled waveguide</a:t>
-            </a:r>
+              <a:rPr lang="en-US" sz="1500" dirty="0"/>
+              <a:t>L: a segment of rectangular waveguide where a sample has been </a:t>
+            </a:r>
+            <a:r>
+              <a:rPr lang="en-US" sz="1500" dirty="0" smtClean="0"/>
+              <a:t>placed using the waveguide a sample holder.</a:t>
+            </a:r>
+            <a:endParaRPr lang="en-US" sz="1500" dirty="0"/>
+          </a:p>
+          <a:p>
+            <a:r>
+              <a:rPr lang="en-US" sz="1500" dirty="0"/>
+              <a:t>L1, L2: hollow rectangular waveguide</a:t>
+            </a:r>
+          </a:p>
+          <a:p>
+            <a:r>
+              <a:rPr lang="en-US" sz="1500" dirty="0"/>
+              <a:t>Port 1 and Port 2 are connected to VNA using adapters</a:t>
+            </a:r>
+            <a:r>
+              <a:rPr lang="en-US" sz="1500" dirty="0" smtClean="0"/>
+              <a:t>.</a:t>
+            </a:r>
+            <a:endParaRPr lang="en-US" sz="1500" dirty="0"/>
+          </a:p>
+        </p:txBody>
+      </p:sp>
+      <p:pic>
+        <p:nvPicPr>
+          <p:cNvPr id="7" name="Picture 6"/>
+          <p:cNvPicPr>
+            <a:picLocks noChangeAspect="1"/>
+          </p:cNvPicPr>
+          <p:nvPr/>
+        </p:nvPicPr>
+        <p:blipFill>
+          <a:blip r:embed="rId2"/>
+          <a:stretch>
+            <a:fillRect/>
+          </a:stretch>
+        </p:blipFill>
+        <p:spPr>
+          <a:xfrm>
+            <a:off x="4724400" y="1423130"/>
+            <a:ext cx="3478057" cy="1397169"/>
+          </a:xfrm>
+          <a:prstGeom prst="rect">
+            <a:avLst/>
+          </a:prstGeom>
+        </p:spPr>
+      </p:pic>
+      <p:sp>
+        <p:nvSpPr>
+          <p:cNvPr id="8" name="TextBox 7"/>
+          <p:cNvSpPr txBox="1"/>
+          <p:nvPr/>
+        </p:nvSpPr>
+        <p:spPr>
+          <a:xfrm>
+            <a:off x="4724400" y="2869639"/>
+            <a:ext cx="3414407" cy="507831"/>
+          </a:xfrm>
+          <a:prstGeom prst="rect">
+            <a:avLst/>
+          </a:prstGeom>
+          <a:noFill/>
+          <a:ln>
+            <a:solidFill>
+              <a:schemeClr val="accent1">
+                <a:lumMod val="20000"/>
+                <a:lumOff val="80000"/>
+              </a:schemeClr>
+            </a:solidFill>
+          </a:ln>
+        </p:spPr>
+        <p:txBody>
+          <a:bodyPr wrap="square" rtlCol="0" anchor="ctr" anchorCtr="1">
+            <a:spAutoFit/>
+          </a:bodyPr>
+          <a:lstStyle/>
+          <a:p>
+            <a:r>
+              <a:rPr lang="en-US" sz="900" dirty="0"/>
+              <a:t>L.F. Chen et al 2004, </a:t>
+            </a:r>
+          </a:p>
+          <a:p>
+            <a:r>
+              <a:rPr lang="en-US" sz="900" dirty="0"/>
+              <a:t>Microwave Electronics: Measurement </a:t>
+            </a:r>
+            <a:r>
+              <a:rPr lang="en-US" sz="900" dirty="0" smtClean="0"/>
+              <a:t>and Materials </a:t>
+            </a:r>
+            <a:r>
+              <a:rPr lang="en-US" sz="900" dirty="0" err="1" smtClean="0"/>
+              <a:t>Characterizationv</a:t>
+            </a:r>
+            <a:endParaRPr lang="en-US" sz="900" dirty="0"/>
+          </a:p>
+        </p:txBody>
+      </p:sp>
+      <p:sp>
+        <p:nvSpPr>
+          <p:cNvPr id="9" name="Content Placeholder 1"/>
+          <p:cNvSpPr txBox="1">
+            <a:spLocks/>
+          </p:cNvSpPr>
+          <p:nvPr/>
+        </p:nvSpPr>
+        <p:spPr>
+          <a:xfrm>
+            <a:off x="685876" y="3635954"/>
+            <a:ext cx="4038524" cy="2438400"/>
+          </a:xfrm>
+          <a:prstGeom prst="rect">
+            <a:avLst/>
+          </a:prstGeom>
+        </p:spPr>
+        <p:txBody>
+          <a:bodyPr vert="horz" lIns="91440" tIns="45720" rIns="91440" bIns="45720" rtlCol="0">
+            <a:noAutofit/>
+          </a:bodyPr>
+          <a:lstStyle>
+            <a:lvl1pPr marL="342906" indent="-342906" algn="l" defTabSz="457207" rtl="0" eaLnBrk="1" latinLnBrk="0" hangingPunct="1">
+              <a:spcBef>
+                <a:spcPts val="1000"/>
+              </a:spcBef>
+              <a:spcAft>
+                <a:spcPts val="0"/>
+              </a:spcAft>
+              <a:buClr>
+                <a:schemeClr val="bg2">
+                  <a:lumMod val="40000"/>
+                  <a:lumOff val="60000"/>
+                </a:schemeClr>
+              </a:buClr>
+              <a:buSzPct val="80000"/>
+              <a:buFont typeface="Wingdings 3" charset="2"/>
+              <a:buChar char=""/>
+              <a:defRPr sz="2000" b="0" i="0" kern="1200">
+                <a:solidFill>
+                  <a:schemeClr val="tx1"/>
+                </a:solidFill>
+                <a:latin typeface="+mj-lt"/>
+                <a:ea typeface="+mj-ea"/>
+                <a:cs typeface="+mj-cs"/>
+              </a:defRPr>
+            </a:lvl1pPr>
+            <a:lvl2pPr marL="742962" indent="-285755" algn="l" defTabSz="457207" rtl="0" eaLnBrk="1" latinLnBrk="0" hangingPunct="1">
+              <a:spcBef>
+                <a:spcPts val="1000"/>
+              </a:spcBef>
+              <a:spcAft>
+                <a:spcPts val="0"/>
+              </a:spcAft>
+              <a:buClr>
+                <a:schemeClr val="bg2">
+                  <a:lumMod val="40000"/>
+                  <a:lumOff val="60000"/>
+                </a:schemeClr>
+              </a:buClr>
+              <a:buSzPct val="80000"/>
+              <a:buFont typeface="Wingdings 3" charset="2"/>
+              <a:buChar char=""/>
+              <a:defRPr sz="1800" b="0" i="0" kern="1200">
+                <a:solidFill>
+                  <a:schemeClr val="tx1"/>
+                </a:solidFill>
+                <a:latin typeface="+mj-lt"/>
+                <a:ea typeface="+mj-ea"/>
+                <a:cs typeface="+mj-cs"/>
+              </a:defRPr>
+            </a:lvl2pPr>
+            <a:lvl3pPr marL="1143020" indent="-228604" algn="l" defTabSz="457207" rtl="0" eaLnBrk="1" latinLnBrk="0" hangingPunct="1">
+              <a:spcBef>
+                <a:spcPts val="1000"/>
+              </a:spcBef>
+              <a:spcAft>
+                <a:spcPts val="0"/>
+              </a:spcAft>
+              <a:buClr>
+                <a:schemeClr val="bg2">
+                  <a:lumMod val="40000"/>
+                  <a:lumOff val="60000"/>
+                </a:schemeClr>
+              </a:buClr>
+              <a:buSzPct val="80000"/>
+              <a:buFont typeface="Wingdings 3" charset="2"/>
+              <a:buChar char=""/>
+              <a:defRPr sz="1600" b="0" i="0" kern="1200">
+                <a:solidFill>
+                  <a:schemeClr val="tx1"/>
+                </a:solidFill>
+                <a:latin typeface="+mj-lt"/>
+                <a:ea typeface="+mj-ea"/>
+                <a:cs typeface="+mj-cs"/>
+              </a:defRPr>
+            </a:lvl3pPr>
+            <a:lvl4pPr marL="1600227" indent="-228604" algn="l" defTabSz="457207" rtl="0" eaLnBrk="1" latinLnBrk="0" hangingPunct="1">
+              <a:spcBef>
+                <a:spcPts val="1000"/>
+              </a:spcBef>
+              <a:spcAft>
+                <a:spcPts val="0"/>
+              </a:spcAft>
+              <a:buClr>
+                <a:schemeClr val="bg2">
+                  <a:lumMod val="40000"/>
+                  <a:lumOff val="60000"/>
+                </a:schemeClr>
+              </a:buClr>
+              <a:buSzPct val="80000"/>
+              <a:buFont typeface="Wingdings 3" charset="2"/>
+              <a:buChar char=""/>
+              <a:defRPr sz="1400" b="0" i="0" kern="1200">
+                <a:solidFill>
+                  <a:schemeClr val="tx1"/>
+                </a:solidFill>
+                <a:latin typeface="+mj-lt"/>
+                <a:ea typeface="+mj-ea"/>
+                <a:cs typeface="+mj-cs"/>
+              </a:defRPr>
+            </a:lvl4pPr>
+            <a:lvl5pPr marL="2057434" indent="-228604" algn="l" defTabSz="457207" rtl="0" eaLnBrk="1" latinLnBrk="0" hangingPunct="1">
+              <a:spcBef>
+                <a:spcPts val="1000"/>
+              </a:spcBef>
+              <a:spcAft>
+                <a:spcPts val="0"/>
+              </a:spcAft>
+              <a:buClr>
+                <a:schemeClr val="bg2">
+                  <a:lumMod val="40000"/>
+                  <a:lumOff val="60000"/>
+                </a:schemeClr>
+              </a:buClr>
+              <a:buSzPct val="80000"/>
+              <a:buFont typeface="Wingdings 3" charset="2"/>
+              <a:buChar char=""/>
+              <a:defRPr sz="1400" b="0" i="0" kern="1200">
+                <a:solidFill>
+                  <a:schemeClr val="tx1"/>
+                </a:solidFill>
+                <a:latin typeface="+mj-lt"/>
+                <a:ea typeface="+mj-ea"/>
+                <a:cs typeface="+mj-cs"/>
+              </a:defRPr>
+            </a:lvl5pPr>
+            <a:lvl6pPr marL="2514642" indent="-228604" algn="l" defTabSz="457207" rtl="0" eaLnBrk="1" latinLnBrk="0" hangingPunct="1">
+              <a:spcBef>
+                <a:spcPts val="1000"/>
+              </a:spcBef>
+              <a:spcAft>
+                <a:spcPts val="0"/>
+              </a:spcAft>
+              <a:buClr>
+                <a:schemeClr val="bg2">
+                  <a:lumMod val="40000"/>
+                  <a:lumOff val="60000"/>
+                </a:schemeClr>
+              </a:buClr>
+              <a:buSzPct val="80000"/>
+              <a:buFont typeface="Wingdings 3" charset="2"/>
+              <a:buChar char=""/>
+              <a:defRPr sz="1400" b="0" i="0" kern="1200">
+                <a:solidFill>
+                  <a:schemeClr val="tx1"/>
+                </a:solidFill>
+                <a:latin typeface="+mj-lt"/>
+                <a:ea typeface="+mj-ea"/>
+                <a:cs typeface="+mj-cs"/>
+              </a:defRPr>
+            </a:lvl6pPr>
+            <a:lvl7pPr marL="2971849" indent="-228604" algn="l" defTabSz="457207" rtl="0" eaLnBrk="1" latinLnBrk="0" hangingPunct="1">
+              <a:spcBef>
+                <a:spcPts val="1000"/>
+              </a:spcBef>
+              <a:spcAft>
+                <a:spcPts val="0"/>
+              </a:spcAft>
+              <a:buClr>
+                <a:schemeClr val="bg2">
+                  <a:lumMod val="40000"/>
+                  <a:lumOff val="60000"/>
+                </a:schemeClr>
+              </a:buClr>
+              <a:buSzPct val="80000"/>
+              <a:buFont typeface="Wingdings 3" charset="2"/>
+              <a:buChar char=""/>
+              <a:defRPr sz="1400" b="0" i="0" kern="1200">
+                <a:solidFill>
+                  <a:schemeClr val="tx1"/>
+                </a:solidFill>
+                <a:latin typeface="+mj-lt"/>
+                <a:ea typeface="+mj-ea"/>
+                <a:cs typeface="+mj-cs"/>
+              </a:defRPr>
+            </a:lvl7pPr>
+            <a:lvl8pPr marL="3429057" indent="-228604" algn="l" defTabSz="457207" rtl="0" eaLnBrk="1" latinLnBrk="0" hangingPunct="1">
+              <a:spcBef>
+                <a:spcPts val="1000"/>
+              </a:spcBef>
+              <a:spcAft>
+                <a:spcPts val="0"/>
+              </a:spcAft>
+              <a:buClr>
+                <a:schemeClr val="bg2">
+                  <a:lumMod val="40000"/>
+                  <a:lumOff val="60000"/>
+                </a:schemeClr>
+              </a:buClr>
+              <a:buSzPct val="80000"/>
+              <a:buFont typeface="Wingdings 3" charset="2"/>
+              <a:buChar char=""/>
+              <a:defRPr sz="1400" b="0" i="0" kern="1200">
+                <a:solidFill>
+                  <a:schemeClr val="tx1"/>
+                </a:solidFill>
+                <a:latin typeface="+mj-lt"/>
+                <a:ea typeface="+mj-ea"/>
+                <a:cs typeface="+mj-cs"/>
+              </a:defRPr>
+            </a:lvl8pPr>
+            <a:lvl9pPr marL="3886264" indent="-228604" algn="l" defTabSz="457207" rtl="0" eaLnBrk="1" latinLnBrk="0" hangingPunct="1">
+              <a:spcBef>
+                <a:spcPts val="1000"/>
+              </a:spcBef>
+              <a:spcAft>
+                <a:spcPts val="0"/>
+              </a:spcAft>
+              <a:buClr>
+                <a:schemeClr val="bg2">
+                  <a:lumMod val="40000"/>
+                  <a:lumOff val="60000"/>
+                </a:schemeClr>
+              </a:buClr>
+              <a:buSzPct val="80000"/>
+              <a:buFont typeface="Wingdings 3" charset="2"/>
+              <a:buChar char=""/>
+              <a:defRPr sz="1400" b="0" i="0" kern="1200">
+                <a:solidFill>
+                  <a:schemeClr val="tx1"/>
+                </a:solidFill>
+                <a:latin typeface="+mj-lt"/>
+                <a:ea typeface="+mj-ea"/>
+                <a:cs typeface="+mj-cs"/>
+              </a:defRPr>
+            </a:lvl9pPr>
+          </a:lstStyle>
+          <a:p>
+            <a:r>
+              <a:rPr lang="en-US" sz="1500" dirty="0"/>
+              <a:t>Extraction algorithm for complex epsilon and mu are based on </a:t>
+            </a:r>
+            <a:r>
+              <a:rPr lang="en-US" sz="1500" dirty="0" smtClean="0"/>
+              <a:t>Microwave Electronics </a:t>
+            </a:r>
+            <a:r>
+              <a:rPr lang="en-US" sz="1500" dirty="0"/>
+              <a:t>and Nicolson Ross Weir’s algorithm and then will be implemented in MATLAB code.</a:t>
+            </a:r>
+          </a:p>
+          <a:p>
+            <a:r>
+              <a:rPr lang="en-US" sz="1500" dirty="0" smtClean="0"/>
+              <a:t>A </a:t>
+            </a:r>
+            <a:r>
+              <a:rPr lang="en-US" sz="1500" dirty="0"/>
+              <a:t>measurement and extraction will be applied on a control </a:t>
+            </a:r>
+            <a:r>
+              <a:rPr lang="en-US" sz="1500" dirty="0" smtClean="0"/>
+              <a:t>sample (PVC) </a:t>
+            </a:r>
+            <a:r>
+              <a:rPr lang="en-US" sz="1500" dirty="0"/>
+              <a:t>to verify the initial result before performing </a:t>
+            </a:r>
+            <a:r>
+              <a:rPr lang="en-US" sz="1600" dirty="0"/>
+              <a:t>on the CF absorber</a:t>
+            </a:r>
+            <a:r>
+              <a:rPr lang="en-US" sz="1600" dirty="0" smtClean="0"/>
+              <a:t>.</a:t>
+            </a:r>
+            <a:endParaRPr lang="en-US" sz="1600" dirty="0"/>
+          </a:p>
+        </p:txBody>
+      </p:sp>
+      <p:pic>
+        <p:nvPicPr>
+          <p:cNvPr id="10" name="Picture 9"/>
+          <p:cNvPicPr>
+            <a:picLocks noChangeAspect="1"/>
+          </p:cNvPicPr>
+          <p:nvPr/>
+        </p:nvPicPr>
+        <p:blipFill>
+          <a:blip r:embed="rId3"/>
+          <a:stretch>
+            <a:fillRect/>
+          </a:stretch>
+        </p:blipFill>
+        <p:spPr>
+          <a:xfrm>
+            <a:off x="4951982" y="3426810"/>
+            <a:ext cx="2946692" cy="2207820"/>
+          </a:xfrm>
+          <a:prstGeom prst="rect">
+            <a:avLst/>
+          </a:prstGeom>
+        </p:spPr>
+      </p:pic>
+      <p:sp>
+        <p:nvSpPr>
+          <p:cNvPr id="12" name="TextBox 11"/>
+          <p:cNvSpPr txBox="1"/>
+          <p:nvPr/>
+        </p:nvSpPr>
+        <p:spPr>
+          <a:xfrm>
+            <a:off x="4711700" y="5755877"/>
+            <a:ext cx="3414407" cy="507831"/>
+          </a:xfrm>
+          <a:prstGeom prst="rect">
+            <a:avLst/>
+          </a:prstGeom>
+          <a:noFill/>
+          <a:ln>
+            <a:solidFill>
+              <a:schemeClr val="accent1">
+                <a:lumMod val="20000"/>
+                <a:lumOff val="80000"/>
+              </a:schemeClr>
+            </a:solidFill>
+          </a:ln>
+        </p:spPr>
+        <p:txBody>
+          <a:bodyPr wrap="square" rtlCol="0" anchor="ctr" anchorCtr="1">
+            <a:spAutoFit/>
+          </a:bodyPr>
+          <a:lstStyle/>
+          <a:p>
+            <a:r>
+              <a:rPr lang="en-US" sz="900" dirty="0"/>
+              <a:t>Christos </a:t>
+            </a:r>
+            <a:r>
+              <a:rPr lang="en-US" sz="900" dirty="0" err="1" smtClean="0"/>
+              <a:t>Tsipogiannis</a:t>
+            </a:r>
+            <a:r>
+              <a:rPr lang="en-US" sz="900" dirty="0" smtClean="0"/>
+              <a:t>, Master Thesis</a:t>
+            </a:r>
+            <a:r>
+              <a:rPr lang="en-US" sz="900" dirty="0" smtClean="0"/>
+              <a:t>, Lund University, </a:t>
+            </a:r>
+            <a:endParaRPr lang="en-US" sz="900" dirty="0"/>
+          </a:p>
+          <a:p>
+            <a:r>
+              <a:rPr lang="en-US" sz="900" dirty="0"/>
+              <a:t>Microwave materials characterization using waveguides and coaxial probe</a:t>
+            </a:r>
+            <a:endParaRPr lang="en-US" sz="900" dirty="0"/>
           </a:p>
         </p:txBody>
       </p:sp>
     </p:spTree>
     <p:extLst>
       <p:ext uri="{BB962C8B-B14F-4D97-AF65-F5344CB8AC3E}">
-        <p14:creationId xmlns:p14="http://schemas.microsoft.com/office/powerpoint/2010/main" val="1779803480"/>
+        <p14:creationId xmlns:p14="http://schemas.microsoft.com/office/powerpoint/2010/main" val="4267753713"/>
       </p:ext>
     </p:extLst>
   </p:cSld>

--- a/Capstone project proposal presentation.pptx
+++ b/Capstone project proposal presentation.pptx
@@ -2,13 +2,13 @@
 <file path=ppt/presentation.xml><?xml version="1.0" encoding="utf-8"?>
 <p:presentation xmlns:a="http://schemas.openxmlformats.org/drawingml/2006/main" xmlns:r="http://schemas.openxmlformats.org/officeDocument/2006/relationships" xmlns:p="http://schemas.openxmlformats.org/presentationml/2006/main" removePersonalInfoOnSave="1" saveSubsetFonts="1">
   <p:sldMasterIdLst>
-    <p:sldMasterId id="2147484128" r:id="rId2"/>
+    <p:sldMasterId id="2147484218" r:id="rId2"/>
   </p:sldMasterIdLst>
   <p:notesMasterIdLst>
-    <p:notesMasterId r:id="rId18"/>
+    <p:notesMasterId r:id="rId19"/>
   </p:notesMasterIdLst>
   <p:handoutMasterIdLst>
-    <p:handoutMasterId r:id="rId19"/>
+    <p:handoutMasterId r:id="rId20"/>
   </p:handoutMasterIdLst>
   <p:sldIdLst>
     <p:sldId id="268" r:id="rId3"/>
@@ -26,6 +26,7 @@
     <p:sldId id="291" r:id="rId15"/>
     <p:sldId id="292" r:id="rId16"/>
     <p:sldId id="277" r:id="rId17"/>
+    <p:sldId id="297" r:id="rId18"/>
   </p:sldIdLst>
   <p:sldSz cx="9144000" cy="6858000" type="screen4x3"/>
   <p:notesSz cx="6858000" cy="9144000"/>
@@ -324,7 +325,7 @@
           <a:p>
             <a:fld id="{BEA74EB7-856E-45FD-83F0-5F7C6F3E4372}" type="datetimeFigureOut">
               <a:rPr lang="en-US"/>
-              <a:t>2/9/17</a:t>
+              <a:t>2/10/17</a:t>
             </a:fld>
             <a:endParaRPr dirty="0"/>
           </a:p>
@@ -489,7 +490,7 @@
           <a:p>
             <a:fld id="{C61B0E40-8125-41F8-BB6C-139D8D531A4F}" type="datetimeFigureOut">
               <a:rPr lang="en-US"/>
-              <a:t>2/9/17</a:t>
+              <a:t>2/10/17</a:t>
             </a:fld>
             <a:endParaRPr dirty="0"/>
           </a:p>
@@ -887,7 +888,7 @@
           </a:lstStyle>
           <a:p>
             <a:r>
-              <a:rPr lang="en-US"/>
+              <a:rPr lang="en-US" smtClean="0"/>
               <a:t>Click to edit Master title style</a:t>
             </a:r>
             <a:endParaRPr lang="en-US" dirty="0"/>
@@ -1007,7 +1008,7 @@
           </a:lstStyle>
           <a:p>
             <a:r>
-              <a:rPr lang="en-US"/>
+              <a:rPr lang="en-US" smtClean="0"/>
               <a:t>Click to edit Master subtitle style</a:t>
             </a:r>
             <a:endParaRPr lang="en-US" dirty="0"/>
@@ -1031,7 +1032,7 @@
           <a:p>
             <a:fld id="{333B76B7-5811-4114-8A95-998148FFD529}" type="datetime1">
               <a:rPr lang="en-US" smtClean="0"/>
-              <a:t>2/9/17</a:t>
+              <a:t>2/10/17</a:t>
             </a:fld>
             <a:endParaRPr lang="en-US" dirty="0"/>
           </a:p>
@@ -1081,11 +1082,6 @@
         </p:txBody>
       </p:sp>
     </p:spTree>
-    <p:extLst>
-      <p:ext uri="{BB962C8B-B14F-4D97-AF65-F5344CB8AC3E}">
-        <p14:creationId xmlns:p14="http://schemas.microsoft.com/office/powerpoint/2010/main" val="3361223991"/>
-      </p:ext>
-    </p:extLst>
   </p:cSld>
   <p:clrMapOvr>
     <a:masterClrMapping/>
@@ -1102,6 +1098,13 @@
       </p:transition>
     </mc:Fallback>
   </mc:AlternateContent>
+  <p:timing>
+    <p:tnLst>
+      <p:par>
+        <p:cTn id="1" dur="indefinite" restart="never" nodeType="tmRoot"/>
+      </p:par>
+    </p:tnLst>
+  </p:timing>
 </p:sldLayout>
 </file>
 
@@ -1149,7 +1152,7 @@
           </a:lstStyle>
           <a:p>
             <a:r>
-              <a:rPr lang="en-US"/>
+              <a:rPr lang="en-US" smtClean="0"/>
               <a:t>Click to edit Master title style</a:t>
             </a:r>
             <a:endParaRPr lang="en-US" dirty="0"/>
@@ -1228,8 +1231,8 @@
           </a:lstStyle>
           <a:p>
             <a:r>
-              <a:rPr lang="en-US"/>
-              <a:t>Click icon to add picture</a:t>
+              <a:rPr lang="en-US" smtClean="0"/>
+              <a:t>Drag picture to placeholder or click icon to add</a:t>
             </a:r>
             <a:endParaRPr lang="en-US" dirty="0"/>
           </a:p>
@@ -1296,8 +1299,8 @@
           <a:p>
             <a:pPr lvl="0"/>
             <a:r>
-              <a:rPr lang="en-US"/>
-              <a:t>Edit Master text styles</a:t>
+              <a:rPr lang="en-US" smtClean="0"/>
+              <a:t>Click to edit Master text styles</a:t>
             </a:r>
           </a:p>
         </p:txBody>
@@ -1319,7 +1322,7 @@
           <a:p>
             <a:fld id="{5C6E67D0-0200-42BE-A0B2-78C70FBBB312}" type="datetime1">
               <a:rPr lang="en-US" smtClean="0"/>
-              <a:t>2/9/17</a:t>
+              <a:t>2/10/17</a:t>
             </a:fld>
             <a:endParaRPr lang="en-US" dirty="0"/>
           </a:p>
@@ -1369,15 +1372,17 @@
         </p:txBody>
       </p:sp>
     </p:spTree>
-    <p:extLst>
-      <p:ext uri="{BB962C8B-B14F-4D97-AF65-F5344CB8AC3E}">
-        <p14:creationId xmlns:p14="http://schemas.microsoft.com/office/powerpoint/2010/main" val="818803363"/>
-      </p:ext>
-    </p:extLst>
   </p:cSld>
   <p:clrMapOvr>
     <a:masterClrMapping/>
   </p:clrMapOvr>
+  <p:timing>
+    <p:tnLst>
+      <p:par>
+        <p:cTn id="1" dur="indefinite" restart="never" nodeType="tmRoot"/>
+      </p:par>
+    </p:tnLst>
+  </p:timing>
   <p:hf sldNum="0" hdr="0" ftr="0" dt="0"/>
 </p:sldLayout>
 </file>
@@ -1424,7 +1429,7 @@
           </a:lstStyle>
           <a:p>
             <a:r>
-              <a:rPr lang="en-US"/>
+              <a:rPr lang="en-US" smtClean="0"/>
               <a:t>Click to edit Master title style</a:t>
             </a:r>
             <a:endParaRPr lang="en-US" dirty="0"/>
@@ -1492,8 +1497,8 @@
           <a:p>
             <a:pPr lvl="0"/>
             <a:r>
-              <a:rPr lang="en-US"/>
-              <a:t>Edit Master text styles</a:t>
+              <a:rPr lang="en-US" smtClean="0"/>
+              <a:t>Click to edit Master text styles</a:t>
             </a:r>
           </a:p>
         </p:txBody>
@@ -1515,7 +1520,7 @@
           <a:p>
             <a:fld id="{5C6E67D0-0200-42BE-A0B2-78C70FBBB312}" type="datetime1">
               <a:rPr lang="en-US" smtClean="0"/>
-              <a:t>2/9/17</a:t>
+              <a:t>2/10/17</a:t>
             </a:fld>
             <a:endParaRPr lang="en-US" dirty="0"/>
           </a:p>
@@ -1565,15 +1570,17 @@
         </p:txBody>
       </p:sp>
     </p:spTree>
-    <p:extLst>
-      <p:ext uri="{BB962C8B-B14F-4D97-AF65-F5344CB8AC3E}">
-        <p14:creationId xmlns:p14="http://schemas.microsoft.com/office/powerpoint/2010/main" val="1853653609"/>
-      </p:ext>
-    </p:extLst>
   </p:cSld>
   <p:clrMapOvr>
     <a:masterClrMapping/>
   </p:clrMapOvr>
+  <p:timing>
+    <p:tnLst>
+      <p:par>
+        <p:cTn id="1" dur="indefinite" restart="never" nodeType="tmRoot"/>
+      </p:par>
+    </p:tnLst>
+  </p:timing>
   <p:hf sldNum="0" hdr="0" ftr="0" dt="0"/>
 </p:sldLayout>
 </file>
@@ -1620,7 +1627,7 @@
           </a:lstStyle>
           <a:p>
             <a:r>
-              <a:rPr lang="en-US"/>
+              <a:rPr lang="en-US" smtClean="0"/>
               <a:t>Click to edit Master title style</a:t>
             </a:r>
             <a:endParaRPr lang="en-US" dirty="0"/>
@@ -1700,8 +1707,8 @@
               <a:buNone/>
             </a:pPr>
             <a:r>
-              <a:rPr lang="en-US"/>
-              <a:t>Edit Master text styles</a:t>
+              <a:rPr lang="en-US" smtClean="0"/>
+              <a:t>Click to edit Master text styles</a:t>
             </a:r>
           </a:p>
         </p:txBody>
@@ -1767,8 +1774,8 @@
           <a:p>
             <a:pPr lvl="0"/>
             <a:r>
-              <a:rPr lang="en-US"/>
-              <a:t>Edit Master text styles</a:t>
+              <a:rPr lang="en-US" smtClean="0"/>
+              <a:t>Click to edit Master text styles</a:t>
             </a:r>
           </a:p>
         </p:txBody>
@@ -1790,7 +1797,7 @@
           <a:p>
             <a:fld id="{5C6E67D0-0200-42BE-A0B2-78C70FBBB312}" type="datetime1">
               <a:rPr lang="en-US" smtClean="0"/>
-              <a:t>2/9/17</a:t>
+              <a:t>2/10/17</a:t>
             </a:fld>
             <a:endParaRPr lang="en-US" dirty="0"/>
           </a:p>
@@ -1934,15 +1941,17 @@
         </p:txBody>
       </p:sp>
     </p:spTree>
-    <p:extLst>
-      <p:ext uri="{BB962C8B-B14F-4D97-AF65-F5344CB8AC3E}">
-        <p14:creationId xmlns:p14="http://schemas.microsoft.com/office/powerpoint/2010/main" val="2905544621"/>
-      </p:ext>
-    </p:extLst>
   </p:cSld>
   <p:clrMapOvr>
     <a:masterClrMapping/>
   </p:clrMapOvr>
+  <p:timing>
+    <p:tnLst>
+      <p:par>
+        <p:cTn id="1" dur="indefinite" restart="never" nodeType="tmRoot"/>
+      </p:par>
+    </p:tnLst>
+  </p:timing>
   <p:hf sldNum="0" hdr="0" ftr="0" dt="0"/>
 </p:sldLayout>
 </file>
@@ -1989,7 +1998,7 @@
           </a:lstStyle>
           <a:p>
             <a:r>
-              <a:rPr lang="en-US"/>
+              <a:rPr lang="en-US" smtClean="0"/>
               <a:t>Click to edit Master title style</a:t>
             </a:r>
             <a:endParaRPr lang="en-US" dirty="0"/>
@@ -2110,8 +2119,8 @@
           <a:p>
             <a:pPr lvl="0"/>
             <a:r>
-              <a:rPr lang="en-US"/>
-              <a:t>Edit Master text styles</a:t>
+              <a:rPr lang="en-US" smtClean="0"/>
+              <a:t>Click to edit Master text styles</a:t>
             </a:r>
           </a:p>
         </p:txBody>
@@ -2133,7 +2142,7 @@
           <a:p>
             <a:fld id="{5C6E67D0-0200-42BE-A0B2-78C70FBBB312}" type="datetime1">
               <a:rPr lang="en-US" smtClean="0"/>
-              <a:t>2/9/17</a:t>
+              <a:t>2/10/17</a:t>
             </a:fld>
             <a:endParaRPr lang="en-US" dirty="0"/>
           </a:p>
@@ -2183,15 +2192,17 @@
         </p:txBody>
       </p:sp>
     </p:spTree>
-    <p:extLst>
-      <p:ext uri="{BB962C8B-B14F-4D97-AF65-F5344CB8AC3E}">
-        <p14:creationId xmlns:p14="http://schemas.microsoft.com/office/powerpoint/2010/main" val="3247420984"/>
-      </p:ext>
-    </p:extLst>
   </p:cSld>
   <p:clrMapOvr>
     <a:masterClrMapping/>
   </p:clrMapOvr>
+  <p:timing>
+    <p:tnLst>
+      <p:par>
+        <p:cTn id="1" dur="indefinite" restart="never" nodeType="tmRoot"/>
+      </p:par>
+    </p:tnLst>
+  </p:timing>
   <p:hf sldNum="0" hdr="0" ftr="0" dt="0"/>
 </p:sldLayout>
 </file>
@@ -2233,7 +2244,7 @@
           </a:lstStyle>
           <a:p>
             <a:r>
-              <a:rPr lang="en-US"/>
+              <a:rPr lang="en-US" smtClean="0"/>
               <a:t>Click to edit Master title style</a:t>
             </a:r>
             <a:endParaRPr lang="en-US" dirty="0"/>
@@ -2308,8 +2319,8 @@
           <a:p>
             <a:pPr lvl="0"/>
             <a:r>
-              <a:rPr lang="en-US"/>
-              <a:t>Edit Master text styles</a:t>
+              <a:rPr lang="en-US" smtClean="0"/>
+              <a:t>Click to edit Master text styles</a:t>
             </a:r>
           </a:p>
         </p:txBody>
@@ -2375,8 +2386,8 @@
           <a:p>
             <a:pPr lvl="0"/>
             <a:r>
-              <a:rPr lang="en-US"/>
-              <a:t>Edit Master text styles</a:t>
+              <a:rPr lang="en-US" smtClean="0"/>
+              <a:t>Click to edit Master text styles</a:t>
             </a:r>
           </a:p>
         </p:txBody>
@@ -2449,8 +2460,8 @@
           <a:p>
             <a:pPr lvl="0"/>
             <a:r>
-              <a:rPr lang="en-US"/>
-              <a:t>Edit Master text styles</a:t>
+              <a:rPr lang="en-US" smtClean="0"/>
+              <a:t>Click to edit Master text styles</a:t>
             </a:r>
           </a:p>
         </p:txBody>
@@ -2516,8 +2527,8 @@
           <a:p>
             <a:pPr lvl="0"/>
             <a:r>
-              <a:rPr lang="en-US"/>
-              <a:t>Edit Master text styles</a:t>
+              <a:rPr lang="en-US" smtClean="0"/>
+              <a:t>Click to edit Master text styles</a:t>
             </a:r>
           </a:p>
         </p:txBody>
@@ -2590,8 +2601,8 @@
           <a:p>
             <a:pPr lvl="0"/>
             <a:r>
-              <a:rPr lang="en-US"/>
-              <a:t>Edit Master text styles</a:t>
+              <a:rPr lang="en-US" smtClean="0"/>
+              <a:t>Click to edit Master text styles</a:t>
             </a:r>
           </a:p>
         </p:txBody>
@@ -2657,8 +2668,8 @@
           <a:p>
             <a:pPr lvl="0"/>
             <a:r>
-              <a:rPr lang="en-US"/>
-              <a:t>Edit Master text styles</a:t>
+              <a:rPr lang="en-US" smtClean="0"/>
+              <a:t>Click to edit Master text styles</a:t>
             </a:r>
           </a:p>
         </p:txBody>
@@ -2758,7 +2769,7 @@
           <a:p>
             <a:fld id="{5C6E67D0-0200-42BE-A0B2-78C70FBBB312}" type="datetime1">
               <a:rPr lang="en-US" smtClean="0"/>
-              <a:t>2/9/17</a:t>
+              <a:t>2/10/17</a:t>
             </a:fld>
             <a:endParaRPr lang="en-US" dirty="0"/>
           </a:p>
@@ -2808,15 +2819,17 @@
         </p:txBody>
       </p:sp>
     </p:spTree>
-    <p:extLst>
-      <p:ext uri="{BB962C8B-B14F-4D97-AF65-F5344CB8AC3E}">
-        <p14:creationId xmlns:p14="http://schemas.microsoft.com/office/powerpoint/2010/main" val="3385298100"/>
-      </p:ext>
-    </p:extLst>
   </p:cSld>
   <p:clrMapOvr>
     <a:masterClrMapping/>
   </p:clrMapOvr>
+  <p:timing>
+    <p:tnLst>
+      <p:par>
+        <p:cTn id="1" dur="indefinite" restart="never" nodeType="tmRoot"/>
+      </p:par>
+    </p:tnLst>
+  </p:timing>
   <p:hf sldNum="0" hdr="0" ftr="0" dt="0"/>
 </p:sldLayout>
 </file>
@@ -2858,7 +2871,7 @@
           </a:lstStyle>
           <a:p>
             <a:r>
-              <a:rPr lang="en-US"/>
+              <a:rPr lang="en-US" smtClean="0"/>
               <a:t>Click to edit Master title style</a:t>
             </a:r>
             <a:endParaRPr lang="en-US" dirty="0"/>
@@ -2933,8 +2946,8 @@
           <a:p>
             <a:pPr lvl="0"/>
             <a:r>
-              <a:rPr lang="en-US"/>
-              <a:t>Edit Master text styles</a:t>
+              <a:rPr lang="en-US" smtClean="0"/>
+              <a:t>Click to edit Master text styles</a:t>
             </a:r>
           </a:p>
         </p:txBody>
@@ -3011,8 +3024,8 @@
           </a:lstStyle>
           <a:p>
             <a:r>
-              <a:rPr lang="en-US"/>
-              <a:t>Click icon to add picture</a:t>
+              <a:rPr lang="en-US" smtClean="0"/>
+              <a:t>Drag picture to placeholder or click icon to add</a:t>
             </a:r>
             <a:endParaRPr lang="en-US" dirty="0"/>
           </a:p>
@@ -3079,8 +3092,8 @@
           <a:p>
             <a:pPr lvl="0"/>
             <a:r>
-              <a:rPr lang="en-US"/>
-              <a:t>Edit Master text styles</a:t>
+              <a:rPr lang="en-US" smtClean="0"/>
+              <a:t>Click to edit Master text styles</a:t>
             </a:r>
           </a:p>
         </p:txBody>
@@ -3153,8 +3166,8 @@
           <a:p>
             <a:pPr lvl="0"/>
             <a:r>
-              <a:rPr lang="en-US"/>
-              <a:t>Edit Master text styles</a:t>
+              <a:rPr lang="en-US" smtClean="0"/>
+              <a:t>Click to edit Master text styles</a:t>
             </a:r>
           </a:p>
         </p:txBody>
@@ -3231,8 +3244,8 @@
           </a:lstStyle>
           <a:p>
             <a:r>
-              <a:rPr lang="en-US"/>
-              <a:t>Click icon to add picture</a:t>
+              <a:rPr lang="en-US" smtClean="0"/>
+              <a:t>Drag picture to placeholder or click icon to add</a:t>
             </a:r>
             <a:endParaRPr lang="en-US" dirty="0"/>
           </a:p>
@@ -3299,8 +3312,8 @@
           <a:p>
             <a:pPr lvl="0"/>
             <a:r>
-              <a:rPr lang="en-US"/>
-              <a:t>Edit Master text styles</a:t>
+              <a:rPr lang="en-US" smtClean="0"/>
+              <a:t>Click to edit Master text styles</a:t>
             </a:r>
           </a:p>
         </p:txBody>
@@ -3373,8 +3386,8 @@
           <a:p>
             <a:pPr lvl="0"/>
             <a:r>
-              <a:rPr lang="en-US"/>
-              <a:t>Edit Master text styles</a:t>
+              <a:rPr lang="en-US" smtClean="0"/>
+              <a:t>Click to edit Master text styles</a:t>
             </a:r>
           </a:p>
         </p:txBody>
@@ -3451,8 +3464,8 @@
           </a:lstStyle>
           <a:p>
             <a:r>
-              <a:rPr lang="en-US"/>
-              <a:t>Click icon to add picture</a:t>
+              <a:rPr lang="en-US" smtClean="0"/>
+              <a:t>Drag picture to placeholder or click icon to add</a:t>
             </a:r>
             <a:endParaRPr lang="en-US" dirty="0"/>
           </a:p>
@@ -3519,8 +3532,8 @@
           <a:p>
             <a:pPr lvl="0"/>
             <a:r>
-              <a:rPr lang="en-US"/>
-              <a:t>Edit Master text styles</a:t>
+              <a:rPr lang="en-US" smtClean="0"/>
+              <a:t>Click to edit Master text styles</a:t>
             </a:r>
           </a:p>
         </p:txBody>
@@ -3620,7 +3633,7 @@
           <a:p>
             <a:fld id="{5C6E67D0-0200-42BE-A0B2-78C70FBBB312}" type="datetime1">
               <a:rPr lang="en-US" smtClean="0"/>
-              <a:t>2/9/17</a:t>
+              <a:t>2/10/17</a:t>
             </a:fld>
             <a:endParaRPr lang="en-US" dirty="0"/>
           </a:p>
@@ -3670,15 +3683,17 @@
         </p:txBody>
       </p:sp>
     </p:spTree>
-    <p:extLst>
-      <p:ext uri="{BB962C8B-B14F-4D97-AF65-F5344CB8AC3E}">
-        <p14:creationId xmlns:p14="http://schemas.microsoft.com/office/powerpoint/2010/main" val="1497517815"/>
-      </p:ext>
-    </p:extLst>
   </p:cSld>
   <p:clrMapOvr>
     <a:masterClrMapping/>
   </p:clrMapOvr>
+  <p:timing>
+    <p:tnLst>
+      <p:par>
+        <p:cTn id="1" dur="indefinite" restart="never" nodeType="tmRoot"/>
+      </p:par>
+    </p:tnLst>
+  </p:timing>
   <p:hf sldNum="0" hdr="0" ftr="0" dt="0"/>
 </p:sldLayout>
 </file>
@@ -3716,7 +3731,7 @@
           <a:lstStyle/>
           <a:p>
             <a:r>
-              <a:rPr lang="en-US"/>
+              <a:rPr lang="en-US" smtClean="0"/>
               <a:t>Click to edit Master title style</a:t>
             </a:r>
             <a:endParaRPr lang="en-US" dirty="0"/>
@@ -3740,35 +3755,35 @@
           <a:p>
             <a:pPr lvl="0"/>
             <a:r>
-              <a:rPr lang="en-US"/>
-              <a:t>Edit Master text styles</a:t>
+              <a:rPr lang="en-US" smtClean="0"/>
+              <a:t>Click to edit Master text styles</a:t>
             </a:r>
           </a:p>
           <a:p>
             <a:pPr lvl="1"/>
             <a:r>
-              <a:rPr lang="en-US"/>
+              <a:rPr lang="en-US" smtClean="0"/>
               <a:t>Second level</a:t>
             </a:r>
           </a:p>
           <a:p>
             <a:pPr lvl="2"/>
             <a:r>
-              <a:rPr lang="en-US"/>
+              <a:rPr lang="en-US" smtClean="0"/>
               <a:t>Third level</a:t>
             </a:r>
           </a:p>
           <a:p>
             <a:pPr lvl="3"/>
             <a:r>
-              <a:rPr lang="en-US"/>
+              <a:rPr lang="en-US" smtClean="0"/>
               <a:t>Fourth level</a:t>
             </a:r>
           </a:p>
           <a:p>
             <a:pPr lvl="4"/>
             <a:r>
-              <a:rPr lang="en-US"/>
+              <a:rPr lang="en-US" smtClean="0"/>
               <a:t>Fifth level</a:t>
             </a:r>
             <a:endParaRPr lang="en-US" dirty="0"/>
@@ -3792,7 +3807,7 @@
           <a:p>
             <a:fld id="{175C077A-EF7A-41AA-8976-110EB7416C60}" type="datetime1">
               <a:rPr lang="en-US" smtClean="0"/>
-              <a:t>2/9/17</a:t>
+              <a:t>2/10/17</a:t>
             </a:fld>
             <a:endParaRPr lang="en-US" dirty="0"/>
           </a:p>
@@ -3842,11 +3857,6 @@
         </p:txBody>
       </p:sp>
     </p:spTree>
-    <p:extLst>
-      <p:ext uri="{BB962C8B-B14F-4D97-AF65-F5344CB8AC3E}">
-        <p14:creationId xmlns:p14="http://schemas.microsoft.com/office/powerpoint/2010/main" val="3252356587"/>
-      </p:ext>
-    </p:extLst>
   </p:cSld>
   <p:clrMapOvr>
     <a:masterClrMapping/>
@@ -3863,6 +3873,13 @@
       </p:transition>
     </mc:Fallback>
   </mc:AlternateContent>
+  <p:timing>
+    <p:tnLst>
+      <p:par>
+        <p:cTn id="1" dur="indefinite" restart="never" nodeType="tmRoot"/>
+      </p:par>
+    </p:tnLst>
+  </p:timing>
 </p:sldLayout>
 </file>
 
@@ -3904,7 +3921,7 @@
           <a:lstStyle/>
           <a:p>
             <a:r>
-              <a:rPr lang="en-US"/>
+              <a:rPr lang="en-US" smtClean="0"/>
               <a:t>Click to edit Master title style</a:t>
             </a:r>
             <a:endParaRPr lang="en-US" dirty="0"/>
@@ -3933,35 +3950,35 @@
           <a:p>
             <a:pPr lvl="0"/>
             <a:r>
-              <a:rPr lang="en-US"/>
-              <a:t>Edit Master text styles</a:t>
+              <a:rPr lang="en-US" smtClean="0"/>
+              <a:t>Click to edit Master text styles</a:t>
             </a:r>
           </a:p>
           <a:p>
             <a:pPr lvl="1"/>
             <a:r>
-              <a:rPr lang="en-US"/>
+              <a:rPr lang="en-US" smtClean="0"/>
               <a:t>Second level</a:t>
             </a:r>
           </a:p>
           <a:p>
             <a:pPr lvl="2"/>
             <a:r>
-              <a:rPr lang="en-US"/>
+              <a:rPr lang="en-US" smtClean="0"/>
               <a:t>Third level</a:t>
             </a:r>
           </a:p>
           <a:p>
             <a:pPr lvl="3"/>
             <a:r>
-              <a:rPr lang="en-US"/>
+              <a:rPr lang="en-US" smtClean="0"/>
               <a:t>Fourth level</a:t>
             </a:r>
           </a:p>
           <a:p>
             <a:pPr lvl="4"/>
             <a:r>
-              <a:rPr lang="en-US"/>
+              <a:rPr lang="en-US" smtClean="0"/>
               <a:t>Fifth level</a:t>
             </a:r>
             <a:endParaRPr lang="en-US" dirty="0"/>
@@ -3985,7 +4002,7 @@
           <a:p>
             <a:fld id="{CFF5912B-6681-4BDF-AE10-F59636249FF3}" type="datetime1">
               <a:rPr lang="en-US" smtClean="0"/>
-              <a:t>2/9/17</a:t>
+              <a:t>2/10/17</a:t>
             </a:fld>
             <a:endParaRPr lang="en-US" dirty="0"/>
           </a:p>
@@ -4035,11 +4052,6 @@
         </p:txBody>
       </p:sp>
     </p:spTree>
-    <p:extLst>
-      <p:ext uri="{BB962C8B-B14F-4D97-AF65-F5344CB8AC3E}">
-        <p14:creationId xmlns:p14="http://schemas.microsoft.com/office/powerpoint/2010/main" val="2779360286"/>
-      </p:ext>
-    </p:extLst>
   </p:cSld>
   <p:clrMapOvr>
     <a:masterClrMapping/>
@@ -4056,6 +4068,13 @@
       </p:transition>
     </mc:Fallback>
   </mc:AlternateContent>
+  <p:timing>
+    <p:tnLst>
+      <p:par>
+        <p:cTn id="1" dur="indefinite" restart="never" nodeType="tmRoot"/>
+      </p:par>
+    </p:tnLst>
+  </p:timing>
 </p:sldLayout>
 </file>
 
@@ -4093,7 +4112,7 @@
           <a:p>
             <a:fld id="{905C8E22-D0BA-4CB4-9C32-B27533199514}" type="datetime1">
               <a:rPr lang="en-US" smtClean="0"/>
-              <a:t>2/9/17</a:t>
+              <a:t>2/10/17</a:t>
             </a:fld>
             <a:endParaRPr dirty="0"/>
           </a:p>
@@ -4281,7 +4300,7 @@
           <a:lstStyle/>
           <a:p>
             <a:r>
-              <a:rPr lang="en-US"/>
+              <a:rPr lang="en-US" smtClean="0"/>
               <a:t>Click to edit Master title style</a:t>
             </a:r>
             <a:endParaRPr lang="en-US" dirty="0"/>
@@ -4305,35 +4324,35 @@
           <a:p>
             <a:pPr lvl="0"/>
             <a:r>
-              <a:rPr lang="en-US"/>
-              <a:t>Edit Master text styles</a:t>
+              <a:rPr lang="en-US" smtClean="0"/>
+              <a:t>Click to edit Master text styles</a:t>
             </a:r>
           </a:p>
           <a:p>
             <a:pPr lvl="1"/>
             <a:r>
-              <a:rPr lang="en-US"/>
+              <a:rPr lang="en-US" smtClean="0"/>
               <a:t>Second level</a:t>
             </a:r>
           </a:p>
           <a:p>
             <a:pPr lvl="2"/>
             <a:r>
-              <a:rPr lang="en-US"/>
+              <a:rPr lang="en-US" smtClean="0"/>
               <a:t>Third level</a:t>
             </a:r>
           </a:p>
           <a:p>
             <a:pPr lvl="3"/>
             <a:r>
-              <a:rPr lang="en-US"/>
+              <a:rPr lang="en-US" smtClean="0"/>
               <a:t>Fourth level</a:t>
             </a:r>
           </a:p>
           <a:p>
             <a:pPr lvl="4"/>
             <a:r>
-              <a:rPr lang="en-US"/>
+              <a:rPr lang="en-US" smtClean="0"/>
               <a:t>Fifth level</a:t>
             </a:r>
             <a:endParaRPr lang="en-US" dirty="0"/>
@@ -4357,7 +4376,7 @@
           <a:p>
             <a:fld id="{FC2180A9-7A83-412D-A8AC-5AF60A8AA507}" type="datetime1">
               <a:rPr lang="en-US" smtClean="0"/>
-              <a:t>2/9/17</a:t>
+              <a:t>2/10/17</a:t>
             </a:fld>
             <a:endParaRPr lang="en-US" dirty="0"/>
           </a:p>
@@ -4407,11 +4426,6 @@
         </p:txBody>
       </p:sp>
     </p:spTree>
-    <p:extLst>
-      <p:ext uri="{BB962C8B-B14F-4D97-AF65-F5344CB8AC3E}">
-        <p14:creationId xmlns:p14="http://schemas.microsoft.com/office/powerpoint/2010/main" val="1603510989"/>
-      </p:ext>
-    </p:extLst>
   </p:cSld>
   <p:clrMapOvr>
     <a:masterClrMapping/>
@@ -4428,6 +4442,13 @@
       </p:transition>
     </mc:Fallback>
   </mc:AlternateContent>
+  <p:timing>
+    <p:tnLst>
+      <p:par>
+        <p:cTn id="1" dur="indefinite" restart="never" nodeType="tmRoot"/>
+      </p:par>
+    </p:tnLst>
+  </p:timing>
 </p:sldLayout>
 </file>
 
@@ -4473,7 +4494,7 @@
           </a:lstStyle>
           <a:p>
             <a:r>
-              <a:rPr lang="en-US"/>
+              <a:rPr lang="en-US" smtClean="0"/>
               <a:t>Click to edit Master title style</a:t>
             </a:r>
             <a:endParaRPr lang="en-US" dirty="0"/>
@@ -4594,8 +4615,8 @@
           <a:p>
             <a:pPr lvl="0"/>
             <a:r>
-              <a:rPr lang="en-US"/>
-              <a:t>Edit Master text styles</a:t>
+              <a:rPr lang="en-US" smtClean="0"/>
+              <a:t>Click to edit Master text styles</a:t>
             </a:r>
           </a:p>
         </p:txBody>
@@ -4617,7 +4638,7 @@
           <a:p>
             <a:fld id="{6A563DF0-FDDF-4143-9D8C-6AF41892E174}" type="datetime1">
               <a:rPr lang="en-US" smtClean="0"/>
-              <a:t>2/9/17</a:t>
+              <a:t>2/10/17</a:t>
             </a:fld>
             <a:endParaRPr lang="en-US" dirty="0"/>
           </a:p>
@@ -4667,11 +4688,6 @@
         </p:txBody>
       </p:sp>
     </p:spTree>
-    <p:extLst>
-      <p:ext uri="{BB962C8B-B14F-4D97-AF65-F5344CB8AC3E}">
-        <p14:creationId xmlns:p14="http://schemas.microsoft.com/office/powerpoint/2010/main" val="2162741367"/>
-      </p:ext>
-    </p:extLst>
   </p:cSld>
   <p:clrMapOvr>
     <a:masterClrMapping/>
@@ -4688,6 +4704,13 @@
       </p:transition>
     </mc:Fallback>
   </mc:AlternateContent>
+  <p:timing>
+    <p:tnLst>
+      <p:par>
+        <p:cTn id="1" dur="indefinite" restart="never" nodeType="tmRoot"/>
+      </p:par>
+    </p:tnLst>
+  </p:timing>
 </p:sldLayout>
 </file>
 
@@ -4724,7 +4747,7 @@
           <a:lstStyle/>
           <a:p>
             <a:r>
-              <a:rPr lang="en-US"/>
+              <a:rPr lang="en-US" smtClean="0"/>
               <a:t>Click to edit Master title style</a:t>
             </a:r>
             <a:endParaRPr lang="en-US" dirty="0"/>
@@ -4783,35 +4806,35 @@
           <a:p>
             <a:pPr lvl="0"/>
             <a:r>
-              <a:rPr lang="en-US"/>
-              <a:t>Edit Master text styles</a:t>
+              <a:rPr lang="en-US" smtClean="0"/>
+              <a:t>Click to edit Master text styles</a:t>
             </a:r>
           </a:p>
           <a:p>
             <a:pPr lvl="1"/>
             <a:r>
-              <a:rPr lang="en-US"/>
+              <a:rPr lang="en-US" smtClean="0"/>
               <a:t>Second level</a:t>
             </a:r>
           </a:p>
           <a:p>
             <a:pPr lvl="2"/>
             <a:r>
-              <a:rPr lang="en-US"/>
+              <a:rPr lang="en-US" smtClean="0"/>
               <a:t>Third level</a:t>
             </a:r>
           </a:p>
           <a:p>
             <a:pPr lvl="3"/>
             <a:r>
-              <a:rPr lang="en-US"/>
+              <a:rPr lang="en-US" smtClean="0"/>
               <a:t>Fourth level</a:t>
             </a:r>
           </a:p>
           <a:p>
             <a:pPr lvl="4"/>
             <a:r>
-              <a:rPr lang="en-US"/>
+              <a:rPr lang="en-US" smtClean="0"/>
               <a:t>Fifth level</a:t>
             </a:r>
             <a:endParaRPr lang="en-US" dirty="0"/>
@@ -4870,35 +4893,35 @@
           <a:p>
             <a:pPr lvl="0"/>
             <a:r>
-              <a:rPr lang="en-US"/>
-              <a:t>Edit Master text styles</a:t>
+              <a:rPr lang="en-US" smtClean="0"/>
+              <a:t>Click to edit Master text styles</a:t>
             </a:r>
           </a:p>
           <a:p>
             <a:pPr lvl="1"/>
             <a:r>
-              <a:rPr lang="en-US"/>
+              <a:rPr lang="en-US" smtClean="0"/>
               <a:t>Second level</a:t>
             </a:r>
           </a:p>
           <a:p>
             <a:pPr lvl="2"/>
             <a:r>
-              <a:rPr lang="en-US"/>
+              <a:rPr lang="en-US" smtClean="0"/>
               <a:t>Third level</a:t>
             </a:r>
           </a:p>
           <a:p>
             <a:pPr lvl="3"/>
             <a:r>
-              <a:rPr lang="en-US"/>
+              <a:rPr lang="en-US" smtClean="0"/>
               <a:t>Fourth level</a:t>
             </a:r>
           </a:p>
           <a:p>
             <a:pPr lvl="4"/>
             <a:r>
-              <a:rPr lang="en-US"/>
+              <a:rPr lang="en-US" smtClean="0"/>
               <a:t>Fifth level</a:t>
             </a:r>
             <a:endParaRPr lang="en-US" dirty="0"/>
@@ -4922,7 +4945,7 @@
           <a:p>
             <a:fld id="{38BB83F9-4677-4C31-8407-7919061A580B}" type="datetime1">
               <a:rPr lang="en-US" smtClean="0"/>
-              <a:t>2/9/17</a:t>
+              <a:t>2/10/17</a:t>
             </a:fld>
             <a:endParaRPr lang="en-US" dirty="0"/>
           </a:p>
@@ -4972,11 +4995,6 @@
         </p:txBody>
       </p:sp>
     </p:spTree>
-    <p:extLst>
-      <p:ext uri="{BB962C8B-B14F-4D97-AF65-F5344CB8AC3E}">
-        <p14:creationId xmlns:p14="http://schemas.microsoft.com/office/powerpoint/2010/main" val="1243723904"/>
-      </p:ext>
-    </p:extLst>
   </p:cSld>
   <p:clrMapOvr>
     <a:masterClrMapping/>
@@ -4993,6 +5011,13 @@
       </p:transition>
     </mc:Fallback>
   </mc:AlternateContent>
+  <p:timing>
+    <p:tnLst>
+      <p:par>
+        <p:cTn id="1" dur="indefinite" restart="never" nodeType="tmRoot"/>
+      </p:par>
+    </p:tnLst>
+  </p:timing>
 </p:sldLayout>
 </file>
 
@@ -5033,7 +5058,7 @@
           </a:lstStyle>
           <a:p>
             <a:r>
-              <a:rPr lang="en-US"/>
+              <a:rPr lang="en-US" smtClean="0"/>
               <a:t>Click to edit Master title style</a:t>
             </a:r>
             <a:endParaRPr lang="en-US" dirty="0"/>
@@ -5108,8 +5133,8 @@
           <a:p>
             <a:pPr lvl="0"/>
             <a:r>
-              <a:rPr lang="en-US"/>
-              <a:t>Edit Master text styles</a:t>
+              <a:rPr lang="en-US" smtClean="0"/>
+              <a:t>Click to edit Master text styles</a:t>
             </a:r>
           </a:p>
         </p:txBody>
@@ -5166,35 +5191,35 @@
           <a:p>
             <a:pPr lvl="0"/>
             <a:r>
-              <a:rPr lang="en-US"/>
-              <a:t>Edit Master text styles</a:t>
+              <a:rPr lang="en-US" smtClean="0"/>
+              <a:t>Click to edit Master text styles</a:t>
             </a:r>
           </a:p>
           <a:p>
             <a:pPr lvl="1"/>
             <a:r>
-              <a:rPr lang="en-US"/>
+              <a:rPr lang="en-US" smtClean="0"/>
               <a:t>Second level</a:t>
             </a:r>
           </a:p>
           <a:p>
             <a:pPr lvl="2"/>
             <a:r>
-              <a:rPr lang="en-US"/>
+              <a:rPr lang="en-US" smtClean="0"/>
               <a:t>Third level</a:t>
             </a:r>
           </a:p>
           <a:p>
             <a:pPr lvl="3"/>
             <a:r>
-              <a:rPr lang="en-US"/>
+              <a:rPr lang="en-US" smtClean="0"/>
               <a:t>Fourth level</a:t>
             </a:r>
           </a:p>
           <a:p>
             <a:pPr lvl="4"/>
             <a:r>
-              <a:rPr lang="en-US"/>
+              <a:rPr lang="en-US" smtClean="0"/>
               <a:t>Fifth level</a:t>
             </a:r>
             <a:endParaRPr lang="en-US" dirty="0"/>
@@ -5269,8 +5294,8 @@
           <a:p>
             <a:pPr lvl="0"/>
             <a:r>
-              <a:rPr lang="en-US"/>
-              <a:t>Edit Master text styles</a:t>
+              <a:rPr lang="en-US" smtClean="0"/>
+              <a:t>Click to edit Master text styles</a:t>
             </a:r>
           </a:p>
         </p:txBody>
@@ -5327,35 +5352,35 @@
           <a:p>
             <a:pPr lvl="0"/>
             <a:r>
-              <a:rPr lang="en-US"/>
-              <a:t>Edit Master text styles</a:t>
+              <a:rPr lang="en-US" smtClean="0"/>
+              <a:t>Click to edit Master text styles</a:t>
             </a:r>
           </a:p>
           <a:p>
             <a:pPr lvl="1"/>
             <a:r>
-              <a:rPr lang="en-US"/>
+              <a:rPr lang="en-US" smtClean="0"/>
               <a:t>Second level</a:t>
             </a:r>
           </a:p>
           <a:p>
             <a:pPr lvl="2"/>
             <a:r>
-              <a:rPr lang="en-US"/>
+              <a:rPr lang="en-US" smtClean="0"/>
               <a:t>Third level</a:t>
             </a:r>
           </a:p>
           <a:p>
             <a:pPr lvl="3"/>
             <a:r>
-              <a:rPr lang="en-US"/>
+              <a:rPr lang="en-US" smtClean="0"/>
               <a:t>Fourth level</a:t>
             </a:r>
           </a:p>
           <a:p>
             <a:pPr lvl="4"/>
             <a:r>
-              <a:rPr lang="en-US"/>
+              <a:rPr lang="en-US" smtClean="0"/>
               <a:t>Fifth level</a:t>
             </a:r>
             <a:endParaRPr lang="en-US" dirty="0"/>
@@ -5379,7 +5404,7 @@
           <a:p>
             <a:fld id="{C33939A6-3450-434F-A872-BEE63F7EB093}" type="datetime1">
               <a:rPr lang="en-US" smtClean="0"/>
-              <a:t>2/9/17</a:t>
+              <a:t>2/10/17</a:t>
             </a:fld>
             <a:endParaRPr lang="en-US" dirty="0"/>
           </a:p>
@@ -5429,11 +5454,6 @@
         </p:txBody>
       </p:sp>
     </p:spTree>
-    <p:extLst>
-      <p:ext uri="{BB962C8B-B14F-4D97-AF65-F5344CB8AC3E}">
-        <p14:creationId xmlns:p14="http://schemas.microsoft.com/office/powerpoint/2010/main" val="1277455362"/>
-      </p:ext>
-    </p:extLst>
   </p:cSld>
   <p:clrMapOvr>
     <a:masterClrMapping/>
@@ -5450,6 +5470,13 @@
       </p:transition>
     </mc:Fallback>
   </mc:AlternateContent>
+  <p:timing>
+    <p:tnLst>
+      <p:par>
+        <p:cTn id="1" dur="indefinite" restart="never" nodeType="tmRoot"/>
+      </p:par>
+    </p:tnLst>
+  </p:timing>
 </p:sldLayout>
 </file>
 
@@ -5486,7 +5513,7 @@
           <a:lstStyle/>
           <a:p>
             <a:r>
-              <a:rPr lang="en-US"/>
+              <a:rPr lang="en-US" smtClean="0"/>
               <a:t>Click to edit Master title style</a:t>
             </a:r>
             <a:endParaRPr lang="en-US" dirty="0"/>
@@ -5510,7 +5537,7 @@
           <a:p>
             <a:fld id="{E3BABB1C-FA00-4171-BA31-4C5E719472F3}" type="datetime1">
               <a:rPr lang="en-US" smtClean="0"/>
-              <a:t>2/9/17</a:t>
+              <a:t>2/10/17</a:t>
             </a:fld>
             <a:endParaRPr lang="en-US" dirty="0"/>
           </a:p>
@@ -5560,11 +5587,6 @@
         </p:txBody>
       </p:sp>
     </p:spTree>
-    <p:extLst>
-      <p:ext uri="{BB962C8B-B14F-4D97-AF65-F5344CB8AC3E}">
-        <p14:creationId xmlns:p14="http://schemas.microsoft.com/office/powerpoint/2010/main" val="3179370916"/>
-      </p:ext>
-    </p:extLst>
   </p:cSld>
   <p:clrMapOvr>
     <a:masterClrMapping/>
@@ -5581,6 +5603,13 @@
       </p:transition>
     </mc:Fallback>
   </mc:AlternateContent>
+  <p:timing>
+    <p:tnLst>
+      <p:par>
+        <p:cTn id="1" dur="indefinite" restart="never" nodeType="tmRoot"/>
+      </p:par>
+    </p:tnLst>
+  </p:timing>
 </p:sldLayout>
 </file>
 
@@ -5618,7 +5647,7 @@
           <a:p>
             <a:fld id="{D76C8610-5B57-4C6B-BF9F-F5397A1F60B8}" type="datetime1">
               <a:rPr lang="en-US" smtClean="0"/>
-              <a:t>2/9/17</a:t>
+              <a:t>2/10/17</a:t>
             </a:fld>
             <a:endParaRPr lang="en-US" dirty="0"/>
           </a:p>
@@ -5668,11 +5697,6 @@
         </p:txBody>
       </p:sp>
     </p:spTree>
-    <p:extLst>
-      <p:ext uri="{BB962C8B-B14F-4D97-AF65-F5344CB8AC3E}">
-        <p14:creationId xmlns:p14="http://schemas.microsoft.com/office/powerpoint/2010/main" val="464605571"/>
-      </p:ext>
-    </p:extLst>
   </p:cSld>
   <p:clrMapOvr>
     <a:masterClrMapping/>
@@ -5689,6 +5713,13 @@
       </p:transition>
     </mc:Fallback>
   </mc:AlternateContent>
+  <p:timing>
+    <p:tnLst>
+      <p:par>
+        <p:cTn id="1" dur="indefinite" restart="never" nodeType="tmRoot"/>
+      </p:par>
+    </p:tnLst>
+  </p:timing>
 </p:sldLayout>
 </file>
 
@@ -5734,7 +5765,7 @@
           </a:lstStyle>
           <a:p>
             <a:r>
-              <a:rPr lang="en-US"/>
+              <a:rPr lang="en-US" smtClean="0"/>
               <a:t>Click to edit Master title style</a:t>
             </a:r>
             <a:endParaRPr lang="en-US" dirty="0"/>
@@ -5793,35 +5824,35 @@
           <a:p>
             <a:pPr lvl="0"/>
             <a:r>
-              <a:rPr lang="en-US"/>
-              <a:t>Edit Master text styles</a:t>
+              <a:rPr lang="en-US" smtClean="0"/>
+              <a:t>Click to edit Master text styles</a:t>
             </a:r>
           </a:p>
           <a:p>
             <a:pPr lvl="1"/>
             <a:r>
-              <a:rPr lang="en-US"/>
+              <a:rPr lang="en-US" smtClean="0"/>
               <a:t>Second level</a:t>
             </a:r>
           </a:p>
           <a:p>
             <a:pPr lvl="2"/>
             <a:r>
-              <a:rPr lang="en-US"/>
+              <a:rPr lang="en-US" smtClean="0"/>
               <a:t>Third level</a:t>
             </a:r>
           </a:p>
           <a:p>
             <a:pPr lvl="3"/>
             <a:r>
-              <a:rPr lang="en-US"/>
+              <a:rPr lang="en-US" smtClean="0"/>
               <a:t>Fourth level</a:t>
             </a:r>
           </a:p>
           <a:p>
             <a:pPr lvl="4"/>
             <a:r>
-              <a:rPr lang="en-US"/>
+              <a:rPr lang="en-US" smtClean="0"/>
               <a:t>Fifth level</a:t>
             </a:r>
             <a:endParaRPr lang="en-US" dirty="0"/>
@@ -5887,8 +5918,8 @@
           <a:p>
             <a:pPr lvl="0"/>
             <a:r>
-              <a:rPr lang="en-US"/>
-              <a:t>Edit Master text styles</a:t>
+              <a:rPr lang="en-US" smtClean="0"/>
+              <a:t>Click to edit Master text styles</a:t>
             </a:r>
           </a:p>
         </p:txBody>
@@ -5910,7 +5941,7 @@
           <a:p>
             <a:fld id="{BADBF3DD-8B6D-46AA-BCA9-242D4EF63DDF}" type="datetime1">
               <a:rPr lang="en-US" smtClean="0"/>
-              <a:t>2/9/17</a:t>
+              <a:t>2/10/17</a:t>
             </a:fld>
             <a:endParaRPr lang="en-US" dirty="0"/>
           </a:p>
@@ -5960,11 +5991,6 @@
         </p:txBody>
       </p:sp>
     </p:spTree>
-    <p:extLst>
-      <p:ext uri="{BB962C8B-B14F-4D97-AF65-F5344CB8AC3E}">
-        <p14:creationId xmlns:p14="http://schemas.microsoft.com/office/powerpoint/2010/main" val="1738958900"/>
-      </p:ext>
-    </p:extLst>
   </p:cSld>
   <p:clrMapOvr>
     <a:masterClrMapping/>
@@ -5981,6 +6007,13 @@
       </p:transition>
     </mc:Fallback>
   </mc:AlternateContent>
+  <p:timing>
+    <p:tnLst>
+      <p:par>
+        <p:cTn id="1" dur="indefinite" restart="never" nodeType="tmRoot"/>
+      </p:par>
+    </p:tnLst>
+  </p:timing>
 </p:sldLayout>
 </file>
 
@@ -6028,7 +6061,7 @@
           </a:lstStyle>
           <a:p>
             <a:r>
-              <a:rPr lang="en-US"/>
+              <a:rPr lang="en-US" smtClean="0"/>
               <a:t>Click to edit Master title style</a:t>
             </a:r>
             <a:endParaRPr lang="en-US" dirty="0"/>
@@ -6107,8 +6140,8 @@
           </a:lstStyle>
           <a:p>
             <a:r>
-              <a:rPr lang="en-US"/>
-              <a:t>Click icon to add picture</a:t>
+              <a:rPr lang="en-US" smtClean="0"/>
+              <a:t>Drag picture to placeholder or click icon to add</a:t>
             </a:r>
             <a:endParaRPr lang="en-US" dirty="0"/>
           </a:p>
@@ -6175,8 +6208,8 @@
           <a:p>
             <a:pPr lvl="0"/>
             <a:r>
-              <a:rPr lang="en-US"/>
-              <a:t>Edit Master text styles</a:t>
+              <a:rPr lang="en-US" smtClean="0"/>
+              <a:t>Click to edit Master text styles</a:t>
             </a:r>
           </a:p>
         </p:txBody>
@@ -6198,7 +6231,7 @@
           <a:p>
             <a:fld id="{23C41AE9-3D4A-4A08-B03D-DC6D2ADF5464}" type="datetime1">
               <a:rPr lang="en-US" smtClean="0"/>
-              <a:t>2/9/17</a:t>
+              <a:t>2/10/17</a:t>
             </a:fld>
             <a:endParaRPr lang="en-US" dirty="0"/>
           </a:p>
@@ -6248,11 +6281,6 @@
         </p:txBody>
       </p:sp>
     </p:spTree>
-    <p:extLst>
-      <p:ext uri="{BB962C8B-B14F-4D97-AF65-F5344CB8AC3E}">
-        <p14:creationId xmlns:p14="http://schemas.microsoft.com/office/powerpoint/2010/main" val="2987239068"/>
-      </p:ext>
-    </p:extLst>
   </p:cSld>
   <p:clrMapOvr>
     <a:masterClrMapping/>
@@ -6269,6 +6297,13 @@
       </p:transition>
     </mc:Fallback>
   </mc:AlternateContent>
+  <p:timing>
+    <p:tnLst>
+      <p:par>
+        <p:cTn id="1" dur="indefinite" restart="never" nodeType="tmRoot"/>
+      </p:par>
+    </p:tnLst>
+  </p:timing>
 </p:sldLayout>
 </file>
 
@@ -6671,7 +6706,7 @@
           <a:lstStyle/>
           <a:p>
             <a:r>
-              <a:rPr lang="en-US"/>
+              <a:rPr lang="en-US" smtClean="0"/>
               <a:t>Click to edit Master title style</a:t>
             </a:r>
             <a:endParaRPr lang="en-US" dirty="0"/>
@@ -6705,35 +6740,35 @@
           <a:p>
             <a:pPr lvl="0"/>
             <a:r>
-              <a:rPr lang="en-US"/>
-              <a:t>Edit Master text styles</a:t>
+              <a:rPr lang="en-US" smtClean="0"/>
+              <a:t>Click to edit Master text styles</a:t>
             </a:r>
           </a:p>
           <a:p>
             <a:pPr lvl="1"/>
             <a:r>
-              <a:rPr lang="en-US"/>
+              <a:rPr lang="en-US" smtClean="0"/>
               <a:t>Second level</a:t>
             </a:r>
           </a:p>
           <a:p>
             <a:pPr lvl="2"/>
             <a:r>
-              <a:rPr lang="en-US"/>
+              <a:rPr lang="en-US" smtClean="0"/>
               <a:t>Third level</a:t>
             </a:r>
           </a:p>
           <a:p>
             <a:pPr lvl="3"/>
             <a:r>
-              <a:rPr lang="en-US"/>
+              <a:rPr lang="en-US" smtClean="0"/>
               <a:t>Fourth level</a:t>
             </a:r>
           </a:p>
           <a:p>
             <a:pPr lvl="4"/>
             <a:r>
-              <a:rPr lang="en-US"/>
+              <a:rPr lang="en-US" smtClean="0"/>
               <a:t>Fifth level</a:t>
             </a:r>
             <a:endParaRPr lang="en-US" dirty="0"/>
@@ -6776,7 +6811,7 @@
           <a:p>
             <a:fld id="{5C6E67D0-0200-42BE-A0B2-78C70FBBB312}" type="datetime1">
               <a:rPr lang="en-US" smtClean="0"/>
-              <a:t>2/9/17</a:t>
+              <a:t>2/10/17</a:t>
             </a:fld>
             <a:endParaRPr lang="en-US" dirty="0"/>
           </a:p>
@@ -6899,29 +6934,29 @@
     </p:spTree>
     <p:extLst>
       <p:ext uri="{BB962C8B-B14F-4D97-AF65-F5344CB8AC3E}">
-        <p14:creationId xmlns:p14="http://schemas.microsoft.com/office/powerpoint/2010/main" val="915534"/>
+        <p14:creationId xmlns:p14="http://schemas.microsoft.com/office/powerpoint/2010/main" val="326699188"/>
       </p:ext>
     </p:extLst>
   </p:cSld>
   <p:clrMap bg1="dk1" tx1="lt1" bg2="dk2" tx2="lt2" accent1="accent1" accent2="accent2" accent3="accent3" accent4="accent4" accent5="accent5" accent6="accent6" hlink="hlink" folHlink="folHlink"/>
   <p:sldLayoutIdLst>
-    <p:sldLayoutId id="2147484129" r:id="rId1"/>
-    <p:sldLayoutId id="2147484130" r:id="rId2"/>
-    <p:sldLayoutId id="2147484131" r:id="rId3"/>
-    <p:sldLayoutId id="2147484132" r:id="rId4"/>
-    <p:sldLayoutId id="2147484133" r:id="rId5"/>
-    <p:sldLayoutId id="2147484134" r:id="rId6"/>
-    <p:sldLayoutId id="2147484135" r:id="rId7"/>
-    <p:sldLayoutId id="2147484136" r:id="rId8"/>
-    <p:sldLayoutId id="2147484137" r:id="rId9"/>
-    <p:sldLayoutId id="2147484138" r:id="rId10"/>
-    <p:sldLayoutId id="2147484139" r:id="rId11"/>
-    <p:sldLayoutId id="2147484140" r:id="rId12"/>
-    <p:sldLayoutId id="2147484141" r:id="rId13"/>
-    <p:sldLayoutId id="2147484142" r:id="rId14"/>
-    <p:sldLayoutId id="2147484143" r:id="rId15"/>
-    <p:sldLayoutId id="2147484144" r:id="rId16"/>
-    <p:sldLayoutId id="2147484145" r:id="rId17"/>
+    <p:sldLayoutId id="2147484219" r:id="rId1"/>
+    <p:sldLayoutId id="2147484220" r:id="rId2"/>
+    <p:sldLayoutId id="2147484221" r:id="rId3"/>
+    <p:sldLayoutId id="2147484222" r:id="rId4"/>
+    <p:sldLayoutId id="2147484223" r:id="rId5"/>
+    <p:sldLayoutId id="2147484224" r:id="rId6"/>
+    <p:sldLayoutId id="2147484225" r:id="rId7"/>
+    <p:sldLayoutId id="2147484226" r:id="rId8"/>
+    <p:sldLayoutId id="2147484227" r:id="rId9"/>
+    <p:sldLayoutId id="2147484228" r:id="rId10"/>
+    <p:sldLayoutId id="2147484229" r:id="rId11"/>
+    <p:sldLayoutId id="2147484230" r:id="rId12"/>
+    <p:sldLayoutId id="2147484231" r:id="rId13"/>
+    <p:sldLayoutId id="2147484232" r:id="rId14"/>
+    <p:sldLayoutId id="2147484233" r:id="rId15"/>
+    <p:sldLayoutId id="2147484234" r:id="rId16"/>
+    <p:sldLayoutId id="2147484235" r:id="rId17"/>
     <p:sldLayoutId id="2147483914" r:id="rId18"/>
   </p:sldLayoutIdLst>
   <mc:AlternateContent xmlns:mc="http://schemas.openxmlformats.org/markup-compatibility/2006" xmlns:p14="http://schemas.microsoft.com/office/powerpoint/2010/main">
@@ -6936,6 +6971,13 @@
       </p:transition>
     </mc:Fallback>
   </mc:AlternateContent>
+  <p:timing>
+    <p:tnLst>
+      <p:par>
+        <p:cTn id="1" dur="indefinite" restart="never" nodeType="tmRoot"/>
+      </p:par>
+    </p:tnLst>
+  </p:timing>
   <p:hf sldNum="0" hdr="0" ftr="0" dt="0"/>
   <p:txStyles>
     <p:titleStyle>
@@ -7365,7 +7407,7 @@
         </p:nvSpPr>
         <p:spPr>
           <a:xfrm>
-            <a:off x="914401" y="1943101"/>
+            <a:off x="914401" y="2269985"/>
             <a:ext cx="8572499" cy="1371600"/>
           </a:xfrm>
         </p:spPr>
@@ -7377,15 +7419,27 @@
           <a:p>
             <a:r>
               <a:rPr lang="en-US" sz="4125" dirty="0"/>
-              <a:t>Capstone project proposal: </a:t>
+              <a:t/>
             </a:r>
             <a:br>
               <a:rPr lang="en-US" sz="4125" dirty="0"/>
             </a:br>
             <a:r>
-              <a:rPr lang="en-US" sz="4125" dirty="0"/>
-              <a:t>EM parameterization of CF composite</a:t>
-            </a:r>
+              <a:rPr lang="en-US" sz="4400" dirty="0"/>
+              <a:t>EM parameterization </a:t>
+            </a:r>
+            <a:r>
+              <a:rPr lang="en-US" sz="4400" dirty="0" smtClean="0"/>
+              <a:t>of</a:t>
+            </a:r>
+            <a:br>
+              <a:rPr lang="en-US" sz="4400" dirty="0" smtClean="0"/>
+            </a:br>
+            <a:r>
+              <a:rPr lang="en-US" sz="4400" dirty="0" smtClean="0"/>
+              <a:t>CF composite absorber</a:t>
+            </a:r>
+            <a:endParaRPr lang="en-US" sz="4400" dirty="0"/>
           </a:p>
         </p:txBody>
       </p:sp>
@@ -7401,13 +7455,13 @@
         </p:nvSpPr>
         <p:spPr>
           <a:xfrm>
-            <a:off x="1028700" y="3543300"/>
-            <a:ext cx="4629150" cy="1143000"/>
+            <a:off x="1028700" y="4343400"/>
+            <a:ext cx="7061187" cy="1562100"/>
           </a:xfrm>
         </p:spPr>
         <p:txBody>
           <a:bodyPr>
-            <a:normAutofit fontScale="70000" lnSpcReduction="20000"/>
+            <a:normAutofit/>
           </a:bodyPr>
           <a:lstStyle/>
           <a:p>
@@ -7417,15 +7471,15 @@
               </a:spcAft>
             </a:pPr>
             <a:r>
-              <a:rPr lang="en-US" dirty="0"/>
+              <a:rPr lang="en-US" sz="1800" dirty="0"/>
               <a:t>Sponsor: </a:t>
             </a:r>
             <a:r>
-              <a:rPr lang="en-US" dirty="0" err="1"/>
+              <a:rPr lang="en-US" sz="1800" dirty="0" err="1"/>
               <a:t>Tangitek</a:t>
             </a:r>
             <a:r>
-              <a:rPr lang="en-US" dirty="0"/>
+              <a:rPr lang="en-US" sz="1800" dirty="0"/>
               <a:t> LLC</a:t>
             </a:r>
           </a:p>
@@ -7436,7 +7490,7 @@
               </a:spcAft>
             </a:pPr>
             <a:r>
-              <a:rPr lang="en-US" dirty="0"/>
+              <a:rPr lang="en-US" sz="1800" dirty="0"/>
               <a:t>Advisor: 	Branimir Pejcinovic</a:t>
             </a:r>
           </a:p>
@@ -7447,7 +7501,7 @@
               </a:spcAft>
             </a:pPr>
             <a:r>
-              <a:rPr lang="en-US" dirty="0"/>
+              <a:rPr lang="en-US" sz="1800" dirty="0"/>
               <a:t>Students: 	Ha Tran, Thanh Le, Jeffrey Brown</a:t>
             </a:r>
           </a:p>
@@ -7457,7 +7511,35 @@
                 <a:spcPts val="450"/>
               </a:spcAft>
             </a:pPr>
-            <a:endParaRPr lang="en-US" dirty="0"/>
+            <a:endParaRPr lang="en-US" sz="1800" dirty="0"/>
+          </a:p>
+        </p:txBody>
+      </p:sp>
+      <p:sp>
+        <p:nvSpPr>
+          <p:cNvPr id="4" name="Rectangle 3"/>
+          <p:cNvSpPr/>
+          <p:nvPr/>
+        </p:nvSpPr>
+        <p:spPr>
+          <a:xfrm>
+            <a:off x="901701" y="1447800"/>
+            <a:ext cx="7188186" cy="707886"/>
+          </a:xfrm>
+          <a:prstGeom prst="rect">
+            <a:avLst/>
+          </a:prstGeom>
+        </p:spPr>
+        <p:txBody>
+          <a:bodyPr wrap="none">
+            <a:spAutoFit/>
+          </a:bodyPr>
+          <a:lstStyle/>
+          <a:p>
+            <a:r>
+              <a:rPr lang="en-US" sz="4000" dirty="0"/>
+              <a:t>Capstone project proposal: </a:t>
+            </a:r>
           </a:p>
         </p:txBody>
       </p:sp>
@@ -7553,11 +7635,7 @@
             </a:r>
             <a:r>
               <a:rPr lang="en-US" dirty="0" smtClean="0"/>
-              <a:t>1 </a:t>
-            </a:r>
-            <a:r>
-              <a:rPr lang="en-US" dirty="0" smtClean="0"/>
-              <a:t>waveguide </a:t>
+              <a:t>1 waveguide </a:t>
             </a:r>
             <a:r>
               <a:rPr lang="en-US" dirty="0"/>
@@ -7581,7 +7659,6 @@
               <a:rPr lang="en-US" dirty="0" smtClean="0"/>
               <a:t>Frequency: 8.20 - 12.40 GHz</a:t>
             </a:r>
-            <a:endParaRPr lang="en-US" dirty="0" smtClean="0"/>
           </a:p>
           <a:p>
             <a:r>
@@ -8001,14 +8078,39 @@
             <p:ph type="title"/>
           </p:nvPr>
         </p:nvSpPr>
-        <p:spPr/>
+        <p:spPr>
+          <a:xfrm>
+            <a:off x="329568" y="457200"/>
+            <a:ext cx="7592490" cy="1400530"/>
+          </a:xfrm>
+        </p:spPr>
         <p:txBody>
           <a:bodyPr/>
           <a:lstStyle/>
           <a:p>
             <a:r>
-              <a:rPr lang="en-US" dirty="0" smtClean="0"/>
-              <a:t>Sample holder here</a:t>
+              <a:rPr lang="en-US" smtClean="0"/>
+              <a:t>Sample </a:t>
+            </a:r>
+            <a:r>
+              <a:rPr lang="en-US" smtClean="0"/>
+              <a:t>Holder </a:t>
+            </a:r>
+            <a:r>
+              <a:rPr lang="en-US"/>
+              <a:t>I</a:t>
+            </a:r>
+            <a:r>
+              <a:rPr lang="en-US" smtClean="0"/>
+              <a:t>nitial </a:t>
+            </a:r>
+            <a:r>
+              <a:rPr lang="en-US" dirty="0"/>
+              <a:t>D</a:t>
+            </a:r>
+            <a:r>
+              <a:rPr lang="en-US" smtClean="0"/>
+              <a:t>esign</a:t>
             </a:r>
             <a:endParaRPr lang="en-US" dirty="0"/>
           </a:p>
@@ -8421,8 +8523,13 @@
           <a:p>
             <a:r>
               <a:rPr lang="en-US" dirty="0" smtClean="0"/>
-              <a:t>Sample with various size: (all with thickness of 2 mm)</a:t>
-            </a:r>
+              <a:t>Sample with various size</a:t>
+            </a:r>
+            <a:r>
+              <a:rPr lang="en-US" dirty="0" smtClean="0"/>
+              <a:t>:</a:t>
+            </a:r>
+            <a:endParaRPr lang="en-US" dirty="0" smtClean="0"/>
           </a:p>
           <a:p>
             <a:pPr lvl="1"/>
@@ -8432,23 +8539,49 @@
             </a:r>
             <a:r>
               <a:rPr lang="en-US" dirty="0" smtClean="0"/>
-              <a:t>):		22.86 </a:t>
+              <a:t>):		</a:t>
+            </a:r>
+            <a:r>
+              <a:rPr lang="en-US" dirty="0" smtClean="0"/>
+              <a:t>22.86 </a:t>
             </a:r>
             <a:r>
               <a:rPr lang="en-US" dirty="0"/>
-              <a:t>mm x 10.16 </a:t>
+              <a:t>x </a:t>
             </a:r>
             <a:r>
               <a:rPr lang="en-US" dirty="0" smtClean="0"/>
-              <a:t>mm</a:t>
-            </a:r>
+              <a:t>10.16 x 5 mm</a:t>
+            </a:r>
+            <a:endParaRPr lang="en-US" dirty="0" smtClean="0"/>
           </a:p>
           <a:p>
             <a:pPr lvl="1"/>
             <a:r>
               <a:rPr lang="en-US" dirty="0"/>
-              <a:t>NRL Arch (up to 18 GHz): 	30 x 30 cm and 60 x 60 cm</a:t>
-            </a:r>
+              <a:t>NRL Arch (up to 18 GHz): 	</a:t>
+            </a:r>
+            <a:r>
+              <a:rPr lang="en-US" dirty="0" smtClean="0"/>
+              <a:t>30 </a:t>
+            </a:r>
+            <a:r>
+              <a:rPr lang="en-US" dirty="0"/>
+              <a:t>x </a:t>
+            </a:r>
+            <a:r>
+              <a:rPr lang="en-US" dirty="0" smtClean="0"/>
+              <a:t>30 x 0.2 cm 											60 </a:t>
+            </a:r>
+            <a:r>
+              <a:rPr lang="en-US" dirty="0"/>
+              <a:t>x 60 </a:t>
+            </a:r>
+            <a:r>
+              <a:rPr lang="en-US" dirty="0" smtClean="0"/>
+              <a:t>x 0.2 cm</a:t>
+            </a:r>
+            <a:endParaRPr lang="en-US" dirty="0"/>
           </a:p>
           <a:p>
             <a:pPr marL="342906" lvl="1" indent="-342906"/>
@@ -8737,7 +8870,11 @@
           <a:p>
             <a:r>
               <a:rPr lang="en-US" sz="3000" dirty="0" smtClean="0"/>
-              <a:t>Related Documents and References</a:t>
+              <a:t>Related </a:t>
+            </a:r>
+            <a:r>
+              <a:rPr lang="en-US" sz="3000" dirty="0" smtClean="0"/>
+              <a:t>Documents</a:t>
             </a:r>
             <a:endParaRPr lang="en-US" sz="3000" dirty="0"/>
           </a:p>
@@ -8993,20 +9130,24 @@
           </a:lstStyle>
           <a:p>
             <a:r>
-              <a:rPr lang="en-US" sz="1600" smtClean="0"/>
-              <a:t>All related documents are available on GitHub</a:t>
-            </a:r>
-            <a:r>
-              <a:rPr lang="en-US" sz="1600" smtClean="0">
-                <a:hlinkClick r:id="rId2"/>
-              </a:rPr>
-              <a:t> https://</a:t>
+              <a:rPr lang="en-US" sz="1600" dirty="0" smtClean="0"/>
+              <a:t>All related documents are available on </a:t>
+            </a:r>
+            <a:r>
+              <a:rPr lang="en-US" sz="1600" dirty="0" smtClean="0"/>
+              <a:t>GitHub</a:t>
             </a:r>
             <a:r>
               <a:rPr lang="en-US" sz="1600" dirty="0" smtClean="0">
                 <a:hlinkClick r:id="rId2"/>
               </a:rPr>
-              <a:t>github.com/trankhiemha/ECE412-413-Capstone-Project-N3</a:t>
+              <a:t> https</a:t>
+            </a:r>
+            <a:r>
+              <a:rPr lang="en-US" sz="1600" dirty="0" smtClean="0">
+                <a:hlinkClick r:id="rId2"/>
+              </a:rPr>
+              <a:t>://github.com/trankhiemha/ECE412-413-Capstone-Project-N3</a:t>
             </a:r>
             <a:endParaRPr lang="en-US" sz="1600" dirty="0" smtClean="0"/>
           </a:p>
@@ -9056,6 +9197,271 @@
     <p:extLst>
       <p:ext uri="{BB962C8B-B14F-4D97-AF65-F5344CB8AC3E}">
         <p14:creationId xmlns:p14="http://schemas.microsoft.com/office/powerpoint/2010/main" val="1200217142"/>
+      </p:ext>
+    </p:extLst>
+  </p:cSld>
+  <p:clrMapOvr>
+    <a:masterClrMapping/>
+  </p:clrMapOvr>
+  <mc:AlternateContent xmlns:mc="http://schemas.openxmlformats.org/markup-compatibility/2006" xmlns:p14="http://schemas.microsoft.com/office/powerpoint/2010/main">
+    <mc:Choice Requires="p14">
+      <p:transition spd="med" p14:dur="700">
+        <p:fade/>
+      </p:transition>
+    </mc:Choice>
+    <mc:Fallback xmlns="">
+      <p:transition spd="med">
+        <p:fade/>
+      </p:transition>
+    </mc:Fallback>
+  </mc:AlternateContent>
+</p:sld>
+</file>
+
+<file path=ppt/slides/slide16.xml><?xml version="1.0" encoding="utf-8"?>
+<p:sld xmlns:a="http://schemas.openxmlformats.org/drawingml/2006/main" xmlns:r="http://schemas.openxmlformats.org/officeDocument/2006/relationships" xmlns:p="http://schemas.openxmlformats.org/presentationml/2006/main">
+  <p:cSld>
+    <p:spTree>
+      <p:nvGrpSpPr>
+        <p:cNvPr id="1" name=""/>
+        <p:cNvGrpSpPr/>
+        <p:nvPr/>
+      </p:nvGrpSpPr>
+      <p:grpSpPr>
+        <a:xfrm>
+          <a:off x="0" y="0"/>
+          <a:ext cx="0" cy="0"/>
+          <a:chOff x="0" y="0"/>
+          <a:chExt cx="0" cy="0"/>
+        </a:xfrm>
+      </p:grpSpPr>
+      <p:sp>
+        <p:nvSpPr>
+          <p:cNvPr id="2" name="Title 1"/>
+          <p:cNvSpPr>
+            <a:spLocks noGrp="1"/>
+          </p:cNvSpPr>
+          <p:nvPr>
+            <p:ph type="title"/>
+          </p:nvPr>
+        </p:nvSpPr>
+        <p:spPr/>
+        <p:txBody>
+          <a:bodyPr/>
+          <a:lstStyle/>
+          <a:p>
+            <a:r>
+              <a:rPr lang="en-US" dirty="0" smtClean="0"/>
+              <a:t>Reference</a:t>
+            </a:r>
+            <a:endParaRPr lang="en-US" dirty="0"/>
+          </a:p>
+        </p:txBody>
+      </p:sp>
+      <p:sp>
+        <p:nvSpPr>
+          <p:cNvPr id="3" name="Content Placeholder 2"/>
+          <p:cNvSpPr>
+            <a:spLocks noGrp="1"/>
+          </p:cNvSpPr>
+          <p:nvPr>
+            <p:ph idx="1"/>
+          </p:nvPr>
+        </p:nvSpPr>
+        <p:spPr>
+          <a:xfrm>
+            <a:off x="815736" y="1524000"/>
+            <a:ext cx="6194664" cy="4724400"/>
+          </a:xfrm>
+        </p:spPr>
+        <p:txBody>
+          <a:bodyPr>
+            <a:normAutofit fontScale="77500" lnSpcReduction="20000"/>
+          </a:bodyPr>
+          <a:lstStyle/>
+          <a:p>
+            <a:pPr marL="0" indent="0">
+              <a:buNone/>
+            </a:pPr>
+            <a:r>
+              <a:rPr lang="en-US" dirty="0"/>
+              <a:t>[1]	K. </a:t>
+            </a:r>
+            <a:r>
+              <a:rPr lang="en-US" dirty="0" err="1"/>
+              <a:t>Belvin</a:t>
+            </a:r>
+            <a:r>
+              <a:rPr lang="en-US" dirty="0"/>
+              <a:t>, “Examining 3D Printed Antennas For Space Based Applications,” 2015</a:t>
+            </a:r>
+            <a:r>
+              <a:rPr lang="en-US" dirty="0" smtClean="0"/>
+              <a:t>.</a:t>
+            </a:r>
+          </a:p>
+          <a:p>
+            <a:pPr marL="0" indent="0">
+              <a:buNone/>
+            </a:pPr>
+            <a:endParaRPr lang="en-US" dirty="0"/>
+          </a:p>
+          <a:p>
+            <a:pPr marL="0" indent="0">
+              <a:buNone/>
+            </a:pPr>
+            <a:r>
+              <a:rPr lang="en-US" dirty="0"/>
+              <a:t>[2]	Christos </a:t>
+            </a:r>
+            <a:r>
+              <a:rPr lang="en-US" dirty="0" err="1"/>
+              <a:t>Tsipogiannis</a:t>
+            </a:r>
+            <a:r>
+              <a:rPr lang="en-US" dirty="0"/>
+              <a:t>, “Microwave materials characterization using waveguides and coaxial probe.” [Online]. Available: http://</a:t>
+            </a:r>
+            <a:r>
+              <a:rPr lang="en-US" dirty="0" err="1"/>
+              <a:t>lup.lub.lu.se</a:t>
+            </a:r>
+            <a:r>
+              <a:rPr lang="en-US" dirty="0"/>
+              <a:t>/</a:t>
+            </a:r>
+            <a:r>
+              <a:rPr lang="en-US" dirty="0" err="1"/>
+              <a:t>luur</a:t>
+            </a:r>
+            <a:r>
+              <a:rPr lang="en-US" dirty="0"/>
+              <a:t>/</a:t>
+            </a:r>
+            <a:r>
+              <a:rPr lang="en-US" dirty="0" err="1"/>
+              <a:t>download?func</a:t>
+            </a:r>
+            <a:r>
+              <a:rPr lang="en-US" dirty="0"/>
+              <a:t>=</a:t>
+            </a:r>
+            <a:r>
+              <a:rPr lang="en-US" dirty="0" err="1"/>
+              <a:t>downloadFile&amp;recordOId</a:t>
+            </a:r>
+            <a:r>
+              <a:rPr lang="en-US" dirty="0"/>
+              <a:t>=3359623&amp;fileOId=3359627. [Accessed: 30-Jan-2017</a:t>
+            </a:r>
+            <a:r>
+              <a:rPr lang="en-US" dirty="0" smtClean="0"/>
+              <a:t>].</a:t>
+            </a:r>
+          </a:p>
+          <a:p>
+            <a:pPr marL="0" indent="0">
+              <a:buNone/>
+            </a:pPr>
+            <a:endParaRPr lang="en-US" dirty="0"/>
+          </a:p>
+          <a:p>
+            <a:pPr marL="0" indent="0">
+              <a:buNone/>
+            </a:pPr>
+            <a:r>
+              <a:rPr lang="en-US" dirty="0"/>
+              <a:t>[3]	&lt;p&gt;Tian Zhou*, D. </a:t>
+            </a:r>
+            <a:r>
+              <a:rPr lang="en-US" dirty="0" err="1"/>
+              <a:t>Wel</a:t>
+            </a:r>
+            <a:r>
+              <a:rPr lang="en-US" dirty="0"/>
+              <a:t>, S. Yang, G. Xu, and C. J. and Z. Zhao&lt;/p&gt;, “Measurement and Characterization of Flexible Absorbing Materials for Applications in Wireless Communication,” </a:t>
+            </a:r>
+            <a:r>
+              <a:rPr lang="en-US" i="1" dirty="0"/>
+              <a:t>J. Sci. Ind. </a:t>
+            </a:r>
+            <a:r>
+              <a:rPr lang="en-US" i="1" dirty="0" err="1"/>
+              <a:t>Metrol</a:t>
+            </a:r>
+            <a:r>
+              <a:rPr lang="en-US" i="1" dirty="0"/>
+              <a:t>.</a:t>
+            </a:r>
+            <a:r>
+              <a:rPr lang="en-US" dirty="0"/>
+              <a:t>, 2016</a:t>
+            </a:r>
+            <a:r>
+              <a:rPr lang="en-US" dirty="0" smtClean="0"/>
+              <a:t>.</a:t>
+            </a:r>
+          </a:p>
+          <a:p>
+            <a:pPr marL="0" indent="0">
+              <a:buNone/>
+            </a:pPr>
+            <a:endParaRPr lang="en-US" dirty="0"/>
+          </a:p>
+          <a:p>
+            <a:pPr marL="0" indent="0">
+              <a:buNone/>
+            </a:pPr>
+            <a:r>
+              <a:rPr lang="en-US" dirty="0"/>
+              <a:t>[4]	L. F. Chen, C. K. Ong, C. P. Neo, V. V. </a:t>
+            </a:r>
+            <a:r>
+              <a:rPr lang="en-US" dirty="0" err="1"/>
+              <a:t>Varadan</a:t>
+            </a:r>
+            <a:r>
+              <a:rPr lang="en-US" dirty="0"/>
+              <a:t>, and V. K. </a:t>
+            </a:r>
+            <a:r>
+              <a:rPr lang="en-US" dirty="0" err="1"/>
+              <a:t>Varadan</a:t>
+            </a:r>
+            <a:r>
+              <a:rPr lang="en-US" dirty="0"/>
+              <a:t>, “Transmission/Reflection Methods,” in </a:t>
+            </a:r>
+            <a:r>
+              <a:rPr lang="en-US" i="1" dirty="0"/>
+              <a:t>Microwave Electronics</a:t>
+            </a:r>
+            <a:r>
+              <a:rPr lang="en-US" dirty="0"/>
+              <a:t>, John Wiley &amp; Sons, Ltd, 2004, pp. 175–207.</a:t>
+            </a:r>
+          </a:p>
+          <a:p>
+            <a:pPr marL="0" indent="0">
+              <a:buNone/>
+            </a:pPr>
+            <a:r>
+              <a:rPr lang="en-US" dirty="0"/>
+              <a:t> </a:t>
+            </a:r>
+          </a:p>
+          <a:p>
+            <a:pPr marL="0" indent="0" algn="just">
+              <a:buNone/>
+            </a:pPr>
+            <a:endParaRPr lang="en-US" dirty="0"/>
+          </a:p>
+        </p:txBody>
+      </p:sp>
+    </p:spTree>
+    <p:extLst>
+      <p:ext uri="{BB962C8B-B14F-4D97-AF65-F5344CB8AC3E}">
+        <p14:creationId xmlns:p14="http://schemas.microsoft.com/office/powerpoint/2010/main" val="1784663655"/>
       </p:ext>
     </p:extLst>
   </p:cSld>
@@ -9340,15 +9746,7 @@
             <a:pPr lvl="1"/>
             <a:r>
               <a:rPr lang="en-US" dirty="0" smtClean="0"/>
-              <a:t>EM Parameters </a:t>
-            </a:r>
-            <a:r>
-              <a:rPr lang="en-US" dirty="0" smtClean="0"/>
-              <a:t>e</a:t>
-            </a:r>
-            <a:r>
-              <a:rPr lang="en-US" dirty="0" smtClean="0"/>
-              <a:t>xtraction: use NRW algorithm and MATLAB</a:t>
+              <a:t>EM Parameters extraction: use NRW algorithm and MATLAB</a:t>
             </a:r>
           </a:p>
           <a:p>
@@ -9381,7 +9779,11 @@
             <a:pPr lvl="1"/>
             <a:r>
               <a:rPr lang="en-US" dirty="0" smtClean="0"/>
-              <a:t> Expand frequency range</a:t>
+              <a:t>Expand </a:t>
+            </a:r>
+            <a:r>
+              <a:rPr lang="en-US" dirty="0" smtClean="0"/>
+              <a:t>frequency range</a:t>
             </a:r>
           </a:p>
           <a:p>
@@ -9397,7 +9799,6 @@
               <a:rPr lang="en-US" dirty="0" smtClean="0"/>
               <a:t>Back-up and presentation</a:t>
             </a:r>
-            <a:endParaRPr lang="en-US" dirty="0" smtClean="0"/>
           </a:p>
           <a:p>
             <a:pPr lvl="1"/>
@@ -9559,7 +9960,11 @@
             </a:r>
             <a:r>
               <a:rPr lang="en-US" dirty="0" smtClean="0"/>
-              <a:t>extraction based on NRW algorithm</a:t>
+              <a:t>extraction based on NRW </a:t>
+            </a:r>
+            <a:r>
+              <a:rPr lang="en-US" dirty="0" smtClean="0"/>
+              <a:t>algorithm [1], [2]</a:t>
             </a:r>
             <a:endParaRPr lang="en-US" dirty="0"/>
           </a:p>
@@ -9724,13 +10129,8 @@
             </a:pPr>
             <a:r>
               <a:rPr lang="en-US" dirty="0" smtClean="0"/>
-              <a:t>Antennas alignment </a:t>
-            </a:r>
-            <a:r>
-              <a:rPr lang="en-US" dirty="0" smtClean="0"/>
-              <a:t>is hard to be perfect.</a:t>
-            </a:r>
-            <a:endParaRPr lang="en-US" dirty="0" smtClean="0"/>
+              <a:t>Antennas alignment is hard to be perfect.</a:t>
+            </a:r>
           </a:p>
           <a:p>
             <a:pPr marL="800107" lvl="1" indent="-342900" algn="just">
@@ -9768,11 +10168,7 @@
             </a:r>
             <a:r>
               <a:rPr lang="en-US" dirty="0" smtClean="0"/>
-              <a:t>align</a:t>
-            </a:r>
-            <a:r>
-              <a:rPr lang="en-US" dirty="0" smtClean="0"/>
-              <a:t>.</a:t>
+              <a:t>align.</a:t>
             </a:r>
             <a:endParaRPr lang="en-US" dirty="0"/>
           </a:p>
@@ -9857,8 +10253,13 @@
             </a:r>
             <a:r>
               <a:rPr lang="en-US" dirty="0"/>
-              <a:t>60cm x 60 cm for practical measurement</a:t>
-            </a:r>
+              <a:t>60cm x 60 cm for practical </a:t>
+            </a:r>
+            <a:r>
+              <a:rPr lang="en-US" dirty="0" smtClean="0"/>
+              <a:t>measurement [3]</a:t>
+            </a:r>
+            <a:endParaRPr lang="en-US" dirty="0"/>
           </a:p>
           <a:p>
             <a:pPr marL="800107" lvl="1" indent="-342900" algn="just">
@@ -9889,8 +10290,13 @@
             </a:pPr>
             <a:r>
               <a:rPr lang="en-US" dirty="0" smtClean="0"/>
-              <a:t>Design the sample holder waveguide short to fix the sample in easier then connect with 2 extensional waveguides and 2 waveguide adapters.</a:t>
-            </a:r>
+              <a:t>Design the sample holder waveguide short to fix the sample in easier then connect with 2 extensional waveguides and 2 waveguide adapters</a:t>
+            </a:r>
+            <a:r>
+              <a:rPr lang="en-US" dirty="0" smtClean="0"/>
+              <a:t>. [3]</a:t>
+            </a:r>
+            <a:endParaRPr lang="en-US" dirty="0" smtClean="0"/>
           </a:p>
           <a:p>
             <a:pPr>
@@ -10545,6 +10951,10 @@
             <a:r>
               <a:rPr lang="en-US" sz="900" dirty="0" err="1" smtClean="0"/>
               <a:t>Characterizationv</a:t>
+            </a:r>
+            <a:r>
+              <a:rPr lang="en-US" sz="900" dirty="0" smtClean="0"/>
+              <a:t> [4]</a:t>
             </a:r>
             <a:endParaRPr lang="en-US" sz="900" dirty="0"/>
           </a:p>
@@ -10805,7 +11215,11 @@
             </a:r>
             <a:r>
               <a:rPr lang="en-US" sz="1500" dirty="0" smtClean="0"/>
-              <a:t>Microwave Electronics </a:t>
+              <a:t>Microwave </a:t>
+            </a:r>
+            <a:r>
+              <a:rPr lang="en-US" sz="1500" dirty="0" smtClean="0"/>
+              <a:t>Electronics [4] </a:t>
             </a:r>
             <a:r>
               <a:rPr lang="en-US" sz="1500" dirty="0"/>
@@ -10905,18 +11319,18 @@
             </a:r>
             <a:r>
               <a:rPr lang="en-US" sz="900" dirty="0" smtClean="0"/>
-              <a:t>, Master Thesis</a:t>
+              <a:t>, Master Thesis, Lund University, </a:t>
+            </a:r>
+            <a:endParaRPr lang="en-US" sz="900" dirty="0"/>
+          </a:p>
+          <a:p>
+            <a:r>
+              <a:rPr lang="en-US" sz="900" dirty="0"/>
+              <a:t>Microwave materials characterization using waveguides and coaxial </a:t>
             </a:r>
             <a:r>
               <a:rPr lang="en-US" sz="900" dirty="0" smtClean="0"/>
-              <a:t>, Lund University, </a:t>
-            </a:r>
-            <a:endParaRPr lang="en-US" sz="900" dirty="0"/>
-          </a:p>
-          <a:p>
-            <a:r>
-              <a:rPr lang="en-US" sz="900" dirty="0"/>
-              <a:t>Microwave materials characterization using waveguides and coaxial probe</a:t>
+              <a:t>probe [2]</a:t>
             </a:r>
             <a:endParaRPr lang="en-US" sz="900" dirty="0"/>
           </a:p>
@@ -10950,7 +11364,7 @@
 <file path=ppt/theme/theme1.xml><?xml version="1.0" encoding="utf-8"?>
 <a:theme xmlns:a="http://schemas.openxmlformats.org/drawingml/2006/main" name="Ion">
   <a:themeElements>
-    <a:clrScheme name="Ion">
+    <a:clrScheme name="Yellow Orange">
       <a:dk1>
         <a:sysClr val="windowText" lastClr="000000"/>
       </a:dk1>
@@ -10958,34 +11372,34 @@
         <a:sysClr val="window" lastClr="FFFFFF"/>
       </a:lt1>
       <a:dk2>
-        <a:srgbClr val="1E5155"/>
+        <a:srgbClr val="4E3B30"/>
       </a:dk2>
       <a:lt2>
-        <a:srgbClr val="EBEBEB"/>
+        <a:srgbClr val="FBEEC9"/>
       </a:lt2>
       <a:accent1>
-        <a:srgbClr val="B01513"/>
+        <a:srgbClr val="F0A22E"/>
       </a:accent1>
       <a:accent2>
-        <a:srgbClr val="EA6312"/>
+        <a:srgbClr val="A5644E"/>
       </a:accent2>
       <a:accent3>
-        <a:srgbClr val="E6B729"/>
+        <a:srgbClr val="B58B80"/>
       </a:accent3>
       <a:accent4>
-        <a:srgbClr val="6AAC90"/>
+        <a:srgbClr val="C3986D"/>
       </a:accent4>
       <a:accent5>
-        <a:srgbClr val="5F9C9D"/>
+        <a:srgbClr val="A19574"/>
       </a:accent5>
       <a:accent6>
-        <a:srgbClr val="9E5E9B"/>
+        <a:srgbClr val="C17529"/>
       </a:accent6>
       <a:hlink>
-        <a:srgbClr val="58C1BA"/>
+        <a:srgbClr val="AD1F1F"/>
       </a:hlink>
       <a:folHlink>
-        <a:srgbClr val="9DD0CB"/>
+        <a:srgbClr val="FFC42F"/>
       </a:folHlink>
     </a:clrScheme>
     <a:fontScheme name="Ion">

--- a/Capstone project proposal presentation.pptx
+++ b/Capstone project proposal presentation.pptx
@@ -16,10 +16,10 @@
     <p:sldId id="286" r:id="rId5"/>
     <p:sldId id="287" r:id="rId6"/>
     <p:sldId id="293" r:id="rId7"/>
-    <p:sldId id="281" r:id="rId8"/>
-    <p:sldId id="289" r:id="rId9"/>
-    <p:sldId id="294" r:id="rId10"/>
-    <p:sldId id="280" r:id="rId11"/>
+    <p:sldId id="299" r:id="rId8"/>
+    <p:sldId id="280" r:id="rId9"/>
+    <p:sldId id="300" r:id="rId10"/>
+    <p:sldId id="289" r:id="rId11"/>
     <p:sldId id="290" r:id="rId12"/>
     <p:sldId id="295" r:id="rId13"/>
     <p:sldId id="296" r:id="rId14"/>
@@ -179,70 +179,6 @@
 </p:cmAuthorLst>
 </file>
 
-<file path=ppt/comments/comment1.xml><?xml version="1.0" encoding="utf-8"?>
-<p:cmLst xmlns:a="http://schemas.openxmlformats.org/drawingml/2006/main" xmlns:r="http://schemas.openxmlformats.org/officeDocument/2006/relationships" xmlns:p="http://schemas.openxmlformats.org/presentationml/2006/main">
-  <p:cm authorId="2" dt="2017-02-09T08:50:16.039" idx="3">
-    <p:pos x="2477" y="2273"/>
-    <p:text>Mention about why we choose X-band or 300MHz to 4GHz to do prototype. Because parts are available at PSU</p:text>
-    <p:extLst>
-      <p:ext uri="{C676402C-5697-4E1C-873F-D02D1690AC5C}">
-        <p15:threadingInfo xmlns:p15="http://schemas.microsoft.com/office/powerpoint/2012/main" timeZoneBias="480"/>
-      </p:ext>
-    </p:extLst>
-  </p:cm>
-</p:cmLst>
-</file>
-
-<file path=ppt/comments/comment2.xml><?xml version="1.0" encoding="utf-8"?>
-<p:cmLst xmlns:a="http://schemas.openxmlformats.org/drawingml/2006/main" xmlns:r="http://schemas.openxmlformats.org/officeDocument/2006/relationships" xmlns:p="http://schemas.openxmlformats.org/presentationml/2006/main">
-  <p:cm authorId="2" dt="2017-02-09T09:14:31.776" idx="4">
-    <p:pos x="1641" y="2397"/>
-    <p:text>Missing</p:text>
-    <p:extLst>
-      <p:ext uri="{C676402C-5697-4E1C-873F-D02D1690AC5C}">
-        <p15:threadingInfo xmlns:p15="http://schemas.microsoft.com/office/powerpoint/2012/main" timeZoneBias="480"/>
-      </p:ext>
-    </p:extLst>
-  </p:cm>
-  <p:cm authorId="2" dt="2017-02-09T09:14:52.160" idx="5">
-    <p:pos x="1617" y="2806"/>
-    <p:text>missing</p:text>
-    <p:extLst>
-      <p:ext uri="{C676402C-5697-4E1C-873F-D02D1690AC5C}">
-        <p15:threadingInfo xmlns:p15="http://schemas.microsoft.com/office/powerpoint/2012/main" timeZoneBias="480"/>
-      </p:ext>
-    </p:extLst>
-  </p:cm>
-  <p:cm authorId="2" dt="2017-02-09T09:14:59.627" idx="6">
-    <p:pos x="10" y="10"/>
-    <p:text>missing</p:text>
-    <p:extLst>
-      <p:ext uri="{C676402C-5697-4E1C-873F-D02D1690AC5C}">
-        <p15:threadingInfo xmlns:p15="http://schemas.microsoft.com/office/powerpoint/2012/main" timeZoneBias="480"/>
-      </p:ext>
-    </p:extLst>
-  </p:cm>
-  <p:cm authorId="2" dt="2017-02-09T09:15:12.260" idx="7">
-    <p:pos x="1815" y="1988"/>
-    <p:text>Model missng</p:text>
-    <p:extLst>
-      <p:ext uri="{C676402C-5697-4E1C-873F-D02D1690AC5C}">
-        <p15:threadingInfo xmlns:p15="http://schemas.microsoft.com/office/powerpoint/2012/main" timeZoneBias="480"/>
-      </p:ext>
-    </p:extLst>
-  </p:cm>
-  <p:cm authorId="2" dt="2017-02-09T09:15:37.504" idx="8">
-    <p:pos x="1586" y="2998"/>
-    <p:text>various sizes</p:text>
-    <p:extLst>
-      <p:ext uri="{C676402C-5697-4E1C-873F-D02D1690AC5C}">
-        <p15:threadingInfo xmlns:p15="http://schemas.microsoft.com/office/powerpoint/2012/main" timeZoneBias="480"/>
-      </p:ext>
-    </p:extLst>
-  </p:cm>
-</p:cmLst>
-</file>
-
 <file path=ppt/handoutMasters/handoutMaster1.xml><?xml version="1.0" encoding="utf-8"?>
 <p:handoutMaster xmlns:a="http://schemas.openxmlformats.org/drawingml/2006/main" xmlns:r="http://schemas.openxmlformats.org/officeDocument/2006/relationships" xmlns:p="http://schemas.openxmlformats.org/presentationml/2006/main">
   <p:cSld>
@@ -325,7 +261,7 @@
           <a:p>
             <a:fld id="{BEA74EB7-856E-45FD-83F0-5F7C6F3E4372}" type="datetimeFigureOut">
               <a:rPr lang="en-US"/>
-              <a:t>2/10/17</a:t>
+              <a:t>2/10/2017</a:t>
             </a:fld>
             <a:endParaRPr dirty="0"/>
           </a:p>
@@ -490,7 +426,7 @@
           <a:p>
             <a:fld id="{C61B0E40-8125-41F8-BB6C-139D8D531A4F}" type="datetimeFigureOut">
               <a:rPr lang="en-US"/>
-              <a:t>2/10/17</a:t>
+              <a:t>2/10/2017</a:t>
             </a:fld>
             <a:endParaRPr dirty="0"/>
           </a:p>
@@ -888,7 +824,7 @@
           </a:lstStyle>
           <a:p>
             <a:r>
-              <a:rPr lang="en-US" smtClean="0"/>
+              <a:rPr lang="en-US"/>
               <a:t>Click to edit Master title style</a:t>
             </a:r>
             <a:endParaRPr lang="en-US" dirty="0"/>
@@ -1008,7 +944,7 @@
           </a:lstStyle>
           <a:p>
             <a:r>
-              <a:rPr lang="en-US" smtClean="0"/>
+              <a:rPr lang="en-US"/>
               <a:t>Click to edit Master subtitle style</a:t>
             </a:r>
             <a:endParaRPr lang="en-US" dirty="0"/>
@@ -1032,7 +968,7 @@
           <a:p>
             <a:fld id="{333B76B7-5811-4114-8A95-998148FFD529}" type="datetime1">
               <a:rPr lang="en-US" smtClean="0"/>
-              <a:t>2/10/17</a:t>
+              <a:t>2/10/2017</a:t>
             </a:fld>
             <a:endParaRPr lang="en-US" dirty="0"/>
           </a:p>
@@ -1098,13 +1034,6 @@
       </p:transition>
     </mc:Fallback>
   </mc:AlternateContent>
-  <p:timing>
-    <p:tnLst>
-      <p:par>
-        <p:cTn id="1" dur="indefinite" restart="never" nodeType="tmRoot"/>
-      </p:par>
-    </p:tnLst>
-  </p:timing>
 </p:sldLayout>
 </file>
 
@@ -1152,7 +1081,7 @@
           </a:lstStyle>
           <a:p>
             <a:r>
-              <a:rPr lang="en-US" smtClean="0"/>
+              <a:rPr lang="en-US"/>
               <a:t>Click to edit Master title style</a:t>
             </a:r>
             <a:endParaRPr lang="en-US" dirty="0"/>
@@ -1231,7 +1160,7 @@
           </a:lstStyle>
           <a:p>
             <a:r>
-              <a:rPr lang="en-US" smtClean="0"/>
+              <a:rPr lang="en-US"/>
               <a:t>Drag picture to placeholder or click icon to add</a:t>
             </a:r>
             <a:endParaRPr lang="en-US" dirty="0"/>
@@ -1299,7 +1228,7 @@
           <a:p>
             <a:pPr lvl="0"/>
             <a:r>
-              <a:rPr lang="en-US" smtClean="0"/>
+              <a:rPr lang="en-US"/>
               <a:t>Click to edit Master text styles</a:t>
             </a:r>
           </a:p>
@@ -1322,7 +1251,7 @@
           <a:p>
             <a:fld id="{5C6E67D0-0200-42BE-A0B2-78C70FBBB312}" type="datetime1">
               <a:rPr lang="en-US" smtClean="0"/>
-              <a:t>2/10/17</a:t>
+              <a:t>2/10/2017</a:t>
             </a:fld>
             <a:endParaRPr lang="en-US" dirty="0"/>
           </a:p>
@@ -1376,13 +1305,6 @@
   <p:clrMapOvr>
     <a:masterClrMapping/>
   </p:clrMapOvr>
-  <p:timing>
-    <p:tnLst>
-      <p:par>
-        <p:cTn id="1" dur="indefinite" restart="never" nodeType="tmRoot"/>
-      </p:par>
-    </p:tnLst>
-  </p:timing>
   <p:hf sldNum="0" hdr="0" ftr="0" dt="0"/>
 </p:sldLayout>
 </file>
@@ -1429,7 +1351,7 @@
           </a:lstStyle>
           <a:p>
             <a:r>
-              <a:rPr lang="en-US" smtClean="0"/>
+              <a:rPr lang="en-US"/>
               <a:t>Click to edit Master title style</a:t>
             </a:r>
             <a:endParaRPr lang="en-US" dirty="0"/>
@@ -1497,7 +1419,7 @@
           <a:p>
             <a:pPr lvl="0"/>
             <a:r>
-              <a:rPr lang="en-US" smtClean="0"/>
+              <a:rPr lang="en-US"/>
               <a:t>Click to edit Master text styles</a:t>
             </a:r>
           </a:p>
@@ -1520,7 +1442,7 @@
           <a:p>
             <a:fld id="{5C6E67D0-0200-42BE-A0B2-78C70FBBB312}" type="datetime1">
               <a:rPr lang="en-US" smtClean="0"/>
-              <a:t>2/10/17</a:t>
+              <a:t>2/10/2017</a:t>
             </a:fld>
             <a:endParaRPr lang="en-US" dirty="0"/>
           </a:p>
@@ -1574,13 +1496,6 @@
   <p:clrMapOvr>
     <a:masterClrMapping/>
   </p:clrMapOvr>
-  <p:timing>
-    <p:tnLst>
-      <p:par>
-        <p:cTn id="1" dur="indefinite" restart="never" nodeType="tmRoot"/>
-      </p:par>
-    </p:tnLst>
-  </p:timing>
   <p:hf sldNum="0" hdr="0" ftr="0" dt="0"/>
 </p:sldLayout>
 </file>
@@ -1627,7 +1542,7 @@
           </a:lstStyle>
           <a:p>
             <a:r>
-              <a:rPr lang="en-US" smtClean="0"/>
+              <a:rPr lang="en-US"/>
               <a:t>Click to edit Master title style</a:t>
             </a:r>
             <a:endParaRPr lang="en-US" dirty="0"/>
@@ -1707,7 +1622,7 @@
               <a:buNone/>
             </a:pPr>
             <a:r>
-              <a:rPr lang="en-US" smtClean="0"/>
+              <a:rPr lang="en-US"/>
               <a:t>Click to edit Master text styles</a:t>
             </a:r>
           </a:p>
@@ -1774,7 +1689,7 @@
           <a:p>
             <a:pPr lvl="0"/>
             <a:r>
-              <a:rPr lang="en-US" smtClean="0"/>
+              <a:rPr lang="en-US"/>
               <a:t>Click to edit Master text styles</a:t>
             </a:r>
           </a:p>
@@ -1797,7 +1712,7 @@
           <a:p>
             <a:fld id="{5C6E67D0-0200-42BE-A0B2-78C70FBBB312}" type="datetime1">
               <a:rPr lang="en-US" smtClean="0"/>
-              <a:t>2/10/17</a:t>
+              <a:t>2/10/2017</a:t>
             </a:fld>
             <a:endParaRPr lang="en-US" dirty="0"/>
           </a:p>
@@ -1945,13 +1860,6 @@
   <p:clrMapOvr>
     <a:masterClrMapping/>
   </p:clrMapOvr>
-  <p:timing>
-    <p:tnLst>
-      <p:par>
-        <p:cTn id="1" dur="indefinite" restart="never" nodeType="tmRoot"/>
-      </p:par>
-    </p:tnLst>
-  </p:timing>
   <p:hf sldNum="0" hdr="0" ftr="0" dt="0"/>
 </p:sldLayout>
 </file>
@@ -1998,7 +1906,7 @@
           </a:lstStyle>
           <a:p>
             <a:r>
-              <a:rPr lang="en-US" smtClean="0"/>
+              <a:rPr lang="en-US"/>
               <a:t>Click to edit Master title style</a:t>
             </a:r>
             <a:endParaRPr lang="en-US" dirty="0"/>
@@ -2119,7 +2027,7 @@
           <a:p>
             <a:pPr lvl="0"/>
             <a:r>
-              <a:rPr lang="en-US" smtClean="0"/>
+              <a:rPr lang="en-US"/>
               <a:t>Click to edit Master text styles</a:t>
             </a:r>
           </a:p>
@@ -2142,7 +2050,7 @@
           <a:p>
             <a:fld id="{5C6E67D0-0200-42BE-A0B2-78C70FBBB312}" type="datetime1">
               <a:rPr lang="en-US" smtClean="0"/>
-              <a:t>2/10/17</a:t>
+              <a:t>2/10/2017</a:t>
             </a:fld>
             <a:endParaRPr lang="en-US" dirty="0"/>
           </a:p>
@@ -2196,13 +2104,6 @@
   <p:clrMapOvr>
     <a:masterClrMapping/>
   </p:clrMapOvr>
-  <p:timing>
-    <p:tnLst>
-      <p:par>
-        <p:cTn id="1" dur="indefinite" restart="never" nodeType="tmRoot"/>
-      </p:par>
-    </p:tnLst>
-  </p:timing>
   <p:hf sldNum="0" hdr="0" ftr="0" dt="0"/>
 </p:sldLayout>
 </file>
@@ -2244,7 +2145,7 @@
           </a:lstStyle>
           <a:p>
             <a:r>
-              <a:rPr lang="en-US" smtClean="0"/>
+              <a:rPr lang="en-US"/>
               <a:t>Click to edit Master title style</a:t>
             </a:r>
             <a:endParaRPr lang="en-US" dirty="0"/>
@@ -2319,7 +2220,7 @@
           <a:p>
             <a:pPr lvl="0"/>
             <a:r>
-              <a:rPr lang="en-US" smtClean="0"/>
+              <a:rPr lang="en-US"/>
               <a:t>Click to edit Master text styles</a:t>
             </a:r>
           </a:p>
@@ -2386,7 +2287,7 @@
           <a:p>
             <a:pPr lvl="0"/>
             <a:r>
-              <a:rPr lang="en-US" smtClean="0"/>
+              <a:rPr lang="en-US"/>
               <a:t>Click to edit Master text styles</a:t>
             </a:r>
           </a:p>
@@ -2460,7 +2361,7 @@
           <a:p>
             <a:pPr lvl="0"/>
             <a:r>
-              <a:rPr lang="en-US" smtClean="0"/>
+              <a:rPr lang="en-US"/>
               <a:t>Click to edit Master text styles</a:t>
             </a:r>
           </a:p>
@@ -2527,7 +2428,7 @@
           <a:p>
             <a:pPr lvl="0"/>
             <a:r>
-              <a:rPr lang="en-US" smtClean="0"/>
+              <a:rPr lang="en-US"/>
               <a:t>Click to edit Master text styles</a:t>
             </a:r>
           </a:p>
@@ -2601,7 +2502,7 @@
           <a:p>
             <a:pPr lvl="0"/>
             <a:r>
-              <a:rPr lang="en-US" smtClean="0"/>
+              <a:rPr lang="en-US"/>
               <a:t>Click to edit Master text styles</a:t>
             </a:r>
           </a:p>
@@ -2668,7 +2569,7 @@
           <a:p>
             <a:pPr lvl="0"/>
             <a:r>
-              <a:rPr lang="en-US" smtClean="0"/>
+              <a:rPr lang="en-US"/>
               <a:t>Click to edit Master text styles</a:t>
             </a:r>
           </a:p>
@@ -2769,7 +2670,7 @@
           <a:p>
             <a:fld id="{5C6E67D0-0200-42BE-A0B2-78C70FBBB312}" type="datetime1">
               <a:rPr lang="en-US" smtClean="0"/>
-              <a:t>2/10/17</a:t>
+              <a:t>2/10/2017</a:t>
             </a:fld>
             <a:endParaRPr lang="en-US" dirty="0"/>
           </a:p>
@@ -2823,13 +2724,6 @@
   <p:clrMapOvr>
     <a:masterClrMapping/>
   </p:clrMapOvr>
-  <p:timing>
-    <p:tnLst>
-      <p:par>
-        <p:cTn id="1" dur="indefinite" restart="never" nodeType="tmRoot"/>
-      </p:par>
-    </p:tnLst>
-  </p:timing>
   <p:hf sldNum="0" hdr="0" ftr="0" dt="0"/>
 </p:sldLayout>
 </file>
@@ -2871,7 +2765,7 @@
           </a:lstStyle>
           <a:p>
             <a:r>
-              <a:rPr lang="en-US" smtClean="0"/>
+              <a:rPr lang="en-US"/>
               <a:t>Click to edit Master title style</a:t>
             </a:r>
             <a:endParaRPr lang="en-US" dirty="0"/>
@@ -2946,7 +2840,7 @@
           <a:p>
             <a:pPr lvl="0"/>
             <a:r>
-              <a:rPr lang="en-US" smtClean="0"/>
+              <a:rPr lang="en-US"/>
               <a:t>Click to edit Master text styles</a:t>
             </a:r>
           </a:p>
@@ -3024,7 +2918,7 @@
           </a:lstStyle>
           <a:p>
             <a:r>
-              <a:rPr lang="en-US" smtClean="0"/>
+              <a:rPr lang="en-US"/>
               <a:t>Drag picture to placeholder or click icon to add</a:t>
             </a:r>
             <a:endParaRPr lang="en-US" dirty="0"/>
@@ -3092,7 +2986,7 @@
           <a:p>
             <a:pPr lvl="0"/>
             <a:r>
-              <a:rPr lang="en-US" smtClean="0"/>
+              <a:rPr lang="en-US"/>
               <a:t>Click to edit Master text styles</a:t>
             </a:r>
           </a:p>
@@ -3166,7 +3060,7 @@
           <a:p>
             <a:pPr lvl="0"/>
             <a:r>
-              <a:rPr lang="en-US" smtClean="0"/>
+              <a:rPr lang="en-US"/>
               <a:t>Click to edit Master text styles</a:t>
             </a:r>
           </a:p>
@@ -3244,7 +3138,7 @@
           </a:lstStyle>
           <a:p>
             <a:r>
-              <a:rPr lang="en-US" smtClean="0"/>
+              <a:rPr lang="en-US"/>
               <a:t>Drag picture to placeholder or click icon to add</a:t>
             </a:r>
             <a:endParaRPr lang="en-US" dirty="0"/>
@@ -3312,7 +3206,7 @@
           <a:p>
             <a:pPr lvl="0"/>
             <a:r>
-              <a:rPr lang="en-US" smtClean="0"/>
+              <a:rPr lang="en-US"/>
               <a:t>Click to edit Master text styles</a:t>
             </a:r>
           </a:p>
@@ -3386,7 +3280,7 @@
           <a:p>
             <a:pPr lvl="0"/>
             <a:r>
-              <a:rPr lang="en-US" smtClean="0"/>
+              <a:rPr lang="en-US"/>
               <a:t>Click to edit Master text styles</a:t>
             </a:r>
           </a:p>
@@ -3464,7 +3358,7 @@
           </a:lstStyle>
           <a:p>
             <a:r>
-              <a:rPr lang="en-US" smtClean="0"/>
+              <a:rPr lang="en-US"/>
               <a:t>Drag picture to placeholder or click icon to add</a:t>
             </a:r>
             <a:endParaRPr lang="en-US" dirty="0"/>
@@ -3532,7 +3426,7 @@
           <a:p>
             <a:pPr lvl="0"/>
             <a:r>
-              <a:rPr lang="en-US" smtClean="0"/>
+              <a:rPr lang="en-US"/>
               <a:t>Click to edit Master text styles</a:t>
             </a:r>
           </a:p>
@@ -3633,7 +3527,7 @@
           <a:p>
             <a:fld id="{5C6E67D0-0200-42BE-A0B2-78C70FBBB312}" type="datetime1">
               <a:rPr lang="en-US" smtClean="0"/>
-              <a:t>2/10/17</a:t>
+              <a:t>2/10/2017</a:t>
             </a:fld>
             <a:endParaRPr lang="en-US" dirty="0"/>
           </a:p>
@@ -3687,13 +3581,6 @@
   <p:clrMapOvr>
     <a:masterClrMapping/>
   </p:clrMapOvr>
-  <p:timing>
-    <p:tnLst>
-      <p:par>
-        <p:cTn id="1" dur="indefinite" restart="never" nodeType="tmRoot"/>
-      </p:par>
-    </p:tnLst>
-  </p:timing>
   <p:hf sldNum="0" hdr="0" ftr="0" dt="0"/>
 </p:sldLayout>
 </file>
@@ -3731,7 +3618,7 @@
           <a:lstStyle/>
           <a:p>
             <a:r>
-              <a:rPr lang="en-US" smtClean="0"/>
+              <a:rPr lang="en-US"/>
               <a:t>Click to edit Master title style</a:t>
             </a:r>
             <a:endParaRPr lang="en-US" dirty="0"/>
@@ -3755,35 +3642,35 @@
           <a:p>
             <a:pPr lvl="0"/>
             <a:r>
-              <a:rPr lang="en-US" smtClean="0"/>
+              <a:rPr lang="en-US"/>
               <a:t>Click to edit Master text styles</a:t>
             </a:r>
           </a:p>
           <a:p>
             <a:pPr lvl="1"/>
             <a:r>
-              <a:rPr lang="en-US" smtClean="0"/>
+              <a:rPr lang="en-US"/>
               <a:t>Second level</a:t>
             </a:r>
           </a:p>
           <a:p>
             <a:pPr lvl="2"/>
             <a:r>
-              <a:rPr lang="en-US" smtClean="0"/>
+              <a:rPr lang="en-US"/>
               <a:t>Third level</a:t>
             </a:r>
           </a:p>
           <a:p>
             <a:pPr lvl="3"/>
             <a:r>
-              <a:rPr lang="en-US" smtClean="0"/>
+              <a:rPr lang="en-US"/>
               <a:t>Fourth level</a:t>
             </a:r>
           </a:p>
           <a:p>
             <a:pPr lvl="4"/>
             <a:r>
-              <a:rPr lang="en-US" smtClean="0"/>
+              <a:rPr lang="en-US"/>
               <a:t>Fifth level</a:t>
             </a:r>
             <a:endParaRPr lang="en-US" dirty="0"/>
@@ -3807,7 +3694,7 @@
           <a:p>
             <a:fld id="{175C077A-EF7A-41AA-8976-110EB7416C60}" type="datetime1">
               <a:rPr lang="en-US" smtClean="0"/>
-              <a:t>2/10/17</a:t>
+              <a:t>2/10/2017</a:t>
             </a:fld>
             <a:endParaRPr lang="en-US" dirty="0"/>
           </a:p>
@@ -3873,13 +3760,6 @@
       </p:transition>
     </mc:Fallback>
   </mc:AlternateContent>
-  <p:timing>
-    <p:tnLst>
-      <p:par>
-        <p:cTn id="1" dur="indefinite" restart="never" nodeType="tmRoot"/>
-      </p:par>
-    </p:tnLst>
-  </p:timing>
 </p:sldLayout>
 </file>
 
@@ -3921,7 +3801,7 @@
           <a:lstStyle/>
           <a:p>
             <a:r>
-              <a:rPr lang="en-US" smtClean="0"/>
+              <a:rPr lang="en-US"/>
               <a:t>Click to edit Master title style</a:t>
             </a:r>
             <a:endParaRPr lang="en-US" dirty="0"/>
@@ -3950,35 +3830,35 @@
           <a:p>
             <a:pPr lvl="0"/>
             <a:r>
-              <a:rPr lang="en-US" smtClean="0"/>
+              <a:rPr lang="en-US"/>
               <a:t>Click to edit Master text styles</a:t>
             </a:r>
           </a:p>
           <a:p>
             <a:pPr lvl="1"/>
             <a:r>
-              <a:rPr lang="en-US" smtClean="0"/>
+              <a:rPr lang="en-US"/>
               <a:t>Second level</a:t>
             </a:r>
           </a:p>
           <a:p>
             <a:pPr lvl="2"/>
             <a:r>
-              <a:rPr lang="en-US" smtClean="0"/>
+              <a:rPr lang="en-US"/>
               <a:t>Third level</a:t>
             </a:r>
           </a:p>
           <a:p>
             <a:pPr lvl="3"/>
             <a:r>
-              <a:rPr lang="en-US" smtClean="0"/>
+              <a:rPr lang="en-US"/>
               <a:t>Fourth level</a:t>
             </a:r>
           </a:p>
           <a:p>
             <a:pPr lvl="4"/>
             <a:r>
-              <a:rPr lang="en-US" smtClean="0"/>
+              <a:rPr lang="en-US"/>
               <a:t>Fifth level</a:t>
             </a:r>
             <a:endParaRPr lang="en-US" dirty="0"/>
@@ -4002,7 +3882,7 @@
           <a:p>
             <a:fld id="{CFF5912B-6681-4BDF-AE10-F59636249FF3}" type="datetime1">
               <a:rPr lang="en-US" smtClean="0"/>
-              <a:t>2/10/17</a:t>
+              <a:t>2/10/2017</a:t>
             </a:fld>
             <a:endParaRPr lang="en-US" dirty="0"/>
           </a:p>
@@ -4068,13 +3948,6 @@
       </p:transition>
     </mc:Fallback>
   </mc:AlternateContent>
-  <p:timing>
-    <p:tnLst>
-      <p:par>
-        <p:cTn id="1" dur="indefinite" restart="never" nodeType="tmRoot"/>
-      </p:par>
-    </p:tnLst>
-  </p:timing>
 </p:sldLayout>
 </file>
 
@@ -4112,7 +3985,7 @@
           <a:p>
             <a:fld id="{905C8E22-D0BA-4CB4-9C32-B27533199514}" type="datetime1">
               <a:rPr lang="en-US" smtClean="0"/>
-              <a:t>2/10/17</a:t>
+              <a:t>2/10/2017</a:t>
             </a:fld>
             <a:endParaRPr dirty="0"/>
           </a:p>
@@ -4300,7 +4173,7 @@
           <a:lstStyle/>
           <a:p>
             <a:r>
-              <a:rPr lang="en-US" smtClean="0"/>
+              <a:rPr lang="en-US"/>
               <a:t>Click to edit Master title style</a:t>
             </a:r>
             <a:endParaRPr lang="en-US" dirty="0"/>
@@ -4324,35 +4197,35 @@
           <a:p>
             <a:pPr lvl="0"/>
             <a:r>
-              <a:rPr lang="en-US" smtClean="0"/>
+              <a:rPr lang="en-US"/>
               <a:t>Click to edit Master text styles</a:t>
             </a:r>
           </a:p>
           <a:p>
             <a:pPr lvl="1"/>
             <a:r>
-              <a:rPr lang="en-US" smtClean="0"/>
+              <a:rPr lang="en-US"/>
               <a:t>Second level</a:t>
             </a:r>
           </a:p>
           <a:p>
             <a:pPr lvl="2"/>
             <a:r>
-              <a:rPr lang="en-US" smtClean="0"/>
+              <a:rPr lang="en-US"/>
               <a:t>Third level</a:t>
             </a:r>
           </a:p>
           <a:p>
             <a:pPr lvl="3"/>
             <a:r>
-              <a:rPr lang="en-US" smtClean="0"/>
+              <a:rPr lang="en-US"/>
               <a:t>Fourth level</a:t>
             </a:r>
           </a:p>
           <a:p>
             <a:pPr lvl="4"/>
             <a:r>
-              <a:rPr lang="en-US" smtClean="0"/>
+              <a:rPr lang="en-US"/>
               <a:t>Fifth level</a:t>
             </a:r>
             <a:endParaRPr lang="en-US" dirty="0"/>
@@ -4376,7 +4249,7 @@
           <a:p>
             <a:fld id="{FC2180A9-7A83-412D-A8AC-5AF60A8AA507}" type="datetime1">
               <a:rPr lang="en-US" smtClean="0"/>
-              <a:t>2/10/17</a:t>
+              <a:t>2/10/2017</a:t>
             </a:fld>
             <a:endParaRPr lang="en-US" dirty="0"/>
           </a:p>
@@ -4442,13 +4315,6 @@
       </p:transition>
     </mc:Fallback>
   </mc:AlternateContent>
-  <p:timing>
-    <p:tnLst>
-      <p:par>
-        <p:cTn id="1" dur="indefinite" restart="never" nodeType="tmRoot"/>
-      </p:par>
-    </p:tnLst>
-  </p:timing>
 </p:sldLayout>
 </file>
 
@@ -4494,7 +4360,7 @@
           </a:lstStyle>
           <a:p>
             <a:r>
-              <a:rPr lang="en-US" smtClean="0"/>
+              <a:rPr lang="en-US"/>
               <a:t>Click to edit Master title style</a:t>
             </a:r>
             <a:endParaRPr lang="en-US" dirty="0"/>
@@ -4615,7 +4481,7 @@
           <a:p>
             <a:pPr lvl="0"/>
             <a:r>
-              <a:rPr lang="en-US" smtClean="0"/>
+              <a:rPr lang="en-US"/>
               <a:t>Click to edit Master text styles</a:t>
             </a:r>
           </a:p>
@@ -4638,7 +4504,7 @@
           <a:p>
             <a:fld id="{6A563DF0-FDDF-4143-9D8C-6AF41892E174}" type="datetime1">
               <a:rPr lang="en-US" smtClean="0"/>
-              <a:t>2/10/17</a:t>
+              <a:t>2/10/2017</a:t>
             </a:fld>
             <a:endParaRPr lang="en-US" dirty="0"/>
           </a:p>
@@ -4704,13 +4570,6 @@
       </p:transition>
     </mc:Fallback>
   </mc:AlternateContent>
-  <p:timing>
-    <p:tnLst>
-      <p:par>
-        <p:cTn id="1" dur="indefinite" restart="never" nodeType="tmRoot"/>
-      </p:par>
-    </p:tnLst>
-  </p:timing>
 </p:sldLayout>
 </file>
 
@@ -4747,7 +4606,7 @@
           <a:lstStyle/>
           <a:p>
             <a:r>
-              <a:rPr lang="en-US" smtClean="0"/>
+              <a:rPr lang="en-US"/>
               <a:t>Click to edit Master title style</a:t>
             </a:r>
             <a:endParaRPr lang="en-US" dirty="0"/>
@@ -4806,35 +4665,35 @@
           <a:p>
             <a:pPr lvl="0"/>
             <a:r>
-              <a:rPr lang="en-US" smtClean="0"/>
+              <a:rPr lang="en-US"/>
               <a:t>Click to edit Master text styles</a:t>
             </a:r>
           </a:p>
           <a:p>
             <a:pPr lvl="1"/>
             <a:r>
-              <a:rPr lang="en-US" smtClean="0"/>
+              <a:rPr lang="en-US"/>
               <a:t>Second level</a:t>
             </a:r>
           </a:p>
           <a:p>
             <a:pPr lvl="2"/>
             <a:r>
-              <a:rPr lang="en-US" smtClean="0"/>
+              <a:rPr lang="en-US"/>
               <a:t>Third level</a:t>
             </a:r>
           </a:p>
           <a:p>
             <a:pPr lvl="3"/>
             <a:r>
-              <a:rPr lang="en-US" smtClean="0"/>
+              <a:rPr lang="en-US"/>
               <a:t>Fourth level</a:t>
             </a:r>
           </a:p>
           <a:p>
             <a:pPr lvl="4"/>
             <a:r>
-              <a:rPr lang="en-US" smtClean="0"/>
+              <a:rPr lang="en-US"/>
               <a:t>Fifth level</a:t>
             </a:r>
             <a:endParaRPr lang="en-US" dirty="0"/>
@@ -4893,35 +4752,35 @@
           <a:p>
             <a:pPr lvl="0"/>
             <a:r>
-              <a:rPr lang="en-US" smtClean="0"/>
+              <a:rPr lang="en-US"/>
               <a:t>Click to edit Master text styles</a:t>
             </a:r>
           </a:p>
           <a:p>
             <a:pPr lvl="1"/>
             <a:r>
-              <a:rPr lang="en-US" smtClean="0"/>
+              <a:rPr lang="en-US"/>
               <a:t>Second level</a:t>
             </a:r>
           </a:p>
           <a:p>
             <a:pPr lvl="2"/>
             <a:r>
-              <a:rPr lang="en-US" smtClean="0"/>
+              <a:rPr lang="en-US"/>
               <a:t>Third level</a:t>
             </a:r>
           </a:p>
           <a:p>
             <a:pPr lvl="3"/>
             <a:r>
-              <a:rPr lang="en-US" smtClean="0"/>
+              <a:rPr lang="en-US"/>
               <a:t>Fourth level</a:t>
             </a:r>
           </a:p>
           <a:p>
             <a:pPr lvl="4"/>
             <a:r>
-              <a:rPr lang="en-US" smtClean="0"/>
+              <a:rPr lang="en-US"/>
               <a:t>Fifth level</a:t>
             </a:r>
             <a:endParaRPr lang="en-US" dirty="0"/>
@@ -4945,7 +4804,7 @@
           <a:p>
             <a:fld id="{38BB83F9-4677-4C31-8407-7919061A580B}" type="datetime1">
               <a:rPr lang="en-US" smtClean="0"/>
-              <a:t>2/10/17</a:t>
+              <a:t>2/10/2017</a:t>
             </a:fld>
             <a:endParaRPr lang="en-US" dirty="0"/>
           </a:p>
@@ -5011,13 +4870,6 @@
       </p:transition>
     </mc:Fallback>
   </mc:AlternateContent>
-  <p:timing>
-    <p:tnLst>
-      <p:par>
-        <p:cTn id="1" dur="indefinite" restart="never" nodeType="tmRoot"/>
-      </p:par>
-    </p:tnLst>
-  </p:timing>
 </p:sldLayout>
 </file>
 
@@ -5058,7 +4910,7 @@
           </a:lstStyle>
           <a:p>
             <a:r>
-              <a:rPr lang="en-US" smtClean="0"/>
+              <a:rPr lang="en-US"/>
               <a:t>Click to edit Master title style</a:t>
             </a:r>
             <a:endParaRPr lang="en-US" dirty="0"/>
@@ -5133,7 +4985,7 @@
           <a:p>
             <a:pPr lvl="0"/>
             <a:r>
-              <a:rPr lang="en-US" smtClean="0"/>
+              <a:rPr lang="en-US"/>
               <a:t>Click to edit Master text styles</a:t>
             </a:r>
           </a:p>
@@ -5191,35 +5043,35 @@
           <a:p>
             <a:pPr lvl="0"/>
             <a:r>
-              <a:rPr lang="en-US" smtClean="0"/>
+              <a:rPr lang="en-US"/>
               <a:t>Click to edit Master text styles</a:t>
             </a:r>
           </a:p>
           <a:p>
             <a:pPr lvl="1"/>
             <a:r>
-              <a:rPr lang="en-US" smtClean="0"/>
+              <a:rPr lang="en-US"/>
               <a:t>Second level</a:t>
             </a:r>
           </a:p>
           <a:p>
             <a:pPr lvl="2"/>
             <a:r>
-              <a:rPr lang="en-US" smtClean="0"/>
+              <a:rPr lang="en-US"/>
               <a:t>Third level</a:t>
             </a:r>
           </a:p>
           <a:p>
             <a:pPr lvl="3"/>
             <a:r>
-              <a:rPr lang="en-US" smtClean="0"/>
+              <a:rPr lang="en-US"/>
               <a:t>Fourth level</a:t>
             </a:r>
           </a:p>
           <a:p>
             <a:pPr lvl="4"/>
             <a:r>
-              <a:rPr lang="en-US" smtClean="0"/>
+              <a:rPr lang="en-US"/>
               <a:t>Fifth level</a:t>
             </a:r>
             <a:endParaRPr lang="en-US" dirty="0"/>
@@ -5294,7 +5146,7 @@
           <a:p>
             <a:pPr lvl="0"/>
             <a:r>
-              <a:rPr lang="en-US" smtClean="0"/>
+              <a:rPr lang="en-US"/>
               <a:t>Click to edit Master text styles</a:t>
             </a:r>
           </a:p>
@@ -5352,35 +5204,35 @@
           <a:p>
             <a:pPr lvl="0"/>
             <a:r>
-              <a:rPr lang="en-US" smtClean="0"/>
+              <a:rPr lang="en-US"/>
               <a:t>Click to edit Master text styles</a:t>
             </a:r>
           </a:p>
           <a:p>
             <a:pPr lvl="1"/>
             <a:r>
-              <a:rPr lang="en-US" smtClean="0"/>
+              <a:rPr lang="en-US"/>
               <a:t>Second level</a:t>
             </a:r>
           </a:p>
           <a:p>
             <a:pPr lvl="2"/>
             <a:r>
-              <a:rPr lang="en-US" smtClean="0"/>
+              <a:rPr lang="en-US"/>
               <a:t>Third level</a:t>
             </a:r>
           </a:p>
           <a:p>
             <a:pPr lvl="3"/>
             <a:r>
-              <a:rPr lang="en-US" smtClean="0"/>
+              <a:rPr lang="en-US"/>
               <a:t>Fourth level</a:t>
             </a:r>
           </a:p>
           <a:p>
             <a:pPr lvl="4"/>
             <a:r>
-              <a:rPr lang="en-US" smtClean="0"/>
+              <a:rPr lang="en-US"/>
               <a:t>Fifth level</a:t>
             </a:r>
             <a:endParaRPr lang="en-US" dirty="0"/>
@@ -5404,7 +5256,7 @@
           <a:p>
             <a:fld id="{C33939A6-3450-434F-A872-BEE63F7EB093}" type="datetime1">
               <a:rPr lang="en-US" smtClean="0"/>
-              <a:t>2/10/17</a:t>
+              <a:t>2/10/2017</a:t>
             </a:fld>
             <a:endParaRPr lang="en-US" dirty="0"/>
           </a:p>
@@ -5470,13 +5322,6 @@
       </p:transition>
     </mc:Fallback>
   </mc:AlternateContent>
-  <p:timing>
-    <p:tnLst>
-      <p:par>
-        <p:cTn id="1" dur="indefinite" restart="never" nodeType="tmRoot"/>
-      </p:par>
-    </p:tnLst>
-  </p:timing>
 </p:sldLayout>
 </file>
 
@@ -5513,7 +5358,7 @@
           <a:lstStyle/>
           <a:p>
             <a:r>
-              <a:rPr lang="en-US" smtClean="0"/>
+              <a:rPr lang="en-US"/>
               <a:t>Click to edit Master title style</a:t>
             </a:r>
             <a:endParaRPr lang="en-US" dirty="0"/>
@@ -5537,7 +5382,7 @@
           <a:p>
             <a:fld id="{E3BABB1C-FA00-4171-BA31-4C5E719472F3}" type="datetime1">
               <a:rPr lang="en-US" smtClean="0"/>
-              <a:t>2/10/17</a:t>
+              <a:t>2/10/2017</a:t>
             </a:fld>
             <a:endParaRPr lang="en-US" dirty="0"/>
           </a:p>
@@ -5603,13 +5448,6 @@
       </p:transition>
     </mc:Fallback>
   </mc:AlternateContent>
-  <p:timing>
-    <p:tnLst>
-      <p:par>
-        <p:cTn id="1" dur="indefinite" restart="never" nodeType="tmRoot"/>
-      </p:par>
-    </p:tnLst>
-  </p:timing>
 </p:sldLayout>
 </file>
 
@@ -5647,7 +5485,7 @@
           <a:p>
             <a:fld id="{D76C8610-5B57-4C6B-BF9F-F5397A1F60B8}" type="datetime1">
               <a:rPr lang="en-US" smtClean="0"/>
-              <a:t>2/10/17</a:t>
+              <a:t>2/10/2017</a:t>
             </a:fld>
             <a:endParaRPr lang="en-US" dirty="0"/>
           </a:p>
@@ -5713,13 +5551,6 @@
       </p:transition>
     </mc:Fallback>
   </mc:AlternateContent>
-  <p:timing>
-    <p:tnLst>
-      <p:par>
-        <p:cTn id="1" dur="indefinite" restart="never" nodeType="tmRoot"/>
-      </p:par>
-    </p:tnLst>
-  </p:timing>
 </p:sldLayout>
 </file>
 
@@ -5765,7 +5596,7 @@
           </a:lstStyle>
           <a:p>
             <a:r>
-              <a:rPr lang="en-US" smtClean="0"/>
+              <a:rPr lang="en-US"/>
               <a:t>Click to edit Master title style</a:t>
             </a:r>
             <a:endParaRPr lang="en-US" dirty="0"/>
@@ -5824,35 +5655,35 @@
           <a:p>
             <a:pPr lvl="0"/>
             <a:r>
-              <a:rPr lang="en-US" smtClean="0"/>
+              <a:rPr lang="en-US"/>
               <a:t>Click to edit Master text styles</a:t>
             </a:r>
           </a:p>
           <a:p>
             <a:pPr lvl="1"/>
             <a:r>
-              <a:rPr lang="en-US" smtClean="0"/>
+              <a:rPr lang="en-US"/>
               <a:t>Second level</a:t>
             </a:r>
           </a:p>
           <a:p>
             <a:pPr lvl="2"/>
             <a:r>
-              <a:rPr lang="en-US" smtClean="0"/>
+              <a:rPr lang="en-US"/>
               <a:t>Third level</a:t>
             </a:r>
           </a:p>
           <a:p>
             <a:pPr lvl="3"/>
             <a:r>
-              <a:rPr lang="en-US" smtClean="0"/>
+              <a:rPr lang="en-US"/>
               <a:t>Fourth level</a:t>
             </a:r>
           </a:p>
           <a:p>
             <a:pPr lvl="4"/>
             <a:r>
-              <a:rPr lang="en-US" smtClean="0"/>
+              <a:rPr lang="en-US"/>
               <a:t>Fifth level</a:t>
             </a:r>
             <a:endParaRPr lang="en-US" dirty="0"/>
@@ -5918,7 +5749,7 @@
           <a:p>
             <a:pPr lvl="0"/>
             <a:r>
-              <a:rPr lang="en-US" smtClean="0"/>
+              <a:rPr lang="en-US"/>
               <a:t>Click to edit Master text styles</a:t>
             </a:r>
           </a:p>
@@ -5941,7 +5772,7 @@
           <a:p>
             <a:fld id="{BADBF3DD-8B6D-46AA-BCA9-242D4EF63DDF}" type="datetime1">
               <a:rPr lang="en-US" smtClean="0"/>
-              <a:t>2/10/17</a:t>
+              <a:t>2/10/2017</a:t>
             </a:fld>
             <a:endParaRPr lang="en-US" dirty="0"/>
           </a:p>
@@ -6007,13 +5838,6 @@
       </p:transition>
     </mc:Fallback>
   </mc:AlternateContent>
-  <p:timing>
-    <p:tnLst>
-      <p:par>
-        <p:cTn id="1" dur="indefinite" restart="never" nodeType="tmRoot"/>
-      </p:par>
-    </p:tnLst>
-  </p:timing>
 </p:sldLayout>
 </file>
 
@@ -6061,7 +5885,7 @@
           </a:lstStyle>
           <a:p>
             <a:r>
-              <a:rPr lang="en-US" smtClean="0"/>
+              <a:rPr lang="en-US"/>
               <a:t>Click to edit Master title style</a:t>
             </a:r>
             <a:endParaRPr lang="en-US" dirty="0"/>
@@ -6140,7 +5964,7 @@
           </a:lstStyle>
           <a:p>
             <a:r>
-              <a:rPr lang="en-US" smtClean="0"/>
+              <a:rPr lang="en-US"/>
               <a:t>Drag picture to placeholder or click icon to add</a:t>
             </a:r>
             <a:endParaRPr lang="en-US" dirty="0"/>
@@ -6208,7 +6032,7 @@
           <a:p>
             <a:pPr lvl="0"/>
             <a:r>
-              <a:rPr lang="en-US" smtClean="0"/>
+              <a:rPr lang="en-US"/>
               <a:t>Click to edit Master text styles</a:t>
             </a:r>
           </a:p>
@@ -6231,7 +6055,7 @@
           <a:p>
             <a:fld id="{23C41AE9-3D4A-4A08-B03D-DC6D2ADF5464}" type="datetime1">
               <a:rPr lang="en-US" smtClean="0"/>
-              <a:t>2/10/17</a:t>
+              <a:t>2/10/2017</a:t>
             </a:fld>
             <a:endParaRPr lang="en-US" dirty="0"/>
           </a:p>
@@ -6297,13 +6121,6 @@
       </p:transition>
     </mc:Fallback>
   </mc:AlternateContent>
-  <p:timing>
-    <p:tnLst>
-      <p:par>
-        <p:cTn id="1" dur="indefinite" restart="never" nodeType="tmRoot"/>
-      </p:par>
-    </p:tnLst>
-  </p:timing>
 </p:sldLayout>
 </file>
 
@@ -6706,7 +6523,7 @@
           <a:lstStyle/>
           <a:p>
             <a:r>
-              <a:rPr lang="en-US" smtClean="0"/>
+              <a:rPr lang="en-US"/>
               <a:t>Click to edit Master title style</a:t>
             </a:r>
             <a:endParaRPr lang="en-US" dirty="0"/>
@@ -6740,35 +6557,35 @@
           <a:p>
             <a:pPr lvl="0"/>
             <a:r>
-              <a:rPr lang="en-US" smtClean="0"/>
+              <a:rPr lang="en-US"/>
               <a:t>Click to edit Master text styles</a:t>
             </a:r>
           </a:p>
           <a:p>
             <a:pPr lvl="1"/>
             <a:r>
-              <a:rPr lang="en-US" smtClean="0"/>
+              <a:rPr lang="en-US"/>
               <a:t>Second level</a:t>
             </a:r>
           </a:p>
           <a:p>
             <a:pPr lvl="2"/>
             <a:r>
-              <a:rPr lang="en-US" smtClean="0"/>
+              <a:rPr lang="en-US"/>
               <a:t>Third level</a:t>
             </a:r>
           </a:p>
           <a:p>
             <a:pPr lvl="3"/>
             <a:r>
-              <a:rPr lang="en-US" smtClean="0"/>
+              <a:rPr lang="en-US"/>
               <a:t>Fourth level</a:t>
             </a:r>
           </a:p>
           <a:p>
             <a:pPr lvl="4"/>
             <a:r>
-              <a:rPr lang="en-US" smtClean="0"/>
+              <a:rPr lang="en-US"/>
               <a:t>Fifth level</a:t>
             </a:r>
             <a:endParaRPr lang="en-US" dirty="0"/>
@@ -6811,7 +6628,7 @@
           <a:p>
             <a:fld id="{5C6E67D0-0200-42BE-A0B2-78C70FBBB312}" type="datetime1">
               <a:rPr lang="en-US" smtClean="0"/>
-              <a:t>2/10/17</a:t>
+              <a:t>2/10/2017</a:t>
             </a:fld>
             <a:endParaRPr lang="en-US" dirty="0"/>
           </a:p>
@@ -6971,13 +6788,6 @@
       </p:transition>
     </mc:Fallback>
   </mc:AlternateContent>
-  <p:timing>
-    <p:tnLst>
-      <p:par>
-        <p:cTn id="1" dur="indefinite" restart="never" nodeType="tmRoot"/>
-      </p:par>
-    </p:tnLst>
-  </p:timing>
   <p:hf sldNum="0" hdr="0" ftr="0" dt="0"/>
   <p:txStyles>
     <p:titleStyle>
@@ -7417,29 +7227,20 @@
           </a:bodyPr>
           <a:lstStyle/>
           <a:p>
-            <a:r>
-              <a:rPr lang="en-US" sz="4125" dirty="0"/>
-              <a:t/>
-            </a:r>
             <a:br>
               <a:rPr lang="en-US" sz="4125" dirty="0"/>
             </a:br>
             <a:r>
               <a:rPr lang="en-US" sz="4400" dirty="0"/>
-              <a:t>EM parameterization </a:t>
-            </a:r>
-            <a:r>
-              <a:rPr lang="en-US" sz="4400" dirty="0" smtClean="0"/>
-              <a:t>of</a:t>
+              <a:t>EM parameterization of</a:t>
             </a:r>
             <a:br>
-              <a:rPr lang="en-US" sz="4400" dirty="0" smtClean="0"/>
+              <a:rPr lang="en-US" sz="4400" dirty="0"/>
             </a:br>
             <a:r>
-              <a:rPr lang="en-US" sz="4400" dirty="0" smtClean="0"/>
+              <a:rPr lang="en-US" sz="4400" dirty="0"/>
               <a:t>CF composite absorber</a:t>
             </a:r>
-            <a:endParaRPr lang="en-US" sz="4400" dirty="0"/>
           </a:p>
         </p:txBody>
       </p:sp>
@@ -7472,7 +7273,7 @@
             </a:pPr>
             <a:r>
               <a:rPr lang="en-US" sz="1800" dirty="0"/>
-              <a:t>Sponsor: </a:t>
+              <a:t>Sponsor:    </a:t>
             </a:r>
             <a:r>
               <a:rPr lang="en-US" sz="1800" dirty="0" err="1"/>
@@ -7631,38 +7432,18 @@
           <a:p>
             <a:r>
               <a:rPr lang="en-US" dirty="0"/>
-              <a:t>PSU has </a:t>
-            </a:r>
-            <a:r>
-              <a:rPr lang="en-US" dirty="0" smtClean="0"/>
-              <a:t>1 waveguide </a:t>
-            </a:r>
+              <a:t>PSU has 1 straight waveguide section and adapters in X-band (figure)</a:t>
+            </a:r>
+          </a:p>
+          <a:p>
             <a:r>
               <a:rPr lang="en-US" dirty="0"/>
-              <a:t>and </a:t>
-            </a:r>
-            <a:r>
-              <a:rPr lang="en-US" dirty="0" smtClean="0"/>
-              <a:t>adapters </a:t>
-            </a:r>
+              <a:t>Frequency: 8.20 - 12.40 GHz</a:t>
+            </a:r>
+          </a:p>
+          <a:p>
             <a:r>
               <a:rPr lang="en-US" dirty="0"/>
-              <a:t>in </a:t>
-            </a:r>
-            <a:r>
-              <a:rPr lang="en-US" dirty="0" smtClean="0"/>
-              <a:t>X-band (figure)</a:t>
-            </a:r>
-          </a:p>
-          <a:p>
-            <a:r>
-              <a:rPr lang="en-US" dirty="0" smtClean="0"/>
-              <a:t>Frequency: 8.20 - 12.40 GHz</a:t>
-            </a:r>
-          </a:p>
-          <a:p>
-            <a:r>
-              <a:rPr lang="en-US" dirty="0" smtClean="0"/>
               <a:t>Dimension of aperture: </a:t>
             </a:r>
           </a:p>
@@ -7672,13 +7453,8 @@
             </a:pPr>
             <a:r>
               <a:rPr lang="en-US" dirty="0"/>
-              <a:t>	</a:t>
-            </a:r>
-            <a:r>
-              <a:rPr lang="en-US" dirty="0" smtClean="0"/>
-              <a:t>22.86 mm x 10.16 mm</a:t>
-            </a:r>
-            <a:endParaRPr lang="en-US" dirty="0"/>
+              <a:t>	22.86 mm x 10.16 mm</a:t>
+            </a:r>
           </a:p>
         </p:txBody>
       </p:sp>
@@ -7707,7 +7483,7 @@
         </p:blipFill>
         <p:spPr bwMode="auto">
           <a:xfrm>
-            <a:off x="4518555" y="1499315"/>
+            <a:off x="4847971" y="1600200"/>
             <a:ext cx="3298825" cy="1855589"/>
           </a:xfrm>
           <a:prstGeom prst="rect">
@@ -7984,23 +7760,14 @@
           </a:p>
           <a:p>
             <a:r>
-              <a:rPr lang="en-US" dirty="0" smtClean="0"/>
-              <a:t>A </a:t>
-            </a:r>
-            <a:r>
               <a:rPr lang="en-US" dirty="0"/>
-              <a:t>sample holder (a segment of X-band waveguide that has suitable size for the sample) </a:t>
-            </a:r>
-            <a:endParaRPr lang="en-US" dirty="0" smtClean="0"/>
+              <a:t>A sample holder (a segment of X-band waveguide that has suitable size for the sample) </a:t>
+            </a:r>
           </a:p>
           <a:p>
             <a:r>
               <a:rPr lang="en-US" dirty="0"/>
-              <a:t>TRL calibration kits </a:t>
-            </a:r>
-            <a:r>
-              <a:rPr lang="en-US" dirty="0" smtClean="0"/>
-              <a:t>: </a:t>
+              <a:t>TRL calibration kits : </a:t>
             </a:r>
           </a:p>
           <a:p>
@@ -8010,7 +7777,7 @@
             </a:pPr>
             <a:r>
               <a:rPr lang="en-US" dirty="0"/>
-              <a:t>Reflect standards: A X-band waveguide short termination</a:t>
+              <a:t>Reflect standards: A X-band waveguide short plate</a:t>
             </a:r>
           </a:p>
           <a:p>
@@ -8022,7 +7789,6 @@
               <a:rPr lang="en-US" dirty="0"/>
               <a:t>Line standards: A X-band waveguide segment (90 degree long line at center frequency</a:t>
             </a:r>
-            <a:endParaRPr lang="en-US" dirty="0" smtClean="0"/>
           </a:p>
         </p:txBody>
       </p:sp>
@@ -8089,30 +7855,9 @@
           <a:lstStyle/>
           <a:p>
             <a:r>
-              <a:rPr lang="en-US" smtClean="0"/>
-              <a:t>Sample </a:t>
-            </a:r>
-            <a:r>
-              <a:rPr lang="en-US" smtClean="0"/>
-              <a:t>Holder </a:t>
-            </a:r>
-            <a:r>
-              <a:rPr lang="en-US"/>
-              <a:t>I</a:t>
-            </a:r>
-            <a:r>
-              <a:rPr lang="en-US" smtClean="0"/>
-              <a:t>nitial </a:t>
-            </a:r>
-            <a:r>
               <a:rPr lang="en-US" dirty="0"/>
-              <a:t>D</a:t>
-            </a:r>
-            <a:r>
-              <a:rPr lang="en-US" smtClean="0"/>
-              <a:t>esign</a:t>
-            </a:r>
-            <a:endParaRPr lang="en-US" dirty="0"/>
+              <a:t>Sample Holder Initial Design</a:t>
+            </a:r>
           </a:p>
         </p:txBody>
       </p:sp>
@@ -8150,7 +7895,7 @@
           <a:bodyPr/>
           <a:lstStyle/>
           <a:p>
-            <a:endParaRPr lang="en-US"/>
+            <a:endParaRPr lang="en-US" dirty="0"/>
           </a:p>
         </p:txBody>
       </p:sp>
@@ -8217,10 +7962,9 @@
           <a:lstStyle/>
           <a:p>
             <a:r>
-              <a:rPr lang="en-US" dirty="0" smtClean="0"/>
+              <a:rPr lang="en-US" dirty="0"/>
               <a:t>Goals</a:t>
             </a:r>
-            <a:endParaRPr lang="en-US" dirty="0"/>
           </a:p>
         </p:txBody>
       </p:sp>
@@ -8247,59 +7991,58 @@
           <a:lstStyle/>
           <a:p>
             <a:r>
-              <a:rPr lang="en-US" dirty="0" smtClean="0"/>
+              <a:rPr lang="en-US" dirty="0"/>
               <a:t>Measurement setup and characterization of material at frequency range of 8 – 12 GHz:</a:t>
             </a:r>
           </a:p>
           <a:p>
             <a:pPr lvl="1"/>
             <a:r>
-              <a:rPr lang="en-US" dirty="0" smtClean="0"/>
+              <a:rPr lang="en-US" dirty="0"/>
               <a:t>NRL measurement for absorbing coefficients</a:t>
             </a:r>
           </a:p>
           <a:p>
             <a:pPr lvl="1"/>
             <a:r>
-              <a:rPr lang="en-US" dirty="0" smtClean="0"/>
+              <a:rPr lang="en-US" dirty="0"/>
               <a:t>Waveguide measurement for S-parameters</a:t>
             </a:r>
           </a:p>
           <a:p>
             <a:pPr lvl="1"/>
             <a:r>
-              <a:rPr lang="en-US" dirty="0" smtClean="0"/>
+              <a:rPr lang="en-US" dirty="0"/>
               <a:t>Material EM parameters extractions</a:t>
             </a:r>
           </a:p>
           <a:p>
             <a:pPr lvl="1"/>
             <a:r>
-              <a:rPr lang="en-US" dirty="0" smtClean="0"/>
+              <a:rPr lang="en-US" dirty="0"/>
               <a:t>EM simulation</a:t>
             </a:r>
           </a:p>
           <a:p>
             <a:r>
-              <a:rPr lang="en-US" dirty="0" smtClean="0"/>
+              <a:rPr lang="en-US" dirty="0"/>
               <a:t>Expansion with time availability:</a:t>
             </a:r>
+          </a:p>
+          <a:p>
+            <a:pPr lvl="1"/>
+            <a:r>
+              <a:rPr lang="en-US" dirty="0"/>
+              <a:t>Expand the frequency of measurements and characterizations</a:t>
+            </a:r>
+          </a:p>
+          <a:p>
+            <a:pPr lvl="1"/>
+            <a:r>
+              <a:rPr lang="en-US"/>
+              <a:t>Perform optimizations for measurements</a:t>
+            </a:r>
             <a:endParaRPr lang="en-US" dirty="0"/>
-          </a:p>
-          <a:p>
-            <a:pPr lvl="1"/>
-            <a:r>
-              <a:rPr lang="en-US" dirty="0" smtClean="0"/>
-              <a:t>Expand the frequency of measurements and characterizations</a:t>
-            </a:r>
-          </a:p>
-          <a:p>
-            <a:pPr lvl="1"/>
-            <a:r>
-              <a:rPr lang="en-US" smtClean="0"/>
-              <a:t>Perform optimizations for measurements</a:t>
-            </a:r>
-            <a:endParaRPr lang="en-US" dirty="0" smtClean="0"/>
           </a:p>
         </p:txBody>
       </p:sp>
@@ -8361,7 +8104,7 @@
           <a:lstStyle/>
           <a:p>
             <a:r>
-              <a:rPr lang="en-US" sz="4400" dirty="0" smtClean="0"/>
+              <a:rPr lang="en-US" sz="4400" dirty="0"/>
               <a:t>Potential Optimization</a:t>
             </a:r>
             <a:endParaRPr lang="en-US" dirty="0"/>
@@ -8397,35 +8140,22 @@
           <a:p>
             <a:pPr algn="just"/>
             <a:r>
-              <a:rPr lang="en-US" dirty="0" smtClean="0"/>
-              <a:t>Perform NRL </a:t>
-            </a:r>
-            <a:r>
               <a:rPr lang="en-US" dirty="0"/>
-              <a:t>Arch measurement in RF </a:t>
-            </a:r>
-            <a:r>
-              <a:rPr lang="en-US" dirty="0" smtClean="0"/>
-              <a:t>chamber to eliminate surrounding affects.</a:t>
+              <a:t>Perform NRL Arch measurement in RF chamber to eliminate surrounding affects.</a:t>
             </a:r>
           </a:p>
           <a:p>
             <a:pPr algn="just"/>
             <a:r>
-              <a:rPr lang="en-US" dirty="0" smtClean="0"/>
+              <a:rPr lang="en-US" dirty="0"/>
               <a:t>Perform free-space TRL calibration in NRL measurement</a:t>
             </a:r>
-            <a:endParaRPr lang="en-US" dirty="0"/>
           </a:p>
           <a:p>
             <a:pPr algn="just"/>
             <a:r>
               <a:rPr lang="en-US" dirty="0"/>
-              <a:t>Partially filled </a:t>
-            </a:r>
-            <a:r>
-              <a:rPr lang="en-US" dirty="0" smtClean="0"/>
-              <a:t>waveguide measurement to compare result with the fully filled waveguide method.</a:t>
+              <a:t>Partially filled waveguide measurement to compare result with the fully filled waveguide method.</a:t>
             </a:r>
           </a:p>
           <a:p>
@@ -8492,7 +8222,7 @@
           <a:lstStyle/>
           <a:p>
             <a:r>
-              <a:rPr lang="en-US" sz="4400" dirty="0" smtClean="0"/>
+              <a:rPr lang="en-US" sz="4400" dirty="0"/>
               <a:t>Initial Needs</a:t>
             </a:r>
             <a:endParaRPr lang="en-US" dirty="0"/>
@@ -8522,110 +8252,46 @@
           <a:lstStyle/>
           <a:p>
             <a:r>
-              <a:rPr lang="en-US" dirty="0" smtClean="0"/>
-              <a:t>Sample with various size</a:t>
-            </a:r>
-            <a:r>
-              <a:rPr lang="en-US" dirty="0" smtClean="0"/>
-              <a:t>:</a:t>
-            </a:r>
-            <a:endParaRPr lang="en-US" dirty="0" smtClean="0"/>
+              <a:rPr lang="en-US" dirty="0"/>
+              <a:t>Sample with various size:</a:t>
+            </a:r>
           </a:p>
           <a:p>
             <a:pPr lvl="1"/>
             <a:r>
               <a:rPr lang="en-US" dirty="0"/>
-              <a:t>Waveguide (X-band</a:t>
-            </a:r>
-            <a:r>
-              <a:rPr lang="en-US" dirty="0" smtClean="0"/>
-              <a:t>):		</a:t>
-            </a:r>
-            <a:r>
-              <a:rPr lang="en-US" dirty="0" smtClean="0"/>
-              <a:t>22.86 </a:t>
-            </a:r>
+              <a:t>Waveguide (X-band):		22.86 x 10.16 x 5 mm</a:t>
+            </a:r>
+          </a:p>
+          <a:p>
+            <a:pPr lvl="1"/>
             <a:r>
               <a:rPr lang="en-US" dirty="0"/>
-              <a:t>x </a:t>
-            </a:r>
-            <a:r>
-              <a:rPr lang="en-US" dirty="0" smtClean="0"/>
-              <a:t>10.16 x 5 mm</a:t>
-            </a:r>
-            <a:endParaRPr lang="en-US" dirty="0" smtClean="0"/>
-          </a:p>
-          <a:p>
-            <a:pPr lvl="1"/>
+              <a:t>NRL Arch (up to 18 GHz): 	30 x 30 x 0.2 cm 											60 x 60 x 0.2 cm</a:t>
+            </a:r>
+          </a:p>
+          <a:p>
+            <a:pPr marL="342906" lvl="1" indent="-342906"/>
+            <a:r>
+              <a:rPr lang="en-US" sz="2000" dirty="0"/>
+              <a:t>Antennas for frequency range 4 – 8 GHz and above 12 GHz</a:t>
+            </a:r>
+          </a:p>
+          <a:p>
+            <a:pPr marL="742964" lvl="2" indent="-342906"/>
+            <a:r>
+              <a:rPr lang="en-US" sz="1800" dirty="0"/>
+              <a:t>Since the available antenna for frequency below 4GHz requires a large space for measurement set up we may need to have the horn antennas for this band.</a:t>
+            </a:r>
+          </a:p>
+          <a:p>
             <a:r>
               <a:rPr lang="en-US" dirty="0"/>
-              <a:t>NRL Arch (up to 18 GHz): 	</a:t>
-            </a:r>
-            <a:r>
-              <a:rPr lang="en-US" dirty="0" smtClean="0"/>
-              <a:t>30 </a:t>
-            </a:r>
-            <a:r>
-              <a:rPr lang="en-US" dirty="0"/>
-              <a:t>x </a:t>
-            </a:r>
-            <a:r>
-              <a:rPr lang="en-US" dirty="0" smtClean="0"/>
-              <a:t>30 x 0.2 cm 											60 </a:t>
-            </a:r>
-            <a:r>
-              <a:rPr lang="en-US" dirty="0"/>
-              <a:t>x 60 </a:t>
-            </a:r>
-            <a:r>
-              <a:rPr lang="en-US" dirty="0" smtClean="0"/>
-              <a:t>x 0.2 cm</a:t>
-            </a:r>
+              <a:t>Waveguide sample holder and one straight waveguide for X-band.</a:t>
+            </a:r>
+          </a:p>
+          <a:p>
             <a:endParaRPr lang="en-US" dirty="0"/>
-          </a:p>
-          <a:p>
-            <a:pPr marL="342906" lvl="1" indent="-342906"/>
-            <a:r>
-              <a:rPr lang="en-US" sz="2000" dirty="0" smtClean="0"/>
-              <a:t>Antennas for </a:t>
-            </a:r>
-            <a:r>
-              <a:rPr lang="en-US" sz="2000" dirty="0"/>
-              <a:t>frequency range 4 – 8 GHz and above 12 </a:t>
-            </a:r>
-            <a:r>
-              <a:rPr lang="en-US" sz="2000" dirty="0" smtClean="0"/>
-              <a:t>GHz</a:t>
-            </a:r>
-          </a:p>
-          <a:p>
-            <a:pPr marL="742964" lvl="2" indent="-342906"/>
-            <a:r>
-              <a:rPr lang="en-US" sz="1800" dirty="0" smtClean="0"/>
-              <a:t>Since the available antenna for frequency below 4GHz requires a large space for measurement set up we may need to have the horn antennas for this band.</a:t>
-            </a:r>
-            <a:endParaRPr lang="en-US" sz="1800" dirty="0"/>
-          </a:p>
-          <a:p>
-            <a:r>
-              <a:rPr lang="en-US" dirty="0"/>
-              <a:t>Waveguide sample </a:t>
-            </a:r>
-            <a:r>
-              <a:rPr lang="en-US" dirty="0" smtClean="0"/>
-              <a:t>holder and one straight waveguide </a:t>
-            </a:r>
-            <a:r>
-              <a:rPr lang="en-US" dirty="0"/>
-              <a:t>for </a:t>
-            </a:r>
-            <a:r>
-              <a:rPr lang="en-US" dirty="0" smtClean="0"/>
-              <a:t>X-band.</a:t>
-            </a:r>
-          </a:p>
-          <a:p>
-            <a:endParaRPr lang="en-US" dirty="0" smtClean="0"/>
           </a:p>
           <a:p>
             <a:pPr lvl="1">
@@ -8633,7 +8299,7 @@
               <a:buFont typeface="Wingdings" charset="2"/>
               <a:buChar char="§"/>
             </a:pPr>
-            <a:endParaRPr lang="en-US" dirty="0" smtClean="0"/>
+            <a:endParaRPr lang="en-US" dirty="0"/>
           </a:p>
           <a:p>
             <a:endParaRPr lang="en-US" dirty="0"/>
@@ -8730,26 +8396,13 @@
           <a:p>
             <a:r>
               <a:rPr lang="en-US" sz="1800" dirty="0"/>
-              <a:t>Finish detail time </a:t>
-            </a:r>
-            <a:r>
-              <a:rPr lang="en-US" sz="1800" dirty="0" smtClean="0"/>
-              <a:t>plan (using Gantt chart).</a:t>
-            </a:r>
-            <a:endParaRPr lang="en-US" sz="1800" dirty="0"/>
+              <a:t>Finish detail time plan (using Gantt chart).</a:t>
+            </a:r>
           </a:p>
           <a:p>
             <a:r>
               <a:rPr lang="en-US" sz="1800" dirty="0"/>
-              <a:t>Finish </a:t>
-            </a:r>
-            <a:r>
-              <a:rPr lang="en-US" sz="1800" dirty="0" smtClean="0"/>
-              <a:t>research </a:t>
-            </a:r>
-            <a:r>
-              <a:rPr lang="en-US" sz="1800" dirty="0"/>
-              <a:t>literature review.</a:t>
+              <a:t>Finish research literature review.</a:t>
             </a:r>
           </a:p>
           <a:p>
@@ -8757,16 +8410,11 @@
               <a:rPr lang="en-US" sz="1800" dirty="0"/>
               <a:t>Finish gathering parts avaialble at PSU. </a:t>
             </a:r>
-            <a:endParaRPr lang="en-US" sz="1800" dirty="0" smtClean="0"/>
-          </a:p>
-          <a:p>
-            <a:r>
-              <a:rPr lang="en-US" sz="1800" dirty="0" smtClean="0"/>
-              <a:t>Equations, extraction algorithm </a:t>
-            </a:r>
+          </a:p>
+          <a:p>
             <a:r>
               <a:rPr lang="en-US" sz="1800" dirty="0"/>
-              <a:t>and measurement setup for prototype of NRL arch and waveguide are available.</a:t>
+              <a:t>Equations, extraction algorithm and measurement setup for prototype of NRL arch and waveguide are available.</a:t>
             </a:r>
           </a:p>
           <a:p>
@@ -8869,14 +8517,9 @@
           </a:lstStyle>
           <a:p>
             <a:r>
-              <a:rPr lang="en-US" sz="3000" dirty="0" smtClean="0"/>
-              <a:t>Related </a:t>
-            </a:r>
-            <a:r>
-              <a:rPr lang="en-US" sz="3000" dirty="0" smtClean="0"/>
-              <a:t>Documents</a:t>
-            </a:r>
-            <a:endParaRPr lang="en-US" sz="3000" dirty="0"/>
+              <a:rPr lang="en-US" sz="3000" dirty="0"/>
+              <a:t>Related Documents</a:t>
+            </a:r>
           </a:p>
         </p:txBody>
       </p:sp>
@@ -9130,63 +8773,53 @@
           </a:lstStyle>
           <a:p>
             <a:r>
-              <a:rPr lang="en-US" sz="1600" dirty="0" smtClean="0"/>
-              <a:t>All related documents are available on </a:t>
-            </a:r>
-            <a:r>
-              <a:rPr lang="en-US" sz="1600" dirty="0" smtClean="0"/>
-              <a:t>GitHub</a:t>
-            </a:r>
-            <a:r>
-              <a:rPr lang="en-US" sz="1600" dirty="0" smtClean="0">
+              <a:rPr lang="en-US" sz="1600" dirty="0"/>
+              <a:t>All related documents are available on GitHub</a:t>
+            </a:r>
+            <a:r>
+              <a:rPr lang="en-US" sz="1600" dirty="0">
                 <a:hlinkClick r:id="rId2"/>
               </a:rPr>
-              <a:t> https</a:t>
-            </a:r>
-            <a:r>
-              <a:rPr lang="en-US" sz="1600" dirty="0" smtClean="0">
-                <a:hlinkClick r:id="rId2"/>
-              </a:rPr>
-              <a:t>://github.com/trankhiemha/ECE412-413-Capstone-Project-N3</a:t>
-            </a:r>
-            <a:endParaRPr lang="en-US" sz="1600" dirty="0" smtClean="0"/>
-          </a:p>
-          <a:p>
-            <a:r>
-              <a:rPr lang="en-US" sz="1600" dirty="0" smtClean="0"/>
+              <a:t> https://github.com/trankhiemha/ECE412-413-Capstone-Project-N3</a:t>
+            </a:r>
+            <a:endParaRPr lang="en-US" sz="1600" dirty="0"/>
+          </a:p>
+          <a:p>
+            <a:r>
+              <a:rPr lang="en-US" sz="1600" dirty="0"/>
               <a:t>Project progression tracking is available on Trello </a:t>
             </a:r>
             <a:r>
-              <a:rPr lang="en-US" sz="1600" dirty="0" smtClean="0">
+              <a:rPr lang="en-US" sz="1600" dirty="0">
                 <a:hlinkClick r:id="rId3"/>
               </a:rPr>
               <a:t>https://trello.com/b/Ov0bqGiB/initial-cf-planning</a:t>
             </a:r>
-            <a:endParaRPr lang="en-US" sz="1600" dirty="0" smtClean="0"/>
-          </a:p>
-          <a:p>
-            <a:r>
-              <a:rPr lang="en-US" sz="1600" dirty="0" smtClean="0"/>
+            <a:endParaRPr lang="en-US" sz="1600" dirty="0"/>
+          </a:p>
+          <a:p>
+            <a:r>
+              <a:rPr lang="en-US" sz="1600" dirty="0"/>
               <a:t>Research papers are on </a:t>
             </a:r>
             <a:r>
-              <a:rPr lang="en-US" sz="1600" dirty="0" err="1" smtClean="0"/>
+              <a:rPr lang="en-US" sz="1600" dirty="0" err="1"/>
               <a:t>Zotero</a:t>
             </a:r>
             <a:r>
-              <a:rPr lang="en-US" sz="1600" dirty="0" smtClean="0"/>
+              <a:rPr lang="en-US" sz="1600" dirty="0"/>
               <a:t> page: </a:t>
             </a:r>
             <a:r>
-              <a:rPr lang="en-US" sz="1600" dirty="0" smtClean="0">
+              <a:rPr lang="en-US" sz="1600" dirty="0">
                 <a:hlinkClick r:id="rId4"/>
               </a:rPr>
               <a:t>https://www.zotero.org/groups/957151/items</a:t>
             </a:r>
-            <a:endParaRPr lang="en-US" sz="1600" dirty="0" smtClean="0"/>
-          </a:p>
-          <a:p>
-            <a:endParaRPr lang="en-US" dirty="0" smtClean="0"/>
+            <a:endParaRPr lang="en-US" sz="1600" dirty="0"/>
+          </a:p>
+          <a:p>
+            <a:endParaRPr lang="en-US" dirty="0"/>
           </a:p>
           <a:p>
             <a:endParaRPr lang="en-US" dirty="0"/>
@@ -9251,10 +8884,9 @@
           <a:lstStyle/>
           <a:p>
             <a:r>
-              <a:rPr lang="en-US" dirty="0" smtClean="0"/>
+              <a:rPr lang="en-US" dirty="0"/>
               <a:t>Reference</a:t>
             </a:r>
-            <a:endParaRPr lang="en-US" dirty="0"/>
           </a:p>
         </p:txBody>
       </p:sp>
@@ -9293,11 +8925,7 @@
             </a:r>
             <a:r>
               <a:rPr lang="en-US" dirty="0"/>
-              <a:t>, “Examining 3D Printed Antennas For Space Based Applications,” 2015</a:t>
-            </a:r>
-            <a:r>
-              <a:rPr lang="en-US" dirty="0" smtClean="0"/>
-              <a:t>.</a:t>
+              <a:t>, “Examining 3D Printed Antennas For Space Based Applications,” 2015.</a:t>
             </a:r>
           </a:p>
           <a:p>
@@ -9352,11 +8980,7 @@
             </a:r>
             <a:r>
               <a:rPr lang="en-US" dirty="0"/>
-              <a:t>=3359623&amp;fileOId=3359627. [Accessed: 30-Jan-2017</a:t>
-            </a:r>
-            <a:r>
-              <a:rPr lang="en-US" dirty="0" smtClean="0"/>
-              <a:t>].</a:t>
+              <a:t>=3359623&amp;fileOId=3359627. [Accessed: 30-Jan-2017].</a:t>
             </a:r>
           </a:p>
           <a:p>
@@ -9395,11 +9019,7 @@
             </a:r>
             <a:r>
               <a:rPr lang="en-US" dirty="0"/>
-              <a:t>, 2016</a:t>
-            </a:r>
-            <a:r>
-              <a:rPr lang="en-US" dirty="0" smtClean="0"/>
-              <a:t>.</a:t>
+              <a:t>, 2016.</a:t>
             </a:r>
           </a:p>
           <a:p>
@@ -9717,15 +9337,7 @@
           <a:p>
             <a:r>
               <a:rPr lang="en-US" dirty="0"/>
-              <a:t>Prototypes </a:t>
-            </a:r>
-            <a:r>
-              <a:rPr lang="en-US" dirty="0" smtClean="0"/>
-              <a:t>(10 </a:t>
-            </a:r>
-            <a:r>
-              <a:rPr lang="en-US" dirty="0"/>
-              <a:t>weeks):</a:t>
+              <a:t>Prototypes (10 weeks):</a:t>
             </a:r>
           </a:p>
           <a:p>
@@ -9745,7 +9357,7 @@
           <a:p>
             <a:pPr lvl="1"/>
             <a:r>
-              <a:rPr lang="en-US" dirty="0" smtClean="0"/>
+              <a:rPr lang="en-US" dirty="0"/>
               <a:t>EM Parameters extraction: use NRW algorithm and MATLAB</a:t>
             </a:r>
           </a:p>
@@ -9753,50 +9365,33 @@
             <a:pPr lvl="1"/>
             <a:r>
               <a:rPr lang="en-US" dirty="0"/>
-              <a:t>EM simulation: EM </a:t>
-            </a:r>
-            <a:r>
-              <a:rPr lang="en-US" dirty="0" smtClean="0"/>
-              <a:t>pro to simulate the material’s behavior</a:t>
-            </a:r>
-            <a:endParaRPr lang="en-US" dirty="0"/>
+              <a:t>EM simulation: EM pro to simulate the material’s behavior</a:t>
+            </a:r>
           </a:p>
           <a:p>
             <a:r>
               <a:rPr lang="en-US" dirty="0"/>
-              <a:t>Production </a:t>
-            </a:r>
-            <a:r>
-              <a:rPr lang="en-US" dirty="0" smtClean="0"/>
-              <a:t>(7 </a:t>
-            </a:r>
+              <a:t>Production (7 weeks):</a:t>
+            </a:r>
+          </a:p>
+          <a:p>
+            <a:pPr lvl="1"/>
             <a:r>
               <a:rPr lang="en-US" dirty="0"/>
-              <a:t>weeks):</a:t>
+              <a:t>Expand frequency range</a:t>
             </a:r>
           </a:p>
           <a:p>
             <a:pPr lvl="1"/>
             <a:r>
-              <a:rPr lang="en-US" dirty="0" smtClean="0"/>
-              <a:t>Expand </a:t>
-            </a:r>
-            <a:r>
-              <a:rPr lang="en-US" dirty="0" smtClean="0"/>
-              <a:t>frequency range</a:t>
+              <a:rPr lang="en-US" dirty="0"/>
+              <a:t>Optimization</a:t>
             </a:r>
           </a:p>
           <a:p>
             <a:pPr lvl="1"/>
             <a:r>
-              <a:rPr lang="en-US" dirty="0" smtClean="0"/>
-              <a:t>Optimization</a:t>
-            </a:r>
-          </a:p>
-          <a:p>
-            <a:pPr lvl="1"/>
-            <a:r>
-              <a:rPr lang="en-US" dirty="0" smtClean="0"/>
+              <a:rPr lang="en-US" dirty="0"/>
               <a:t>Back-up and presentation</a:t>
             </a:r>
           </a:p>
@@ -9915,15 +9510,7 @@
             <a:pPr lvl="1"/>
             <a:r>
               <a:rPr lang="en-US" dirty="0"/>
-              <a:t>Disadvantage: Big sample size (greater than 5 </a:t>
-            </a:r>
-            <a:r>
-              <a:rPr lang="en-US" dirty="0" smtClean="0"/>
-              <a:t>wavelength), </a:t>
-            </a:r>
-            <a:r>
-              <a:rPr lang="en-US" dirty="0"/>
-              <a:t>antenna alignment</a:t>
+              <a:t>Disadvantage: Big sample size (greater than 5 wavelength), antenna alignment</a:t>
             </a:r>
           </a:p>
           <a:p>
@@ -9956,29 +9543,15 @@
             <a:pPr lvl="1"/>
             <a:r>
               <a:rPr lang="en-US" dirty="0"/>
-              <a:t>MATLAB for material </a:t>
-            </a:r>
-            <a:r>
-              <a:rPr lang="en-US" dirty="0" smtClean="0"/>
-              <a:t>extraction based on NRW </a:t>
-            </a:r>
-            <a:r>
-              <a:rPr lang="en-US" dirty="0" smtClean="0"/>
-              <a:t>algorithm [1], [2]</a:t>
-            </a:r>
-            <a:endParaRPr lang="en-US" dirty="0"/>
+              <a:t>MATLAB for material extraction based on NRW algorithm [1], [2]</a:t>
+            </a:r>
           </a:p>
           <a:p>
             <a:pPr lvl="1"/>
             <a:r>
               <a:rPr lang="en-US" dirty="0"/>
-              <a:t>EMPro for EM </a:t>
-            </a:r>
-            <a:r>
-              <a:rPr lang="en-US" dirty="0" smtClean="0"/>
-              <a:t>simulation</a:t>
-            </a:r>
-            <a:endParaRPr lang="en-US" dirty="0"/>
+              <a:t>EMPro for EM simulation</a:t>
+            </a:r>
           </a:p>
           <a:p>
             <a:endParaRPr lang="en-US" dirty="0"/>
@@ -10044,11 +9617,7 @@
           <a:p>
             <a:r>
               <a:rPr lang="en-US" sz="4400" dirty="0"/>
-              <a:t>Potential Problems and </a:t>
-            </a:r>
-            <a:r>
-              <a:rPr lang="en-US" sz="4400" dirty="0" smtClean="0"/>
-              <a:t>Solutions</a:t>
+              <a:t>Potential Problems and Solutions</a:t>
             </a:r>
             <a:endParaRPr lang="en-US" dirty="0"/>
           </a:p>
@@ -10071,13 +9640,8 @@
           <a:p>
             <a:r>
               <a:rPr lang="en-US" dirty="0"/>
-              <a:t>Potential problems</a:t>
-            </a:r>
-            <a:r>
-              <a:rPr lang="en-US" dirty="0" smtClean="0"/>
-              <a:t>:</a:t>
-            </a:r>
-            <a:endParaRPr lang="en-US" dirty="0"/>
+              <a:t>Potential problems:</a:t>
+            </a:r>
           </a:p>
         </p:txBody>
       </p:sp>
@@ -10111,12 +9675,8 @@
               <a:buAutoNum type="arabicPeriod"/>
             </a:pPr>
             <a:r>
-              <a:rPr lang="en-US" dirty="0" smtClean="0"/>
-              <a:t>Required </a:t>
-            </a:r>
-            <a:r>
               <a:rPr lang="en-US" dirty="0"/>
-              <a:t>sample size for NRL arch measurement in low frequency will be too large.</a:t>
+              <a:t>Required sample size for NRL arch measurement in low frequency will be too large.</a:t>
             </a:r>
           </a:p>
           <a:p>
@@ -10128,7 +9688,7 @@
               <a:buAutoNum type="arabicPeriod"/>
             </a:pPr>
             <a:r>
-              <a:rPr lang="en-US" dirty="0" smtClean="0"/>
+              <a:rPr lang="en-US" dirty="0"/>
               <a:t>Antennas alignment is hard to be perfect.</a:t>
             </a:r>
           </a:p>
@@ -10141,18 +9701,9 @@
               <a:buAutoNum type="arabicPeriod"/>
             </a:pPr>
             <a:r>
-              <a:rPr lang="en-US" dirty="0" smtClean="0"/>
-              <a:t>Surrounding </a:t>
-            </a:r>
-            <a:r>
               <a:rPr lang="en-US" dirty="0"/>
-              <a:t>environment may </a:t>
-            </a:r>
-            <a:r>
-              <a:rPr lang="en-US" dirty="0" smtClean="0"/>
-              <a:t>affect measurements of the NRL measurement.</a:t>
-            </a:r>
-            <a:endParaRPr lang="en-US" dirty="0"/>
+              <a:t>Surrounding environment may affect measurements of the NRL measurement.</a:t>
+            </a:r>
           </a:p>
           <a:p>
             <a:pPr marL="800107" lvl="1" indent="-342900" algn="just">
@@ -10164,13 +9715,8 @@
             </a:pPr>
             <a:r>
               <a:rPr lang="en-US" dirty="0"/>
-              <a:t>Sample preparation for waveguide measurement is not perfect and hard to </a:t>
-            </a:r>
-            <a:r>
-              <a:rPr lang="en-US" dirty="0" smtClean="0"/>
-              <a:t>align.</a:t>
-            </a:r>
-            <a:endParaRPr lang="en-US" dirty="0"/>
+              <a:t>Sample preparation for waveguide measurement is not perfect and hard to align.</a:t>
+            </a:r>
           </a:p>
           <a:p>
             <a:pPr lvl="1">
@@ -10210,10 +9756,9 @@
           <a:lstStyle/>
           <a:p>
             <a:r>
-              <a:rPr lang="en-US" dirty="0" smtClean="0"/>
+              <a:rPr lang="en-US" dirty="0"/>
               <a:t>Solutions</a:t>
             </a:r>
-            <a:endParaRPr lang="en-US" dirty="0"/>
           </a:p>
         </p:txBody>
       </p:sp>
@@ -10245,21 +9790,8 @@
             </a:pPr>
             <a:r>
               <a:rPr lang="en-US" dirty="0"/>
-              <a:t>Sample for frequencies below 3 </a:t>
-            </a:r>
-            <a:r>
-              <a:rPr lang="en-US" dirty="0" smtClean="0"/>
-              <a:t>GHz can be </a:t>
-            </a:r>
-            <a:r>
-              <a:rPr lang="en-US" dirty="0"/>
-              <a:t>60cm x 60 cm for practical </a:t>
-            </a:r>
-            <a:r>
-              <a:rPr lang="en-US" dirty="0" smtClean="0"/>
-              <a:t>measurement [3]</a:t>
-            </a:r>
-            <a:endParaRPr lang="en-US" dirty="0"/>
+              <a:t>Sample for frequencies below 3 GHz can be 60cm x 60 cm for practical measurement [3]</a:t>
+            </a:r>
           </a:p>
           <a:p>
             <a:pPr marL="800107" lvl="1" indent="-342900" algn="just">
@@ -10267,10 +9799,9 @@
               <a:buAutoNum type="arabicPeriod"/>
             </a:pPr>
             <a:r>
-              <a:rPr lang="en-US" dirty="0" smtClean="0"/>
+              <a:rPr lang="en-US" dirty="0"/>
               <a:t>Set up 1 simple measurement to get the most possible alignment to apply on the arch alignment.</a:t>
             </a:r>
-            <a:endParaRPr lang="en-US" dirty="0"/>
           </a:p>
           <a:p>
             <a:pPr marL="800107" lvl="1" indent="-342900" algn="just">
@@ -10278,10 +9809,9 @@
               <a:buAutoNum type="arabicPeriod"/>
             </a:pPr>
             <a:r>
-              <a:rPr lang="en-US" dirty="0" smtClean="0"/>
+              <a:rPr lang="en-US" dirty="0"/>
               <a:t>Use the RF chamber room at PSU with the foam absorber to take the measurements.</a:t>
             </a:r>
-            <a:endParaRPr lang="en-US" dirty="0"/>
           </a:p>
           <a:p>
             <a:pPr marL="800107" lvl="1" indent="-342900" algn="just">
@@ -10289,14 +9819,9 @@
               <a:buAutoNum type="arabicPeriod"/>
             </a:pPr>
             <a:r>
-              <a:rPr lang="en-US" dirty="0" smtClean="0"/>
-              <a:t>Design the sample holder waveguide short to fix the sample in easier then connect with 2 extensional waveguides and 2 waveguide adapters</a:t>
-            </a:r>
-            <a:r>
-              <a:rPr lang="en-US" dirty="0" smtClean="0"/>
-              <a:t>. [3]</a:t>
-            </a:r>
-            <a:endParaRPr lang="en-US" dirty="0" smtClean="0"/>
+              <a:rPr lang="en-US" dirty="0"/>
+              <a:t>Design the sample holder waveguide short to fix the sample in easier then connect with 2 extensional waveguides and 2 waveguide adapters. [3]</a:t>
+            </a:r>
           </a:p>
           <a:p>
             <a:pPr>
@@ -10351,7 +9876,7 @@
       </p:grpSpPr>
       <p:sp>
         <p:nvSpPr>
-          <p:cNvPr id="3" name="Title 2"/>
+          <p:cNvPr id="2" name="Title 1"/>
           <p:cNvSpPr>
             <a:spLocks noGrp="1"/>
           </p:cNvSpPr>
@@ -10361,55 +9886,39 @@
         </p:nvSpPr>
         <p:spPr/>
         <p:txBody>
+          <a:bodyPr/>
+          <a:lstStyle/>
+          <a:p>
+            <a:r>
+              <a:rPr lang="en-US" dirty="0"/>
+              <a:t>NRL arch prototype:</a:t>
+            </a:r>
+            <a:endParaRPr lang="en-US" dirty="0"/>
+          </a:p>
+        </p:txBody>
+      </p:sp>
+      <p:sp>
+        <p:nvSpPr>
+          <p:cNvPr id="3" name="Content Placeholder 2"/>
+          <p:cNvSpPr>
+            <a:spLocks noGrp="1"/>
+          </p:cNvSpPr>
+          <p:nvPr>
+            <p:ph sz="half" idx="1"/>
+          </p:nvPr>
+        </p:nvSpPr>
+        <p:spPr/>
+        <p:txBody>
           <a:bodyPr>
-            <a:normAutofit/>
+            <a:normAutofit fontScale="92500" lnSpcReduction="20000"/>
           </a:bodyPr>
           <a:lstStyle/>
           <a:p>
-            <a:r>
-              <a:rPr lang="en-US" sz="3000" dirty="0"/>
-              <a:t>NRL Arch Prototype</a:t>
-            </a:r>
-            <a:r>
-              <a:rPr lang="en-US" sz="3000" dirty="0" smtClean="0"/>
-              <a:t>:</a:t>
-            </a:r>
-            <a:endParaRPr lang="en-US" sz="3000" dirty="0"/>
-          </a:p>
-        </p:txBody>
-      </p:sp>
-      <p:sp>
-        <p:nvSpPr>
-          <p:cNvPr id="2" name="Content Placeholder 1"/>
-          <p:cNvSpPr>
-            <a:spLocks noGrp="1"/>
-          </p:cNvSpPr>
-          <p:nvPr>
-            <p:ph idx="1"/>
-          </p:nvPr>
-        </p:nvSpPr>
-        <p:spPr>
-          <a:xfrm>
-            <a:off x="628650" y="2176357"/>
-            <a:ext cx="3886200" cy="3252893"/>
-          </a:xfrm>
-        </p:spPr>
-        <p:txBody>
-          <a:bodyPr>
-            <a:normAutofit fontScale="77500" lnSpcReduction="20000"/>
-          </a:bodyPr>
-          <a:lstStyle/>
-          <a:p>
             <a:pPr algn="just"/>
             <a:r>
               <a:rPr lang="en-US" dirty="0"/>
-              <a:t>VNA is used as both the stimulus and detector of microwave </a:t>
-            </a:r>
-            <a:r>
-              <a:rPr lang="en-US" dirty="0" smtClean="0"/>
-              <a:t>signals.</a:t>
-            </a:r>
-            <a:endParaRPr lang="en-US" dirty="0"/>
+              <a:t>VNA is used as both the stimulus and detector of microwave signals.</a:t>
+            </a:r>
           </a:p>
           <a:p>
             <a:pPr algn="just"/>
@@ -10439,15 +9948,20 @@
               <a:t>An arch with positioners will be built to measure reflection for different incident angles</a:t>
             </a:r>
           </a:p>
+          <a:p>
+            <a:endParaRPr lang="en-US" dirty="0"/>
+          </a:p>
         </p:txBody>
       </p:sp>
       <p:pic>
         <p:nvPicPr>
-          <p:cNvPr id="6" name="Picture 5"/>
+          <p:cNvPr id="5" name="Content Placeholder 3"/>
           <p:cNvPicPr>
-            <a:picLocks noChangeAspect="1"/>
+            <a:picLocks noGrp="1" noChangeAspect="1"/>
           </p:cNvPicPr>
-          <p:nvPr/>
+          <p:nvPr>
+            <p:ph sz="half" idx="2"/>
+          </p:nvPr>
         </p:nvPicPr>
         <p:blipFill>
           <a:blip r:embed="rId2"/>
@@ -10457,8 +9971,8 @@
         </p:blipFill>
         <p:spPr>
           <a:xfrm>
-            <a:off x="4625440" y="2176357"/>
-            <a:ext cx="2914650" cy="3049533"/>
+            <a:off x="4241800" y="2060576"/>
+            <a:ext cx="4376809" cy="3362767"/>
           </a:xfrm>
           <a:prstGeom prst="rect">
             <a:avLst/>
@@ -10468,7 +9982,7 @@
     </p:spTree>
     <p:extLst>
       <p:ext uri="{BB962C8B-B14F-4D97-AF65-F5344CB8AC3E}">
-        <p14:creationId xmlns:p14="http://schemas.microsoft.com/office/powerpoint/2010/main" val="115972418"/>
+        <p14:creationId xmlns:p14="http://schemas.microsoft.com/office/powerpoint/2010/main" val="2850857369"/>
       </p:ext>
     </p:extLst>
   </p:cSld>
@@ -10509,34 +10023,12 @@
       </p:grpSpPr>
       <p:sp>
         <p:nvSpPr>
-          <p:cNvPr id="2" name="Title 1"/>
+          <p:cNvPr id="3" name="Title 2"/>
           <p:cNvSpPr>
             <a:spLocks noGrp="1"/>
           </p:cNvSpPr>
           <p:nvPr>
             <p:ph type="title"/>
-          </p:nvPr>
-        </p:nvSpPr>
-        <p:spPr/>
-        <p:txBody>
-          <a:bodyPr/>
-          <a:lstStyle/>
-          <a:p>
-            <a:r>
-              <a:rPr lang="en-US" dirty="0"/>
-              <a:t>Available parts: Antennas</a:t>
-            </a:r>
-          </a:p>
-        </p:txBody>
-      </p:sp>
-      <p:sp>
-        <p:nvSpPr>
-          <p:cNvPr id="3" name="Content Placeholder 2"/>
-          <p:cNvSpPr>
-            <a:spLocks noGrp="1"/>
-          </p:cNvSpPr>
-          <p:nvPr>
-            <p:ph sz="half" idx="1"/>
           </p:nvPr>
         </p:nvSpPr>
         <p:spPr/>
@@ -10547,285 +10039,9 @@
           <a:lstStyle/>
           <a:p>
             <a:r>
-              <a:rPr lang="en-US" sz="1400" dirty="0"/>
-              <a:t>SAS-510-4 Log Periodic Antennas:</a:t>
-            </a:r>
-          </a:p>
-          <a:p>
-            <a:pPr lvl="1"/>
-            <a:r>
-              <a:rPr lang="en-US" sz="1200" dirty="0"/>
-              <a:t>Frequency: 290 MHz to 4 GHz</a:t>
-            </a:r>
-          </a:p>
-          <a:p>
-            <a:pPr lvl="1"/>
-            <a:r>
-              <a:rPr lang="en-US" sz="1200" dirty="0"/>
-              <a:t>Dimensions: 60.4 cm x 51.1 cm</a:t>
-            </a:r>
-          </a:p>
-          <a:p>
-            <a:r>
-              <a:rPr lang="en-US" sz="1400" dirty="0"/>
-              <a:t>Adjustable Dipole:</a:t>
-            </a:r>
-          </a:p>
-          <a:p>
-            <a:pPr lvl="1"/>
-            <a:r>
-              <a:rPr lang="en-US" sz="1200" dirty="0"/>
-              <a:t>Frequency: 400 MHz to 1 GHz</a:t>
-            </a:r>
-          </a:p>
-          <a:p>
-            <a:pPr lvl="1"/>
-            <a:r>
-              <a:rPr lang="en-US" sz="1200" dirty="0"/>
-              <a:t>Dimensions: </a:t>
-            </a:r>
-          </a:p>
-          <a:p>
-            <a:r>
-              <a:rPr lang="en-US" sz="1400" dirty="0"/>
-              <a:t>Horn antennas in </a:t>
-            </a:r>
-            <a:r>
-              <a:rPr lang="en-US" sz="1400" dirty="0" smtClean="0"/>
-              <a:t>X-band</a:t>
-            </a:r>
-            <a:endParaRPr lang="en-US" sz="1400" dirty="0"/>
-          </a:p>
-          <a:p>
-            <a:pPr lvl="1"/>
-            <a:r>
-              <a:rPr lang="en-US" sz="1200" dirty="0"/>
-              <a:t>Frequency: </a:t>
-            </a:r>
-          </a:p>
-          <a:p>
-            <a:pPr lvl="1"/>
-            <a:r>
-              <a:rPr lang="en-US" sz="1200" dirty="0"/>
-              <a:t>Dimensions:</a:t>
-            </a:r>
-          </a:p>
-        </p:txBody>
-      </p:sp>
-      <p:pic>
-        <p:nvPicPr>
-          <p:cNvPr id="5" name="Content Placeholder 4" descr="No automatic alt text available."/>
-          <p:cNvPicPr>
-            <a:picLocks noGrp="1" noChangeAspect="1" noChangeArrowheads="1"/>
-          </p:cNvPicPr>
-          <p:nvPr>
-            <p:ph sz="half" idx="2"/>
-          </p:nvPr>
-        </p:nvPicPr>
-        <p:blipFill>
-          <a:blip r:embed="rId2" cstate="print">
-            <a:extLst>
-              <a:ext uri="{28A0092B-C50C-407E-A947-70E740481C1C}">
-                <a14:useLocalDpi xmlns:a14="http://schemas.microsoft.com/office/drawing/2010/main" val="0"/>
-              </a:ext>
-            </a:extLst>
-          </a:blip>
-          <a:srcRect/>
-          <a:stretch>
-            <a:fillRect/>
-          </a:stretch>
-        </p:blipFill>
-        <p:spPr bwMode="auto">
-          <a:xfrm>
-            <a:off x="3982583" y="2060576"/>
-            <a:ext cx="3749604" cy="2109152"/>
-          </a:xfrm>
-          <a:prstGeom prst="rect">
-            <a:avLst/>
-          </a:prstGeom>
-          <a:noFill/>
-          <a:extLst>
-            <a:ext uri="{909E8E84-426E-40DD-AFC4-6F175D3DCCD1}">
-              <a14:hiddenFill xmlns:a14="http://schemas.microsoft.com/office/drawing/2010/main">
-                <a:solidFill>
-                  <a:srgbClr val="FFFFFF"/>
-                </a:solidFill>
-              </a14:hiddenFill>
-            </a:ext>
-          </a:extLst>
-        </p:spPr>
-      </p:pic>
-    </p:spTree>
-    <p:extLst>
-      <p:ext uri="{BB962C8B-B14F-4D97-AF65-F5344CB8AC3E}">
-        <p14:creationId xmlns:p14="http://schemas.microsoft.com/office/powerpoint/2010/main" val="1315259222"/>
-      </p:ext>
-    </p:extLst>
-  </p:cSld>
-  <p:clrMapOvr>
-    <a:masterClrMapping/>
-  </p:clrMapOvr>
-  <mc:AlternateContent xmlns:mc="http://schemas.openxmlformats.org/markup-compatibility/2006" xmlns:p14="http://schemas.microsoft.com/office/powerpoint/2010/main">
-    <mc:Choice Requires="p14">
-      <p:transition spd="med" p14:dur="700">
-        <p:fade/>
-      </p:transition>
-    </mc:Choice>
-    <mc:Fallback xmlns="">
-      <p:transition spd="med">
-        <p:fade/>
-      </p:transition>
-    </mc:Fallback>
-  </mc:AlternateContent>
-</p:sld>
-</file>
-
-<file path=ppt/slides/slide8.xml><?xml version="1.0" encoding="utf-8"?>
-<p:sld xmlns:a="http://schemas.openxmlformats.org/drawingml/2006/main" xmlns:r="http://schemas.openxmlformats.org/officeDocument/2006/relationships" xmlns:p="http://schemas.openxmlformats.org/presentationml/2006/main">
-  <p:cSld>
-    <p:spTree>
-      <p:nvGrpSpPr>
-        <p:cNvPr id="1" name=""/>
-        <p:cNvGrpSpPr/>
-        <p:nvPr/>
-      </p:nvGrpSpPr>
-      <p:grpSpPr>
-        <a:xfrm>
-          <a:off x="0" y="0"/>
-          <a:ext cx="0" cy="0"/>
-          <a:chOff x="0" y="0"/>
-          <a:chExt cx="0" cy="0"/>
-        </a:xfrm>
-      </p:grpSpPr>
-      <p:sp>
-        <p:nvSpPr>
-          <p:cNvPr id="2" name="Title 1"/>
-          <p:cNvSpPr>
-            <a:spLocks noGrp="1"/>
-          </p:cNvSpPr>
-          <p:nvPr>
-            <p:ph type="title"/>
-          </p:nvPr>
-        </p:nvSpPr>
-        <p:spPr/>
-        <p:txBody>
-          <a:bodyPr/>
-          <a:lstStyle/>
-          <a:p>
-            <a:r>
-              <a:rPr lang="en-US" dirty="0" smtClean="0"/>
-              <a:t>Arch drawing here</a:t>
-            </a:r>
-            <a:endParaRPr lang="en-US" dirty="0"/>
-          </a:p>
-        </p:txBody>
-      </p:sp>
-      <p:sp>
-        <p:nvSpPr>
-          <p:cNvPr id="3" name="Content Placeholder 2"/>
-          <p:cNvSpPr>
-            <a:spLocks noGrp="1"/>
-          </p:cNvSpPr>
-          <p:nvPr>
-            <p:ph sz="half" idx="1"/>
-          </p:nvPr>
-        </p:nvSpPr>
-        <p:spPr/>
-        <p:txBody>
-          <a:bodyPr/>
-          <a:lstStyle/>
-          <a:p>
-            <a:endParaRPr lang="en-US"/>
-          </a:p>
-        </p:txBody>
-      </p:sp>
-      <p:sp>
-        <p:nvSpPr>
-          <p:cNvPr id="4" name="Content Placeholder 3"/>
-          <p:cNvSpPr>
-            <a:spLocks noGrp="1"/>
-          </p:cNvSpPr>
-          <p:nvPr>
-            <p:ph sz="half" idx="2"/>
-          </p:nvPr>
-        </p:nvSpPr>
-        <p:spPr/>
-        <p:txBody>
-          <a:bodyPr/>
-          <a:lstStyle/>
-          <a:p>
-            <a:endParaRPr lang="en-US"/>
-          </a:p>
-        </p:txBody>
-      </p:sp>
-    </p:spTree>
-    <p:extLst>
-      <p:ext uri="{BB962C8B-B14F-4D97-AF65-F5344CB8AC3E}">
-        <p14:creationId xmlns:p14="http://schemas.microsoft.com/office/powerpoint/2010/main" val="1082746244"/>
-      </p:ext>
-    </p:extLst>
-  </p:cSld>
-  <p:clrMapOvr>
-    <a:masterClrMapping/>
-  </p:clrMapOvr>
-  <mc:AlternateContent xmlns:mc="http://schemas.openxmlformats.org/markup-compatibility/2006" xmlns:p14="http://schemas.microsoft.com/office/powerpoint/2010/main">
-    <mc:Choice Requires="p14">
-      <p:transition spd="med" p14:dur="700">
-        <p:fade/>
-      </p:transition>
-    </mc:Choice>
-    <mc:Fallback xmlns="">
-      <p:transition spd="med">
-        <p:fade/>
-      </p:transition>
-    </mc:Fallback>
-  </mc:AlternateContent>
-</p:sld>
-</file>
-
-<file path=ppt/slides/slide9.xml><?xml version="1.0" encoding="utf-8"?>
-<p:sld xmlns:a="http://schemas.openxmlformats.org/drawingml/2006/main" xmlns:r="http://schemas.openxmlformats.org/officeDocument/2006/relationships" xmlns:p="http://schemas.openxmlformats.org/presentationml/2006/main">
-  <p:cSld>
-    <p:spTree>
-      <p:nvGrpSpPr>
-        <p:cNvPr id="1" name=""/>
-        <p:cNvGrpSpPr/>
-        <p:nvPr/>
-      </p:nvGrpSpPr>
-      <p:grpSpPr>
-        <a:xfrm>
-          <a:off x="0" y="0"/>
-          <a:ext cx="0" cy="0"/>
-          <a:chOff x="0" y="0"/>
-          <a:chExt cx="0" cy="0"/>
-        </a:xfrm>
-      </p:grpSpPr>
-      <p:sp>
-        <p:nvSpPr>
-          <p:cNvPr id="3" name="Title 2"/>
-          <p:cNvSpPr>
-            <a:spLocks noGrp="1"/>
-          </p:cNvSpPr>
-          <p:nvPr>
-            <p:ph type="title"/>
-          </p:nvPr>
-        </p:nvSpPr>
-        <p:spPr/>
-        <p:txBody>
-          <a:bodyPr>
-            <a:normAutofit/>
-          </a:bodyPr>
-          <a:lstStyle/>
-          <a:p>
-            <a:r>
               <a:rPr lang="en-US" sz="3000" dirty="0"/>
-              <a:t>Waveguide Prototype</a:t>
-            </a:r>
-            <a:r>
-              <a:rPr lang="en-US" sz="3000" dirty="0" smtClean="0"/>
-              <a:t>:</a:t>
-            </a:r>
-            <a:endParaRPr lang="en-US" sz="3000" dirty="0"/>
+              <a:t>Waveguide Prototype:</a:t>
+            </a:r>
           </a:p>
         </p:txBody>
       </p:sp>
@@ -10853,13 +10069,8 @@
           <a:p>
             <a:r>
               <a:rPr lang="en-US" sz="1500" dirty="0"/>
-              <a:t>L: a segment of rectangular waveguide where a sample has been </a:t>
-            </a:r>
-            <a:r>
-              <a:rPr lang="en-US" sz="1500" dirty="0" smtClean="0"/>
-              <a:t>placed using the waveguide a sample holder.</a:t>
-            </a:r>
-            <a:endParaRPr lang="en-US" sz="1500" dirty="0"/>
+              <a:t>L: a segment of rectangular waveguide where a sample has been placed using the waveguide a sample holder.</a:t>
+            </a:r>
           </a:p>
           <a:p>
             <a:r>
@@ -10870,13 +10081,8 @@
           <a:p>
             <a:r>
               <a:rPr lang="en-US" sz="1500" dirty="0"/>
-              <a:t>Port 1 and Port 2 are connected to VNA using adapters</a:t>
-            </a:r>
-            <a:r>
-              <a:rPr lang="en-US" sz="1500" dirty="0" smtClean="0"/>
-              <a:t>.</a:t>
-            </a:r>
-            <a:endParaRPr lang="en-US" sz="1500" dirty="0"/>
+              <a:t>Port 1 and Port 2 are connected to VNA using adapters.</a:t>
+            </a:r>
           </a:p>
         </p:txBody>
       </p:sp>
@@ -10942,21 +10148,16 @@
           <a:p>
             <a:r>
               <a:rPr lang="en-US" sz="900" dirty="0"/>
-              <a:t>Microwave Electronics: Measurement </a:t>
-            </a:r>
-            <a:r>
-              <a:rPr lang="en-US" sz="900" dirty="0" smtClean="0"/>
-              <a:t>and Materials </a:t>
-            </a:r>
-            <a:r>
-              <a:rPr lang="en-US" sz="900" dirty="0" err="1" smtClean="0"/>
+              <a:t>Microwave Electronics: Measurement and Materials </a:t>
+            </a:r>
+            <a:r>
+              <a:rPr lang="en-US" sz="900" dirty="0" err="1"/>
               <a:t>Characterizationv</a:t>
             </a:r>
             <a:r>
-              <a:rPr lang="en-US" sz="900" dirty="0" smtClean="0"/>
+              <a:rPr lang="en-US" sz="900" dirty="0"/>
               <a:t> [4]</a:t>
             </a:r>
-            <a:endParaRPr lang="en-US" sz="900" dirty="0"/>
           </a:p>
         </p:txBody>
       </p:sp>
@@ -11211,47 +10412,18 @@
           <a:p>
             <a:r>
               <a:rPr lang="en-US" sz="1500" dirty="0"/>
-              <a:t>Extraction algorithm for complex epsilon and mu are based on </a:t>
-            </a:r>
-            <a:r>
-              <a:rPr lang="en-US" sz="1500" dirty="0" smtClean="0"/>
-              <a:t>Microwave </a:t>
-            </a:r>
-            <a:r>
-              <a:rPr lang="en-US" sz="1500" dirty="0" smtClean="0"/>
-              <a:t>Electronics [4] </a:t>
-            </a:r>
+              <a:t>Extraction algorithm for complex epsilon and mu are based on Microwave Electronics [4] and Nicolson Ross Weir’s algorithm and then will be implemented in MATLAB code.</a:t>
+            </a:r>
+          </a:p>
+          <a:p>
             <a:r>
               <a:rPr lang="en-US" sz="1500" dirty="0"/>
-              <a:t>and Nicolson Ross Weir’s algorithm and then will be implemented in MATLAB code.</a:t>
-            </a:r>
-          </a:p>
-          <a:p>
-            <a:r>
-              <a:rPr lang="en-US" sz="1500" dirty="0" smtClean="0"/>
-              <a:t>A </a:t>
-            </a:r>
-            <a:r>
-              <a:rPr lang="en-US" sz="1500" dirty="0"/>
-              <a:t>measurement and extraction will be applied on a control </a:t>
-            </a:r>
-            <a:r>
-              <a:rPr lang="en-US" sz="1500" dirty="0" smtClean="0"/>
-              <a:t>sample (PVC) </a:t>
-            </a:r>
-            <a:r>
-              <a:rPr lang="en-US" sz="1500" dirty="0"/>
-              <a:t>to verify the initial result before performing </a:t>
+              <a:t>A measurement and extraction will be applied on a control sample (PVC) to verify the initial result before performing </a:t>
             </a:r>
             <a:r>
               <a:rPr lang="en-US" sz="1600" dirty="0"/>
-              <a:t>on the CF absorber</a:t>
-            </a:r>
-            <a:r>
-              <a:rPr lang="en-US" sz="1600" dirty="0" smtClean="0"/>
-              <a:t>.</a:t>
-            </a:r>
-            <a:endParaRPr lang="en-US" sz="1600" dirty="0"/>
+              <a:t>on the CF absorber.</a:t>
+            </a:r>
           </a:p>
         </p:txBody>
       </p:sp>
@@ -11314,25 +10486,19 @@
               <a:t>Christos </a:t>
             </a:r>
             <a:r>
-              <a:rPr lang="en-US" sz="900" dirty="0" err="1" smtClean="0"/>
+              <a:rPr lang="en-US" sz="900" dirty="0" err="1"/>
               <a:t>Tsipogiannis</a:t>
             </a:r>
             <a:r>
-              <a:rPr lang="en-US" sz="900" dirty="0" smtClean="0"/>
+              <a:rPr lang="en-US" sz="900" dirty="0"/>
               <a:t>, Master Thesis, Lund University, </a:t>
             </a:r>
-            <a:endParaRPr lang="en-US" sz="900" dirty="0"/>
           </a:p>
           <a:p>
             <a:r>
               <a:rPr lang="en-US" sz="900" dirty="0"/>
-              <a:t>Microwave materials characterization using waveguides and coaxial </a:t>
-            </a:r>
-            <a:r>
-              <a:rPr lang="en-US" sz="900" dirty="0" smtClean="0"/>
-              <a:t>probe [2]</a:t>
-            </a:r>
-            <a:endParaRPr lang="en-US" sz="900" dirty="0"/>
+              <a:t>Microwave materials characterization using waveguides and coaxial probe [2]</a:t>
+            </a:r>
           </a:p>
         </p:txBody>
       </p:sp>
@@ -11340,6 +10506,325 @@
     <p:extLst>
       <p:ext uri="{BB962C8B-B14F-4D97-AF65-F5344CB8AC3E}">
         <p14:creationId xmlns:p14="http://schemas.microsoft.com/office/powerpoint/2010/main" val="4267753713"/>
+      </p:ext>
+    </p:extLst>
+  </p:cSld>
+  <p:clrMapOvr>
+    <a:masterClrMapping/>
+  </p:clrMapOvr>
+  <mc:AlternateContent xmlns:mc="http://schemas.openxmlformats.org/markup-compatibility/2006" xmlns:p14="http://schemas.microsoft.com/office/powerpoint/2010/main">
+    <mc:Choice Requires="p14">
+      <p:transition spd="med" p14:dur="700">
+        <p:fade/>
+      </p:transition>
+    </mc:Choice>
+    <mc:Fallback xmlns="">
+      <p:transition spd="med">
+        <p:fade/>
+      </p:transition>
+    </mc:Fallback>
+  </mc:AlternateContent>
+</p:sld>
+</file>
+
+<file path=ppt/slides/slide8.xml><?xml version="1.0" encoding="utf-8"?>
+<p:sld xmlns:a="http://schemas.openxmlformats.org/drawingml/2006/main" xmlns:r="http://schemas.openxmlformats.org/officeDocument/2006/relationships" xmlns:p="http://schemas.openxmlformats.org/presentationml/2006/main">
+  <p:cSld>
+    <p:spTree>
+      <p:nvGrpSpPr>
+        <p:cNvPr id="1" name=""/>
+        <p:cNvGrpSpPr/>
+        <p:nvPr/>
+      </p:nvGrpSpPr>
+      <p:grpSpPr>
+        <a:xfrm>
+          <a:off x="0" y="0"/>
+          <a:ext cx="0" cy="0"/>
+          <a:chOff x="0" y="0"/>
+          <a:chExt cx="0" cy="0"/>
+        </a:xfrm>
+      </p:grpSpPr>
+      <p:sp>
+        <p:nvSpPr>
+          <p:cNvPr id="2" name="Title 1"/>
+          <p:cNvSpPr>
+            <a:spLocks noGrp="1"/>
+          </p:cNvSpPr>
+          <p:nvPr>
+            <p:ph type="title"/>
+          </p:nvPr>
+        </p:nvSpPr>
+        <p:spPr/>
+        <p:txBody>
+          <a:bodyPr/>
+          <a:lstStyle/>
+          <a:p>
+            <a:r>
+              <a:rPr lang="en-US" dirty="0"/>
+              <a:t>Extraction and Simulation</a:t>
+            </a:r>
+          </a:p>
+        </p:txBody>
+      </p:sp>
+      <p:sp>
+        <p:nvSpPr>
+          <p:cNvPr id="3" name="Content Placeholder 2"/>
+          <p:cNvSpPr>
+            <a:spLocks noGrp="1"/>
+          </p:cNvSpPr>
+          <p:nvPr>
+            <p:ph idx="1"/>
+          </p:nvPr>
+        </p:nvSpPr>
+        <p:spPr/>
+        <p:txBody>
+          <a:bodyPr/>
+          <a:lstStyle/>
+          <a:p>
+            <a:r>
+              <a:rPr lang="en-US" dirty="0"/>
+              <a:t>MATLAB functions is used for extraction</a:t>
+            </a:r>
+          </a:p>
+          <a:p>
+            <a:pPr lvl="1"/>
+            <a:r>
+              <a:rPr lang="en-US" dirty="0"/>
+              <a:t>Input: S11, S21, sample thickness, frequency band</a:t>
+            </a:r>
+          </a:p>
+          <a:p>
+            <a:pPr lvl="1"/>
+            <a:r>
+              <a:rPr lang="en-US" dirty="0"/>
+              <a:t>Output: Complex permittivity and permeability</a:t>
+            </a:r>
+          </a:p>
+          <a:p>
+            <a:pPr lvl="1"/>
+            <a:r>
+              <a:rPr lang="en-US" dirty="0"/>
+              <a:t>Functionality: EM properties extractions</a:t>
+            </a:r>
+          </a:p>
+          <a:p>
+            <a:r>
+              <a:rPr lang="en-US" dirty="0"/>
+              <a:t>EM Pro simulation </a:t>
+            </a:r>
+          </a:p>
+          <a:p>
+            <a:pPr lvl="1"/>
+            <a:r>
+              <a:rPr lang="en-US" dirty="0"/>
+              <a:t>Input: Complex permittivity and permeability, sample thickness</a:t>
+            </a:r>
+          </a:p>
+          <a:p>
+            <a:pPr lvl="1"/>
+            <a:r>
+              <a:rPr lang="en-US" dirty="0"/>
+              <a:t>Output: S11, S21</a:t>
+            </a:r>
+          </a:p>
+          <a:p>
+            <a:pPr lvl="1"/>
+            <a:r>
+              <a:rPr lang="en-US" dirty="0"/>
+              <a:t>Functionality: Scattering parameter of simulation and measurement are compared for validation</a:t>
+            </a:r>
+          </a:p>
+        </p:txBody>
+      </p:sp>
+    </p:spTree>
+    <p:extLst>
+      <p:ext uri="{BB962C8B-B14F-4D97-AF65-F5344CB8AC3E}">
+        <p14:creationId xmlns:p14="http://schemas.microsoft.com/office/powerpoint/2010/main" val="3210526760"/>
+      </p:ext>
+    </p:extLst>
+  </p:cSld>
+  <p:clrMapOvr>
+    <a:masterClrMapping/>
+  </p:clrMapOvr>
+  <mc:AlternateContent xmlns:mc="http://schemas.openxmlformats.org/markup-compatibility/2006" xmlns:p14="http://schemas.microsoft.com/office/powerpoint/2010/main">
+    <mc:Choice Requires="p14">
+      <p:transition spd="med" p14:dur="700">
+        <p:fade/>
+      </p:transition>
+    </mc:Choice>
+    <mc:Fallback xmlns="">
+      <p:transition spd="med">
+        <p:fade/>
+      </p:transition>
+    </mc:Fallback>
+  </mc:AlternateContent>
+</p:sld>
+</file>
+
+<file path=ppt/slides/slide9.xml><?xml version="1.0" encoding="utf-8"?>
+<p:sld xmlns:a="http://schemas.openxmlformats.org/drawingml/2006/main" xmlns:r="http://schemas.openxmlformats.org/officeDocument/2006/relationships" xmlns:p="http://schemas.openxmlformats.org/presentationml/2006/main">
+  <p:cSld>
+    <p:spTree>
+      <p:nvGrpSpPr>
+        <p:cNvPr id="1" name=""/>
+        <p:cNvGrpSpPr/>
+        <p:nvPr/>
+      </p:nvGrpSpPr>
+      <p:grpSpPr>
+        <a:xfrm>
+          <a:off x="0" y="0"/>
+          <a:ext cx="0" cy="0"/>
+          <a:chOff x="0" y="0"/>
+          <a:chExt cx="0" cy="0"/>
+        </a:xfrm>
+      </p:grpSpPr>
+      <p:sp>
+        <p:nvSpPr>
+          <p:cNvPr id="2" name="Title 1"/>
+          <p:cNvSpPr>
+            <a:spLocks noGrp="1"/>
+          </p:cNvSpPr>
+          <p:nvPr>
+            <p:ph type="title"/>
+          </p:nvPr>
+        </p:nvSpPr>
+        <p:spPr/>
+        <p:txBody>
+          <a:bodyPr/>
+          <a:lstStyle/>
+          <a:p>
+            <a:r>
+              <a:rPr lang="en-US" dirty="0"/>
+              <a:t>Available parts: Antennas</a:t>
+            </a:r>
+          </a:p>
+        </p:txBody>
+      </p:sp>
+      <p:sp>
+        <p:nvSpPr>
+          <p:cNvPr id="3" name="Content Placeholder 2"/>
+          <p:cNvSpPr>
+            <a:spLocks noGrp="1"/>
+          </p:cNvSpPr>
+          <p:nvPr>
+            <p:ph sz="half" idx="1"/>
+          </p:nvPr>
+        </p:nvSpPr>
+        <p:spPr/>
+        <p:txBody>
+          <a:bodyPr>
+            <a:normAutofit/>
+          </a:bodyPr>
+          <a:lstStyle/>
+          <a:p>
+            <a:r>
+              <a:rPr lang="en-US" sz="1400" dirty="0"/>
+              <a:t>SAS-510-4 Log Periodic Antennas:</a:t>
+            </a:r>
+          </a:p>
+          <a:p>
+            <a:pPr lvl="1"/>
+            <a:r>
+              <a:rPr lang="en-US" sz="1200" dirty="0"/>
+              <a:t>Frequency: 290 MHz to 4 GHz</a:t>
+            </a:r>
+          </a:p>
+          <a:p>
+            <a:pPr lvl="1"/>
+            <a:r>
+              <a:rPr lang="en-US" sz="1200" dirty="0"/>
+              <a:t>Dimensions: 60.4 cm x 51.1 cm</a:t>
+            </a:r>
+          </a:p>
+          <a:p>
+            <a:r>
+              <a:rPr lang="en-US" sz="1400" dirty="0"/>
+              <a:t>Adjustable Dipole:</a:t>
+            </a:r>
+          </a:p>
+          <a:p>
+            <a:pPr lvl="1"/>
+            <a:r>
+              <a:rPr lang="en-US" sz="1200" dirty="0"/>
+              <a:t>Frequency: 400 MHz to 1 GHz</a:t>
+            </a:r>
+          </a:p>
+          <a:p>
+            <a:pPr lvl="1"/>
+            <a:r>
+              <a:rPr lang="en-US" sz="1200" dirty="0"/>
+              <a:t>Dimensions: </a:t>
+            </a:r>
+          </a:p>
+          <a:p>
+            <a:r>
+              <a:rPr lang="en-US" sz="1400" dirty="0"/>
+              <a:t>Horn antennas in X-band</a:t>
+            </a:r>
+          </a:p>
+          <a:p>
+            <a:pPr lvl="1"/>
+            <a:r>
+              <a:rPr lang="en-US" sz="1200" dirty="0"/>
+              <a:t>Frequency: </a:t>
+            </a:r>
+          </a:p>
+          <a:p>
+            <a:pPr lvl="1"/>
+            <a:r>
+              <a:rPr lang="en-US" sz="1200" dirty="0"/>
+              <a:t>Dimensions:</a:t>
+            </a:r>
+          </a:p>
+        </p:txBody>
+      </p:sp>
+      <p:pic>
+        <p:nvPicPr>
+          <p:cNvPr id="5" name="Content Placeholder 4" descr="No automatic alt text available."/>
+          <p:cNvPicPr>
+            <a:picLocks noGrp="1" noChangeAspect="1" noChangeArrowheads="1"/>
+          </p:cNvPicPr>
+          <p:nvPr>
+            <p:ph sz="half" idx="2"/>
+          </p:nvPr>
+        </p:nvPicPr>
+        <p:blipFill>
+          <a:blip r:embed="rId2" cstate="print">
+            <a:extLst>
+              <a:ext uri="{28A0092B-C50C-407E-A947-70E740481C1C}">
+                <a14:useLocalDpi xmlns:a14="http://schemas.microsoft.com/office/drawing/2010/main" val="0"/>
+              </a:ext>
+            </a:extLst>
+          </a:blip>
+          <a:srcRect/>
+          <a:stretch>
+            <a:fillRect/>
+          </a:stretch>
+        </p:blipFill>
+        <p:spPr bwMode="auto">
+          <a:xfrm>
+            <a:off x="3982583" y="2060576"/>
+            <a:ext cx="3749604" cy="2109152"/>
+          </a:xfrm>
+          <a:prstGeom prst="rect">
+            <a:avLst/>
+          </a:prstGeom>
+          <a:noFill/>
+          <a:extLst>
+            <a:ext uri="{909E8E84-426E-40DD-AFC4-6F175D3DCCD1}">
+              <a14:hiddenFill xmlns:a14="http://schemas.microsoft.com/office/drawing/2010/main">
+                <a:solidFill>
+                  <a:srgbClr val="FFFFFF"/>
+                </a:solidFill>
+              </a14:hiddenFill>
+            </a:ext>
+          </a:extLst>
+        </p:spPr>
+      </p:pic>
+    </p:spTree>
+    <p:extLst>
+      <p:ext uri="{BB962C8B-B14F-4D97-AF65-F5344CB8AC3E}">
+        <p14:creationId xmlns:p14="http://schemas.microsoft.com/office/powerpoint/2010/main" val="1315259222"/>
       </p:ext>
     </p:extLst>
   </p:cSld>

--- a/Capstone project proposal presentation.pptx
+++ b/Capstone project proposal presentation.pptx
@@ -5,10 +5,10 @@
     <p:sldMasterId id="2147484218" r:id="rId2"/>
   </p:sldMasterIdLst>
   <p:notesMasterIdLst>
-    <p:notesMasterId r:id="rId19"/>
+    <p:notesMasterId r:id="rId18"/>
   </p:notesMasterIdLst>
   <p:handoutMasterIdLst>
-    <p:handoutMasterId r:id="rId20"/>
+    <p:handoutMasterId r:id="rId19"/>
   </p:handoutMasterIdLst>
   <p:sldIdLst>
     <p:sldId id="268" r:id="rId3"/>
@@ -20,13 +20,12 @@
     <p:sldId id="280" r:id="rId9"/>
     <p:sldId id="300" r:id="rId10"/>
     <p:sldId id="289" r:id="rId11"/>
-    <p:sldId id="290" r:id="rId12"/>
+    <p:sldId id="292" r:id="rId12"/>
     <p:sldId id="295" r:id="rId13"/>
     <p:sldId id="296" r:id="rId14"/>
     <p:sldId id="291" r:id="rId15"/>
-    <p:sldId id="292" r:id="rId16"/>
-    <p:sldId id="277" r:id="rId17"/>
-    <p:sldId id="297" r:id="rId18"/>
+    <p:sldId id="277" r:id="rId16"/>
+    <p:sldId id="297" r:id="rId17"/>
   </p:sldIdLst>
   <p:sldSz cx="9144000" cy="6858000" type="screen4x3"/>
   <p:notesSz cx="6858000" cy="9144000"/>
@@ -261,7 +260,7 @@
           <a:p>
             <a:fld id="{BEA74EB7-856E-45FD-83F0-5F7C6F3E4372}" type="datetimeFigureOut">
               <a:rPr lang="en-US"/>
-              <a:t>2/10/2017</a:t>
+              <a:t>2/10/17</a:t>
             </a:fld>
             <a:endParaRPr dirty="0"/>
           </a:p>
@@ -426,7 +425,7 @@
           <a:p>
             <a:fld id="{C61B0E40-8125-41F8-BB6C-139D8D531A4F}" type="datetimeFigureOut">
               <a:rPr lang="en-US"/>
-              <a:t>2/10/2017</a:t>
+              <a:t>2/10/17</a:t>
             </a:fld>
             <a:endParaRPr dirty="0"/>
           </a:p>
@@ -968,7 +967,7 @@
           <a:p>
             <a:fld id="{333B76B7-5811-4114-8A95-998148FFD529}" type="datetime1">
               <a:rPr lang="en-US" smtClean="0"/>
-              <a:t>2/10/2017</a:t>
+              <a:t>2/10/17</a:t>
             </a:fld>
             <a:endParaRPr lang="en-US" dirty="0"/>
           </a:p>
@@ -1251,7 +1250,7 @@
           <a:p>
             <a:fld id="{5C6E67D0-0200-42BE-A0B2-78C70FBBB312}" type="datetime1">
               <a:rPr lang="en-US" smtClean="0"/>
-              <a:t>2/10/2017</a:t>
+              <a:t>2/10/17</a:t>
             </a:fld>
             <a:endParaRPr lang="en-US" dirty="0"/>
           </a:p>
@@ -1442,7 +1441,7 @@
           <a:p>
             <a:fld id="{5C6E67D0-0200-42BE-A0B2-78C70FBBB312}" type="datetime1">
               <a:rPr lang="en-US" smtClean="0"/>
-              <a:t>2/10/2017</a:t>
+              <a:t>2/10/17</a:t>
             </a:fld>
             <a:endParaRPr lang="en-US" dirty="0"/>
           </a:p>
@@ -1712,7 +1711,7 @@
           <a:p>
             <a:fld id="{5C6E67D0-0200-42BE-A0B2-78C70FBBB312}" type="datetime1">
               <a:rPr lang="en-US" smtClean="0"/>
-              <a:t>2/10/2017</a:t>
+              <a:t>2/10/17</a:t>
             </a:fld>
             <a:endParaRPr lang="en-US" dirty="0"/>
           </a:p>
@@ -2050,7 +2049,7 @@
           <a:p>
             <a:fld id="{5C6E67D0-0200-42BE-A0B2-78C70FBBB312}" type="datetime1">
               <a:rPr lang="en-US" smtClean="0"/>
-              <a:t>2/10/2017</a:t>
+              <a:t>2/10/17</a:t>
             </a:fld>
             <a:endParaRPr lang="en-US" dirty="0"/>
           </a:p>
@@ -2670,7 +2669,7 @@
           <a:p>
             <a:fld id="{5C6E67D0-0200-42BE-A0B2-78C70FBBB312}" type="datetime1">
               <a:rPr lang="en-US" smtClean="0"/>
-              <a:t>2/10/2017</a:t>
+              <a:t>2/10/17</a:t>
             </a:fld>
             <a:endParaRPr lang="en-US" dirty="0"/>
           </a:p>
@@ -3527,7 +3526,7 @@
           <a:p>
             <a:fld id="{5C6E67D0-0200-42BE-A0B2-78C70FBBB312}" type="datetime1">
               <a:rPr lang="en-US" smtClean="0"/>
-              <a:t>2/10/2017</a:t>
+              <a:t>2/10/17</a:t>
             </a:fld>
             <a:endParaRPr lang="en-US" dirty="0"/>
           </a:p>
@@ -3694,7 +3693,7 @@
           <a:p>
             <a:fld id="{175C077A-EF7A-41AA-8976-110EB7416C60}" type="datetime1">
               <a:rPr lang="en-US" smtClean="0"/>
-              <a:t>2/10/2017</a:t>
+              <a:t>2/10/17</a:t>
             </a:fld>
             <a:endParaRPr lang="en-US" dirty="0"/>
           </a:p>
@@ -3882,7 +3881,7 @@
           <a:p>
             <a:fld id="{CFF5912B-6681-4BDF-AE10-F59636249FF3}" type="datetime1">
               <a:rPr lang="en-US" smtClean="0"/>
-              <a:t>2/10/2017</a:t>
+              <a:t>2/10/17</a:t>
             </a:fld>
             <a:endParaRPr lang="en-US" dirty="0"/>
           </a:p>
@@ -3985,7 +3984,7 @@
           <a:p>
             <a:fld id="{905C8E22-D0BA-4CB4-9C32-B27533199514}" type="datetime1">
               <a:rPr lang="en-US" smtClean="0"/>
-              <a:t>2/10/2017</a:t>
+              <a:t>2/10/17</a:t>
             </a:fld>
             <a:endParaRPr dirty="0"/>
           </a:p>
@@ -4249,7 +4248,7 @@
           <a:p>
             <a:fld id="{FC2180A9-7A83-412D-A8AC-5AF60A8AA507}" type="datetime1">
               <a:rPr lang="en-US" smtClean="0"/>
-              <a:t>2/10/2017</a:t>
+              <a:t>2/10/17</a:t>
             </a:fld>
             <a:endParaRPr lang="en-US" dirty="0"/>
           </a:p>
@@ -4504,7 +4503,7 @@
           <a:p>
             <a:fld id="{6A563DF0-FDDF-4143-9D8C-6AF41892E174}" type="datetime1">
               <a:rPr lang="en-US" smtClean="0"/>
-              <a:t>2/10/2017</a:t>
+              <a:t>2/10/17</a:t>
             </a:fld>
             <a:endParaRPr lang="en-US" dirty="0"/>
           </a:p>
@@ -4804,7 +4803,7 @@
           <a:p>
             <a:fld id="{38BB83F9-4677-4C31-8407-7919061A580B}" type="datetime1">
               <a:rPr lang="en-US" smtClean="0"/>
-              <a:t>2/10/2017</a:t>
+              <a:t>2/10/17</a:t>
             </a:fld>
             <a:endParaRPr lang="en-US" dirty="0"/>
           </a:p>
@@ -5256,7 +5255,7 @@
           <a:p>
             <a:fld id="{C33939A6-3450-434F-A872-BEE63F7EB093}" type="datetime1">
               <a:rPr lang="en-US" smtClean="0"/>
-              <a:t>2/10/2017</a:t>
+              <a:t>2/10/17</a:t>
             </a:fld>
             <a:endParaRPr lang="en-US" dirty="0"/>
           </a:p>
@@ -5382,7 +5381,7 @@
           <a:p>
             <a:fld id="{E3BABB1C-FA00-4171-BA31-4C5E719472F3}" type="datetime1">
               <a:rPr lang="en-US" smtClean="0"/>
-              <a:t>2/10/2017</a:t>
+              <a:t>2/10/17</a:t>
             </a:fld>
             <a:endParaRPr lang="en-US" dirty="0"/>
           </a:p>
@@ -5485,7 +5484,7 @@
           <a:p>
             <a:fld id="{D76C8610-5B57-4C6B-BF9F-F5397A1F60B8}" type="datetime1">
               <a:rPr lang="en-US" smtClean="0"/>
-              <a:t>2/10/2017</a:t>
+              <a:t>2/10/17</a:t>
             </a:fld>
             <a:endParaRPr lang="en-US" dirty="0"/>
           </a:p>
@@ -5772,7 +5771,7 @@
           <a:p>
             <a:fld id="{BADBF3DD-8B6D-46AA-BCA9-242D4EF63DDF}" type="datetime1">
               <a:rPr lang="en-US" smtClean="0"/>
-              <a:t>2/10/2017</a:t>
+              <a:t>2/10/17</a:t>
             </a:fld>
             <a:endParaRPr lang="en-US" dirty="0"/>
           </a:p>
@@ -6055,7 +6054,7 @@
           <a:p>
             <a:fld id="{23C41AE9-3D4A-4A08-B03D-DC6D2ADF5464}" type="datetime1">
               <a:rPr lang="en-US" smtClean="0"/>
-              <a:t>2/10/2017</a:t>
+              <a:t>2/10/17</a:t>
             </a:fld>
             <a:endParaRPr lang="en-US" dirty="0"/>
           </a:p>
@@ -6628,7 +6627,7 @@
           <a:p>
             <a:fld id="{5C6E67D0-0200-42BE-A0B2-78C70FBBB312}" type="datetime1">
               <a:rPr lang="en-US" smtClean="0"/>
-              <a:t>2/10/2017</a:t>
+              <a:t>2/10/17</a:t>
             </a:fld>
             <a:endParaRPr lang="en-US" dirty="0"/>
           </a:p>
@@ -7227,6 +7226,10 @@
           </a:bodyPr>
           <a:lstStyle/>
           <a:p>
+            <a:r>
+              <a:rPr lang="en-US" sz="4125" dirty="0"/>
+              <a:t/>
+            </a:r>
             <a:br>
               <a:rPr lang="en-US" sz="4125" dirty="0"/>
             </a:br>
@@ -7402,9 +7405,10 @@
           <a:lstStyle/>
           <a:p>
             <a:r>
-              <a:rPr lang="en-US" sz="3600" dirty="0"/>
-              <a:t>Available parts: Waveguides</a:t>
-            </a:r>
+              <a:rPr lang="en-US" sz="4400" dirty="0"/>
+              <a:t>Initial Needs</a:t>
+            </a:r>
+            <a:endParaRPr lang="en-US" dirty="0"/>
           </a:p>
         </p:txBody>
       </p:sp>
@@ -7415,353 +7419,62 @@
             <a:spLocks noGrp="1"/>
           </p:cNvSpPr>
           <p:nvPr>
-            <p:ph sz="half" idx="1"/>
+            <p:ph idx="1"/>
           </p:nvPr>
         </p:nvSpPr>
         <p:spPr>
           <a:xfrm>
-            <a:off x="762000" y="1473915"/>
-            <a:ext cx="4049100" cy="2336085"/>
+            <a:off x="609600" y="1600200"/>
+            <a:ext cx="7192027" cy="4195481"/>
           </a:xfrm>
         </p:spPr>
         <p:txBody>
           <a:bodyPr>
-            <a:normAutofit/>
+            <a:normAutofit fontScale="85000" lnSpcReduction="10000"/>
           </a:bodyPr>
           <a:lstStyle/>
           <a:p>
             <a:r>
               <a:rPr lang="en-US" dirty="0"/>
-              <a:t>PSU has 1 straight waveguide section and adapters in X-band (figure)</a:t>
-            </a:r>
-          </a:p>
-          <a:p>
+              <a:t>Sample with various size:</a:t>
+            </a:r>
+          </a:p>
+          <a:p>
+            <a:pPr lvl="1"/>
             <a:r>
               <a:rPr lang="en-US" dirty="0"/>
-              <a:t>Frequency: 8.20 - 12.40 GHz</a:t>
-            </a:r>
-          </a:p>
-          <a:p>
+              <a:t>Waveguide (X-band):		22.86 x 10.16 x 5 mm</a:t>
+            </a:r>
+          </a:p>
+          <a:p>
+            <a:pPr lvl="1"/>
             <a:r>
               <a:rPr lang="en-US" dirty="0"/>
-              <a:t>Dimension of aperture: </a:t>
-            </a:r>
-          </a:p>
-          <a:p>
-            <a:pPr marL="0" indent="0">
-              <a:buNone/>
-            </a:pPr>
+              <a:t>NRL Arch (up to 18 GHz): 	30 x 30 x 0.2 cm 											60 x 60 x 0.2 cm</a:t>
+            </a:r>
+          </a:p>
+          <a:p>
+            <a:pPr marL="342906" lvl="1" indent="-342906"/>
+            <a:r>
+              <a:rPr lang="en-US" sz="2000" dirty="0"/>
+              <a:t>Antennas for frequency range 4 – 8 GHz and above 12 GHz</a:t>
+            </a:r>
+          </a:p>
+          <a:p>
+            <a:pPr marL="742964" lvl="2" indent="-342906"/>
+            <a:r>
+              <a:rPr lang="en-US" sz="1800" dirty="0"/>
+              <a:t>Since the available antenna for frequency below 4GHz requires a large space for measurement set up we may need to have the horn antennas for this band.</a:t>
+            </a:r>
+          </a:p>
+          <a:p>
+            <a:r>
+              <a:rPr lang="en-US" dirty="0" smtClean="0"/>
+              <a:t>A </a:t>
+            </a:r>
             <a:r>
               <a:rPr lang="en-US" dirty="0"/>
-              <a:t>	22.86 mm x 10.16 mm</a:t>
-            </a:r>
-          </a:p>
-        </p:txBody>
-      </p:sp>
-      <p:pic>
-        <p:nvPicPr>
-          <p:cNvPr id="5" name="Picture 6" descr="No automatic alt text available."/>
-          <p:cNvPicPr>
-            <a:picLocks noGrp="1" noChangeAspect="1" noChangeArrowheads="1"/>
-          </p:cNvPicPr>
-          <p:nvPr>
-            <p:ph sz="half" idx="2"/>
-          </p:nvPr>
-        </p:nvPicPr>
-        <p:blipFill>
-          <a:blip r:embed="rId2" cstate="print">
-            <a:extLst>
-              <a:ext uri="{28A0092B-C50C-407E-A947-70E740481C1C}">
-                <a14:useLocalDpi xmlns:a14="http://schemas.microsoft.com/office/drawing/2010/main" val="0"/>
-              </a:ext>
-            </a:extLst>
-          </a:blip>
-          <a:srcRect/>
-          <a:stretch>
-            <a:fillRect/>
-          </a:stretch>
-        </p:blipFill>
-        <p:spPr bwMode="auto">
-          <a:xfrm>
-            <a:off x="4847971" y="1600200"/>
-            <a:ext cx="3298825" cy="1855589"/>
-          </a:xfrm>
-          <a:prstGeom prst="rect">
-            <a:avLst/>
-          </a:prstGeom>
-          <a:noFill/>
-          <a:extLst>
-            <a:ext uri="{909E8E84-426E-40DD-AFC4-6F175D3DCCD1}">
-              <a14:hiddenFill xmlns:a14="http://schemas.microsoft.com/office/drawing/2010/main">
-                <a:solidFill>
-                  <a:srgbClr val="FFFFFF"/>
-                </a:solidFill>
-              </a14:hiddenFill>
-            </a:ext>
-          </a:extLst>
-        </p:spPr>
-      </p:pic>
-      <p:sp>
-        <p:nvSpPr>
-          <p:cNvPr id="6" name="Content Placeholder 2"/>
-          <p:cNvSpPr txBox="1">
-            <a:spLocks/>
-          </p:cNvSpPr>
-          <p:nvPr/>
-        </p:nvSpPr>
-        <p:spPr>
-          <a:xfrm>
-            <a:off x="762000" y="3663154"/>
-            <a:ext cx="6790790" cy="2336085"/>
-          </a:xfrm>
-          <a:prstGeom prst="rect">
-            <a:avLst/>
-          </a:prstGeom>
-        </p:spPr>
-        <p:txBody>
-          <a:bodyPr vert="horz" lIns="91440" tIns="45720" rIns="91440" bIns="45720" rtlCol="0">
-            <a:normAutofit lnSpcReduction="10000"/>
-          </a:bodyPr>
-          <a:lstStyle>
-            <a:lvl1pPr marL="342906" indent="-342906" algn="l" defTabSz="457207" rtl="0" eaLnBrk="1" latinLnBrk="0" hangingPunct="1">
-              <a:spcBef>
-                <a:spcPts val="1000"/>
-              </a:spcBef>
-              <a:spcAft>
-                <a:spcPts val="0"/>
-              </a:spcAft>
-              <a:buClr>
-                <a:schemeClr val="bg2">
-                  <a:lumMod val="40000"/>
-                  <a:lumOff val="60000"/>
-                </a:schemeClr>
-              </a:buClr>
-              <a:buSzPct val="80000"/>
-              <a:buFont typeface="Wingdings 3" charset="2"/>
-              <a:buChar char=""/>
-              <a:defRPr sz="1800" b="0" i="0" kern="1200">
-                <a:solidFill>
-                  <a:schemeClr val="tx1"/>
-                </a:solidFill>
-                <a:latin typeface="+mj-lt"/>
-                <a:ea typeface="+mj-ea"/>
-                <a:cs typeface="+mj-cs"/>
-              </a:defRPr>
-            </a:lvl1pPr>
-            <a:lvl2pPr marL="742962" indent="-285755" algn="l" defTabSz="457207" rtl="0" eaLnBrk="1" latinLnBrk="0" hangingPunct="1">
-              <a:spcBef>
-                <a:spcPts val="1000"/>
-              </a:spcBef>
-              <a:spcAft>
-                <a:spcPts val="0"/>
-              </a:spcAft>
-              <a:buClr>
-                <a:schemeClr val="bg2">
-                  <a:lumMod val="40000"/>
-                  <a:lumOff val="60000"/>
-                </a:schemeClr>
-              </a:buClr>
-              <a:buSzPct val="80000"/>
-              <a:buFont typeface="Wingdings 3" charset="2"/>
-              <a:buChar char=""/>
-              <a:defRPr sz="1600" b="0" i="0" kern="1200">
-                <a:solidFill>
-                  <a:schemeClr val="tx1"/>
-                </a:solidFill>
-                <a:latin typeface="+mj-lt"/>
-                <a:ea typeface="+mj-ea"/>
-                <a:cs typeface="+mj-cs"/>
-              </a:defRPr>
-            </a:lvl2pPr>
-            <a:lvl3pPr marL="1143020" indent="-228604" algn="l" defTabSz="457207" rtl="0" eaLnBrk="1" latinLnBrk="0" hangingPunct="1">
-              <a:spcBef>
-                <a:spcPts val="1000"/>
-              </a:spcBef>
-              <a:spcAft>
-                <a:spcPts val="0"/>
-              </a:spcAft>
-              <a:buClr>
-                <a:schemeClr val="bg2">
-                  <a:lumMod val="40000"/>
-                  <a:lumOff val="60000"/>
-                </a:schemeClr>
-              </a:buClr>
-              <a:buSzPct val="80000"/>
-              <a:buFont typeface="Wingdings 3" charset="2"/>
-              <a:buChar char=""/>
-              <a:defRPr sz="1400" b="0" i="0" kern="1200">
-                <a:solidFill>
-                  <a:schemeClr val="tx1"/>
-                </a:solidFill>
-                <a:latin typeface="+mj-lt"/>
-                <a:ea typeface="+mj-ea"/>
-                <a:cs typeface="+mj-cs"/>
-              </a:defRPr>
-            </a:lvl3pPr>
-            <a:lvl4pPr marL="1600227" indent="-228604" algn="l" defTabSz="457207" rtl="0" eaLnBrk="1" latinLnBrk="0" hangingPunct="1">
-              <a:spcBef>
-                <a:spcPts val="1000"/>
-              </a:spcBef>
-              <a:spcAft>
-                <a:spcPts val="0"/>
-              </a:spcAft>
-              <a:buClr>
-                <a:schemeClr val="bg2">
-                  <a:lumMod val="40000"/>
-                  <a:lumOff val="60000"/>
-                </a:schemeClr>
-              </a:buClr>
-              <a:buSzPct val="80000"/>
-              <a:buFont typeface="Wingdings 3" charset="2"/>
-              <a:buChar char=""/>
-              <a:defRPr sz="1200" b="0" i="0" kern="1200">
-                <a:solidFill>
-                  <a:schemeClr val="tx1"/>
-                </a:solidFill>
-                <a:latin typeface="+mj-lt"/>
-                <a:ea typeface="+mj-ea"/>
-                <a:cs typeface="+mj-cs"/>
-              </a:defRPr>
-            </a:lvl4pPr>
-            <a:lvl5pPr marL="2057434" indent="-228604" algn="l" defTabSz="457207" rtl="0" eaLnBrk="1" latinLnBrk="0" hangingPunct="1">
-              <a:spcBef>
-                <a:spcPts val="1000"/>
-              </a:spcBef>
-              <a:spcAft>
-                <a:spcPts val="0"/>
-              </a:spcAft>
-              <a:buClr>
-                <a:schemeClr val="bg2">
-                  <a:lumMod val="40000"/>
-                  <a:lumOff val="60000"/>
-                </a:schemeClr>
-              </a:buClr>
-              <a:buSzPct val="80000"/>
-              <a:buFont typeface="Wingdings 3" charset="2"/>
-              <a:buChar char=""/>
-              <a:defRPr sz="1200" b="0" i="0" kern="1200">
-                <a:solidFill>
-                  <a:schemeClr val="tx1"/>
-                </a:solidFill>
-                <a:latin typeface="+mj-lt"/>
-                <a:ea typeface="+mj-ea"/>
-                <a:cs typeface="+mj-cs"/>
-              </a:defRPr>
-            </a:lvl5pPr>
-            <a:lvl6pPr marL="2514642" indent="-228604" algn="l" defTabSz="457207" rtl="0" eaLnBrk="1" latinLnBrk="0" hangingPunct="1">
-              <a:spcBef>
-                <a:spcPts val="1000"/>
-              </a:spcBef>
-              <a:spcAft>
-                <a:spcPts val="0"/>
-              </a:spcAft>
-              <a:buClr>
-                <a:schemeClr val="bg2">
-                  <a:lumMod val="40000"/>
-                  <a:lumOff val="60000"/>
-                </a:schemeClr>
-              </a:buClr>
-              <a:buSzPct val="80000"/>
-              <a:buFont typeface="Wingdings 3" charset="2"/>
-              <a:buChar char=""/>
-              <a:defRPr sz="1200" b="0" i="0" kern="1200">
-                <a:solidFill>
-                  <a:schemeClr val="tx1"/>
-                </a:solidFill>
-                <a:latin typeface="+mj-lt"/>
-                <a:ea typeface="+mj-ea"/>
-                <a:cs typeface="+mj-cs"/>
-              </a:defRPr>
-            </a:lvl6pPr>
-            <a:lvl7pPr marL="2971849" indent="-228604" algn="l" defTabSz="457207" rtl="0" eaLnBrk="1" latinLnBrk="0" hangingPunct="1">
-              <a:spcBef>
-                <a:spcPts val="1000"/>
-              </a:spcBef>
-              <a:spcAft>
-                <a:spcPts val="0"/>
-              </a:spcAft>
-              <a:buClr>
-                <a:schemeClr val="bg2">
-                  <a:lumMod val="40000"/>
-                  <a:lumOff val="60000"/>
-                </a:schemeClr>
-              </a:buClr>
-              <a:buSzPct val="80000"/>
-              <a:buFont typeface="Wingdings 3" charset="2"/>
-              <a:buChar char=""/>
-              <a:defRPr sz="1200" b="0" i="0" kern="1200">
-                <a:solidFill>
-                  <a:schemeClr val="tx1"/>
-                </a:solidFill>
-                <a:latin typeface="+mj-lt"/>
-                <a:ea typeface="+mj-ea"/>
-                <a:cs typeface="+mj-cs"/>
-              </a:defRPr>
-            </a:lvl7pPr>
-            <a:lvl8pPr marL="3429057" indent="-228604" algn="l" defTabSz="457207" rtl="0" eaLnBrk="1" latinLnBrk="0" hangingPunct="1">
-              <a:spcBef>
-                <a:spcPts val="1000"/>
-              </a:spcBef>
-              <a:spcAft>
-                <a:spcPts val="0"/>
-              </a:spcAft>
-              <a:buClr>
-                <a:schemeClr val="bg2">
-                  <a:lumMod val="40000"/>
-                  <a:lumOff val="60000"/>
-                </a:schemeClr>
-              </a:buClr>
-              <a:buSzPct val="80000"/>
-              <a:buFont typeface="Wingdings 3" charset="2"/>
-              <a:buChar char=""/>
-              <a:defRPr sz="1200" b="0" i="0" kern="1200">
-                <a:solidFill>
-                  <a:schemeClr val="tx1"/>
-                </a:solidFill>
-                <a:latin typeface="+mj-lt"/>
-                <a:ea typeface="+mj-ea"/>
-                <a:cs typeface="+mj-cs"/>
-              </a:defRPr>
-            </a:lvl8pPr>
-            <a:lvl9pPr marL="3886264" indent="-228604" algn="l" defTabSz="457207" rtl="0" eaLnBrk="1" latinLnBrk="0" hangingPunct="1">
-              <a:spcBef>
-                <a:spcPts val="1000"/>
-              </a:spcBef>
-              <a:spcAft>
-                <a:spcPts val="0"/>
-              </a:spcAft>
-              <a:buClr>
-                <a:schemeClr val="bg2">
-                  <a:lumMod val="40000"/>
-                  <a:lumOff val="60000"/>
-                </a:schemeClr>
-              </a:buClr>
-              <a:buSzPct val="80000"/>
-              <a:buFont typeface="Wingdings 3" charset="2"/>
-              <a:buChar char=""/>
-              <a:defRPr sz="1200" b="0" i="0" kern="1200">
-                <a:solidFill>
-                  <a:schemeClr val="tx1"/>
-                </a:solidFill>
-                <a:latin typeface="+mj-lt"/>
-                <a:ea typeface="+mj-ea"/>
-                <a:cs typeface="+mj-cs"/>
-              </a:defRPr>
-            </a:lvl9pPr>
-          </a:lstStyle>
-          <a:p>
-            <a:pPr marL="0" indent="0">
-              <a:buNone/>
-            </a:pPr>
-            <a:r>
-              <a:rPr lang="en-US" dirty="0"/>
-              <a:t>We still needs:</a:t>
-            </a:r>
-          </a:p>
-          <a:p>
-            <a:r>
-              <a:rPr lang="en-US" dirty="0"/>
-              <a:t>A sample holder (a segment of X-band waveguide that has suitable size for the sample) </a:t>
+              <a:t>sample holder (a segment of X-band waveguide that has suitable size for the sample) </a:t>
             </a:r>
           </a:p>
           <a:p>
@@ -7790,12 +7503,29 @@
               <a:t>Line standards: A X-band waveguide segment (90 degree long line at center frequency</a:t>
             </a:r>
           </a:p>
+          <a:p>
+            <a:endParaRPr lang="en-US" dirty="0"/>
+          </a:p>
+          <a:p>
+            <a:endParaRPr lang="en-US" dirty="0"/>
+          </a:p>
+          <a:p>
+            <a:pPr lvl="1">
+              <a:buSzPct val="100000"/>
+              <a:buFont typeface="Wingdings" charset="2"/>
+              <a:buChar char="§"/>
+            </a:pPr>
+            <a:endParaRPr lang="en-US" dirty="0"/>
+          </a:p>
+          <a:p>
+            <a:endParaRPr lang="en-US" dirty="0"/>
+          </a:p>
         </p:txBody>
       </p:sp>
     </p:spTree>
     <p:extLst>
       <p:ext uri="{BB962C8B-B14F-4D97-AF65-F5344CB8AC3E}">
-        <p14:creationId xmlns:p14="http://schemas.microsoft.com/office/powerpoint/2010/main" val="3316724862"/>
+        <p14:creationId xmlns:p14="http://schemas.microsoft.com/office/powerpoint/2010/main" val="893145684"/>
       </p:ext>
     </p:extLst>
   </p:cSld>
@@ -7856,49 +7586,115 @@
           <a:p>
             <a:r>
               <a:rPr lang="en-US" dirty="0"/>
-              <a:t>Sample Holder Initial Design</a:t>
-            </a:r>
-          </a:p>
-        </p:txBody>
-      </p:sp>
-      <p:sp>
-        <p:nvSpPr>
-          <p:cNvPr id="3" name="Content Placeholder 2"/>
-          <p:cNvSpPr>
-            <a:spLocks noGrp="1"/>
-          </p:cNvSpPr>
+              <a:t>Sample Holder Initial </a:t>
+            </a:r>
+            <a:r>
+              <a:rPr lang="en-US" dirty="0" smtClean="0"/>
+              <a:t>Design</a:t>
+            </a:r>
+            <a:br>
+              <a:rPr lang="en-US" dirty="0" smtClean="0"/>
+            </a:br>
+            <a:r>
+              <a:rPr lang="en-US" dirty="0" smtClean="0"/>
+              <a:t>(</a:t>
+            </a:r>
+            <a:r>
+              <a:rPr lang="en-US" smtClean="0"/>
+              <a:t>in progress)</a:t>
+            </a:r>
+            <a:endParaRPr lang="en-US" dirty="0"/>
+          </a:p>
+        </p:txBody>
+      </p:sp>
+      <p:pic>
+        <p:nvPicPr>
+          <p:cNvPr id="8" name="Content Placeholder 7"/>
+          <p:cNvPicPr>
+            <a:picLocks noGrp="1" noChangeAspect="1"/>
+          </p:cNvPicPr>
+          <p:nvPr>
+            <p:ph sz="half" idx="2"/>
+          </p:nvPr>
+        </p:nvPicPr>
+        <p:blipFill>
+          <a:blip r:embed="rId2">
+            <a:extLst>
+              <a:ext uri="{28A0092B-C50C-407E-A947-70E740481C1C}">
+                <a14:useLocalDpi xmlns:a14="http://schemas.microsoft.com/office/drawing/2010/main" val="0"/>
+              </a:ext>
+            </a:extLst>
+          </a:blip>
+          <a:stretch>
+            <a:fillRect/>
+          </a:stretch>
+        </p:blipFill>
+        <p:spPr>
+          <a:xfrm>
+            <a:off x="914400" y="4724400"/>
+            <a:ext cx="3298825" cy="1695925"/>
+          </a:xfrm>
+        </p:spPr>
+      </p:pic>
+      <p:pic>
+        <p:nvPicPr>
+          <p:cNvPr id="9" name="Content Placeholder 8"/>
+          <p:cNvPicPr>
+            <a:picLocks noGrp="1" noChangeAspect="1"/>
+          </p:cNvPicPr>
           <p:nvPr>
             <p:ph sz="half" idx="1"/>
           </p:nvPr>
-        </p:nvSpPr>
-        <p:spPr/>
-        <p:txBody>
-          <a:bodyPr/>
-          <a:lstStyle/>
-          <a:p>
-            <a:endParaRPr lang="en-US"/>
-          </a:p>
-        </p:txBody>
-      </p:sp>
-      <p:sp>
-        <p:nvSpPr>
-          <p:cNvPr id="4" name="Content Placeholder 3"/>
-          <p:cNvSpPr>
-            <a:spLocks noGrp="1"/>
-          </p:cNvSpPr>
-          <p:nvPr>
-            <p:ph sz="half" idx="2"/>
-          </p:nvPr>
-        </p:nvSpPr>
-        <p:spPr/>
-        <p:txBody>
-          <a:bodyPr/>
-          <a:lstStyle/>
-          <a:p>
-            <a:endParaRPr lang="en-US" dirty="0"/>
-          </a:p>
-        </p:txBody>
-      </p:sp>
+        </p:nvPicPr>
+        <p:blipFill>
+          <a:blip r:embed="rId3">
+            <a:extLst>
+              <a:ext uri="{28A0092B-C50C-407E-A947-70E740481C1C}">
+                <a14:useLocalDpi xmlns:a14="http://schemas.microsoft.com/office/drawing/2010/main" val="0"/>
+              </a:ext>
+            </a:extLst>
+          </a:blip>
+          <a:stretch>
+            <a:fillRect/>
+          </a:stretch>
+        </p:blipFill>
+        <p:spPr>
+          <a:xfrm>
+            <a:off x="914400" y="2111411"/>
+            <a:ext cx="3060700" cy="2438400"/>
+          </a:xfrm>
+        </p:spPr>
+      </p:pic>
+      <p:pic>
+        <p:nvPicPr>
+          <p:cNvPr id="10" name="Picture 9"/>
+          <p:cNvPicPr>
+            <a:picLocks noChangeAspect="1"/>
+          </p:cNvPicPr>
+          <p:nvPr/>
+        </p:nvPicPr>
+        <p:blipFill>
+          <a:blip r:embed="rId4">
+            <a:extLst>
+              <a:ext uri="{28A0092B-C50C-407E-A947-70E740481C1C}">
+                <a14:useLocalDpi xmlns:a14="http://schemas.microsoft.com/office/drawing/2010/main" val="0"/>
+              </a:ext>
+            </a:extLst>
+          </a:blip>
+          <a:stretch>
+            <a:fillRect/>
+          </a:stretch>
+        </p:blipFill>
+        <p:spPr>
+          <a:xfrm>
+            <a:off x="4419600" y="2108200"/>
+            <a:ext cx="3093497" cy="2441611"/>
+          </a:xfrm>
+          <a:prstGeom prst="rect">
+            <a:avLst/>
+          </a:prstGeom>
+        </p:spPr>
+      </p:pic>
     </p:spTree>
     <p:extLst>
       <p:ext uri="{BB962C8B-B14F-4D97-AF65-F5344CB8AC3E}">
@@ -8190,148 +7986,6 @@
 </file>
 
 <file path=ppt/slides/slide14.xml><?xml version="1.0" encoding="utf-8"?>
-<p:sld xmlns:a="http://schemas.openxmlformats.org/drawingml/2006/main" xmlns:r="http://schemas.openxmlformats.org/officeDocument/2006/relationships" xmlns:p="http://schemas.openxmlformats.org/presentationml/2006/main">
-  <p:cSld>
-    <p:spTree>
-      <p:nvGrpSpPr>
-        <p:cNvPr id="1" name=""/>
-        <p:cNvGrpSpPr/>
-        <p:nvPr/>
-      </p:nvGrpSpPr>
-      <p:grpSpPr>
-        <a:xfrm>
-          <a:off x="0" y="0"/>
-          <a:ext cx="0" cy="0"/>
-          <a:chOff x="0" y="0"/>
-          <a:chExt cx="0" cy="0"/>
-        </a:xfrm>
-      </p:grpSpPr>
-      <p:sp>
-        <p:nvSpPr>
-          <p:cNvPr id="2" name="Title 1"/>
-          <p:cNvSpPr>
-            <a:spLocks noGrp="1"/>
-          </p:cNvSpPr>
-          <p:nvPr>
-            <p:ph type="title"/>
-          </p:nvPr>
-        </p:nvSpPr>
-        <p:spPr/>
-        <p:txBody>
-          <a:bodyPr/>
-          <a:lstStyle/>
-          <a:p>
-            <a:r>
-              <a:rPr lang="en-US" sz="4400" dirty="0"/>
-              <a:t>Initial Needs</a:t>
-            </a:r>
-            <a:endParaRPr lang="en-US" dirty="0"/>
-          </a:p>
-        </p:txBody>
-      </p:sp>
-      <p:sp>
-        <p:nvSpPr>
-          <p:cNvPr id="3" name="Content Placeholder 2"/>
-          <p:cNvSpPr>
-            <a:spLocks noGrp="1"/>
-          </p:cNvSpPr>
-          <p:nvPr>
-            <p:ph idx="1"/>
-          </p:nvPr>
-        </p:nvSpPr>
-        <p:spPr>
-          <a:xfrm>
-            <a:off x="609600" y="1600200"/>
-            <a:ext cx="7192027" cy="4195481"/>
-          </a:xfrm>
-        </p:spPr>
-        <p:txBody>
-          <a:bodyPr>
-            <a:normAutofit/>
-          </a:bodyPr>
-          <a:lstStyle/>
-          <a:p>
-            <a:r>
-              <a:rPr lang="en-US" dirty="0"/>
-              <a:t>Sample with various size:</a:t>
-            </a:r>
-          </a:p>
-          <a:p>
-            <a:pPr lvl="1"/>
-            <a:r>
-              <a:rPr lang="en-US" dirty="0"/>
-              <a:t>Waveguide (X-band):		22.86 x 10.16 x 5 mm</a:t>
-            </a:r>
-          </a:p>
-          <a:p>
-            <a:pPr lvl="1"/>
-            <a:r>
-              <a:rPr lang="en-US" dirty="0"/>
-              <a:t>NRL Arch (up to 18 GHz): 	30 x 30 x 0.2 cm 											60 x 60 x 0.2 cm</a:t>
-            </a:r>
-          </a:p>
-          <a:p>
-            <a:pPr marL="342906" lvl="1" indent="-342906"/>
-            <a:r>
-              <a:rPr lang="en-US" sz="2000" dirty="0"/>
-              <a:t>Antennas for frequency range 4 – 8 GHz and above 12 GHz</a:t>
-            </a:r>
-          </a:p>
-          <a:p>
-            <a:pPr marL="742964" lvl="2" indent="-342906"/>
-            <a:r>
-              <a:rPr lang="en-US" sz="1800" dirty="0"/>
-              <a:t>Since the available antenna for frequency below 4GHz requires a large space for measurement set up we may need to have the horn antennas for this band.</a:t>
-            </a:r>
-          </a:p>
-          <a:p>
-            <a:r>
-              <a:rPr lang="en-US" dirty="0"/>
-              <a:t>Waveguide sample holder and one straight waveguide for X-band.</a:t>
-            </a:r>
-          </a:p>
-          <a:p>
-            <a:endParaRPr lang="en-US" dirty="0"/>
-          </a:p>
-          <a:p>
-            <a:pPr lvl="1">
-              <a:buSzPct val="100000"/>
-              <a:buFont typeface="Wingdings" charset="2"/>
-              <a:buChar char="§"/>
-            </a:pPr>
-            <a:endParaRPr lang="en-US" dirty="0"/>
-          </a:p>
-          <a:p>
-            <a:endParaRPr lang="en-US" dirty="0"/>
-          </a:p>
-        </p:txBody>
-      </p:sp>
-    </p:spTree>
-    <p:extLst>
-      <p:ext uri="{BB962C8B-B14F-4D97-AF65-F5344CB8AC3E}">
-        <p14:creationId xmlns:p14="http://schemas.microsoft.com/office/powerpoint/2010/main" val="893145684"/>
-      </p:ext>
-    </p:extLst>
-  </p:cSld>
-  <p:clrMapOvr>
-    <a:masterClrMapping/>
-  </p:clrMapOvr>
-  <mc:AlternateContent xmlns:mc="http://schemas.openxmlformats.org/markup-compatibility/2006" xmlns:p14="http://schemas.microsoft.com/office/powerpoint/2010/main">
-    <mc:Choice Requires="p14">
-      <p:transition spd="med" p14:dur="700">
-        <p:fade/>
-      </p:transition>
-    </mc:Choice>
-    <mc:Fallback xmlns="">
-      <p:transition spd="med">
-        <p:fade/>
-      </p:transition>
-    </mc:Fallback>
-  </mc:AlternateContent>
-</p:sld>
-</file>
-
-<file path=ppt/slides/slide15.xml><?xml version="1.0" encoding="utf-8"?>
 <p:sld xmlns:a="http://schemas.openxmlformats.org/drawingml/2006/main" xmlns:r="http://schemas.openxmlformats.org/officeDocument/2006/relationships" xmlns:p="http://schemas.openxmlformats.org/presentationml/2006/main">
   <p:cSld>
     <p:spTree>
@@ -8851,7 +8505,7 @@
 </p:sld>
 </file>
 
-<file path=ppt/slides/slide16.xml><?xml version="1.0" encoding="utf-8"?>
+<file path=ppt/slides/slide15.xml><?xml version="1.0" encoding="utf-8"?>
 <p:sld xmlns:a="http://schemas.openxmlformats.org/drawingml/2006/main" xmlns:r="http://schemas.openxmlformats.org/officeDocument/2006/relationships" xmlns:p="http://schemas.openxmlformats.org/presentationml/2006/main">
   <p:cSld>
     <p:spTree>
@@ -9893,7 +9547,6 @@
               <a:rPr lang="en-US" dirty="0"/>
               <a:t>NRL arch prototype:</a:t>
             </a:r>
-            <a:endParaRPr lang="en-US" dirty="0"/>
           </a:p>
         </p:txBody>
       </p:sp>
@@ -10695,8 +10348,13 @@
           <a:p>
             <a:r>
               <a:rPr lang="en-US" dirty="0"/>
-              <a:t>Available parts: Antennas</a:t>
-            </a:r>
+              <a:t>Available parts</a:t>
+            </a:r>
+            <a:r>
+              <a:rPr lang="en-US" dirty="0" smtClean="0"/>
+              <a:t>:</a:t>
+            </a:r>
+            <a:endParaRPr lang="en-US" dirty="0"/>
           </a:p>
         </p:txBody>
       </p:sp>
@@ -10710,71 +10368,136 @@
             <p:ph sz="half" idx="1"/>
           </p:nvPr>
         </p:nvSpPr>
-        <p:spPr/>
+        <p:spPr>
+          <a:xfrm>
+            <a:off x="684470" y="1371600"/>
+            <a:ext cx="3497873" cy="4195763"/>
+          </a:xfrm>
+        </p:spPr>
         <p:txBody>
           <a:bodyPr>
-            <a:normAutofit/>
+            <a:noAutofit/>
           </a:bodyPr>
           <a:lstStyle/>
           <a:p>
             <a:r>
-              <a:rPr lang="en-US" sz="1400" dirty="0"/>
+              <a:rPr lang="en-US" sz="1300" dirty="0"/>
               <a:t>SAS-510-4 Log Periodic Antennas:</a:t>
             </a:r>
           </a:p>
           <a:p>
             <a:pPr lvl="1"/>
             <a:r>
-              <a:rPr lang="en-US" sz="1200" dirty="0"/>
+              <a:rPr lang="en-US" sz="1300" dirty="0"/>
               <a:t>Frequency: 290 MHz to 4 GHz</a:t>
             </a:r>
           </a:p>
           <a:p>
             <a:pPr lvl="1"/>
             <a:r>
-              <a:rPr lang="en-US" sz="1200" dirty="0"/>
+              <a:rPr lang="en-US" sz="1300" dirty="0"/>
               <a:t>Dimensions: 60.4 cm x 51.1 cm</a:t>
             </a:r>
           </a:p>
           <a:p>
             <a:r>
-              <a:rPr lang="en-US" sz="1400" dirty="0"/>
+              <a:rPr lang="en-US" sz="1300" dirty="0"/>
               <a:t>Adjustable Dipole:</a:t>
             </a:r>
           </a:p>
           <a:p>
             <a:pPr lvl="1"/>
             <a:r>
-              <a:rPr lang="en-US" sz="1200" dirty="0"/>
+              <a:rPr lang="en-US" sz="1300" dirty="0"/>
               <a:t>Frequency: 400 MHz to 1 GHz</a:t>
             </a:r>
           </a:p>
           <a:p>
+            <a:r>
+              <a:rPr lang="en-US" sz="1300" dirty="0" smtClean="0"/>
+              <a:t>Horn </a:t>
+            </a:r>
+            <a:r>
+              <a:rPr lang="en-US" sz="1300" dirty="0"/>
+              <a:t>antennas in X-band</a:t>
+            </a:r>
+          </a:p>
+          <a:p>
             <a:pPr lvl="1"/>
             <a:r>
-              <a:rPr lang="en-US" sz="1200" dirty="0"/>
-              <a:t>Dimensions: </a:t>
-            </a:r>
-          </a:p>
-          <a:p>
-            <a:r>
-              <a:rPr lang="en-US" sz="1400" dirty="0"/>
-              <a:t>Horn antennas in X-band</a:t>
-            </a:r>
+              <a:rPr lang="en-US" sz="1300" dirty="0" smtClean="0"/>
+              <a:t>Frequency</a:t>
+            </a:r>
+            <a:r>
+              <a:rPr lang="en-US" sz="1300" dirty="0"/>
+              <a:t>: </a:t>
+            </a:r>
+            <a:r>
+              <a:rPr lang="en-US" sz="1300" dirty="0" smtClean="0"/>
+              <a:t> 8.20 – 12.40 GHz </a:t>
+            </a:r>
+          </a:p>
+          <a:p>
+            <a:r>
+              <a:rPr lang="en-US" sz="1300" dirty="0"/>
+              <a:t>1</a:t>
+            </a:r>
+            <a:r>
+              <a:rPr lang="en-US" sz="1300" dirty="0" smtClean="0"/>
+              <a:t> </a:t>
+            </a:r>
+            <a:r>
+              <a:rPr lang="en-US" sz="1300" dirty="0"/>
+              <a:t>straight waveguide section and </a:t>
+            </a:r>
+            <a:r>
+              <a:rPr lang="en-US" sz="1300" dirty="0" smtClean="0"/>
+              <a:t>2 adapters </a:t>
+            </a:r>
+            <a:r>
+              <a:rPr lang="en-US" sz="1300" dirty="0"/>
+              <a:t>in </a:t>
+            </a:r>
+            <a:r>
+              <a:rPr lang="en-US" sz="1300" dirty="0" smtClean="0"/>
+              <a:t>X-band</a:t>
+            </a:r>
+            <a:endParaRPr lang="en-US" sz="1300" dirty="0"/>
           </a:p>
           <a:p>
             <a:pPr lvl="1"/>
             <a:r>
-              <a:rPr lang="en-US" sz="1200" dirty="0"/>
-              <a:t>Frequency: </a:t>
+              <a:rPr lang="en-US" sz="1300" dirty="0"/>
+              <a:t>Frequency: 8.20 - 12.40 GHz</a:t>
             </a:r>
           </a:p>
           <a:p>
             <a:pPr lvl="1"/>
             <a:r>
-              <a:rPr lang="en-US" sz="1200" dirty="0"/>
-              <a:t>Dimensions:</a:t>
-            </a:r>
+              <a:rPr lang="en-US" sz="1300" dirty="0"/>
+              <a:t>Dimension of aperture: </a:t>
+            </a:r>
+          </a:p>
+          <a:p>
+            <a:pPr marL="0" indent="0">
+              <a:buNone/>
+            </a:pPr>
+            <a:r>
+              <a:rPr lang="en-US" sz="1300" dirty="0"/>
+              <a:t>	</a:t>
+            </a:r>
+            <a:r>
+              <a:rPr lang="en-US" sz="1300" dirty="0" smtClean="0"/>
+              <a:t>	22.86 </a:t>
+            </a:r>
+            <a:r>
+              <a:rPr lang="en-US" sz="1300" dirty="0"/>
+              <a:t>mm x 10.16 mm</a:t>
+            </a:r>
+          </a:p>
+          <a:p>
+            <a:pPr lvl="1"/>
+            <a:endParaRPr lang="en-US" sz="1300" dirty="0" smtClean="0"/>
           </a:p>
         </p:txBody>
       </p:sp>
@@ -10803,8 +10526,49 @@
         </p:blipFill>
         <p:spPr bwMode="auto">
           <a:xfrm>
-            <a:off x="3982583" y="2060576"/>
+            <a:off x="4182343" y="1371600"/>
             <a:ext cx="3749604" cy="2109152"/>
+          </a:xfrm>
+          <a:prstGeom prst="rect">
+            <a:avLst/>
+          </a:prstGeom>
+          <a:noFill/>
+          <a:extLst>
+            <a:ext uri="{909E8E84-426E-40DD-AFC4-6F175D3DCCD1}">
+              <a14:hiddenFill xmlns:a14="http://schemas.microsoft.com/office/drawing/2010/main">
+                <a:solidFill>
+                  <a:srgbClr val="FFFFFF"/>
+                </a:solidFill>
+              </a14:hiddenFill>
+            </a:ext>
+          </a:extLst>
+        </p:spPr>
+      </p:pic>
+      <p:pic>
+        <p:nvPicPr>
+          <p:cNvPr id="6" name="Picture 6" descr="No automatic alt text available."/>
+          <p:cNvPicPr>
+            <a:picLocks noChangeAspect="1" noChangeArrowheads="1"/>
+          </p:cNvPicPr>
+          <p:nvPr/>
+        </p:nvPicPr>
+        <p:blipFill>
+          <a:blip r:embed="rId3" cstate="print">
+            <a:extLst>
+              <a:ext uri="{28A0092B-C50C-407E-A947-70E740481C1C}">
+                <a14:useLocalDpi xmlns:a14="http://schemas.microsoft.com/office/drawing/2010/main" val="0"/>
+              </a:ext>
+            </a:extLst>
+          </a:blip>
+          <a:srcRect/>
+          <a:stretch>
+            <a:fillRect/>
+          </a:stretch>
+        </p:blipFill>
+        <p:spPr bwMode="auto">
+          <a:xfrm>
+            <a:off x="4207743" y="3657600"/>
+            <a:ext cx="3724204" cy="2094865"/>
           </a:xfrm>
           <a:prstGeom prst="rect">
             <a:avLst/>

--- a/Capstone project proposal presentation.pptx
+++ b/Capstone project proposal presentation.pptx
@@ -5,10 +5,10 @@
     <p:sldMasterId id="2147484218" r:id="rId2"/>
   </p:sldMasterIdLst>
   <p:notesMasterIdLst>
-    <p:notesMasterId r:id="rId18"/>
+    <p:notesMasterId r:id="rId19"/>
   </p:notesMasterIdLst>
   <p:handoutMasterIdLst>
-    <p:handoutMasterId r:id="rId19"/>
+    <p:handoutMasterId r:id="rId20"/>
   </p:handoutMasterIdLst>
   <p:sldIdLst>
     <p:sldId id="268" r:id="rId3"/>
@@ -24,8 +24,9 @@
     <p:sldId id="295" r:id="rId13"/>
     <p:sldId id="296" r:id="rId14"/>
     <p:sldId id="291" r:id="rId15"/>
-    <p:sldId id="277" r:id="rId16"/>
-    <p:sldId id="297" r:id="rId17"/>
+    <p:sldId id="301" r:id="rId16"/>
+    <p:sldId id="277" r:id="rId17"/>
+    <p:sldId id="297" r:id="rId18"/>
   </p:sldIdLst>
   <p:sldSz cx="9144000" cy="6858000" type="screen4x3"/>
   <p:notesSz cx="6858000" cy="9144000"/>
@@ -260,7 +261,7 @@
           <a:p>
             <a:fld id="{BEA74EB7-856E-45FD-83F0-5F7C6F3E4372}" type="datetimeFigureOut">
               <a:rPr lang="en-US"/>
-              <a:t>2/10/17</a:t>
+              <a:t>2/11/17</a:t>
             </a:fld>
             <a:endParaRPr dirty="0"/>
           </a:p>
@@ -425,7 +426,7 @@
           <a:p>
             <a:fld id="{C61B0E40-8125-41F8-BB6C-139D8D531A4F}" type="datetimeFigureOut">
               <a:rPr lang="en-US"/>
-              <a:t>2/10/17</a:t>
+              <a:t>2/11/17</a:t>
             </a:fld>
             <a:endParaRPr dirty="0"/>
           </a:p>
@@ -967,7 +968,7 @@
           <a:p>
             <a:fld id="{333B76B7-5811-4114-8A95-998148FFD529}" type="datetime1">
               <a:rPr lang="en-US" smtClean="0"/>
-              <a:t>2/10/17</a:t>
+              <a:t>2/11/17</a:t>
             </a:fld>
             <a:endParaRPr lang="en-US" dirty="0"/>
           </a:p>
@@ -1250,7 +1251,7 @@
           <a:p>
             <a:fld id="{5C6E67D0-0200-42BE-A0B2-78C70FBBB312}" type="datetime1">
               <a:rPr lang="en-US" smtClean="0"/>
-              <a:t>2/10/17</a:t>
+              <a:t>2/11/17</a:t>
             </a:fld>
             <a:endParaRPr lang="en-US" dirty="0"/>
           </a:p>
@@ -1441,7 +1442,7 @@
           <a:p>
             <a:fld id="{5C6E67D0-0200-42BE-A0B2-78C70FBBB312}" type="datetime1">
               <a:rPr lang="en-US" smtClean="0"/>
-              <a:t>2/10/17</a:t>
+              <a:t>2/11/17</a:t>
             </a:fld>
             <a:endParaRPr lang="en-US" dirty="0"/>
           </a:p>
@@ -1711,7 +1712,7 @@
           <a:p>
             <a:fld id="{5C6E67D0-0200-42BE-A0B2-78C70FBBB312}" type="datetime1">
               <a:rPr lang="en-US" smtClean="0"/>
-              <a:t>2/10/17</a:t>
+              <a:t>2/11/17</a:t>
             </a:fld>
             <a:endParaRPr lang="en-US" dirty="0"/>
           </a:p>
@@ -2049,7 +2050,7 @@
           <a:p>
             <a:fld id="{5C6E67D0-0200-42BE-A0B2-78C70FBBB312}" type="datetime1">
               <a:rPr lang="en-US" smtClean="0"/>
-              <a:t>2/10/17</a:t>
+              <a:t>2/11/17</a:t>
             </a:fld>
             <a:endParaRPr lang="en-US" dirty="0"/>
           </a:p>
@@ -2669,7 +2670,7 @@
           <a:p>
             <a:fld id="{5C6E67D0-0200-42BE-A0B2-78C70FBBB312}" type="datetime1">
               <a:rPr lang="en-US" smtClean="0"/>
-              <a:t>2/10/17</a:t>
+              <a:t>2/11/17</a:t>
             </a:fld>
             <a:endParaRPr lang="en-US" dirty="0"/>
           </a:p>
@@ -3526,7 +3527,7 @@
           <a:p>
             <a:fld id="{5C6E67D0-0200-42BE-A0B2-78C70FBBB312}" type="datetime1">
               <a:rPr lang="en-US" smtClean="0"/>
-              <a:t>2/10/17</a:t>
+              <a:t>2/11/17</a:t>
             </a:fld>
             <a:endParaRPr lang="en-US" dirty="0"/>
           </a:p>
@@ -3693,7 +3694,7 @@
           <a:p>
             <a:fld id="{175C077A-EF7A-41AA-8976-110EB7416C60}" type="datetime1">
               <a:rPr lang="en-US" smtClean="0"/>
-              <a:t>2/10/17</a:t>
+              <a:t>2/11/17</a:t>
             </a:fld>
             <a:endParaRPr lang="en-US" dirty="0"/>
           </a:p>
@@ -3881,7 +3882,7 @@
           <a:p>
             <a:fld id="{CFF5912B-6681-4BDF-AE10-F59636249FF3}" type="datetime1">
               <a:rPr lang="en-US" smtClean="0"/>
-              <a:t>2/10/17</a:t>
+              <a:t>2/11/17</a:t>
             </a:fld>
             <a:endParaRPr lang="en-US" dirty="0"/>
           </a:p>
@@ -3984,7 +3985,7 @@
           <a:p>
             <a:fld id="{905C8E22-D0BA-4CB4-9C32-B27533199514}" type="datetime1">
               <a:rPr lang="en-US" smtClean="0"/>
-              <a:t>2/10/17</a:t>
+              <a:t>2/11/17</a:t>
             </a:fld>
             <a:endParaRPr dirty="0"/>
           </a:p>
@@ -4248,7 +4249,7 @@
           <a:p>
             <a:fld id="{FC2180A9-7A83-412D-A8AC-5AF60A8AA507}" type="datetime1">
               <a:rPr lang="en-US" smtClean="0"/>
-              <a:t>2/10/17</a:t>
+              <a:t>2/11/17</a:t>
             </a:fld>
             <a:endParaRPr lang="en-US" dirty="0"/>
           </a:p>
@@ -4503,7 +4504,7 @@
           <a:p>
             <a:fld id="{6A563DF0-FDDF-4143-9D8C-6AF41892E174}" type="datetime1">
               <a:rPr lang="en-US" smtClean="0"/>
-              <a:t>2/10/17</a:t>
+              <a:t>2/11/17</a:t>
             </a:fld>
             <a:endParaRPr lang="en-US" dirty="0"/>
           </a:p>
@@ -4803,7 +4804,7 @@
           <a:p>
             <a:fld id="{38BB83F9-4677-4C31-8407-7919061A580B}" type="datetime1">
               <a:rPr lang="en-US" smtClean="0"/>
-              <a:t>2/10/17</a:t>
+              <a:t>2/11/17</a:t>
             </a:fld>
             <a:endParaRPr lang="en-US" dirty="0"/>
           </a:p>
@@ -5255,7 +5256,7 @@
           <a:p>
             <a:fld id="{C33939A6-3450-434F-A872-BEE63F7EB093}" type="datetime1">
               <a:rPr lang="en-US" smtClean="0"/>
-              <a:t>2/10/17</a:t>
+              <a:t>2/11/17</a:t>
             </a:fld>
             <a:endParaRPr lang="en-US" dirty="0"/>
           </a:p>
@@ -5381,7 +5382,7 @@
           <a:p>
             <a:fld id="{E3BABB1C-FA00-4171-BA31-4C5E719472F3}" type="datetime1">
               <a:rPr lang="en-US" smtClean="0"/>
-              <a:t>2/10/17</a:t>
+              <a:t>2/11/17</a:t>
             </a:fld>
             <a:endParaRPr lang="en-US" dirty="0"/>
           </a:p>
@@ -5484,7 +5485,7 @@
           <a:p>
             <a:fld id="{D76C8610-5B57-4C6B-BF9F-F5397A1F60B8}" type="datetime1">
               <a:rPr lang="en-US" smtClean="0"/>
-              <a:t>2/10/17</a:t>
+              <a:t>2/11/17</a:t>
             </a:fld>
             <a:endParaRPr lang="en-US" dirty="0"/>
           </a:p>
@@ -5771,7 +5772,7 @@
           <a:p>
             <a:fld id="{BADBF3DD-8B6D-46AA-BCA9-242D4EF63DDF}" type="datetime1">
               <a:rPr lang="en-US" smtClean="0"/>
-              <a:t>2/10/17</a:t>
+              <a:t>2/11/17</a:t>
             </a:fld>
             <a:endParaRPr lang="en-US" dirty="0"/>
           </a:p>
@@ -6054,7 +6055,7 @@
           <a:p>
             <a:fld id="{23C41AE9-3D4A-4A08-B03D-DC6D2ADF5464}" type="datetime1">
               <a:rPr lang="en-US" smtClean="0"/>
-              <a:t>2/10/17</a:t>
+              <a:t>2/11/17</a:t>
             </a:fld>
             <a:endParaRPr lang="en-US" dirty="0"/>
           </a:p>
@@ -6627,7 +6628,7 @@
           <a:p>
             <a:fld id="{5C6E67D0-0200-42BE-A0B2-78C70FBBB312}" type="datetime1">
               <a:rPr lang="en-US" smtClean="0"/>
-              <a:t>2/10/17</a:t>
+              <a:t>2/11/17</a:t>
             </a:fld>
             <a:endParaRPr lang="en-US" dirty="0"/>
           </a:p>
@@ -7294,8 +7295,16 @@
               </a:spcAft>
             </a:pPr>
             <a:r>
+              <a:rPr lang="en-US" sz="1800" dirty="0" smtClean="0"/>
+              <a:t>Students</a:t>
+            </a:r>
+            <a:r>
               <a:rPr lang="en-US" sz="1800" dirty="0"/>
-              <a:t>Advisor: 	Branimir Pejcinovic</a:t>
+              <a:t>: 	Ha Tran, Thanh Le, Jeffrey </a:t>
+            </a:r>
+            <a:r>
+              <a:rPr lang="en-US" sz="1800" dirty="0" smtClean="0"/>
+              <a:t>Brown</a:t>
             </a:r>
           </a:p>
           <a:p>
@@ -7306,8 +7315,21 @@
             </a:pPr>
             <a:r>
               <a:rPr lang="en-US" sz="1800" dirty="0"/>
-              <a:t>Students: 	Ha Tran, Thanh Le, Jeffrey Brown</a:t>
-            </a:r>
+              <a:t>Advisor: 	</a:t>
+            </a:r>
+            <a:r>
+              <a:rPr lang="en-US" sz="1800" dirty="0" err="1"/>
+              <a:t>Branimir</a:t>
+            </a:r>
+            <a:r>
+              <a:rPr lang="en-US" sz="1800" dirty="0"/>
+              <a:t> </a:t>
+            </a:r>
+            <a:r>
+              <a:rPr lang="en-US" sz="1800" dirty="0" err="1"/>
+              <a:t>Pejcinovic</a:t>
+            </a:r>
+            <a:endParaRPr lang="en-US" sz="1800" dirty="0"/>
           </a:p>
           <a:p>
             <a:pPr>
@@ -7500,8 +7522,13 @@
             </a:pPr>
             <a:r>
               <a:rPr lang="en-US" dirty="0"/>
-              <a:t>Line standards: A X-band waveguide segment (90 degree long line at center frequency</a:t>
-            </a:r>
+              <a:t>Line standards: A X-band waveguide segment (90 degree long line at center </a:t>
+            </a:r>
+            <a:r>
+              <a:rPr lang="en-US" dirty="0" smtClean="0"/>
+              <a:t>frequency).</a:t>
+            </a:r>
+            <a:endParaRPr lang="en-US" dirty="0"/>
           </a:p>
           <a:p>
             <a:endParaRPr lang="en-US" dirty="0"/>
@@ -7574,47 +7601,31 @@
             <p:ph type="title"/>
           </p:nvPr>
         </p:nvSpPr>
-        <p:spPr>
-          <a:xfrm>
-            <a:off x="329568" y="457200"/>
-            <a:ext cx="7592490" cy="1400530"/>
-          </a:xfrm>
-        </p:spPr>
+        <p:spPr/>
         <p:txBody>
           <a:bodyPr/>
           <a:lstStyle/>
           <a:p>
             <a:r>
-              <a:rPr lang="en-US" dirty="0"/>
-              <a:t>Sample Holder Initial </a:t>
-            </a:r>
-            <a:r>
-              <a:rPr lang="en-US" dirty="0" smtClean="0"/>
-              <a:t>Design</a:t>
-            </a:r>
-            <a:br>
-              <a:rPr lang="en-US" dirty="0" smtClean="0"/>
-            </a:br>
-            <a:r>
-              <a:rPr lang="en-US" dirty="0" smtClean="0"/>
-              <a:t>(</a:t>
-            </a:r>
-            <a:r>
-              <a:rPr lang="en-US" smtClean="0"/>
-              <a:t>in progress)</a:t>
-            </a:r>
-            <a:endParaRPr lang="en-US" dirty="0"/>
+              <a:rPr lang="en-US" sz="4000" dirty="0"/>
+              <a:t>Sample </a:t>
+            </a:r>
+            <a:r>
+              <a:rPr lang="en-US" sz="4000" dirty="0" smtClean="0"/>
+              <a:t>Holder and TRL kit Information</a:t>
+            </a:r>
+            <a:endParaRPr lang="en-US" sz="4000" dirty="0"/>
           </a:p>
         </p:txBody>
       </p:sp>
       <p:pic>
         <p:nvPicPr>
-          <p:cNvPr id="8" name="Content Placeholder 7"/>
+          <p:cNvPr id="4" name="Content Placeholder 3"/>
           <p:cNvPicPr>
             <a:picLocks noGrp="1" noChangeAspect="1"/>
           </p:cNvPicPr>
           <p:nvPr>
-            <p:ph sz="half" idx="2"/>
+            <p:ph sz="half" idx="1"/>
           </p:nvPr>
         </p:nvPicPr>
         <p:blipFill>
@@ -7631,19 +7642,19 @@
         </p:blipFill>
         <p:spPr>
           <a:xfrm>
-            <a:off x="914400" y="4724400"/>
-            <a:ext cx="3298825" cy="1695925"/>
+            <a:off x="4301591" y="1891940"/>
+            <a:ext cx="2096361" cy="1600200"/>
           </a:xfrm>
         </p:spPr>
       </p:pic>
       <p:pic>
         <p:nvPicPr>
-          <p:cNvPr id="9" name="Content Placeholder 8"/>
+          <p:cNvPr id="8" name="Content Placeholder 7"/>
           <p:cNvPicPr>
             <a:picLocks noGrp="1" noChangeAspect="1"/>
           </p:cNvPicPr>
           <p:nvPr>
-            <p:ph sz="half" idx="1"/>
+            <p:ph sz="half" idx="2"/>
           </p:nvPr>
         </p:nvPicPr>
         <p:blipFill>
@@ -7660,14 +7671,340 @@
         </p:blipFill>
         <p:spPr>
           <a:xfrm>
-            <a:off x="914400" y="2111411"/>
-            <a:ext cx="3060700" cy="2438400"/>
+            <a:off x="6056046" y="1891940"/>
+            <a:ext cx="2514600" cy="1292755"/>
           </a:xfrm>
         </p:spPr>
       </p:pic>
+      <p:sp>
+        <p:nvSpPr>
+          <p:cNvPr id="11" name="Content Placeholder 2"/>
+          <p:cNvSpPr txBox="1">
+            <a:spLocks/>
+          </p:cNvSpPr>
+          <p:nvPr/>
+        </p:nvSpPr>
+        <p:spPr>
+          <a:xfrm>
+            <a:off x="484710" y="1865948"/>
+            <a:ext cx="3858690" cy="4195763"/>
+          </a:xfrm>
+          <a:prstGeom prst="rect">
+            <a:avLst/>
+          </a:prstGeom>
+        </p:spPr>
+        <p:txBody>
+          <a:bodyPr vert="horz" lIns="91440" tIns="45720" rIns="91440" bIns="45720" rtlCol="0">
+            <a:normAutofit lnSpcReduction="10000"/>
+          </a:bodyPr>
+          <a:lstStyle>
+            <a:lvl1pPr marL="342906" indent="-342906" algn="l" defTabSz="457207" rtl="0" eaLnBrk="1" latinLnBrk="0" hangingPunct="1">
+              <a:spcBef>
+                <a:spcPts val="1000"/>
+              </a:spcBef>
+              <a:spcAft>
+                <a:spcPts val="0"/>
+              </a:spcAft>
+              <a:buClr>
+                <a:schemeClr val="bg2">
+                  <a:lumMod val="40000"/>
+                  <a:lumOff val="60000"/>
+                </a:schemeClr>
+              </a:buClr>
+              <a:buSzPct val="80000"/>
+              <a:buFont typeface="Wingdings 3" charset="2"/>
+              <a:buChar char=""/>
+              <a:defRPr sz="1800" b="0" i="0" kern="1200">
+                <a:solidFill>
+                  <a:schemeClr val="tx1"/>
+                </a:solidFill>
+                <a:latin typeface="+mj-lt"/>
+                <a:ea typeface="+mj-ea"/>
+                <a:cs typeface="+mj-cs"/>
+              </a:defRPr>
+            </a:lvl1pPr>
+            <a:lvl2pPr marL="742962" indent="-285755" algn="l" defTabSz="457207" rtl="0" eaLnBrk="1" latinLnBrk="0" hangingPunct="1">
+              <a:spcBef>
+                <a:spcPts val="1000"/>
+              </a:spcBef>
+              <a:spcAft>
+                <a:spcPts val="0"/>
+              </a:spcAft>
+              <a:buClr>
+                <a:schemeClr val="bg2">
+                  <a:lumMod val="40000"/>
+                  <a:lumOff val="60000"/>
+                </a:schemeClr>
+              </a:buClr>
+              <a:buSzPct val="80000"/>
+              <a:buFont typeface="Wingdings 3" charset="2"/>
+              <a:buChar char=""/>
+              <a:defRPr sz="1600" b="0" i="0" kern="1200">
+                <a:solidFill>
+                  <a:schemeClr val="tx1"/>
+                </a:solidFill>
+                <a:latin typeface="+mj-lt"/>
+                <a:ea typeface="+mj-ea"/>
+                <a:cs typeface="+mj-cs"/>
+              </a:defRPr>
+            </a:lvl2pPr>
+            <a:lvl3pPr marL="1143020" indent="-228604" algn="l" defTabSz="457207" rtl="0" eaLnBrk="1" latinLnBrk="0" hangingPunct="1">
+              <a:spcBef>
+                <a:spcPts val="1000"/>
+              </a:spcBef>
+              <a:spcAft>
+                <a:spcPts val="0"/>
+              </a:spcAft>
+              <a:buClr>
+                <a:schemeClr val="bg2">
+                  <a:lumMod val="40000"/>
+                  <a:lumOff val="60000"/>
+                </a:schemeClr>
+              </a:buClr>
+              <a:buSzPct val="80000"/>
+              <a:buFont typeface="Wingdings 3" charset="2"/>
+              <a:buChar char=""/>
+              <a:defRPr sz="1400" b="0" i="0" kern="1200">
+                <a:solidFill>
+                  <a:schemeClr val="tx1"/>
+                </a:solidFill>
+                <a:latin typeface="+mj-lt"/>
+                <a:ea typeface="+mj-ea"/>
+                <a:cs typeface="+mj-cs"/>
+              </a:defRPr>
+            </a:lvl3pPr>
+            <a:lvl4pPr marL="1600227" indent="-228604" algn="l" defTabSz="457207" rtl="0" eaLnBrk="1" latinLnBrk="0" hangingPunct="1">
+              <a:spcBef>
+                <a:spcPts val="1000"/>
+              </a:spcBef>
+              <a:spcAft>
+                <a:spcPts val="0"/>
+              </a:spcAft>
+              <a:buClr>
+                <a:schemeClr val="bg2">
+                  <a:lumMod val="40000"/>
+                  <a:lumOff val="60000"/>
+                </a:schemeClr>
+              </a:buClr>
+              <a:buSzPct val="80000"/>
+              <a:buFont typeface="Wingdings 3" charset="2"/>
+              <a:buChar char=""/>
+              <a:defRPr sz="1200" b="0" i="0" kern="1200">
+                <a:solidFill>
+                  <a:schemeClr val="tx1"/>
+                </a:solidFill>
+                <a:latin typeface="+mj-lt"/>
+                <a:ea typeface="+mj-ea"/>
+                <a:cs typeface="+mj-cs"/>
+              </a:defRPr>
+            </a:lvl4pPr>
+            <a:lvl5pPr marL="2057434" indent="-228604" algn="l" defTabSz="457207" rtl="0" eaLnBrk="1" latinLnBrk="0" hangingPunct="1">
+              <a:spcBef>
+                <a:spcPts val="1000"/>
+              </a:spcBef>
+              <a:spcAft>
+                <a:spcPts val="0"/>
+              </a:spcAft>
+              <a:buClr>
+                <a:schemeClr val="bg2">
+                  <a:lumMod val="40000"/>
+                  <a:lumOff val="60000"/>
+                </a:schemeClr>
+              </a:buClr>
+              <a:buSzPct val="80000"/>
+              <a:buFont typeface="Wingdings 3" charset="2"/>
+              <a:buChar char=""/>
+              <a:defRPr sz="1200" b="0" i="0" kern="1200">
+                <a:solidFill>
+                  <a:schemeClr val="tx1"/>
+                </a:solidFill>
+                <a:latin typeface="+mj-lt"/>
+                <a:ea typeface="+mj-ea"/>
+                <a:cs typeface="+mj-cs"/>
+              </a:defRPr>
+            </a:lvl5pPr>
+            <a:lvl6pPr marL="2514642" indent="-228604" algn="l" defTabSz="457207" rtl="0" eaLnBrk="1" latinLnBrk="0" hangingPunct="1">
+              <a:spcBef>
+                <a:spcPts val="1000"/>
+              </a:spcBef>
+              <a:spcAft>
+                <a:spcPts val="0"/>
+              </a:spcAft>
+              <a:buClr>
+                <a:schemeClr val="bg2">
+                  <a:lumMod val="40000"/>
+                  <a:lumOff val="60000"/>
+                </a:schemeClr>
+              </a:buClr>
+              <a:buSzPct val="80000"/>
+              <a:buFont typeface="Wingdings 3" charset="2"/>
+              <a:buChar char=""/>
+              <a:defRPr sz="1200" b="0" i="0" kern="1200">
+                <a:solidFill>
+                  <a:schemeClr val="tx1"/>
+                </a:solidFill>
+                <a:latin typeface="+mj-lt"/>
+                <a:ea typeface="+mj-ea"/>
+                <a:cs typeface="+mj-cs"/>
+              </a:defRPr>
+            </a:lvl6pPr>
+            <a:lvl7pPr marL="2971849" indent="-228604" algn="l" defTabSz="457207" rtl="0" eaLnBrk="1" latinLnBrk="0" hangingPunct="1">
+              <a:spcBef>
+                <a:spcPts val="1000"/>
+              </a:spcBef>
+              <a:spcAft>
+                <a:spcPts val="0"/>
+              </a:spcAft>
+              <a:buClr>
+                <a:schemeClr val="bg2">
+                  <a:lumMod val="40000"/>
+                  <a:lumOff val="60000"/>
+                </a:schemeClr>
+              </a:buClr>
+              <a:buSzPct val="80000"/>
+              <a:buFont typeface="Wingdings 3" charset="2"/>
+              <a:buChar char=""/>
+              <a:defRPr sz="1200" b="0" i="0" kern="1200">
+                <a:solidFill>
+                  <a:schemeClr val="tx1"/>
+                </a:solidFill>
+                <a:latin typeface="+mj-lt"/>
+                <a:ea typeface="+mj-ea"/>
+                <a:cs typeface="+mj-cs"/>
+              </a:defRPr>
+            </a:lvl7pPr>
+            <a:lvl8pPr marL="3429057" indent="-228604" algn="l" defTabSz="457207" rtl="0" eaLnBrk="1" latinLnBrk="0" hangingPunct="1">
+              <a:spcBef>
+                <a:spcPts val="1000"/>
+              </a:spcBef>
+              <a:spcAft>
+                <a:spcPts val="0"/>
+              </a:spcAft>
+              <a:buClr>
+                <a:schemeClr val="bg2">
+                  <a:lumMod val="40000"/>
+                  <a:lumOff val="60000"/>
+                </a:schemeClr>
+              </a:buClr>
+              <a:buSzPct val="80000"/>
+              <a:buFont typeface="Wingdings 3" charset="2"/>
+              <a:buChar char=""/>
+              <a:defRPr sz="1200" b="0" i="0" kern="1200">
+                <a:solidFill>
+                  <a:schemeClr val="tx1"/>
+                </a:solidFill>
+                <a:latin typeface="+mj-lt"/>
+                <a:ea typeface="+mj-ea"/>
+                <a:cs typeface="+mj-cs"/>
+              </a:defRPr>
+            </a:lvl8pPr>
+            <a:lvl9pPr marL="3886264" indent="-228604" algn="l" defTabSz="457207" rtl="0" eaLnBrk="1" latinLnBrk="0" hangingPunct="1">
+              <a:spcBef>
+                <a:spcPts val="1000"/>
+              </a:spcBef>
+              <a:spcAft>
+                <a:spcPts val="0"/>
+              </a:spcAft>
+              <a:buClr>
+                <a:schemeClr val="bg2">
+                  <a:lumMod val="40000"/>
+                  <a:lumOff val="60000"/>
+                </a:schemeClr>
+              </a:buClr>
+              <a:buSzPct val="80000"/>
+              <a:buFont typeface="Wingdings 3" charset="2"/>
+              <a:buChar char=""/>
+              <a:defRPr sz="1200" b="0" i="0" kern="1200">
+                <a:solidFill>
+                  <a:schemeClr val="tx1"/>
+                </a:solidFill>
+                <a:latin typeface="+mj-lt"/>
+                <a:ea typeface="+mj-ea"/>
+                <a:cs typeface="+mj-cs"/>
+              </a:defRPr>
+            </a:lvl9pPr>
+          </a:lstStyle>
+          <a:p>
+            <a:r>
+              <a:rPr lang="en-US" dirty="0" smtClean="0"/>
+              <a:t>From manufacturer</a:t>
+            </a:r>
+          </a:p>
+          <a:p>
+            <a:pPr lvl="1"/>
+            <a:r>
+              <a:rPr lang="en-US" dirty="0" smtClean="0"/>
+              <a:t>Frequency: X-band</a:t>
+            </a:r>
+          </a:p>
+          <a:p>
+            <a:pPr lvl="1"/>
+            <a:r>
+              <a:rPr lang="en-US" dirty="0" smtClean="0"/>
+              <a:t>Flange: UG-135/U</a:t>
+            </a:r>
+          </a:p>
+          <a:p>
+            <a:pPr lvl="1"/>
+            <a:r>
+              <a:rPr lang="en-US" dirty="0" smtClean="0"/>
+              <a:t>Price: </a:t>
+            </a:r>
+          </a:p>
+          <a:p>
+            <a:pPr lvl="2"/>
+            <a:r>
+              <a:rPr lang="en-US" dirty="0" smtClean="0"/>
+              <a:t>Short terminal: $40</a:t>
+            </a:r>
+          </a:p>
+          <a:p>
+            <a:pPr lvl="2"/>
+            <a:r>
+              <a:rPr lang="en-US" dirty="0" smtClean="0"/>
+              <a:t>Quarter wavelength: $80</a:t>
+            </a:r>
+          </a:p>
+          <a:p>
+            <a:pPr lvl="2"/>
+            <a:r>
+              <a:rPr lang="en-US" dirty="0" smtClean="0"/>
+              <a:t>Shim/Spacer (sample holder): $80</a:t>
+            </a:r>
+          </a:p>
+          <a:p>
+            <a:r>
+              <a:rPr lang="en-US" dirty="0" smtClean="0"/>
+              <a:t>From design </a:t>
+            </a:r>
+          </a:p>
+          <a:p>
+            <a:pPr lvl="1"/>
+            <a:r>
+              <a:rPr lang="en-US" dirty="0" smtClean="0"/>
+              <a:t>Using 3D plot and 3D printing</a:t>
+            </a:r>
+          </a:p>
+          <a:p>
+            <a:pPr lvl="1"/>
+            <a:r>
+              <a:rPr lang="en-US" dirty="0" smtClean="0"/>
+              <a:t>Flange cross section (figure)</a:t>
+            </a:r>
+          </a:p>
+          <a:p>
+            <a:pPr lvl="1"/>
+            <a:r>
+              <a:rPr lang="en-US" dirty="0" smtClean="0"/>
+              <a:t>We can change length and thickness to get components.</a:t>
+            </a:r>
+            <a:endParaRPr lang="en-US" dirty="0"/>
+          </a:p>
+        </p:txBody>
+      </p:sp>
       <p:pic>
         <p:nvPicPr>
-          <p:cNvPr id="10" name="Picture 9"/>
+          <p:cNvPr id="5" name="Picture 4"/>
           <p:cNvPicPr>
             <a:picLocks noChangeAspect="1"/>
           </p:cNvPicPr>
@@ -7687,8 +8024,38 @@
         </p:blipFill>
         <p:spPr>
           <a:xfrm>
-            <a:off x="4419600" y="2108200"/>
-            <a:ext cx="3093497" cy="2441611"/>
+            <a:off x="4759652" y="3913325"/>
+            <a:ext cx="1638300" cy="1727200"/>
+          </a:xfrm>
+          <a:prstGeom prst="rect">
+            <a:avLst/>
+          </a:prstGeom>
+        </p:spPr>
+      </p:pic>
+      <p:pic>
+        <p:nvPicPr>
+          <p:cNvPr id="6" name="Picture 5"/>
+          <p:cNvPicPr>
+            <a:picLocks noChangeAspect="1"/>
+          </p:cNvPicPr>
+          <p:nvPr/>
+        </p:nvPicPr>
+        <p:blipFill>
+          <a:blip r:embed="rId5">
+            <a:extLst>
+              <a:ext uri="{28A0092B-C50C-407E-A947-70E740481C1C}">
+                <a14:useLocalDpi xmlns:a14="http://schemas.microsoft.com/office/drawing/2010/main" val="0"/>
+              </a:ext>
+            </a:extLst>
+          </a:blip>
+          <a:stretch>
+            <a:fillRect/>
+          </a:stretch>
+        </p:blipFill>
+        <p:spPr>
+          <a:xfrm>
+            <a:off x="6720940" y="3913325"/>
+            <a:ext cx="1638300" cy="1689100"/>
           </a:xfrm>
           <a:prstGeom prst="rect">
             <a:avLst/>
@@ -7758,9 +8125,10 @@
           <a:lstStyle/>
           <a:p>
             <a:r>
-              <a:rPr lang="en-US" dirty="0"/>
-              <a:t>Goals</a:t>
-            </a:r>
+              <a:rPr lang="en-US" sz="4000" dirty="0" smtClean="0"/>
+              <a:t>Minimum and stretch goals</a:t>
+            </a:r>
+            <a:endParaRPr lang="en-US" sz="4000" dirty="0"/>
           </a:p>
         </p:txBody>
       </p:sp>
@@ -7835,10 +8203,9 @@
           <a:p>
             <a:pPr lvl="1"/>
             <a:r>
-              <a:rPr lang="en-US"/>
+              <a:rPr lang="en-US" dirty="0"/>
               <a:t>Perform optimizations for measurements</a:t>
             </a:r>
-            <a:endParaRPr lang="en-US" dirty="0"/>
           </a:p>
         </p:txBody>
       </p:sp>
@@ -7986,6 +8353,105 @@
 </file>
 
 <file path=ppt/slides/slide14.xml><?xml version="1.0" encoding="utf-8"?>
+<p:sld xmlns:a="http://schemas.openxmlformats.org/drawingml/2006/main" xmlns:r="http://schemas.openxmlformats.org/officeDocument/2006/relationships" xmlns:p="http://schemas.openxmlformats.org/presentationml/2006/main">
+  <p:cSld>
+    <p:spTree>
+      <p:nvGrpSpPr>
+        <p:cNvPr id="1" name=""/>
+        <p:cNvGrpSpPr/>
+        <p:nvPr/>
+      </p:nvGrpSpPr>
+      <p:grpSpPr>
+        <a:xfrm>
+          <a:off x="0" y="0"/>
+          <a:ext cx="0" cy="0"/>
+          <a:chOff x="0" y="0"/>
+          <a:chExt cx="0" cy="0"/>
+        </a:xfrm>
+      </p:grpSpPr>
+      <p:sp>
+        <p:nvSpPr>
+          <p:cNvPr id="2" name="Title 1"/>
+          <p:cNvSpPr>
+            <a:spLocks noGrp="1"/>
+          </p:cNvSpPr>
+          <p:nvPr>
+            <p:ph type="title"/>
+          </p:nvPr>
+        </p:nvSpPr>
+        <p:spPr>
+          <a:xfrm>
+            <a:off x="533400" y="533400"/>
+            <a:ext cx="7055380" cy="1400530"/>
+          </a:xfrm>
+        </p:spPr>
+        <p:txBody>
+          <a:bodyPr/>
+          <a:lstStyle/>
+          <a:p>
+            <a:r>
+              <a:rPr lang="en-US" sz="4000" dirty="0" smtClean="0"/>
+              <a:t>Project Management Detail</a:t>
+            </a:r>
+            <a:endParaRPr lang="en-US" sz="4000" dirty="0"/>
+          </a:p>
+        </p:txBody>
+      </p:sp>
+      <p:pic>
+        <p:nvPicPr>
+          <p:cNvPr id="4" name="Content Placeholder 3"/>
+          <p:cNvPicPr>
+            <a:picLocks noGrp="1" noChangeAspect="1"/>
+          </p:cNvPicPr>
+          <p:nvPr>
+            <p:ph idx="1"/>
+          </p:nvPr>
+        </p:nvPicPr>
+        <p:blipFill>
+          <a:blip r:embed="rId2">
+            <a:extLst>
+              <a:ext uri="{28A0092B-C50C-407E-A947-70E740481C1C}">
+                <a14:useLocalDpi xmlns:a14="http://schemas.microsoft.com/office/drawing/2010/main" val="0"/>
+              </a:ext>
+            </a:extLst>
+          </a:blip>
+          <a:stretch>
+            <a:fillRect/>
+          </a:stretch>
+        </p:blipFill>
+        <p:spPr>
+          <a:xfrm>
+            <a:off x="152400" y="1921230"/>
+            <a:ext cx="8740905" cy="3962400"/>
+          </a:xfrm>
+        </p:spPr>
+      </p:pic>
+    </p:spTree>
+    <p:extLst>
+      <p:ext uri="{BB962C8B-B14F-4D97-AF65-F5344CB8AC3E}">
+        <p14:creationId xmlns:p14="http://schemas.microsoft.com/office/powerpoint/2010/main" val="929047276"/>
+      </p:ext>
+    </p:extLst>
+  </p:cSld>
+  <p:clrMapOvr>
+    <a:masterClrMapping/>
+  </p:clrMapOvr>
+  <mc:AlternateContent xmlns:mc="http://schemas.openxmlformats.org/markup-compatibility/2006" xmlns:p14="http://schemas.microsoft.com/office/powerpoint/2010/main">
+    <mc:Choice Requires="p14">
+      <p:transition spd="med" p14:dur="700">
+        <p:fade/>
+      </p:transition>
+    </mc:Choice>
+    <mc:Fallback xmlns="">
+      <p:transition spd="med">
+        <p:fade/>
+      </p:transition>
+    </mc:Fallback>
+  </mc:AlternateContent>
+</p:sld>
+</file>
+
+<file path=ppt/slides/slide15.xml><?xml version="1.0" encoding="utf-8"?>
 <p:sld xmlns:a="http://schemas.openxmlformats.org/drawingml/2006/main" xmlns:r="http://schemas.openxmlformats.org/officeDocument/2006/relationships" xmlns:p="http://schemas.openxmlformats.org/presentationml/2006/main">
   <p:cSld>
     <p:spTree>
@@ -8505,7 +8971,7 @@
 </p:sld>
 </file>
 
-<file path=ppt/slides/slide15.xml><?xml version="1.0" encoding="utf-8"?>
+<file path=ppt/slides/slide16.xml><?xml version="1.0" encoding="utf-8"?>
 <p:sld xmlns:a="http://schemas.openxmlformats.org/drawingml/2006/main" xmlns:r="http://schemas.openxmlformats.org/officeDocument/2006/relationships" xmlns:p="http://schemas.openxmlformats.org/presentationml/2006/main">
   <p:cSld>
     <p:spTree>
@@ -8649,7 +9115,15 @@
             </a:pPr>
             <a:r>
               <a:rPr lang="en-US" dirty="0"/>
-              <a:t>[3]	&lt;p&gt;Tian Zhou*, D. </a:t>
+              <a:t>[3]	</a:t>
+            </a:r>
+            <a:r>
+              <a:rPr lang="en-US" dirty="0" smtClean="0"/>
+              <a:t>Tian </a:t>
+            </a:r>
+            <a:r>
+              <a:rPr lang="en-US" dirty="0"/>
+              <a:t>Zhou*, D. </a:t>
             </a:r>
             <a:r>
               <a:rPr lang="en-US" dirty="0" err="1"/>
@@ -8657,7 +9131,15 @@
             </a:r>
             <a:r>
               <a:rPr lang="en-US" dirty="0"/>
-              <a:t>, S. Yang, G. Xu, and C. J. and Z. Zhao&lt;/p&gt;, “Measurement and Characterization of Flexible Absorbing Materials for Applications in Wireless Communication,” </a:t>
+              <a:t>, S. Yang, G. Xu, and C. J. and Z. </a:t>
+            </a:r>
+            <a:r>
+              <a:rPr lang="en-US" dirty="0" smtClean="0"/>
+              <a:t>Zhao, </a:t>
+            </a:r>
+            <a:r>
+              <a:rPr lang="en-US" dirty="0"/>
+              <a:t>“Measurement and Characterization of Flexible Absorbing Materials for Applications in Wireless Communication,” </a:t>
             </a:r>
             <a:r>
               <a:rPr lang="en-US" i="1" dirty="0"/>
@@ -8790,10 +9272,9 @@
           <a:lstStyle/>
           <a:p>
             <a:r>
-              <a:rPr lang="en-US" sz="4400" dirty="0"/>
+              <a:rPr lang="en-US" sz="4000" dirty="0"/>
               <a:t>Project requirements:</a:t>
             </a:r>
-            <a:endParaRPr lang="en-US" dirty="0"/>
           </a:p>
         </p:txBody>
       </p:sp>
@@ -8852,16 +9333,13 @@
             </a:r>
           </a:p>
           <a:p>
-            <a:pPr lvl="1"/>
+            <a:r>
+              <a:rPr lang="en-US" dirty="0" smtClean="0"/>
+              <a:t>Simulation </a:t>
+            </a:r>
             <a:r>
               <a:rPr lang="en-US" dirty="0"/>
-              <a:t>Layer thickness</a:t>
-            </a:r>
-          </a:p>
-          <a:p>
-            <a:r>
-              <a:rPr lang="en-US" dirty="0"/>
-              <a:t>Simulation model for validation </a:t>
+              <a:t>model for validation </a:t>
             </a:r>
           </a:p>
           <a:p>
@@ -8933,10 +9411,9 @@
           <a:lstStyle/>
           <a:p>
             <a:r>
-              <a:rPr lang="en-US" sz="4400" dirty="0"/>
+              <a:rPr lang="en-US" sz="4000" dirty="0"/>
               <a:t>Main phases:</a:t>
             </a:r>
-            <a:endParaRPr lang="en-US" dirty="0"/>
           </a:p>
         </p:txBody>
       </p:sp>
@@ -8991,15 +9468,28 @@
           <a:p>
             <a:r>
               <a:rPr lang="en-US" dirty="0"/>
-              <a:t>Prototypes (10 weeks):</a:t>
+              <a:t>Prototypes </a:t>
+            </a:r>
+            <a:r>
+              <a:rPr lang="en-US" dirty="0" smtClean="0"/>
+              <a:t>(9 </a:t>
+            </a:r>
+            <a:r>
+              <a:rPr lang="en-US" dirty="0"/>
+              <a:t>weeks):</a:t>
             </a:r>
           </a:p>
           <a:p>
             <a:pPr lvl="1"/>
             <a:r>
               <a:rPr lang="en-US" dirty="0"/>
-              <a:t>NRL Arch: from 300 MHz to 4 GHz</a:t>
-            </a:r>
+              <a:t>NRL Arch: from </a:t>
+            </a:r>
+            <a:r>
+              <a:rPr lang="en-US" dirty="0" smtClean="0"/>
+              <a:t>8 GHz to 12 GHz</a:t>
+            </a:r>
+            <a:endParaRPr lang="en-US" dirty="0"/>
           </a:p>
           <a:p>
             <a:pPr lvl="1"/>
@@ -9025,7 +9515,15 @@
           <a:p>
             <a:r>
               <a:rPr lang="en-US" dirty="0"/>
-              <a:t>Production (7 weeks):</a:t>
+              <a:t>Production </a:t>
+            </a:r>
+            <a:r>
+              <a:rPr lang="en-US" dirty="0" smtClean="0"/>
+              <a:t>(5 </a:t>
+            </a:r>
+            <a:r>
+              <a:rPr lang="en-US" dirty="0"/>
+              <a:t>weeks):</a:t>
             </a:r>
           </a:p>
           <a:p>
@@ -9119,10 +9617,9 @@
           <a:lstStyle/>
           <a:p>
             <a:r>
-              <a:rPr lang="en-US" sz="4400" dirty="0"/>
+              <a:rPr lang="en-US" sz="4000" dirty="0"/>
               <a:t>Approaches:</a:t>
             </a:r>
-            <a:endParaRPr lang="en-US" dirty="0"/>
           </a:p>
         </p:txBody>
       </p:sp>
@@ -9270,10 +9767,9 @@
           <a:lstStyle/>
           <a:p>
             <a:r>
-              <a:rPr lang="en-US" sz="4400" dirty="0"/>
+              <a:rPr lang="en-US" sz="4000" dirty="0"/>
               <a:t>Potential Problems and Solutions</a:t>
             </a:r>
-            <a:endParaRPr lang="en-US" dirty="0"/>
           </a:p>
         </p:txBody>
       </p:sp>
@@ -9434,7 +9930,7 @@
         </p:spPr>
         <p:txBody>
           <a:bodyPr>
-            <a:normAutofit lnSpcReduction="10000"/>
+            <a:normAutofit/>
           </a:bodyPr>
           <a:lstStyle/>
           <a:p>
@@ -9454,8 +9950,29 @@
             </a:pPr>
             <a:r>
               <a:rPr lang="en-US" dirty="0"/>
-              <a:t>Set up 1 simple measurement to get the most possible alignment to apply on the arch alignment.</a:t>
-            </a:r>
+              <a:t>Set up </a:t>
+            </a:r>
+            <a:r>
+              <a:rPr lang="en-US" dirty="0" smtClean="0"/>
+              <a:t>a simplified measurement to </a:t>
+            </a:r>
+            <a:r>
+              <a:rPr lang="en-US" dirty="0"/>
+              <a:t>get the </a:t>
+            </a:r>
+            <a:r>
+              <a:rPr lang="en-US" dirty="0" smtClean="0"/>
+              <a:t>best possible arrangement for the </a:t>
+            </a:r>
+            <a:r>
+              <a:rPr lang="en-US" dirty="0"/>
+              <a:t>arch </a:t>
+            </a:r>
+            <a:r>
+              <a:rPr lang="en-US" dirty="0" smtClean="0"/>
+              <a:t>measurement.</a:t>
+            </a:r>
+            <a:endParaRPr lang="en-US" dirty="0"/>
           </a:p>
           <a:p>
             <a:pPr marL="800107" lvl="1" indent="-342900" algn="just">
@@ -9464,7 +9981,23 @@
             </a:pPr>
             <a:r>
               <a:rPr lang="en-US" dirty="0"/>
-              <a:t>Use the RF chamber room at PSU with the foam absorber to take the measurements.</a:t>
+              <a:t>Use the </a:t>
+            </a:r>
+            <a:r>
+              <a:rPr lang="en-US" dirty="0" smtClean="0"/>
+              <a:t>anechoic chamber at </a:t>
+            </a:r>
+            <a:r>
+              <a:rPr lang="en-US" dirty="0"/>
+              <a:t>PSU </a:t>
+            </a:r>
+            <a:r>
+              <a:rPr lang="en-US" dirty="0" smtClean="0"/>
+              <a:t>to </a:t>
+            </a:r>
+            <a:r>
+              <a:rPr lang="en-US" dirty="0"/>
+              <a:t>take the measurements.</a:t>
             </a:r>
           </a:p>
           <a:p>
@@ -9474,7 +10007,15 @@
             </a:pPr>
             <a:r>
               <a:rPr lang="en-US" dirty="0"/>
-              <a:t>Design the sample holder waveguide short to fix the sample in easier then connect with 2 extensional waveguides and 2 waveguide adapters. [3]</a:t>
+              <a:t>Design the sample holder waveguide </a:t>
+            </a:r>
+            <a:r>
+              <a:rPr lang="en-US" dirty="0" smtClean="0"/>
+              <a:t>for easy access and measurements. </a:t>
+            </a:r>
+            <a:r>
+              <a:rPr lang="en-US" dirty="0"/>
+              <a:t>[3]</a:t>
             </a:r>
           </a:p>
           <a:p>
@@ -9544,7 +10085,7 @@
           <a:lstStyle/>
           <a:p>
             <a:r>
-              <a:rPr lang="en-US" dirty="0"/>
+              <a:rPr lang="en-US" sz="4000" dirty="0"/>
               <a:t>NRL arch prototype:</a:t>
             </a:r>
           </a:p>
@@ -9560,7 +10101,12 @@
             <p:ph sz="half" idx="1"/>
           </p:nvPr>
         </p:nvSpPr>
-        <p:spPr/>
+        <p:spPr>
+          <a:xfrm>
+            <a:off x="609600" y="1752600"/>
+            <a:ext cx="3298113" cy="4195763"/>
+          </a:xfrm>
+        </p:spPr>
         <p:txBody>
           <a:bodyPr>
             <a:normAutofit fontScale="92500" lnSpcReduction="20000"/>
@@ -9591,8 +10137,13 @@
             <a:pPr algn="just"/>
             <a:r>
               <a:rPr lang="en-US" dirty="0"/>
-              <a:t>Absorption coefficient of PVC is calculated and compared.</a:t>
-            </a:r>
+              <a:t>Absorption coefficient of PVC is calculated and </a:t>
+            </a:r>
+            <a:r>
+              <a:rPr lang="en-US" dirty="0" smtClean="0"/>
+              <a:t>compared to reference [].</a:t>
+            </a:r>
+            <a:endParaRPr lang="en-US" dirty="0"/>
           </a:p>
           <a:p>
             <a:pPr algn="just"/>
@@ -9624,7 +10175,7 @@
         </p:blipFill>
         <p:spPr>
           <a:xfrm>
-            <a:off x="4241800" y="2060576"/>
+            <a:off x="4045303" y="2169097"/>
             <a:ext cx="4376809" cy="3362767"/>
           </a:xfrm>
           <a:prstGeom prst="rect">
@@ -9684,7 +10235,12 @@
             <p:ph type="title"/>
           </p:nvPr>
         </p:nvSpPr>
-        <p:spPr/>
+        <p:spPr>
+          <a:xfrm>
+            <a:off x="628650" y="333256"/>
+            <a:ext cx="7055380" cy="1400530"/>
+          </a:xfrm>
+        </p:spPr>
         <p:txBody>
           <a:bodyPr>
             <a:normAutofit/>
@@ -9692,7 +10248,7 @@
           <a:lstStyle/>
           <a:p>
             <a:r>
-              <a:rPr lang="en-US" sz="3000" dirty="0"/>
+              <a:rPr lang="en-US" sz="4000" dirty="0"/>
               <a:t>Waveguide Prototype:</a:t>
             </a:r>
           </a:p>
@@ -10213,30 +10769,54 @@
           <a:lstStyle/>
           <a:p>
             <a:r>
+              <a:rPr lang="en-US" sz="3600" dirty="0" smtClean="0"/>
+              <a:t>Description of Extraction </a:t>
+            </a:r>
+            <a:r>
+              <a:rPr lang="en-US" sz="3600" dirty="0"/>
+              <a:t>and </a:t>
+            </a:r>
+            <a:r>
+              <a:rPr lang="en-US" sz="3600" dirty="0" smtClean="0"/>
+              <a:t>Simulation</a:t>
+            </a:r>
+            <a:endParaRPr lang="en-US" sz="3600" dirty="0"/>
+          </a:p>
+        </p:txBody>
+      </p:sp>
+      <p:sp>
+        <p:nvSpPr>
+          <p:cNvPr id="3" name="Content Placeholder 2"/>
+          <p:cNvSpPr>
+            <a:spLocks noGrp="1"/>
+          </p:cNvSpPr>
+          <p:nvPr>
+            <p:ph sz="half" idx="1"/>
+          </p:nvPr>
+        </p:nvSpPr>
+        <p:spPr>
+          <a:xfrm>
+            <a:off x="484710" y="1865948"/>
+            <a:ext cx="3858690" cy="4195763"/>
+          </a:xfrm>
+        </p:spPr>
+        <p:txBody>
+          <a:bodyPr>
+            <a:normAutofit fontScale="92500" lnSpcReduction="20000"/>
+          </a:bodyPr>
+          <a:lstStyle/>
+          <a:p>
+            <a:r>
               <a:rPr lang="en-US" dirty="0"/>
-              <a:t>Extraction and Simulation</a:t>
-            </a:r>
-          </a:p>
-        </p:txBody>
-      </p:sp>
-      <p:sp>
-        <p:nvSpPr>
-          <p:cNvPr id="3" name="Content Placeholder 2"/>
-          <p:cNvSpPr>
-            <a:spLocks noGrp="1"/>
-          </p:cNvSpPr>
-          <p:nvPr>
-            <p:ph idx="1"/>
-          </p:nvPr>
-        </p:nvSpPr>
-        <p:spPr/>
-        <p:txBody>
-          <a:bodyPr/>
-          <a:lstStyle/>
-          <a:p>
+              <a:t>MATLAB functions </a:t>
+            </a:r>
+            <a:r>
+              <a:rPr lang="en-US" dirty="0" smtClean="0"/>
+              <a:t>are </a:t>
+            </a:r>
             <a:r>
               <a:rPr lang="en-US" dirty="0"/>
-              <a:t>MATLAB functions is used for extraction</a:t>
+              <a:t>used for extraction</a:t>
             </a:r>
           </a:p>
           <a:p>
@@ -10284,8 +10864,128 @@
             <a:pPr lvl="1"/>
             <a:r>
               <a:rPr lang="en-US" dirty="0"/>
-              <a:t>Functionality: Scattering parameter of simulation and measurement are compared for validation</a:t>
-            </a:r>
+              <a:t>Functionality: Scattering parameter of simulation and measurement are compared for </a:t>
+            </a:r>
+            <a:r>
+              <a:rPr lang="en-US" dirty="0" smtClean="0"/>
+              <a:t>validation.</a:t>
+            </a:r>
+            <a:endParaRPr lang="en-US" dirty="0"/>
+          </a:p>
+        </p:txBody>
+      </p:sp>
+      <p:pic>
+        <p:nvPicPr>
+          <p:cNvPr id="5" name="Content Placeholder 4"/>
+          <p:cNvPicPr>
+            <a:picLocks noGrp="1" noChangeAspect="1"/>
+          </p:cNvPicPr>
+          <p:nvPr>
+            <p:ph sz="half" idx="2"/>
+          </p:nvPr>
+        </p:nvPicPr>
+        <p:blipFill>
+          <a:blip r:embed="rId2">
+            <a:extLst>
+              <a:ext uri="{28A0092B-C50C-407E-A947-70E740481C1C}">
+                <a14:useLocalDpi xmlns:a14="http://schemas.microsoft.com/office/drawing/2010/main" val="0"/>
+              </a:ext>
+            </a:extLst>
+          </a:blip>
+          <a:stretch>
+            <a:fillRect/>
+          </a:stretch>
+        </p:blipFill>
+        <p:spPr>
+          <a:xfrm>
+            <a:off x="4772265" y="1524000"/>
+            <a:ext cx="2767826" cy="1887457"/>
+          </a:xfrm>
+        </p:spPr>
+      </p:pic>
+      <p:pic>
+        <p:nvPicPr>
+          <p:cNvPr id="7" name="Picture 6"/>
+          <p:cNvPicPr>
+            <a:picLocks noChangeAspect="1"/>
+          </p:cNvPicPr>
+          <p:nvPr/>
+        </p:nvPicPr>
+        <p:blipFill>
+          <a:blip r:embed="rId3">
+            <a:extLst>
+              <a:ext uri="{28A0092B-C50C-407E-A947-70E740481C1C}">
+                <a14:useLocalDpi xmlns:a14="http://schemas.microsoft.com/office/drawing/2010/main" val="0"/>
+              </a:ext>
+            </a:extLst>
+          </a:blip>
+          <a:stretch>
+            <a:fillRect/>
+          </a:stretch>
+        </p:blipFill>
+        <p:spPr>
+          <a:xfrm>
+            <a:off x="4772265" y="3505200"/>
+            <a:ext cx="2767826" cy="2115790"/>
+          </a:xfrm>
+          <a:prstGeom prst="rect">
+            <a:avLst/>
+          </a:prstGeom>
+        </p:spPr>
+      </p:pic>
+      <p:sp>
+        <p:nvSpPr>
+          <p:cNvPr id="8" name="TextBox 7"/>
+          <p:cNvSpPr txBox="1"/>
+          <p:nvPr/>
+        </p:nvSpPr>
+        <p:spPr>
+          <a:xfrm>
+            <a:off x="4784965" y="5714733"/>
+            <a:ext cx="3597035" cy="507831"/>
+          </a:xfrm>
+          <a:prstGeom prst="rect">
+            <a:avLst/>
+          </a:prstGeom>
+          <a:noFill/>
+          <a:ln>
+            <a:solidFill>
+              <a:schemeClr val="accent1">
+                <a:lumMod val="20000"/>
+                <a:lumOff val="80000"/>
+              </a:schemeClr>
+            </a:solidFill>
+          </a:ln>
+        </p:spPr>
+        <p:txBody>
+          <a:bodyPr wrap="square" rtlCol="0" anchor="ctr" anchorCtr="1">
+            <a:spAutoFit/>
+          </a:bodyPr>
+          <a:lstStyle/>
+          <a:p>
+            <a:r>
+              <a:rPr lang="en-US" sz="900" dirty="0"/>
+              <a:t>Tian Zhou</a:t>
+            </a:r>
+            <a:r>
+              <a:rPr lang="en-US" sz="900" dirty="0" smtClean="0"/>
+              <a:t>* et al 2016,</a:t>
+            </a:r>
+          </a:p>
+          <a:p>
+            <a:r>
+              <a:rPr lang="en-US" sz="900" dirty="0" smtClean="0"/>
+              <a:t> “</a:t>
+            </a:r>
+            <a:r>
+              <a:rPr lang="en-US" sz="900" dirty="0"/>
+              <a:t>Measurement and Characterization of Flexible Absorbing Materials for Applications in Wireless Communication</a:t>
+            </a:r>
+            <a:r>
+              <a:rPr lang="en-US" sz="900" dirty="0" smtClean="0"/>
+              <a:t>,” [3]</a:t>
+            </a:r>
+            <a:endParaRPr lang="en-US" sz="900" dirty="0"/>
           </a:p>
         </p:txBody>
       </p:sp>
@@ -10347,14 +11047,14 @@
           <a:lstStyle/>
           <a:p>
             <a:r>
-              <a:rPr lang="en-US" dirty="0"/>
+              <a:rPr lang="en-US" sz="4000" dirty="0"/>
               <a:t>Available parts</a:t>
             </a:r>
             <a:r>
-              <a:rPr lang="en-US" dirty="0" smtClean="0"/>
+              <a:rPr lang="en-US" sz="4000" dirty="0" smtClean="0"/>
               <a:t>:</a:t>
             </a:r>
-            <a:endParaRPr lang="en-US" dirty="0"/>
+            <a:endParaRPr lang="en-US" sz="4000" dirty="0"/>
           </a:p>
         </p:txBody>
       </p:sp>
@@ -10409,8 +11109,13 @@
             <a:pPr lvl="1"/>
             <a:r>
               <a:rPr lang="en-US" sz="1300" dirty="0"/>
-              <a:t>Frequency: 400 MHz to 1 GHz</a:t>
-            </a:r>
+              <a:t>Frequency: 400 MHz to 1 </a:t>
+            </a:r>
+            <a:r>
+              <a:rPr lang="en-US" sz="1300" dirty="0" smtClean="0"/>
+              <a:t>GHz</a:t>
+            </a:r>
+            <a:endParaRPr lang="en-US" sz="1300" dirty="0"/>
           </a:p>
           <a:p>
             <a:r>
@@ -10434,17 +11139,35 @@
             </a:r>
             <a:r>
               <a:rPr lang="en-US" sz="1300" dirty="0" smtClean="0"/>
-              <a:t> 8.20 – 12.40 GHz </a:t>
-            </a:r>
-          </a:p>
-          <a:p>
-            <a:r>
-              <a:rPr lang="en-US" sz="1300" dirty="0"/>
-              <a:t>1</a:t>
+              <a:t> 8.20 – 12.40 </a:t>
             </a:r>
             <a:r>
               <a:rPr lang="en-US" sz="1300" dirty="0" smtClean="0"/>
-              <a:t> </a:t>
+              <a:t>GHz</a:t>
+            </a:r>
+          </a:p>
+          <a:p>
+            <a:pPr lvl="1"/>
+            <a:r>
+              <a:rPr lang="en-US" sz="1300" dirty="0" smtClean="0"/>
+              <a:t>Dimensions: </a:t>
+            </a:r>
+            <a:r>
+              <a:rPr lang="en-US" sz="1300" dirty="0" smtClean="0"/>
+              <a:t> 7.4 x 5.5 cm</a:t>
+            </a:r>
+            <a:endParaRPr lang="en-US" sz="1100" dirty="0" smtClean="0"/>
+          </a:p>
+          <a:p>
+            <a:r>
+              <a:rPr lang="en-US" sz="1300" dirty="0" smtClean="0"/>
+              <a:t>SMA cable for NRL measurement with length of 10ft (3 m)</a:t>
+            </a:r>
+          </a:p>
+          <a:p>
+            <a:r>
+              <a:rPr lang="en-US" sz="1300" dirty="0" smtClean="0"/>
+              <a:t>1 </a:t>
             </a:r>
             <a:r>
               <a:rPr lang="en-US" sz="1300" dirty="0"/>

--- a/Capstone project proposal presentation.pptx
+++ b/Capstone project proposal presentation.pptx
@@ -7447,7 +7447,7 @@
         <p:spPr>
           <a:xfrm>
             <a:off x="609600" y="1600200"/>
-            <a:ext cx="7192027" cy="4195481"/>
+            <a:ext cx="7192027" cy="4495800"/>
           </a:xfrm>
         </p:spPr>
         <p:txBody>
@@ -7492,12 +7492,32 @@
           <a:p>
             <a:r>
               <a:rPr lang="en-US" dirty="0" smtClean="0"/>
+              <a:t>Components for NRL </a:t>
+            </a:r>
+            <a:r>
+              <a:rPr lang="en-US" smtClean="0"/>
+              <a:t>Arch construction(Estimated cost: </a:t>
+            </a:r>
+            <a:r>
+              <a:rPr lang="en-US" dirty="0" smtClean="0"/>
+              <a:t>$150)</a:t>
+            </a:r>
+            <a:endParaRPr lang="en-US" dirty="0" smtClean="0"/>
+          </a:p>
+          <a:p>
+            <a:r>
+              <a:rPr lang="en-US" dirty="0" smtClean="0"/>
               <a:t>A </a:t>
             </a:r>
             <a:r>
               <a:rPr lang="en-US" dirty="0"/>
-              <a:t>sample holder (a segment of X-band waveguide that has suitable size for the sample) </a:t>
-            </a:r>
+              <a:t>sample holder (a segment of X-band waveguide that has suitable size for the sample</a:t>
+            </a:r>
+            <a:r>
+              <a:rPr lang="en-US" dirty="0" smtClean="0"/>
+              <a:t>)</a:t>
+            </a:r>
+            <a:endParaRPr lang="en-US" dirty="0"/>
           </a:p>
           <a:p>
             <a:r>
@@ -10159,7 +10179,7 @@
       </p:sp>
       <p:pic>
         <p:nvPicPr>
-          <p:cNvPr id="5" name="Content Placeholder 3"/>
+          <p:cNvPr id="6" name="Content Placeholder 5"/>
           <p:cNvPicPr>
             <a:picLocks noGrp="1" noChangeAspect="1"/>
           </p:cNvPicPr>
@@ -10168,19 +10188,22 @@
           </p:nvPr>
         </p:nvPicPr>
         <p:blipFill>
-          <a:blip r:embed="rId2"/>
+          <a:blip r:embed="rId2">
+            <a:extLst>
+              <a:ext uri="{28A0092B-C50C-407E-A947-70E740481C1C}">
+                <a14:useLocalDpi xmlns:a14="http://schemas.microsoft.com/office/drawing/2010/main" val="0"/>
+              </a:ext>
+            </a:extLst>
+          </a:blip>
           <a:stretch>
             <a:fillRect/>
           </a:stretch>
         </p:blipFill>
         <p:spPr>
           <a:xfrm>
-            <a:off x="4045303" y="2169097"/>
-            <a:ext cx="4376809" cy="3362767"/>
+            <a:off x="4031450" y="1981200"/>
+            <a:ext cx="4393242" cy="3385502"/>
           </a:xfrm>
-          <a:prstGeom prst="rect">
-            <a:avLst/>
-          </a:prstGeom>
         </p:spPr>
       </p:pic>
     </p:spTree>
@@ -11139,22 +11162,14 @@
             </a:r>
             <a:r>
               <a:rPr lang="en-US" sz="1300" dirty="0" smtClean="0"/>
-              <a:t> 8.20 – 12.40 </a:t>
-            </a:r>
+              <a:t> 8.20 – 12.40 GHz</a:t>
+            </a:r>
+          </a:p>
+          <a:p>
+            <a:pPr lvl="1"/>
             <a:r>
               <a:rPr lang="en-US" sz="1300" dirty="0" smtClean="0"/>
-              <a:t>GHz</a:t>
-            </a:r>
-          </a:p>
-          <a:p>
-            <a:pPr lvl="1"/>
-            <a:r>
-              <a:rPr lang="en-US" sz="1300" dirty="0" smtClean="0"/>
-              <a:t>Dimensions: </a:t>
-            </a:r>
-            <a:r>
-              <a:rPr lang="en-US" sz="1300" dirty="0" smtClean="0"/>
-              <a:t> 7.4 x 5.5 cm</a:t>
+              <a:t>Dimensions:  7.4 x 5.5 cm</a:t>
             </a:r>
             <a:endParaRPr lang="en-US" sz="1100" dirty="0" smtClean="0"/>
           </a:p>

--- a/Capstone project proposal presentation.pptx
+++ b/Capstone project proposal presentation.pptx
@@ -261,7 +261,7 @@
           <a:p>
             <a:fld id="{BEA74EB7-856E-45FD-83F0-5F7C6F3E4372}" type="datetimeFigureOut">
               <a:rPr lang="en-US"/>
-              <a:t>2/11/17</a:t>
+              <a:t>2/13/17</a:t>
             </a:fld>
             <a:endParaRPr dirty="0"/>
           </a:p>
@@ -426,7 +426,7 @@
           <a:p>
             <a:fld id="{C61B0E40-8125-41F8-BB6C-139D8D531A4F}" type="datetimeFigureOut">
               <a:rPr lang="en-US"/>
-              <a:t>2/11/17</a:t>
+              <a:t>2/13/17</a:t>
             </a:fld>
             <a:endParaRPr dirty="0"/>
           </a:p>
@@ -968,7 +968,7 @@
           <a:p>
             <a:fld id="{333B76B7-5811-4114-8A95-998148FFD529}" type="datetime1">
               <a:rPr lang="en-US" smtClean="0"/>
-              <a:t>2/11/17</a:t>
+              <a:t>2/13/17</a:t>
             </a:fld>
             <a:endParaRPr lang="en-US" dirty="0"/>
           </a:p>
@@ -1251,7 +1251,7 @@
           <a:p>
             <a:fld id="{5C6E67D0-0200-42BE-A0B2-78C70FBBB312}" type="datetime1">
               <a:rPr lang="en-US" smtClean="0"/>
-              <a:t>2/11/17</a:t>
+              <a:t>2/13/17</a:t>
             </a:fld>
             <a:endParaRPr lang="en-US" dirty="0"/>
           </a:p>
@@ -1442,7 +1442,7 @@
           <a:p>
             <a:fld id="{5C6E67D0-0200-42BE-A0B2-78C70FBBB312}" type="datetime1">
               <a:rPr lang="en-US" smtClean="0"/>
-              <a:t>2/11/17</a:t>
+              <a:t>2/13/17</a:t>
             </a:fld>
             <a:endParaRPr lang="en-US" dirty="0"/>
           </a:p>
@@ -1712,7 +1712,7 @@
           <a:p>
             <a:fld id="{5C6E67D0-0200-42BE-A0B2-78C70FBBB312}" type="datetime1">
               <a:rPr lang="en-US" smtClean="0"/>
-              <a:t>2/11/17</a:t>
+              <a:t>2/13/17</a:t>
             </a:fld>
             <a:endParaRPr lang="en-US" dirty="0"/>
           </a:p>
@@ -2050,7 +2050,7 @@
           <a:p>
             <a:fld id="{5C6E67D0-0200-42BE-A0B2-78C70FBBB312}" type="datetime1">
               <a:rPr lang="en-US" smtClean="0"/>
-              <a:t>2/11/17</a:t>
+              <a:t>2/13/17</a:t>
             </a:fld>
             <a:endParaRPr lang="en-US" dirty="0"/>
           </a:p>
@@ -2670,7 +2670,7 @@
           <a:p>
             <a:fld id="{5C6E67D0-0200-42BE-A0B2-78C70FBBB312}" type="datetime1">
               <a:rPr lang="en-US" smtClean="0"/>
-              <a:t>2/11/17</a:t>
+              <a:t>2/13/17</a:t>
             </a:fld>
             <a:endParaRPr lang="en-US" dirty="0"/>
           </a:p>
@@ -3527,7 +3527,7 @@
           <a:p>
             <a:fld id="{5C6E67D0-0200-42BE-A0B2-78C70FBBB312}" type="datetime1">
               <a:rPr lang="en-US" smtClean="0"/>
-              <a:t>2/11/17</a:t>
+              <a:t>2/13/17</a:t>
             </a:fld>
             <a:endParaRPr lang="en-US" dirty="0"/>
           </a:p>
@@ -3694,7 +3694,7 @@
           <a:p>
             <a:fld id="{175C077A-EF7A-41AA-8976-110EB7416C60}" type="datetime1">
               <a:rPr lang="en-US" smtClean="0"/>
-              <a:t>2/11/17</a:t>
+              <a:t>2/13/17</a:t>
             </a:fld>
             <a:endParaRPr lang="en-US" dirty="0"/>
           </a:p>
@@ -3882,7 +3882,7 @@
           <a:p>
             <a:fld id="{CFF5912B-6681-4BDF-AE10-F59636249FF3}" type="datetime1">
               <a:rPr lang="en-US" smtClean="0"/>
-              <a:t>2/11/17</a:t>
+              <a:t>2/13/17</a:t>
             </a:fld>
             <a:endParaRPr lang="en-US" dirty="0"/>
           </a:p>
@@ -3985,7 +3985,7 @@
           <a:p>
             <a:fld id="{905C8E22-D0BA-4CB4-9C32-B27533199514}" type="datetime1">
               <a:rPr lang="en-US" smtClean="0"/>
-              <a:t>2/11/17</a:t>
+              <a:t>2/13/17</a:t>
             </a:fld>
             <a:endParaRPr dirty="0"/>
           </a:p>
@@ -4249,7 +4249,7 @@
           <a:p>
             <a:fld id="{FC2180A9-7A83-412D-A8AC-5AF60A8AA507}" type="datetime1">
               <a:rPr lang="en-US" smtClean="0"/>
-              <a:t>2/11/17</a:t>
+              <a:t>2/13/17</a:t>
             </a:fld>
             <a:endParaRPr lang="en-US" dirty="0"/>
           </a:p>
@@ -4504,7 +4504,7 @@
           <a:p>
             <a:fld id="{6A563DF0-FDDF-4143-9D8C-6AF41892E174}" type="datetime1">
               <a:rPr lang="en-US" smtClean="0"/>
-              <a:t>2/11/17</a:t>
+              <a:t>2/13/17</a:t>
             </a:fld>
             <a:endParaRPr lang="en-US" dirty="0"/>
           </a:p>
@@ -4804,7 +4804,7 @@
           <a:p>
             <a:fld id="{38BB83F9-4677-4C31-8407-7919061A580B}" type="datetime1">
               <a:rPr lang="en-US" smtClean="0"/>
-              <a:t>2/11/17</a:t>
+              <a:t>2/13/17</a:t>
             </a:fld>
             <a:endParaRPr lang="en-US" dirty="0"/>
           </a:p>
@@ -5256,7 +5256,7 @@
           <a:p>
             <a:fld id="{C33939A6-3450-434F-A872-BEE63F7EB093}" type="datetime1">
               <a:rPr lang="en-US" smtClean="0"/>
-              <a:t>2/11/17</a:t>
+              <a:t>2/13/17</a:t>
             </a:fld>
             <a:endParaRPr lang="en-US" dirty="0"/>
           </a:p>
@@ -5382,7 +5382,7 @@
           <a:p>
             <a:fld id="{E3BABB1C-FA00-4171-BA31-4C5E719472F3}" type="datetime1">
               <a:rPr lang="en-US" smtClean="0"/>
-              <a:t>2/11/17</a:t>
+              <a:t>2/13/17</a:t>
             </a:fld>
             <a:endParaRPr lang="en-US" dirty="0"/>
           </a:p>
@@ -5485,7 +5485,7 @@
           <a:p>
             <a:fld id="{D76C8610-5B57-4C6B-BF9F-F5397A1F60B8}" type="datetime1">
               <a:rPr lang="en-US" smtClean="0"/>
-              <a:t>2/11/17</a:t>
+              <a:t>2/13/17</a:t>
             </a:fld>
             <a:endParaRPr lang="en-US" dirty="0"/>
           </a:p>
@@ -5772,7 +5772,7 @@
           <a:p>
             <a:fld id="{BADBF3DD-8B6D-46AA-BCA9-242D4EF63DDF}" type="datetime1">
               <a:rPr lang="en-US" smtClean="0"/>
-              <a:t>2/11/17</a:t>
+              <a:t>2/13/17</a:t>
             </a:fld>
             <a:endParaRPr lang="en-US" dirty="0"/>
           </a:p>
@@ -6055,7 +6055,7 @@
           <a:p>
             <a:fld id="{23C41AE9-3D4A-4A08-B03D-DC6D2ADF5464}" type="datetime1">
               <a:rPr lang="en-US" smtClean="0"/>
-              <a:t>2/11/17</a:t>
+              <a:t>2/13/17</a:t>
             </a:fld>
             <a:endParaRPr lang="en-US" dirty="0"/>
           </a:p>
@@ -6628,7 +6628,7 @@
           <a:p>
             <a:fld id="{5C6E67D0-0200-42BE-A0B2-78C70FBBB312}" type="datetime1">
               <a:rPr lang="en-US" smtClean="0"/>
-              <a:t>2/11/17</a:t>
+              <a:t>2/13/17</a:t>
             </a:fld>
             <a:endParaRPr lang="en-US" dirty="0"/>
           </a:p>
@@ -7492,17 +7492,16 @@
           <a:p>
             <a:r>
               <a:rPr lang="en-US" dirty="0" smtClean="0"/>
-              <a:t>Components for NRL </a:t>
-            </a:r>
-            <a:r>
-              <a:rPr lang="en-US" smtClean="0"/>
-              <a:t>Arch construction(Estimated cost: </a:t>
+              <a:t>Components for NRL Arch </a:t>
             </a:r>
             <a:r>
               <a:rPr lang="en-US" dirty="0" smtClean="0"/>
-              <a:t>$150)</a:t>
-            </a:r>
-            <a:endParaRPr lang="en-US" dirty="0" smtClean="0"/>
+              <a:t>construction (</a:t>
+            </a:r>
+            <a:r>
+              <a:rPr lang="en-US" dirty="0" smtClean="0"/>
+              <a:t>Estimated cost: $150)</a:t>
+            </a:r>
           </a:p>
           <a:p>
             <a:r>
@@ -8324,7 +8323,15 @@
             <a:pPr algn="just"/>
             <a:r>
               <a:rPr lang="en-US" dirty="0"/>
-              <a:t>Perform NRL Arch measurement in RF chamber to eliminate surrounding affects.</a:t>
+              <a:t>Perform NRL Arch measurement in </a:t>
+            </a:r>
+            <a:r>
+              <a:rPr lang="en-US" dirty="0" smtClean="0"/>
+              <a:t>anechoic chamber </a:t>
+            </a:r>
+            <a:r>
+              <a:rPr lang="en-US" dirty="0"/>
+              <a:t>to eliminate surrounding affects.</a:t>
             </a:r>
           </a:p>
           <a:p>
